--- a/presentation.pptx
+++ b/presentation.pptx
@@ -6,6 +6,13 @@
   </p:sldMasterIdLst>
   <p:sldIdLst>
     <p:sldId id="256" r:id="rId2"/>
+    <p:sldId id="257" r:id="rId3"/>
+    <p:sldId id="258" r:id="rId4"/>
+    <p:sldId id="259" r:id="rId5"/>
+    <p:sldId id="260" r:id="rId6"/>
+    <p:sldId id="261" r:id="rId7"/>
+    <p:sldId id="262" r:id="rId8"/>
+    <p:sldId id="263" r:id="rId9"/>
   </p:sldIdLst>
   <p:sldSz cx="9144000" cy="6858000" type="screen4x3"/>
   <p:notesSz cx="6858000" cy="9144000"/>
@@ -2864,7 +2871,7 @@
           <a:p>
             <a:fld id="{BEB84F63-743D-4D2A-BBAE-D957C6F6D9B2}" type="datetimeFigureOut">
               <a:rPr lang="ru-RU" smtClean="0"/>
-              <a:t>15.05.2016</a:t>
+              <a:t>17.05.2016</a:t>
             </a:fld>
             <a:endParaRPr lang="ru-RU"/>
           </a:p>
@@ -3149,7 +3156,7 @@
           <a:p>
             <a:fld id="{BEB84F63-743D-4D2A-BBAE-D957C6F6D9B2}" type="datetimeFigureOut">
               <a:rPr lang="ru-RU" smtClean="0"/>
-              <a:t>15.05.2016</a:t>
+              <a:t>17.05.2016</a:t>
             </a:fld>
             <a:endParaRPr lang="ru-RU"/>
           </a:p>
@@ -3324,7 +3331,7 @@
           <a:p>
             <a:fld id="{BEB84F63-743D-4D2A-BBAE-D957C6F6D9B2}" type="datetimeFigureOut">
               <a:rPr lang="ru-RU" smtClean="0"/>
-              <a:t>15.05.2016</a:t>
+              <a:t>17.05.2016</a:t>
             </a:fld>
             <a:endParaRPr lang="ru-RU"/>
           </a:p>
@@ -3489,7 +3496,7 @@
           <a:p>
             <a:fld id="{BEB84F63-743D-4D2A-BBAE-D957C6F6D9B2}" type="datetimeFigureOut">
               <a:rPr lang="ru-RU" smtClean="0"/>
-              <a:t>15.05.2016</a:t>
+              <a:t>17.05.2016</a:t>
             </a:fld>
             <a:endParaRPr lang="ru-RU"/>
           </a:p>
@@ -3730,7 +3737,7 @@
           <a:p>
             <a:fld id="{BEB84F63-743D-4D2A-BBAE-D957C6F6D9B2}" type="datetimeFigureOut">
               <a:rPr lang="ru-RU" smtClean="0"/>
-              <a:t>15.05.2016</a:t>
+              <a:t>17.05.2016</a:t>
             </a:fld>
             <a:endParaRPr lang="ru-RU"/>
           </a:p>
@@ -3843,7 +3850,7 @@
           <a:p>
             <a:fld id="{BEB84F63-743D-4D2A-BBAE-D957C6F6D9B2}" type="datetimeFigureOut">
               <a:rPr lang="ru-RU" smtClean="0"/>
-              <a:t>15.05.2016</a:t>
+              <a:t>17.05.2016</a:t>
             </a:fld>
             <a:endParaRPr lang="ru-RU"/>
           </a:p>
@@ -4382,7 +4389,7 @@
           <a:p>
             <a:fld id="{BEB84F63-743D-4D2A-BBAE-D957C6F6D9B2}" type="datetimeFigureOut">
               <a:rPr lang="ru-RU" smtClean="0"/>
-              <a:t>15.05.2016</a:t>
+              <a:t>17.05.2016</a:t>
             </a:fld>
             <a:endParaRPr lang="ru-RU"/>
           </a:p>
@@ -4495,7 +4502,7 @@
           <a:p>
             <a:fld id="{BEB84F63-743D-4D2A-BBAE-D957C6F6D9B2}" type="datetimeFigureOut">
               <a:rPr lang="ru-RU" smtClean="0"/>
-              <a:t>15.05.2016</a:t>
+              <a:t>17.05.2016</a:t>
             </a:fld>
             <a:endParaRPr lang="ru-RU"/>
           </a:p>
@@ -4585,7 +4592,7 @@
           <a:p>
             <a:fld id="{BEB84F63-743D-4D2A-BBAE-D957C6F6D9B2}" type="datetimeFigureOut">
               <a:rPr lang="ru-RU" smtClean="0"/>
-              <a:t>15.05.2016</a:t>
+              <a:t>17.05.2016</a:t>
             </a:fld>
             <a:endParaRPr lang="ru-RU"/>
           </a:p>
@@ -7236,7 +7243,7 @@
           <a:p>
             <a:fld id="{BEB84F63-743D-4D2A-BBAE-D957C6F6D9B2}" type="datetimeFigureOut">
               <a:rPr lang="ru-RU" smtClean="0"/>
-              <a:t>15.05.2016</a:t>
+              <a:t>17.05.2016</a:t>
             </a:fld>
             <a:endParaRPr lang="ru-RU"/>
           </a:p>
@@ -10448,7 +10455,7 @@
           <a:p>
             <a:fld id="{BEB84F63-743D-4D2A-BBAE-D957C6F6D9B2}" type="datetimeFigureOut">
               <a:rPr lang="ru-RU" smtClean="0"/>
-              <a:t>15.05.2016</a:t>
+              <a:t>17.05.2016</a:t>
             </a:fld>
             <a:endParaRPr lang="ru-RU"/>
           </a:p>
@@ -13270,7 +13277,7 @@
           <a:p>
             <a:fld id="{BEB84F63-743D-4D2A-BBAE-D957C6F6D9B2}" type="datetimeFigureOut">
               <a:rPr lang="ru-RU" smtClean="0"/>
-              <a:t>15.05.2016</a:t>
+              <a:t>17.05.2016</a:t>
             </a:fld>
             <a:endParaRPr lang="ru-RU"/>
           </a:p>
@@ -13743,7 +13750,11 @@
           <a:bodyPr/>
           <a:lstStyle/>
           <a:p>
-            <a:endParaRPr lang="ru-RU"/>
+            <a:r>
+              <a:rPr lang="ru-RU" dirty="0" smtClean="0"/>
+              <a:t>Клиентская часть</a:t>
+            </a:r>
+            <a:endParaRPr lang="ru-RU" dirty="0"/>
           </a:p>
         </p:txBody>
       </p:sp>
@@ -13776,6 +13787,1074 @@
   <p:clrMapOvr>
     <a:masterClrMapping/>
   </p:clrMapOvr>
+</p:sld>
+</file>
+
+<file path=ppt/slides/slide2.xml><?xml version="1.0" encoding="utf-8"?>
+<p:sld xmlns:a="http://schemas.openxmlformats.org/drawingml/2006/main" xmlns:r="http://schemas.openxmlformats.org/officeDocument/2006/relationships" xmlns:p="http://schemas.openxmlformats.org/presentationml/2006/main">
+  <p:cSld>
+    <p:spTree>
+      <p:nvGrpSpPr>
+        <p:cNvPr id="1" name=""/>
+        <p:cNvGrpSpPr/>
+        <p:nvPr/>
+      </p:nvGrpSpPr>
+      <p:grpSpPr>
+        <a:xfrm>
+          <a:off x="0" y="0"/>
+          <a:ext cx="0" cy="0"/>
+          <a:chOff x="0" y="0"/>
+          <a:chExt cx="0" cy="0"/>
+        </a:xfrm>
+      </p:grpSpPr>
+      <p:sp>
+        <p:nvSpPr>
+          <p:cNvPr id="4" name="Заголовок 3"/>
+          <p:cNvSpPr>
+            <a:spLocks noGrp="1"/>
+          </p:cNvSpPr>
+          <p:nvPr>
+            <p:ph type="ctrTitle"/>
+          </p:nvPr>
+        </p:nvSpPr>
+        <p:spPr/>
+        <p:txBody>
+          <a:bodyPr/>
+          <a:lstStyle/>
+          <a:p>
+            <a:r>
+              <a:rPr lang="ru-RU" dirty="0" smtClean="0"/>
+              <a:t>Серверная часть</a:t>
+            </a:r>
+            <a:endParaRPr lang="ru-RU" dirty="0"/>
+          </a:p>
+        </p:txBody>
+      </p:sp>
+      <p:sp>
+        <p:nvSpPr>
+          <p:cNvPr id="5" name="Подзаголовок 4"/>
+          <p:cNvSpPr>
+            <a:spLocks noGrp="1"/>
+          </p:cNvSpPr>
+          <p:nvPr>
+            <p:ph type="subTitle" idx="1"/>
+          </p:nvPr>
+        </p:nvSpPr>
+        <p:spPr/>
+        <p:txBody>
+          <a:bodyPr/>
+          <a:lstStyle/>
+          <a:p>
+            <a:endParaRPr lang="ru-RU"/>
+          </a:p>
+        </p:txBody>
+      </p:sp>
+    </p:spTree>
+    <p:extLst>
+      <p:ext uri="{BB962C8B-B14F-4D97-AF65-F5344CB8AC3E}">
+        <p14:creationId xmlns:p14="http://schemas.microsoft.com/office/powerpoint/2010/main" val="1569078110"/>
+      </p:ext>
+    </p:extLst>
+  </p:cSld>
+  <p:clrMapOvr>
+    <a:masterClrMapping/>
+  </p:clrMapOvr>
+</p:sld>
+</file>
+
+<file path=ppt/slides/slide3.xml><?xml version="1.0" encoding="utf-8"?>
+<p:sld xmlns:a="http://schemas.openxmlformats.org/drawingml/2006/main" xmlns:r="http://schemas.openxmlformats.org/officeDocument/2006/relationships" xmlns:p="http://schemas.openxmlformats.org/presentationml/2006/main">
+  <p:cSld>
+    <p:spTree>
+      <p:nvGrpSpPr>
+        <p:cNvPr id="1" name=""/>
+        <p:cNvGrpSpPr/>
+        <p:nvPr/>
+      </p:nvGrpSpPr>
+      <p:grpSpPr>
+        <a:xfrm>
+          <a:off x="0" y="0"/>
+          <a:ext cx="0" cy="0"/>
+          <a:chOff x="0" y="0"/>
+          <a:chExt cx="0" cy="0"/>
+        </a:xfrm>
+      </p:grpSpPr>
+      <p:sp>
+        <p:nvSpPr>
+          <p:cNvPr id="2" name="Заголовок 1"/>
+          <p:cNvSpPr>
+            <a:spLocks noGrp="1"/>
+          </p:cNvSpPr>
+          <p:nvPr>
+            <p:ph type="title"/>
+          </p:nvPr>
+        </p:nvSpPr>
+        <p:spPr>
+          <a:xfrm>
+            <a:off x="1043490" y="685800"/>
+            <a:ext cx="7186110" cy="1143000"/>
+          </a:xfrm>
+        </p:spPr>
+        <p:txBody>
+          <a:bodyPr>
+            <a:normAutofit fontScale="90000"/>
+          </a:bodyPr>
+          <a:lstStyle/>
+          <a:p>
+            <a:r>
+              <a:rPr lang="ru-RU" dirty="0" smtClean="0"/>
+              <a:t>Архитектура «клиент-сервер»</a:t>
+            </a:r>
+            <a:endParaRPr lang="ru-RU" dirty="0"/>
+          </a:p>
+        </p:txBody>
+      </p:sp>
+      <p:sp>
+        <p:nvSpPr>
+          <p:cNvPr id="3" name="Объект 2"/>
+          <p:cNvSpPr>
+            <a:spLocks noGrp="1"/>
+          </p:cNvSpPr>
+          <p:nvPr>
+            <p:ph idx="1"/>
+          </p:nvPr>
+        </p:nvSpPr>
+        <p:spPr>
+          <a:xfrm>
+            <a:off x="1043492" y="2323653"/>
+            <a:ext cx="6777317" cy="2553148"/>
+          </a:xfrm>
+        </p:spPr>
+        <p:txBody>
+          <a:bodyPr>
+            <a:normAutofit/>
+          </a:bodyPr>
+          <a:lstStyle/>
+          <a:p>
+            <a:pPr marL="68263" indent="388938">
+              <a:buNone/>
+            </a:pPr>
+            <a:r>
+              <a:rPr lang="ru-RU" sz="2000" b="1" i="1" dirty="0"/>
+              <a:t>Клиент-сервер</a:t>
+            </a:r>
+            <a:r>
+              <a:rPr lang="ru-RU" sz="2000" dirty="0"/>
+              <a:t> — вычислительная архитектура, определяющая общие принципы организации взаимодействия в сети, где имеются клиенты – </a:t>
+            </a:r>
+            <a:r>
+              <a:rPr lang="ru-RU" sz="2000" dirty="0" smtClean="0"/>
+              <a:t>компьютеры, </a:t>
+            </a:r>
+            <a:r>
+              <a:rPr lang="ru-RU" sz="2000" dirty="0"/>
+              <a:t>осуществляющие запрос к серверу на выполнения каких-либо </a:t>
+            </a:r>
+            <a:r>
+              <a:rPr lang="ru-RU" sz="2000" dirty="0" smtClean="0"/>
+              <a:t>действий, </a:t>
+            </a:r>
+            <a:r>
+              <a:rPr lang="ru-RU" sz="2000" dirty="0"/>
+              <a:t>и серверы – </a:t>
+            </a:r>
+            <a:r>
+              <a:rPr lang="ru-RU" sz="2000" dirty="0" smtClean="0"/>
+              <a:t>компьютеры, </a:t>
+            </a:r>
+            <a:r>
+              <a:rPr lang="ru-RU" sz="2000" dirty="0"/>
+              <a:t>управляющие ресурсами и поставляющие некоторые функции. </a:t>
+            </a:r>
+            <a:endParaRPr lang="ru-RU" sz="2000" dirty="0"/>
+          </a:p>
+        </p:txBody>
+      </p:sp>
+    </p:spTree>
+    <p:extLst>
+      <p:ext uri="{BB962C8B-B14F-4D97-AF65-F5344CB8AC3E}">
+        <p14:creationId xmlns:p14="http://schemas.microsoft.com/office/powerpoint/2010/main" val="4055162592"/>
+      </p:ext>
+    </p:extLst>
+  </p:cSld>
+  <p:clrMapOvr>
+    <a:masterClrMapping/>
+  </p:clrMapOvr>
+  <p:timing>
+    <p:tnLst>
+      <p:par>
+        <p:cTn id="1" dur="indefinite" restart="never" nodeType="tmRoot"/>
+      </p:par>
+    </p:tnLst>
+  </p:timing>
+</p:sld>
+</file>
+
+<file path=ppt/slides/slide4.xml><?xml version="1.0" encoding="utf-8"?>
+<p:sld xmlns:a="http://schemas.openxmlformats.org/drawingml/2006/main" xmlns:r="http://schemas.openxmlformats.org/officeDocument/2006/relationships" xmlns:p="http://schemas.openxmlformats.org/presentationml/2006/main">
+  <p:cSld>
+    <p:spTree>
+      <p:nvGrpSpPr>
+        <p:cNvPr id="1" name=""/>
+        <p:cNvGrpSpPr/>
+        <p:nvPr/>
+      </p:nvGrpSpPr>
+      <p:grpSpPr>
+        <a:xfrm>
+          <a:off x="0" y="0"/>
+          <a:ext cx="0" cy="0"/>
+          <a:chOff x="0" y="0"/>
+          <a:chExt cx="0" cy="0"/>
+        </a:xfrm>
+      </p:grpSpPr>
+      <p:sp>
+        <p:nvSpPr>
+          <p:cNvPr id="4" name="Прямоугольник 3"/>
+          <p:cNvSpPr/>
+          <p:nvPr/>
+        </p:nvSpPr>
+        <p:spPr>
+          <a:xfrm>
+            <a:off x="1066800" y="1143000"/>
+            <a:ext cx="2590800" cy="1219200"/>
+          </a:xfrm>
+          <a:prstGeom prst="rect">
+            <a:avLst/>
+          </a:prstGeom>
+        </p:spPr>
+        <p:style>
+          <a:lnRef idx="2">
+            <a:schemeClr val="accent1">
+              <a:shade val="50000"/>
+            </a:schemeClr>
+          </a:lnRef>
+          <a:fillRef idx="1">
+            <a:schemeClr val="accent1"/>
+          </a:fillRef>
+          <a:effectRef idx="0">
+            <a:schemeClr val="accent1"/>
+          </a:effectRef>
+          <a:fontRef idx="minor">
+            <a:schemeClr val="lt1"/>
+          </a:fontRef>
+        </p:style>
+        <p:txBody>
+          <a:bodyPr rtlCol="0" anchor="ctr"/>
+          <a:lstStyle/>
+          <a:p>
+            <a:pPr algn="ctr"/>
+            <a:r>
+              <a:rPr lang="ru-RU" dirty="0" smtClean="0"/>
+              <a:t>Функции приложения</a:t>
+            </a:r>
+            <a:endParaRPr lang="ru-RU" dirty="0"/>
+          </a:p>
+        </p:txBody>
+      </p:sp>
+      <p:sp>
+        <p:nvSpPr>
+          <p:cNvPr id="5" name="Прямоугольник 4"/>
+          <p:cNvSpPr/>
+          <p:nvPr/>
+        </p:nvSpPr>
+        <p:spPr>
+          <a:xfrm>
+            <a:off x="5410200" y="1162664"/>
+            <a:ext cx="2590800" cy="1219200"/>
+          </a:xfrm>
+          <a:prstGeom prst="rect">
+            <a:avLst/>
+          </a:prstGeom>
+        </p:spPr>
+        <p:style>
+          <a:lnRef idx="2">
+            <a:schemeClr val="accent3">
+              <a:shade val="50000"/>
+            </a:schemeClr>
+          </a:lnRef>
+          <a:fillRef idx="1">
+            <a:schemeClr val="accent3"/>
+          </a:fillRef>
+          <a:effectRef idx="0">
+            <a:schemeClr val="accent3"/>
+          </a:effectRef>
+          <a:fontRef idx="minor">
+            <a:schemeClr val="lt1"/>
+          </a:fontRef>
+        </p:style>
+        <p:txBody>
+          <a:bodyPr rtlCol="0" anchor="ctr"/>
+          <a:lstStyle/>
+          <a:p>
+            <a:pPr algn="ctr"/>
+            <a:r>
+              <a:rPr lang="ru-RU" dirty="0" smtClean="0"/>
+              <a:t>Компоненты приложения</a:t>
+            </a:r>
+            <a:endParaRPr lang="ru-RU" dirty="0"/>
+          </a:p>
+        </p:txBody>
+      </p:sp>
+      <p:sp>
+        <p:nvSpPr>
+          <p:cNvPr id="6" name="Скругленный прямоугольник 5"/>
+          <p:cNvSpPr/>
+          <p:nvPr/>
+        </p:nvSpPr>
+        <p:spPr>
+          <a:xfrm>
+            <a:off x="1371600" y="2895600"/>
+            <a:ext cx="2057400" cy="838200"/>
+          </a:xfrm>
+          <a:prstGeom prst="roundRect">
+            <a:avLst/>
+          </a:prstGeom>
+          <a:ln w="38100"/>
+        </p:spPr>
+        <p:style>
+          <a:lnRef idx="2">
+            <a:schemeClr val="accent1"/>
+          </a:lnRef>
+          <a:fillRef idx="1">
+            <a:schemeClr val="lt1"/>
+          </a:fillRef>
+          <a:effectRef idx="0">
+            <a:schemeClr val="accent1"/>
+          </a:effectRef>
+          <a:fontRef idx="minor">
+            <a:schemeClr val="dk1"/>
+          </a:fontRef>
+        </p:style>
+        <p:txBody>
+          <a:bodyPr rtlCol="0" anchor="ctr"/>
+          <a:lstStyle/>
+          <a:p>
+            <a:pPr algn="ctr"/>
+            <a:r>
+              <a:rPr lang="ru-RU" dirty="0" smtClean="0"/>
+              <a:t>Ввод и отображение данных</a:t>
+            </a:r>
+            <a:endParaRPr lang="ru-RU" dirty="0"/>
+          </a:p>
+        </p:txBody>
+      </p:sp>
+      <p:sp>
+        <p:nvSpPr>
+          <p:cNvPr id="7" name="Скругленный прямоугольник 6"/>
+          <p:cNvSpPr/>
+          <p:nvPr/>
+        </p:nvSpPr>
+        <p:spPr>
+          <a:xfrm>
+            <a:off x="1371600" y="3886200"/>
+            <a:ext cx="2057400" cy="838200"/>
+          </a:xfrm>
+          <a:prstGeom prst="roundRect">
+            <a:avLst/>
+          </a:prstGeom>
+          <a:ln w="38100"/>
+        </p:spPr>
+        <p:style>
+          <a:lnRef idx="2">
+            <a:schemeClr val="accent1"/>
+          </a:lnRef>
+          <a:fillRef idx="1">
+            <a:schemeClr val="lt1"/>
+          </a:fillRef>
+          <a:effectRef idx="0">
+            <a:schemeClr val="accent1"/>
+          </a:effectRef>
+          <a:fontRef idx="minor">
+            <a:schemeClr val="dk1"/>
+          </a:fontRef>
+        </p:style>
+        <p:txBody>
+          <a:bodyPr rtlCol="0" anchor="ctr"/>
+          <a:lstStyle/>
+          <a:p>
+            <a:pPr algn="ctr"/>
+            <a:r>
+              <a:rPr lang="ru-RU" dirty="0" smtClean="0"/>
+              <a:t>Прикладные функции</a:t>
+            </a:r>
+            <a:endParaRPr lang="ru-RU" dirty="0"/>
+          </a:p>
+        </p:txBody>
+      </p:sp>
+      <p:sp>
+        <p:nvSpPr>
+          <p:cNvPr id="8" name="Скругленный прямоугольник 7"/>
+          <p:cNvSpPr/>
+          <p:nvPr/>
+        </p:nvSpPr>
+        <p:spPr>
+          <a:xfrm>
+            <a:off x="1371600" y="4876800"/>
+            <a:ext cx="2057400" cy="838200"/>
+          </a:xfrm>
+          <a:prstGeom prst="roundRect">
+            <a:avLst/>
+          </a:prstGeom>
+          <a:ln w="38100"/>
+        </p:spPr>
+        <p:style>
+          <a:lnRef idx="2">
+            <a:schemeClr val="accent1"/>
+          </a:lnRef>
+          <a:fillRef idx="1">
+            <a:schemeClr val="lt1"/>
+          </a:fillRef>
+          <a:effectRef idx="0">
+            <a:schemeClr val="accent1"/>
+          </a:effectRef>
+          <a:fontRef idx="minor">
+            <a:schemeClr val="dk1"/>
+          </a:fontRef>
+        </p:style>
+        <p:txBody>
+          <a:bodyPr rtlCol="0" anchor="ctr"/>
+          <a:lstStyle/>
+          <a:p>
+            <a:pPr algn="ctr"/>
+            <a:r>
+              <a:rPr lang="ru-RU" dirty="0" smtClean="0"/>
+              <a:t>Функции управления ресурсами</a:t>
+            </a:r>
+            <a:endParaRPr lang="ru-RU" dirty="0"/>
+          </a:p>
+        </p:txBody>
+      </p:sp>
+      <p:sp>
+        <p:nvSpPr>
+          <p:cNvPr id="9" name="Скругленный прямоугольник 8"/>
+          <p:cNvSpPr/>
+          <p:nvPr/>
+        </p:nvSpPr>
+        <p:spPr>
+          <a:xfrm>
+            <a:off x="5715000" y="2895600"/>
+            <a:ext cx="2057400" cy="838200"/>
+          </a:xfrm>
+          <a:prstGeom prst="roundRect">
+            <a:avLst/>
+          </a:prstGeom>
+          <a:ln w="38100"/>
+        </p:spPr>
+        <p:style>
+          <a:lnRef idx="2">
+            <a:schemeClr val="accent3"/>
+          </a:lnRef>
+          <a:fillRef idx="1">
+            <a:schemeClr val="lt1"/>
+          </a:fillRef>
+          <a:effectRef idx="0">
+            <a:schemeClr val="accent3"/>
+          </a:effectRef>
+          <a:fontRef idx="minor">
+            <a:schemeClr val="dk1"/>
+          </a:fontRef>
+        </p:style>
+        <p:txBody>
+          <a:bodyPr rtlCol="0" anchor="ctr"/>
+          <a:lstStyle/>
+          <a:p>
+            <a:pPr algn="ctr"/>
+            <a:r>
+              <a:rPr lang="ru-RU" dirty="0" smtClean="0"/>
+              <a:t>Компонент отображения данных</a:t>
+            </a:r>
+            <a:endParaRPr lang="ru-RU" dirty="0"/>
+          </a:p>
+        </p:txBody>
+      </p:sp>
+      <p:sp>
+        <p:nvSpPr>
+          <p:cNvPr id="10" name="Скругленный прямоугольник 9"/>
+          <p:cNvSpPr/>
+          <p:nvPr/>
+        </p:nvSpPr>
+        <p:spPr>
+          <a:xfrm>
+            <a:off x="5715000" y="3886200"/>
+            <a:ext cx="2057400" cy="838200"/>
+          </a:xfrm>
+          <a:prstGeom prst="roundRect">
+            <a:avLst/>
+          </a:prstGeom>
+          <a:ln w="38100"/>
+        </p:spPr>
+        <p:style>
+          <a:lnRef idx="2">
+            <a:schemeClr val="accent3"/>
+          </a:lnRef>
+          <a:fillRef idx="1">
+            <a:schemeClr val="lt1"/>
+          </a:fillRef>
+          <a:effectRef idx="0">
+            <a:schemeClr val="accent3"/>
+          </a:effectRef>
+          <a:fontRef idx="minor">
+            <a:schemeClr val="dk1"/>
+          </a:fontRef>
+        </p:style>
+        <p:txBody>
+          <a:bodyPr rtlCol="0" anchor="ctr"/>
+          <a:lstStyle/>
+          <a:p>
+            <a:pPr algn="ctr"/>
+            <a:r>
+              <a:rPr lang="ru-RU" dirty="0" smtClean="0"/>
+              <a:t>Прикладные компонент</a:t>
+            </a:r>
+            <a:endParaRPr lang="ru-RU" dirty="0"/>
+          </a:p>
+        </p:txBody>
+      </p:sp>
+      <p:sp>
+        <p:nvSpPr>
+          <p:cNvPr id="11" name="Скругленный прямоугольник 10"/>
+          <p:cNvSpPr/>
+          <p:nvPr/>
+        </p:nvSpPr>
+        <p:spPr>
+          <a:xfrm>
+            <a:off x="5715000" y="4876800"/>
+            <a:ext cx="2057400" cy="838200"/>
+          </a:xfrm>
+          <a:prstGeom prst="roundRect">
+            <a:avLst/>
+          </a:prstGeom>
+          <a:ln w="38100"/>
+        </p:spPr>
+        <p:style>
+          <a:lnRef idx="2">
+            <a:schemeClr val="accent3"/>
+          </a:lnRef>
+          <a:fillRef idx="1">
+            <a:schemeClr val="lt1"/>
+          </a:fillRef>
+          <a:effectRef idx="0">
+            <a:schemeClr val="accent3"/>
+          </a:effectRef>
+          <a:fontRef idx="minor">
+            <a:schemeClr val="dk1"/>
+          </a:fontRef>
+        </p:style>
+        <p:txBody>
+          <a:bodyPr rtlCol="0" anchor="ctr"/>
+          <a:lstStyle/>
+          <a:p>
+            <a:pPr algn="ctr"/>
+            <a:r>
+              <a:rPr lang="ru-RU" dirty="0" smtClean="0"/>
+              <a:t>Компонент управления ресурсами</a:t>
+            </a:r>
+            <a:endParaRPr lang="ru-RU" dirty="0"/>
+          </a:p>
+        </p:txBody>
+      </p:sp>
+      <p:sp>
+        <p:nvSpPr>
+          <p:cNvPr id="12" name="Стрелка вправо 11"/>
+          <p:cNvSpPr/>
+          <p:nvPr/>
+        </p:nvSpPr>
+        <p:spPr>
+          <a:xfrm>
+            <a:off x="3886200" y="3733800"/>
+            <a:ext cx="1524000" cy="990600"/>
+          </a:xfrm>
+          <a:prstGeom prst="rightArrow">
+            <a:avLst/>
+          </a:prstGeom>
+          <a:solidFill>
+            <a:schemeClr val="accent5">
+              <a:lumMod val="20000"/>
+              <a:lumOff val="80000"/>
+            </a:schemeClr>
+          </a:solidFill>
+          <a:ln>
+            <a:solidFill>
+              <a:schemeClr val="tx1"/>
+            </a:solidFill>
+          </a:ln>
+        </p:spPr>
+        <p:style>
+          <a:lnRef idx="2">
+            <a:schemeClr val="accent1">
+              <a:shade val="50000"/>
+            </a:schemeClr>
+          </a:lnRef>
+          <a:fillRef idx="1">
+            <a:schemeClr val="accent1"/>
+          </a:fillRef>
+          <a:effectRef idx="0">
+            <a:schemeClr val="accent1"/>
+          </a:effectRef>
+          <a:fontRef idx="minor">
+            <a:schemeClr val="lt1"/>
+          </a:fontRef>
+        </p:style>
+        <p:txBody>
+          <a:bodyPr rtlCol="0" anchor="ctr"/>
+          <a:lstStyle/>
+          <a:p>
+            <a:pPr algn="ctr"/>
+            <a:endParaRPr lang="ru-RU"/>
+          </a:p>
+        </p:txBody>
+      </p:sp>
+    </p:spTree>
+    <p:extLst>
+      <p:ext uri="{BB962C8B-B14F-4D97-AF65-F5344CB8AC3E}">
+        <p14:creationId xmlns:p14="http://schemas.microsoft.com/office/powerpoint/2010/main" val="3559992304"/>
+      </p:ext>
+    </p:extLst>
+  </p:cSld>
+  <p:clrMapOvr>
+    <a:masterClrMapping/>
+  </p:clrMapOvr>
+  <p:timing>
+    <p:tnLst>
+      <p:par>
+        <p:cTn id="1" dur="indefinite" restart="never" nodeType="tmRoot"/>
+      </p:par>
+    </p:tnLst>
+  </p:timing>
+</p:sld>
+</file>
+
+<file path=ppt/slides/slide5.xml><?xml version="1.0" encoding="utf-8"?>
+<p:sld xmlns:a="http://schemas.openxmlformats.org/drawingml/2006/main" xmlns:r="http://schemas.openxmlformats.org/officeDocument/2006/relationships" xmlns:p="http://schemas.openxmlformats.org/presentationml/2006/main">
+  <p:cSld>
+    <p:spTree>
+      <p:nvGrpSpPr>
+        <p:cNvPr id="1" name=""/>
+        <p:cNvGrpSpPr/>
+        <p:nvPr/>
+      </p:nvGrpSpPr>
+      <p:grpSpPr>
+        <a:xfrm>
+          <a:off x="0" y="0"/>
+          <a:ext cx="0" cy="0"/>
+          <a:chOff x="0" y="0"/>
+          <a:chExt cx="0" cy="0"/>
+        </a:xfrm>
+      </p:grpSpPr>
+      <p:sp>
+        <p:nvSpPr>
+          <p:cNvPr id="3" name="Объект 2"/>
+          <p:cNvSpPr>
+            <a:spLocks noGrp="1"/>
+          </p:cNvSpPr>
+          <p:nvPr>
+            <p:ph idx="1"/>
+          </p:nvPr>
+        </p:nvSpPr>
+        <p:spPr>
+          <a:xfrm>
+            <a:off x="1043492" y="1028252"/>
+            <a:ext cx="6777317" cy="648148"/>
+          </a:xfrm>
+        </p:spPr>
+        <p:txBody>
+          <a:bodyPr/>
+          <a:lstStyle/>
+          <a:p>
+            <a:pPr marL="68580" indent="0">
+              <a:buNone/>
+            </a:pPr>
+            <a:r>
+              <a:rPr lang="ru-RU" dirty="0" smtClean="0"/>
+              <a:t>Двухзвенная архитектура</a:t>
+            </a:r>
+            <a:endParaRPr lang="ru-RU" dirty="0"/>
+          </a:p>
+        </p:txBody>
+      </p:sp>
+      <p:pic>
+        <p:nvPicPr>
+          <p:cNvPr id="4" name="Рисунок 3"/>
+          <p:cNvPicPr/>
+          <p:nvPr/>
+        </p:nvPicPr>
+        <p:blipFill>
+          <a:blip r:embed="rId2">
+            <a:extLst>
+              <a:ext uri="{28A0092B-C50C-407E-A947-70E740481C1C}">
+                <a14:useLocalDpi xmlns:a14="http://schemas.microsoft.com/office/drawing/2010/main" val="0"/>
+              </a:ext>
+            </a:extLst>
+          </a:blip>
+          <a:stretch>
+            <a:fillRect/>
+          </a:stretch>
+        </p:blipFill>
+        <p:spPr>
+          <a:xfrm>
+            <a:off x="1943735" y="1941195"/>
+            <a:ext cx="5256530" cy="3240405"/>
+          </a:xfrm>
+          <a:prstGeom prst="rect">
+            <a:avLst/>
+          </a:prstGeom>
+        </p:spPr>
+      </p:pic>
+    </p:spTree>
+    <p:extLst>
+      <p:ext uri="{BB962C8B-B14F-4D97-AF65-F5344CB8AC3E}">
+        <p14:creationId xmlns:p14="http://schemas.microsoft.com/office/powerpoint/2010/main" val="2937942485"/>
+      </p:ext>
+    </p:extLst>
+  </p:cSld>
+  <p:clrMapOvr>
+    <a:masterClrMapping/>
+  </p:clrMapOvr>
+  <p:timing>
+    <p:tnLst>
+      <p:par>
+        <p:cTn id="1" dur="indefinite" restart="never" nodeType="tmRoot"/>
+      </p:par>
+    </p:tnLst>
+  </p:timing>
+</p:sld>
+</file>
+
+<file path=ppt/slides/slide6.xml><?xml version="1.0" encoding="utf-8"?>
+<p:sld xmlns:a="http://schemas.openxmlformats.org/drawingml/2006/main" xmlns:r="http://schemas.openxmlformats.org/officeDocument/2006/relationships" xmlns:p="http://schemas.openxmlformats.org/presentationml/2006/main">
+  <p:cSld>
+    <p:spTree>
+      <p:nvGrpSpPr>
+        <p:cNvPr id="1" name=""/>
+        <p:cNvGrpSpPr/>
+        <p:nvPr/>
+      </p:nvGrpSpPr>
+      <p:grpSpPr>
+        <a:xfrm>
+          <a:off x="0" y="0"/>
+          <a:ext cx="0" cy="0"/>
+          <a:chOff x="0" y="0"/>
+          <a:chExt cx="0" cy="0"/>
+        </a:xfrm>
+      </p:grpSpPr>
+      <p:sp>
+        <p:nvSpPr>
+          <p:cNvPr id="2" name="Заголовок 1"/>
+          <p:cNvSpPr>
+            <a:spLocks noGrp="1"/>
+          </p:cNvSpPr>
+          <p:nvPr>
+            <p:ph type="title"/>
+          </p:nvPr>
+        </p:nvSpPr>
+        <p:spPr>
+          <a:xfrm>
+            <a:off x="1043490" y="685800"/>
+            <a:ext cx="7490910" cy="1143000"/>
+          </a:xfrm>
+        </p:spPr>
+        <p:txBody>
+          <a:bodyPr>
+            <a:normAutofit fontScale="90000"/>
+          </a:bodyPr>
+          <a:lstStyle/>
+          <a:p>
+            <a:r>
+              <a:rPr lang="ru-RU" dirty="0" smtClean="0"/>
+              <a:t>Технология написания сервера: </a:t>
+            </a:r>
+            <a:r>
+              <a:rPr lang="en-US" dirty="0" smtClean="0"/>
+              <a:t>Socket vs REST</a:t>
+            </a:r>
+            <a:endParaRPr lang="ru-RU" dirty="0"/>
+          </a:p>
+        </p:txBody>
+      </p:sp>
+      <p:sp>
+        <p:nvSpPr>
+          <p:cNvPr id="3" name="Объект 2"/>
+          <p:cNvSpPr>
+            <a:spLocks noGrp="1"/>
+          </p:cNvSpPr>
+          <p:nvPr>
+            <p:ph idx="1"/>
+          </p:nvPr>
+        </p:nvSpPr>
+        <p:spPr/>
+        <p:txBody>
+          <a:bodyPr/>
+          <a:lstStyle/>
+          <a:p>
+            <a:pPr marL="68263" indent="388938">
+              <a:buNone/>
+            </a:pPr>
+            <a:r>
+              <a:rPr lang="ru-RU" b="1" dirty="0" smtClean="0"/>
+              <a:t>Преимущества </a:t>
+            </a:r>
+            <a:r>
+              <a:rPr lang="en-US" b="1" dirty="0" smtClean="0"/>
+              <a:t>REST-</a:t>
+            </a:r>
+            <a:r>
+              <a:rPr lang="ru-RU" b="1" dirty="0" smtClean="0"/>
+              <a:t>технологии</a:t>
+            </a:r>
+            <a:r>
+              <a:rPr lang="ru-RU" dirty="0" smtClean="0"/>
+              <a:t>:</a:t>
+            </a:r>
+          </a:p>
+          <a:p>
+            <a:pPr marL="68580" indent="0">
+              <a:buNone/>
+            </a:pPr>
+            <a:endParaRPr lang="ru-RU" sz="1400" dirty="0" smtClean="0"/>
+          </a:p>
+          <a:p>
+            <a:r>
+              <a:rPr lang="ru-RU" dirty="0" smtClean="0"/>
+              <a:t>Простота разработки</a:t>
+            </a:r>
+          </a:p>
+          <a:p>
+            <a:r>
+              <a:rPr lang="ru-RU" dirty="0" smtClean="0"/>
+              <a:t>Простота добавления функциональности к готовому приложению</a:t>
+            </a:r>
+          </a:p>
+          <a:p>
+            <a:r>
+              <a:rPr lang="ru-RU" dirty="0" smtClean="0"/>
+              <a:t>Использование различных форматов данных</a:t>
+            </a:r>
+            <a:endParaRPr lang="ru-RU" dirty="0"/>
+          </a:p>
+        </p:txBody>
+      </p:sp>
+    </p:spTree>
+    <p:extLst>
+      <p:ext uri="{BB962C8B-B14F-4D97-AF65-F5344CB8AC3E}">
+        <p14:creationId xmlns:p14="http://schemas.microsoft.com/office/powerpoint/2010/main" val="1048553818"/>
+      </p:ext>
+    </p:extLst>
+  </p:cSld>
+  <p:clrMapOvr>
+    <a:masterClrMapping/>
+  </p:clrMapOvr>
+  <p:timing>
+    <p:tnLst>
+      <p:par>
+        <p:cTn id="1" dur="indefinite" restart="never" nodeType="tmRoot"/>
+      </p:par>
+    </p:tnLst>
+  </p:timing>
+</p:sld>
+</file>
+
+<file path=ppt/slides/slide7.xml><?xml version="1.0" encoding="utf-8"?>
+<p:sld xmlns:a="http://schemas.openxmlformats.org/drawingml/2006/main" xmlns:r="http://schemas.openxmlformats.org/officeDocument/2006/relationships" xmlns:p="http://schemas.openxmlformats.org/presentationml/2006/main" show="0">
+  <p:cSld>
+    <p:spTree>
+      <p:nvGrpSpPr>
+        <p:cNvPr id="1" name=""/>
+        <p:cNvGrpSpPr/>
+        <p:nvPr/>
+      </p:nvGrpSpPr>
+      <p:grpSpPr>
+        <a:xfrm>
+          <a:off x="0" y="0"/>
+          <a:ext cx="0" cy="0"/>
+          <a:chOff x="0" y="0"/>
+          <a:chExt cx="0" cy="0"/>
+        </a:xfrm>
+      </p:grpSpPr>
+      <p:sp>
+        <p:nvSpPr>
+          <p:cNvPr id="2" name="Заголовок 1"/>
+          <p:cNvSpPr>
+            <a:spLocks noGrp="1"/>
+          </p:cNvSpPr>
+          <p:nvPr>
+            <p:ph type="title"/>
+          </p:nvPr>
+        </p:nvSpPr>
+        <p:spPr/>
+        <p:txBody>
+          <a:bodyPr/>
+          <a:lstStyle/>
+          <a:p>
+            <a:r>
+              <a:rPr lang="ru-RU" dirty="0" smtClean="0"/>
+              <a:t>Принципы </a:t>
+            </a:r>
+            <a:r>
+              <a:rPr lang="en-US" dirty="0" smtClean="0"/>
+              <a:t>REST</a:t>
+            </a:r>
+            <a:r>
+              <a:rPr lang="ru-RU" dirty="0" smtClean="0"/>
+              <a:t> (?)</a:t>
+            </a:r>
+            <a:endParaRPr lang="ru-RU" dirty="0"/>
+          </a:p>
+        </p:txBody>
+      </p:sp>
+      <p:sp>
+        <p:nvSpPr>
+          <p:cNvPr id="3" name="Объект 2"/>
+          <p:cNvSpPr>
+            <a:spLocks noGrp="1"/>
+          </p:cNvSpPr>
+          <p:nvPr>
+            <p:ph idx="1"/>
+          </p:nvPr>
+        </p:nvSpPr>
+        <p:spPr/>
+        <p:txBody>
+          <a:bodyPr/>
+          <a:lstStyle/>
+          <a:p>
+            <a:endParaRPr lang="ru-RU"/>
+          </a:p>
+        </p:txBody>
+      </p:sp>
+    </p:spTree>
+    <p:extLst>
+      <p:ext uri="{BB962C8B-B14F-4D97-AF65-F5344CB8AC3E}">
+        <p14:creationId xmlns:p14="http://schemas.microsoft.com/office/powerpoint/2010/main" val="3110712974"/>
+      </p:ext>
+    </p:extLst>
+  </p:cSld>
+  <p:clrMapOvr>
+    <a:masterClrMapping/>
+  </p:clrMapOvr>
+  <mc:AlternateContent xmlns:mc="http://schemas.openxmlformats.org/markup-compatibility/2006">
+    <mc:Choice xmlns:p14="http://schemas.microsoft.com/office/powerpoint/2010/main" Requires="p14">
+      <p:transition spd="slow" p14:dur="2000"/>
+    </mc:Choice>
+    <mc:Fallback>
+      <p:transition spd="slow"/>
+    </mc:Fallback>
+  </mc:AlternateContent>
+  <p:timing>
+    <p:tnLst>
+      <p:par>
+        <p:cTn id="1" dur="indefinite" restart="never" nodeType="tmRoot"/>
+      </p:par>
+    </p:tnLst>
+  </p:timing>
+</p:sld>
+</file>
+
+<file path=ppt/slides/slide8.xml><?xml version="1.0" encoding="utf-8"?>
+<p:sld xmlns:a="http://schemas.openxmlformats.org/drawingml/2006/main" xmlns:r="http://schemas.openxmlformats.org/officeDocument/2006/relationships" xmlns:p="http://schemas.openxmlformats.org/presentationml/2006/main">
+  <p:cSld>
+    <p:spTree>
+      <p:nvGrpSpPr>
+        <p:cNvPr id="1" name=""/>
+        <p:cNvGrpSpPr/>
+        <p:nvPr/>
+      </p:nvGrpSpPr>
+      <p:grpSpPr>
+        <a:xfrm>
+          <a:off x="0" y="0"/>
+          <a:ext cx="0" cy="0"/>
+          <a:chOff x="0" y="0"/>
+          <a:chExt cx="0" cy="0"/>
+        </a:xfrm>
+      </p:grpSpPr>
+      <p:sp>
+        <p:nvSpPr>
+          <p:cNvPr id="2" name="Заголовок 1"/>
+          <p:cNvSpPr>
+            <a:spLocks noGrp="1"/>
+          </p:cNvSpPr>
+          <p:nvPr>
+            <p:ph type="title"/>
+          </p:nvPr>
+        </p:nvSpPr>
+        <p:spPr/>
+        <p:txBody>
+          <a:bodyPr/>
+          <a:lstStyle/>
+          <a:p>
+            <a:r>
+              <a:rPr lang="en-US" dirty="0" smtClean="0"/>
+              <a:t>Jersey &amp; JAX-RS</a:t>
+            </a:r>
+            <a:endParaRPr lang="ru-RU" dirty="0"/>
+          </a:p>
+        </p:txBody>
+      </p:sp>
+      <p:sp>
+        <p:nvSpPr>
+          <p:cNvPr id="3" name="Объект 2"/>
+          <p:cNvSpPr>
+            <a:spLocks noGrp="1"/>
+          </p:cNvSpPr>
+          <p:nvPr>
+            <p:ph idx="1"/>
+          </p:nvPr>
+        </p:nvSpPr>
+        <p:spPr/>
+        <p:txBody>
+          <a:bodyPr/>
+          <a:lstStyle/>
+          <a:p>
+            <a:pPr marL="68580" indent="0">
+              <a:buNone/>
+            </a:pPr>
+            <a:r>
+              <a:rPr lang="ru-RU" dirty="0" smtClean="0"/>
+              <a:t>Для создания </a:t>
+            </a:r>
+            <a:r>
+              <a:rPr lang="en-US" dirty="0" smtClean="0"/>
+              <a:t>REST</a:t>
+            </a:r>
+            <a:r>
+              <a:rPr lang="ru-RU" dirty="0" smtClean="0"/>
+              <a:t>-сервиса использовался фреймворк </a:t>
+            </a:r>
+            <a:r>
+              <a:rPr lang="en-US" dirty="0" smtClean="0"/>
+              <a:t>Jersey</a:t>
+            </a:r>
+            <a:r>
+              <a:rPr lang="ru-RU" dirty="0" smtClean="0"/>
+              <a:t>, который реализует спецификацию </a:t>
+            </a:r>
+            <a:r>
+              <a:rPr lang="en-US" dirty="0" smtClean="0"/>
+              <a:t>JAX-RS</a:t>
+            </a:r>
+            <a:r>
+              <a:rPr lang="ru-RU" dirty="0" smtClean="0"/>
+              <a:t>. Эта спецификация предлагает модель описания распределенных ресурсов на основе аннотаций</a:t>
+            </a:r>
+            <a:endParaRPr lang="ru-RU" dirty="0"/>
+          </a:p>
+        </p:txBody>
+      </p:sp>
+    </p:spTree>
+    <p:extLst>
+      <p:ext uri="{BB962C8B-B14F-4D97-AF65-F5344CB8AC3E}">
+        <p14:creationId xmlns:p14="http://schemas.microsoft.com/office/powerpoint/2010/main" val="2015647218"/>
+      </p:ext>
+    </p:extLst>
+  </p:cSld>
+  <p:clrMapOvr>
+    <a:masterClrMapping/>
+  </p:clrMapOvr>
+  <p:timing>
+    <p:tnLst>
+      <p:par>
+        <p:cTn id="1" dur="indefinite" restart="never" nodeType="tmRoot"/>
+      </p:par>
+    </p:tnLst>
+  </p:timing>
 </p:sld>
 </file>
 

--- a/presentation.pptx
+++ b/presentation.pptx
@@ -13,6 +13,12 @@
     <p:sldId id="261" r:id="rId7"/>
     <p:sldId id="262" r:id="rId8"/>
     <p:sldId id="263" r:id="rId9"/>
+    <p:sldId id="268" r:id="rId10"/>
+    <p:sldId id="264" r:id="rId11"/>
+    <p:sldId id="265" r:id="rId12"/>
+    <p:sldId id="266" r:id="rId13"/>
+    <p:sldId id="267" r:id="rId14"/>
+    <p:sldId id="269" r:id="rId15"/>
   </p:sldIdLst>
   <p:sldSz cx="9144000" cy="6858000" type="screen4x3"/>
   <p:notesSz cx="6858000" cy="9144000"/>
@@ -112,6 +118,7327 @@
     </a:lvl9pPr>
   </p:defaultTextStyle>
 </p:presentation>
+</file>
+
+<file path=ppt/diagrams/colors1.xml><?xml version="1.0" encoding="utf-8"?>
+<dgm:colorsDef xmlns:dgm="http://schemas.openxmlformats.org/drawingml/2006/diagram" xmlns:a="http://schemas.openxmlformats.org/drawingml/2006/main" uniqueId="urn:microsoft.com/office/officeart/2005/8/colors/accent1_2">
+  <dgm:title val=""/>
+  <dgm:desc val=""/>
+  <dgm:catLst>
+    <dgm:cat type="accent1" pri="11200"/>
+  </dgm:catLst>
+  <dgm:styleLbl name="node0">
+    <dgm:fillClrLst meth="repeat">
+      <a:schemeClr val="accent1"/>
+    </dgm:fillClrLst>
+    <dgm:linClrLst meth="repeat">
+      <a:schemeClr val="lt1"/>
+    </dgm:linClrLst>
+    <dgm:effectClrLst/>
+    <dgm:txLinClrLst/>
+    <dgm:txFillClrLst/>
+    <dgm:txEffectClrLst/>
+  </dgm:styleLbl>
+  <dgm:styleLbl name="alignNode1">
+    <dgm:fillClrLst meth="repeat">
+      <a:schemeClr val="accent1"/>
+    </dgm:fillClrLst>
+    <dgm:linClrLst meth="repeat">
+      <a:schemeClr val="accent1"/>
+    </dgm:linClrLst>
+    <dgm:effectClrLst/>
+    <dgm:txLinClrLst/>
+    <dgm:txFillClrLst/>
+    <dgm:txEffectClrLst/>
+  </dgm:styleLbl>
+  <dgm:styleLbl name="node1">
+    <dgm:fillClrLst meth="repeat">
+      <a:schemeClr val="accent1"/>
+    </dgm:fillClrLst>
+    <dgm:linClrLst meth="repeat">
+      <a:schemeClr val="lt1"/>
+    </dgm:linClrLst>
+    <dgm:effectClrLst/>
+    <dgm:txLinClrLst/>
+    <dgm:txFillClrLst/>
+    <dgm:txEffectClrLst/>
+  </dgm:styleLbl>
+  <dgm:styleLbl name="lnNode1">
+    <dgm:fillClrLst meth="repeat">
+      <a:schemeClr val="accent1"/>
+    </dgm:fillClrLst>
+    <dgm:linClrLst meth="repeat">
+      <a:schemeClr val="lt1"/>
+    </dgm:linClrLst>
+    <dgm:effectClrLst/>
+    <dgm:txLinClrLst/>
+    <dgm:txFillClrLst/>
+    <dgm:txEffectClrLst/>
+  </dgm:styleLbl>
+  <dgm:styleLbl name="vennNode1">
+    <dgm:fillClrLst meth="repeat">
+      <a:schemeClr val="accent1">
+        <a:alpha val="50000"/>
+      </a:schemeClr>
+    </dgm:fillClrLst>
+    <dgm:linClrLst meth="repeat">
+      <a:schemeClr val="lt1"/>
+    </dgm:linClrLst>
+    <dgm:effectClrLst/>
+    <dgm:txLinClrLst/>
+    <dgm:txFillClrLst/>
+    <dgm:txEffectClrLst/>
+  </dgm:styleLbl>
+  <dgm:styleLbl name="node2">
+    <dgm:fillClrLst meth="repeat">
+      <a:schemeClr val="accent1"/>
+    </dgm:fillClrLst>
+    <dgm:linClrLst meth="repeat">
+      <a:schemeClr val="lt1"/>
+    </dgm:linClrLst>
+    <dgm:effectClrLst/>
+    <dgm:txLinClrLst/>
+    <dgm:txFillClrLst/>
+    <dgm:txEffectClrLst/>
+  </dgm:styleLbl>
+  <dgm:styleLbl name="node3">
+    <dgm:fillClrLst meth="repeat">
+      <a:schemeClr val="accent1"/>
+    </dgm:fillClrLst>
+    <dgm:linClrLst meth="repeat">
+      <a:schemeClr val="lt1"/>
+    </dgm:linClrLst>
+    <dgm:effectClrLst/>
+    <dgm:txLinClrLst/>
+    <dgm:txFillClrLst/>
+    <dgm:txEffectClrLst/>
+  </dgm:styleLbl>
+  <dgm:styleLbl name="node4">
+    <dgm:fillClrLst meth="repeat">
+      <a:schemeClr val="accent1"/>
+    </dgm:fillClrLst>
+    <dgm:linClrLst meth="repeat">
+      <a:schemeClr val="lt1"/>
+    </dgm:linClrLst>
+    <dgm:effectClrLst/>
+    <dgm:txLinClrLst/>
+    <dgm:txFillClrLst/>
+    <dgm:txEffectClrLst/>
+  </dgm:styleLbl>
+  <dgm:styleLbl name="fgImgPlace1">
+    <dgm:fillClrLst meth="repeat">
+      <a:schemeClr val="accent1">
+        <a:tint val="50000"/>
+      </a:schemeClr>
+    </dgm:fillClrLst>
+    <dgm:linClrLst meth="repeat">
+      <a:schemeClr val="lt1"/>
+    </dgm:linClrLst>
+    <dgm:effectClrLst/>
+    <dgm:txLinClrLst/>
+    <dgm:txFillClrLst meth="repeat">
+      <a:schemeClr val="lt1"/>
+    </dgm:txFillClrLst>
+    <dgm:txEffectClrLst/>
+  </dgm:styleLbl>
+  <dgm:styleLbl name="alignImgPlace1">
+    <dgm:fillClrLst meth="repeat">
+      <a:schemeClr val="accent1">
+        <a:tint val="50000"/>
+      </a:schemeClr>
+    </dgm:fillClrLst>
+    <dgm:linClrLst meth="repeat">
+      <a:schemeClr val="lt1"/>
+    </dgm:linClrLst>
+    <dgm:effectClrLst/>
+    <dgm:txLinClrLst/>
+    <dgm:txFillClrLst meth="repeat">
+      <a:schemeClr val="lt1"/>
+    </dgm:txFillClrLst>
+    <dgm:txEffectClrLst/>
+  </dgm:styleLbl>
+  <dgm:styleLbl name="bgImgPlace1">
+    <dgm:fillClrLst meth="repeat">
+      <a:schemeClr val="accent1">
+        <a:tint val="50000"/>
+      </a:schemeClr>
+    </dgm:fillClrLst>
+    <dgm:linClrLst meth="repeat">
+      <a:schemeClr val="lt1"/>
+    </dgm:linClrLst>
+    <dgm:effectClrLst/>
+    <dgm:txLinClrLst/>
+    <dgm:txFillClrLst meth="repeat">
+      <a:schemeClr val="lt1"/>
+    </dgm:txFillClrLst>
+    <dgm:txEffectClrLst/>
+  </dgm:styleLbl>
+  <dgm:styleLbl name="sibTrans2D1">
+    <dgm:fillClrLst meth="repeat">
+      <a:schemeClr val="accent1">
+        <a:tint val="60000"/>
+      </a:schemeClr>
+    </dgm:fillClrLst>
+    <dgm:linClrLst meth="repeat">
+      <a:schemeClr val="accent1">
+        <a:tint val="60000"/>
+      </a:schemeClr>
+    </dgm:linClrLst>
+    <dgm:effectClrLst/>
+    <dgm:txLinClrLst/>
+    <dgm:txFillClrLst/>
+    <dgm:txEffectClrLst/>
+  </dgm:styleLbl>
+  <dgm:styleLbl name="fgSibTrans2D1">
+    <dgm:fillClrLst meth="repeat">
+      <a:schemeClr val="accent1">
+        <a:tint val="60000"/>
+      </a:schemeClr>
+    </dgm:fillClrLst>
+    <dgm:linClrLst meth="repeat">
+      <a:schemeClr val="accent1">
+        <a:tint val="60000"/>
+      </a:schemeClr>
+    </dgm:linClrLst>
+    <dgm:effectClrLst/>
+    <dgm:txLinClrLst/>
+    <dgm:txFillClrLst/>
+    <dgm:txEffectClrLst/>
+  </dgm:styleLbl>
+  <dgm:styleLbl name="bgSibTrans2D1">
+    <dgm:fillClrLst meth="repeat">
+      <a:schemeClr val="accent1">
+        <a:tint val="60000"/>
+      </a:schemeClr>
+    </dgm:fillClrLst>
+    <dgm:linClrLst meth="repeat">
+      <a:schemeClr val="accent1">
+        <a:tint val="60000"/>
+      </a:schemeClr>
+    </dgm:linClrLst>
+    <dgm:effectClrLst/>
+    <dgm:txLinClrLst/>
+    <dgm:txFillClrLst/>
+    <dgm:txEffectClrLst/>
+  </dgm:styleLbl>
+  <dgm:styleLbl name="sibTrans1D1">
+    <dgm:fillClrLst meth="repeat">
+      <a:schemeClr val="accent1"/>
+    </dgm:fillClrLst>
+    <dgm:linClrLst meth="repeat">
+      <a:schemeClr val="accent1"/>
+    </dgm:linClrLst>
+    <dgm:effectClrLst/>
+    <dgm:txLinClrLst/>
+    <dgm:txFillClrLst meth="repeat">
+      <a:schemeClr val="tx1"/>
+    </dgm:txFillClrLst>
+    <dgm:txEffectClrLst/>
+  </dgm:styleLbl>
+  <dgm:styleLbl name="callout">
+    <dgm:fillClrLst meth="repeat">
+      <a:schemeClr val="accent1"/>
+    </dgm:fillClrLst>
+    <dgm:linClrLst meth="repeat">
+      <a:schemeClr val="accent1">
+        <a:tint val="50000"/>
+      </a:schemeClr>
+    </dgm:linClrLst>
+    <dgm:effectClrLst/>
+    <dgm:txLinClrLst/>
+    <dgm:txFillClrLst meth="repeat">
+      <a:schemeClr val="tx1"/>
+    </dgm:txFillClrLst>
+    <dgm:txEffectClrLst/>
+  </dgm:styleLbl>
+  <dgm:styleLbl name="asst0">
+    <dgm:fillClrLst meth="repeat">
+      <a:schemeClr val="accent1"/>
+    </dgm:fillClrLst>
+    <dgm:linClrLst meth="repeat">
+      <a:schemeClr val="lt1"/>
+    </dgm:linClrLst>
+    <dgm:effectClrLst/>
+    <dgm:txLinClrLst/>
+    <dgm:txFillClrLst/>
+    <dgm:txEffectClrLst/>
+  </dgm:styleLbl>
+  <dgm:styleLbl name="asst1">
+    <dgm:fillClrLst meth="repeat">
+      <a:schemeClr val="accent1"/>
+    </dgm:fillClrLst>
+    <dgm:linClrLst meth="repeat">
+      <a:schemeClr val="lt1"/>
+    </dgm:linClrLst>
+    <dgm:effectClrLst/>
+    <dgm:txLinClrLst/>
+    <dgm:txFillClrLst/>
+    <dgm:txEffectClrLst/>
+  </dgm:styleLbl>
+  <dgm:styleLbl name="asst2">
+    <dgm:fillClrLst meth="repeat">
+      <a:schemeClr val="accent1"/>
+    </dgm:fillClrLst>
+    <dgm:linClrLst meth="repeat">
+      <a:schemeClr val="lt1"/>
+    </dgm:linClrLst>
+    <dgm:effectClrLst/>
+    <dgm:txLinClrLst/>
+    <dgm:txFillClrLst/>
+    <dgm:txEffectClrLst/>
+  </dgm:styleLbl>
+  <dgm:styleLbl name="asst3">
+    <dgm:fillClrLst meth="repeat">
+      <a:schemeClr val="accent1"/>
+    </dgm:fillClrLst>
+    <dgm:linClrLst meth="repeat">
+      <a:schemeClr val="lt1"/>
+    </dgm:linClrLst>
+    <dgm:effectClrLst/>
+    <dgm:txLinClrLst/>
+    <dgm:txFillClrLst/>
+    <dgm:txEffectClrLst/>
+  </dgm:styleLbl>
+  <dgm:styleLbl name="asst4">
+    <dgm:fillClrLst meth="repeat">
+      <a:schemeClr val="accent1"/>
+    </dgm:fillClrLst>
+    <dgm:linClrLst meth="repeat">
+      <a:schemeClr val="lt1"/>
+    </dgm:linClrLst>
+    <dgm:effectClrLst/>
+    <dgm:txLinClrLst/>
+    <dgm:txFillClrLst/>
+    <dgm:txEffectClrLst/>
+  </dgm:styleLbl>
+  <dgm:styleLbl name="parChTrans2D1">
+    <dgm:fillClrLst meth="repeat">
+      <a:schemeClr val="accent1">
+        <a:tint val="60000"/>
+      </a:schemeClr>
+    </dgm:fillClrLst>
+    <dgm:linClrLst meth="repeat">
+      <a:schemeClr val="accent1">
+        <a:tint val="60000"/>
+      </a:schemeClr>
+    </dgm:linClrLst>
+    <dgm:effectClrLst/>
+    <dgm:txLinClrLst/>
+    <dgm:txFillClrLst meth="repeat">
+      <a:schemeClr val="lt1"/>
+    </dgm:txFillClrLst>
+    <dgm:txEffectClrLst/>
+  </dgm:styleLbl>
+  <dgm:styleLbl name="parChTrans2D2">
+    <dgm:fillClrLst meth="repeat">
+      <a:schemeClr val="accent1"/>
+    </dgm:fillClrLst>
+    <dgm:linClrLst meth="repeat">
+      <a:schemeClr val="accent1"/>
+    </dgm:linClrLst>
+    <dgm:effectClrLst/>
+    <dgm:txLinClrLst/>
+    <dgm:txFillClrLst meth="repeat">
+      <a:schemeClr val="lt1"/>
+    </dgm:txFillClrLst>
+    <dgm:txEffectClrLst/>
+  </dgm:styleLbl>
+  <dgm:styleLbl name="parChTrans2D3">
+    <dgm:fillClrLst meth="repeat">
+      <a:schemeClr val="accent1"/>
+    </dgm:fillClrLst>
+    <dgm:linClrLst meth="repeat">
+      <a:schemeClr val="accent1"/>
+    </dgm:linClrLst>
+    <dgm:effectClrLst/>
+    <dgm:txLinClrLst/>
+    <dgm:txFillClrLst meth="repeat">
+      <a:schemeClr val="lt1"/>
+    </dgm:txFillClrLst>
+    <dgm:txEffectClrLst/>
+  </dgm:styleLbl>
+  <dgm:styleLbl name="parChTrans2D4">
+    <dgm:fillClrLst meth="repeat">
+      <a:schemeClr val="accent1"/>
+    </dgm:fillClrLst>
+    <dgm:linClrLst meth="repeat">
+      <a:schemeClr val="accent1"/>
+    </dgm:linClrLst>
+    <dgm:effectClrLst/>
+    <dgm:txLinClrLst/>
+    <dgm:txFillClrLst meth="repeat">
+      <a:schemeClr val="lt1"/>
+    </dgm:txFillClrLst>
+    <dgm:txEffectClrLst/>
+  </dgm:styleLbl>
+  <dgm:styleLbl name="parChTrans1D1">
+    <dgm:fillClrLst meth="repeat">
+      <a:schemeClr val="accent1"/>
+    </dgm:fillClrLst>
+    <dgm:linClrLst meth="repeat">
+      <a:schemeClr val="accent1">
+        <a:shade val="60000"/>
+      </a:schemeClr>
+    </dgm:linClrLst>
+    <dgm:effectClrLst/>
+    <dgm:txLinClrLst/>
+    <dgm:txFillClrLst meth="repeat">
+      <a:schemeClr val="tx1"/>
+    </dgm:txFillClrLst>
+    <dgm:txEffectClrLst/>
+  </dgm:styleLbl>
+  <dgm:styleLbl name="parChTrans1D2">
+    <dgm:fillClrLst meth="repeat">
+      <a:schemeClr val="accent1"/>
+    </dgm:fillClrLst>
+    <dgm:linClrLst meth="repeat">
+      <a:schemeClr val="accent1">
+        <a:shade val="60000"/>
+      </a:schemeClr>
+    </dgm:linClrLst>
+    <dgm:effectClrLst/>
+    <dgm:txLinClrLst/>
+    <dgm:txFillClrLst meth="repeat">
+      <a:schemeClr val="tx1"/>
+    </dgm:txFillClrLst>
+    <dgm:txEffectClrLst/>
+  </dgm:styleLbl>
+  <dgm:styleLbl name="parChTrans1D3">
+    <dgm:fillClrLst meth="repeat">
+      <a:schemeClr val="accent1"/>
+    </dgm:fillClrLst>
+    <dgm:linClrLst meth="repeat">
+      <a:schemeClr val="accent1">
+        <a:shade val="80000"/>
+      </a:schemeClr>
+    </dgm:linClrLst>
+    <dgm:effectClrLst/>
+    <dgm:txLinClrLst/>
+    <dgm:txFillClrLst meth="repeat">
+      <a:schemeClr val="tx1"/>
+    </dgm:txFillClrLst>
+    <dgm:txEffectClrLst/>
+  </dgm:styleLbl>
+  <dgm:styleLbl name="parChTrans1D4">
+    <dgm:fillClrLst meth="repeat">
+      <a:schemeClr val="accent1"/>
+    </dgm:fillClrLst>
+    <dgm:linClrLst meth="repeat">
+      <a:schemeClr val="accent1">
+        <a:shade val="80000"/>
+      </a:schemeClr>
+    </dgm:linClrLst>
+    <dgm:effectClrLst/>
+    <dgm:txLinClrLst/>
+    <dgm:txFillClrLst meth="repeat">
+      <a:schemeClr val="tx1"/>
+    </dgm:txFillClrLst>
+    <dgm:txEffectClrLst/>
+  </dgm:styleLbl>
+  <dgm:styleLbl name="fgAcc1">
+    <dgm:fillClrLst meth="repeat">
+      <a:schemeClr val="lt1">
+        <a:alpha val="90000"/>
+      </a:schemeClr>
+    </dgm:fillClrLst>
+    <dgm:linClrLst meth="repeat">
+      <a:schemeClr val="accent1"/>
+    </dgm:linClrLst>
+    <dgm:effectClrLst/>
+    <dgm:txLinClrLst/>
+    <dgm:txFillClrLst meth="repeat">
+      <a:schemeClr val="dk1"/>
+    </dgm:txFillClrLst>
+    <dgm:txEffectClrLst/>
+  </dgm:styleLbl>
+  <dgm:styleLbl name="conFgAcc1">
+    <dgm:fillClrLst meth="repeat">
+      <a:schemeClr val="lt1">
+        <a:alpha val="90000"/>
+      </a:schemeClr>
+    </dgm:fillClrLst>
+    <dgm:linClrLst meth="repeat">
+      <a:schemeClr val="accent1"/>
+    </dgm:linClrLst>
+    <dgm:effectClrLst/>
+    <dgm:txLinClrLst/>
+    <dgm:txFillClrLst meth="repeat">
+      <a:schemeClr val="dk1"/>
+    </dgm:txFillClrLst>
+    <dgm:txEffectClrLst/>
+  </dgm:styleLbl>
+  <dgm:styleLbl name="alignAcc1">
+    <dgm:fillClrLst meth="repeat">
+      <a:schemeClr val="lt1">
+        <a:alpha val="90000"/>
+      </a:schemeClr>
+    </dgm:fillClrLst>
+    <dgm:linClrLst meth="repeat">
+      <a:schemeClr val="accent1"/>
+    </dgm:linClrLst>
+    <dgm:effectClrLst/>
+    <dgm:txLinClrLst/>
+    <dgm:txFillClrLst meth="repeat">
+      <a:schemeClr val="dk1"/>
+    </dgm:txFillClrLst>
+    <dgm:txEffectClrLst/>
+  </dgm:styleLbl>
+  <dgm:styleLbl name="trAlignAcc1">
+    <dgm:fillClrLst meth="repeat">
+      <a:schemeClr val="lt1">
+        <a:alpha val="40000"/>
+      </a:schemeClr>
+    </dgm:fillClrLst>
+    <dgm:linClrLst meth="repeat">
+      <a:schemeClr val="accent1"/>
+    </dgm:linClrLst>
+    <dgm:effectClrLst/>
+    <dgm:txLinClrLst/>
+    <dgm:txFillClrLst meth="repeat">
+      <a:schemeClr val="dk1"/>
+    </dgm:txFillClrLst>
+    <dgm:txEffectClrLst/>
+  </dgm:styleLbl>
+  <dgm:styleLbl name="bgAcc1">
+    <dgm:fillClrLst meth="repeat">
+      <a:schemeClr val="lt1">
+        <a:alpha val="90000"/>
+      </a:schemeClr>
+    </dgm:fillClrLst>
+    <dgm:linClrLst meth="repeat">
+      <a:schemeClr val="accent1"/>
+    </dgm:linClrLst>
+    <dgm:effectClrLst/>
+    <dgm:txLinClrLst/>
+    <dgm:txFillClrLst meth="repeat">
+      <a:schemeClr val="dk1"/>
+    </dgm:txFillClrLst>
+    <dgm:txEffectClrLst/>
+  </dgm:styleLbl>
+  <dgm:styleLbl name="solidFgAcc1">
+    <dgm:fillClrLst meth="repeat">
+      <a:schemeClr val="lt1"/>
+    </dgm:fillClrLst>
+    <dgm:linClrLst meth="repeat">
+      <a:schemeClr val="accent1"/>
+    </dgm:linClrLst>
+    <dgm:effectClrLst/>
+    <dgm:txLinClrLst/>
+    <dgm:txFillClrLst meth="repeat">
+      <a:schemeClr val="dk1"/>
+    </dgm:txFillClrLst>
+    <dgm:txEffectClrLst/>
+  </dgm:styleLbl>
+  <dgm:styleLbl name="solidAlignAcc1">
+    <dgm:fillClrLst meth="repeat">
+      <a:schemeClr val="lt1"/>
+    </dgm:fillClrLst>
+    <dgm:linClrLst meth="repeat">
+      <a:schemeClr val="accent1"/>
+    </dgm:linClrLst>
+    <dgm:effectClrLst/>
+    <dgm:txLinClrLst/>
+    <dgm:txFillClrLst meth="repeat">
+      <a:schemeClr val="dk1"/>
+    </dgm:txFillClrLst>
+    <dgm:txEffectClrLst/>
+  </dgm:styleLbl>
+  <dgm:styleLbl name="solidBgAcc1">
+    <dgm:fillClrLst meth="repeat">
+      <a:schemeClr val="lt1"/>
+    </dgm:fillClrLst>
+    <dgm:linClrLst meth="repeat">
+      <a:schemeClr val="accent1"/>
+    </dgm:linClrLst>
+    <dgm:effectClrLst/>
+    <dgm:txLinClrLst/>
+    <dgm:txFillClrLst meth="repeat">
+      <a:schemeClr val="dk1"/>
+    </dgm:txFillClrLst>
+    <dgm:txEffectClrLst/>
+  </dgm:styleLbl>
+  <dgm:styleLbl name="fgAccFollowNode1">
+    <dgm:fillClrLst meth="repeat">
+      <a:schemeClr val="accent1">
+        <a:alpha val="90000"/>
+        <a:tint val="40000"/>
+      </a:schemeClr>
+    </dgm:fillClrLst>
+    <dgm:linClrLst meth="repeat">
+      <a:schemeClr val="accent1">
+        <a:alpha val="90000"/>
+        <a:tint val="40000"/>
+      </a:schemeClr>
+    </dgm:linClrLst>
+    <dgm:effectClrLst/>
+    <dgm:txLinClrLst/>
+    <dgm:txFillClrLst meth="repeat">
+      <a:schemeClr val="dk1"/>
+    </dgm:txFillClrLst>
+    <dgm:txEffectClrLst/>
+  </dgm:styleLbl>
+  <dgm:styleLbl name="alignAccFollowNode1">
+    <dgm:fillClrLst meth="repeat">
+      <a:schemeClr val="accent1">
+        <a:alpha val="90000"/>
+        <a:tint val="40000"/>
+      </a:schemeClr>
+    </dgm:fillClrLst>
+    <dgm:linClrLst meth="repeat">
+      <a:schemeClr val="accent1">
+        <a:alpha val="90000"/>
+        <a:tint val="40000"/>
+      </a:schemeClr>
+    </dgm:linClrLst>
+    <dgm:effectClrLst/>
+    <dgm:txLinClrLst/>
+    <dgm:txFillClrLst meth="repeat">
+      <a:schemeClr val="dk1"/>
+    </dgm:txFillClrLst>
+    <dgm:txEffectClrLst/>
+  </dgm:styleLbl>
+  <dgm:styleLbl name="bgAccFollowNode1">
+    <dgm:fillClrLst meth="repeat">
+      <a:schemeClr val="accent1">
+        <a:alpha val="90000"/>
+        <a:tint val="40000"/>
+      </a:schemeClr>
+    </dgm:fillClrLst>
+    <dgm:linClrLst meth="repeat">
+      <a:schemeClr val="accent1">
+        <a:alpha val="90000"/>
+        <a:tint val="40000"/>
+      </a:schemeClr>
+    </dgm:linClrLst>
+    <dgm:effectClrLst/>
+    <dgm:txLinClrLst/>
+    <dgm:txFillClrLst meth="repeat">
+      <a:schemeClr val="dk1"/>
+    </dgm:txFillClrLst>
+    <dgm:txEffectClrLst/>
+  </dgm:styleLbl>
+  <dgm:styleLbl name="fgAcc0">
+    <dgm:fillClrLst meth="repeat">
+      <a:schemeClr val="lt1">
+        <a:alpha val="90000"/>
+      </a:schemeClr>
+    </dgm:fillClrLst>
+    <dgm:linClrLst meth="repeat">
+      <a:schemeClr val="accent1"/>
+    </dgm:linClrLst>
+    <dgm:effectClrLst/>
+    <dgm:txLinClrLst/>
+    <dgm:txFillClrLst meth="repeat">
+      <a:schemeClr val="dk1"/>
+    </dgm:txFillClrLst>
+    <dgm:txEffectClrLst/>
+  </dgm:styleLbl>
+  <dgm:styleLbl name="fgAcc2">
+    <dgm:fillClrLst meth="repeat">
+      <a:schemeClr val="lt1">
+        <a:alpha val="90000"/>
+      </a:schemeClr>
+    </dgm:fillClrLst>
+    <dgm:linClrLst meth="repeat">
+      <a:schemeClr val="accent1"/>
+    </dgm:linClrLst>
+    <dgm:effectClrLst/>
+    <dgm:txLinClrLst/>
+    <dgm:txFillClrLst meth="repeat">
+      <a:schemeClr val="dk1"/>
+    </dgm:txFillClrLst>
+    <dgm:txEffectClrLst/>
+  </dgm:styleLbl>
+  <dgm:styleLbl name="fgAcc3">
+    <dgm:fillClrLst meth="repeat">
+      <a:schemeClr val="lt1">
+        <a:alpha val="90000"/>
+      </a:schemeClr>
+    </dgm:fillClrLst>
+    <dgm:linClrLst meth="repeat">
+      <a:schemeClr val="accent1"/>
+    </dgm:linClrLst>
+    <dgm:effectClrLst/>
+    <dgm:txLinClrLst/>
+    <dgm:txFillClrLst meth="repeat">
+      <a:schemeClr val="dk1"/>
+    </dgm:txFillClrLst>
+    <dgm:txEffectClrLst/>
+  </dgm:styleLbl>
+  <dgm:styleLbl name="fgAcc4">
+    <dgm:fillClrLst meth="repeat">
+      <a:schemeClr val="lt1">
+        <a:alpha val="90000"/>
+      </a:schemeClr>
+    </dgm:fillClrLst>
+    <dgm:linClrLst meth="repeat">
+      <a:schemeClr val="accent1"/>
+    </dgm:linClrLst>
+    <dgm:effectClrLst/>
+    <dgm:txLinClrLst/>
+    <dgm:txFillClrLst meth="repeat">
+      <a:schemeClr val="dk1"/>
+    </dgm:txFillClrLst>
+    <dgm:txEffectClrLst/>
+  </dgm:styleLbl>
+  <dgm:styleLbl name="bgShp">
+    <dgm:fillClrLst meth="repeat">
+      <a:schemeClr val="accent1">
+        <a:tint val="40000"/>
+      </a:schemeClr>
+    </dgm:fillClrLst>
+    <dgm:linClrLst meth="repeat">
+      <a:schemeClr val="accent1"/>
+    </dgm:linClrLst>
+    <dgm:effectClrLst/>
+    <dgm:txLinClrLst/>
+    <dgm:txFillClrLst meth="repeat">
+      <a:schemeClr val="dk1"/>
+    </dgm:txFillClrLst>
+    <dgm:txEffectClrLst/>
+  </dgm:styleLbl>
+  <dgm:styleLbl name="dkBgShp">
+    <dgm:fillClrLst meth="repeat">
+      <a:schemeClr val="accent1">
+        <a:shade val="80000"/>
+      </a:schemeClr>
+    </dgm:fillClrLst>
+    <dgm:linClrLst meth="repeat">
+      <a:schemeClr val="accent1"/>
+    </dgm:linClrLst>
+    <dgm:effectClrLst/>
+    <dgm:txLinClrLst/>
+    <dgm:txFillClrLst meth="repeat">
+      <a:schemeClr val="lt1"/>
+    </dgm:txFillClrLst>
+    <dgm:txEffectClrLst/>
+  </dgm:styleLbl>
+  <dgm:styleLbl name="trBgShp">
+    <dgm:fillClrLst meth="repeat">
+      <a:schemeClr val="accent1">
+        <a:tint val="50000"/>
+        <a:alpha val="40000"/>
+      </a:schemeClr>
+    </dgm:fillClrLst>
+    <dgm:linClrLst meth="repeat">
+      <a:schemeClr val="accent1"/>
+    </dgm:linClrLst>
+    <dgm:effectClrLst/>
+    <dgm:txLinClrLst/>
+    <dgm:txFillClrLst meth="repeat">
+      <a:schemeClr val="lt1"/>
+    </dgm:txFillClrLst>
+    <dgm:txEffectClrLst/>
+  </dgm:styleLbl>
+  <dgm:styleLbl name="fgShp">
+    <dgm:fillClrLst meth="repeat">
+      <a:schemeClr val="accent1">
+        <a:tint val="60000"/>
+      </a:schemeClr>
+    </dgm:fillClrLst>
+    <dgm:linClrLst meth="repeat">
+      <a:schemeClr val="lt1"/>
+    </dgm:linClrLst>
+    <dgm:effectClrLst/>
+    <dgm:txLinClrLst/>
+    <dgm:txFillClrLst meth="repeat">
+      <a:schemeClr val="dk1"/>
+    </dgm:txFillClrLst>
+    <dgm:txEffectClrLst/>
+  </dgm:styleLbl>
+  <dgm:styleLbl name="revTx">
+    <dgm:fillClrLst meth="repeat">
+      <a:schemeClr val="lt1">
+        <a:alpha val="0"/>
+      </a:schemeClr>
+    </dgm:fillClrLst>
+    <dgm:linClrLst meth="repeat">
+      <a:schemeClr val="dk1">
+        <a:alpha val="0"/>
+      </a:schemeClr>
+    </dgm:linClrLst>
+    <dgm:effectClrLst/>
+    <dgm:txLinClrLst/>
+    <dgm:txFillClrLst meth="repeat">
+      <a:schemeClr val="tx1"/>
+    </dgm:txFillClrLst>
+    <dgm:txEffectClrLst/>
+  </dgm:styleLbl>
+</dgm:colorsDef>
+</file>
+
+<file path=ppt/diagrams/colors2.xml><?xml version="1.0" encoding="utf-8"?>
+<dgm:colorsDef xmlns:dgm="http://schemas.openxmlformats.org/drawingml/2006/diagram" xmlns:a="http://schemas.openxmlformats.org/drawingml/2006/main" uniqueId="urn:microsoft.com/office/officeart/2005/8/colors/accent3_2">
+  <dgm:title val=""/>
+  <dgm:desc val=""/>
+  <dgm:catLst>
+    <dgm:cat type="accent3" pri="11200"/>
+  </dgm:catLst>
+  <dgm:styleLbl name="node0">
+    <dgm:fillClrLst meth="repeat">
+      <a:schemeClr val="accent3"/>
+    </dgm:fillClrLst>
+    <dgm:linClrLst meth="repeat">
+      <a:schemeClr val="lt1"/>
+    </dgm:linClrLst>
+    <dgm:effectClrLst/>
+    <dgm:txLinClrLst/>
+    <dgm:txFillClrLst/>
+    <dgm:txEffectClrLst/>
+  </dgm:styleLbl>
+  <dgm:styleLbl name="node1">
+    <dgm:fillClrLst meth="repeat">
+      <a:schemeClr val="accent3"/>
+    </dgm:fillClrLst>
+    <dgm:linClrLst meth="repeat">
+      <a:schemeClr val="lt1"/>
+    </dgm:linClrLst>
+    <dgm:effectClrLst/>
+    <dgm:txLinClrLst/>
+    <dgm:txFillClrLst/>
+    <dgm:txEffectClrLst/>
+  </dgm:styleLbl>
+  <dgm:styleLbl name="alignNode1">
+    <dgm:fillClrLst meth="repeat">
+      <a:schemeClr val="accent3"/>
+    </dgm:fillClrLst>
+    <dgm:linClrLst meth="repeat">
+      <a:schemeClr val="accent3"/>
+    </dgm:linClrLst>
+    <dgm:effectClrLst/>
+    <dgm:txLinClrLst/>
+    <dgm:txFillClrLst/>
+    <dgm:txEffectClrLst/>
+  </dgm:styleLbl>
+  <dgm:styleLbl name="lnNode1">
+    <dgm:fillClrLst meth="repeat">
+      <a:schemeClr val="accent3"/>
+    </dgm:fillClrLst>
+    <dgm:linClrLst meth="repeat">
+      <a:schemeClr val="lt1"/>
+    </dgm:linClrLst>
+    <dgm:effectClrLst/>
+    <dgm:txLinClrLst/>
+    <dgm:txFillClrLst/>
+    <dgm:txEffectClrLst/>
+  </dgm:styleLbl>
+  <dgm:styleLbl name="vennNode1">
+    <dgm:fillClrLst meth="repeat">
+      <a:schemeClr val="accent3">
+        <a:alpha val="50000"/>
+      </a:schemeClr>
+    </dgm:fillClrLst>
+    <dgm:linClrLst meth="repeat">
+      <a:schemeClr val="lt1"/>
+    </dgm:linClrLst>
+    <dgm:effectClrLst/>
+    <dgm:txLinClrLst/>
+    <dgm:txFillClrLst/>
+    <dgm:txEffectClrLst/>
+  </dgm:styleLbl>
+  <dgm:styleLbl name="node2">
+    <dgm:fillClrLst meth="repeat">
+      <a:schemeClr val="accent3"/>
+    </dgm:fillClrLst>
+    <dgm:linClrLst meth="repeat">
+      <a:schemeClr val="lt1"/>
+    </dgm:linClrLst>
+    <dgm:effectClrLst/>
+    <dgm:txLinClrLst/>
+    <dgm:txFillClrLst/>
+    <dgm:txEffectClrLst/>
+  </dgm:styleLbl>
+  <dgm:styleLbl name="node3">
+    <dgm:fillClrLst meth="repeat">
+      <a:schemeClr val="accent3"/>
+    </dgm:fillClrLst>
+    <dgm:linClrLst meth="repeat">
+      <a:schemeClr val="lt1"/>
+    </dgm:linClrLst>
+    <dgm:effectClrLst/>
+    <dgm:txLinClrLst/>
+    <dgm:txFillClrLst/>
+    <dgm:txEffectClrLst/>
+  </dgm:styleLbl>
+  <dgm:styleLbl name="node4">
+    <dgm:fillClrLst meth="repeat">
+      <a:schemeClr val="accent3"/>
+    </dgm:fillClrLst>
+    <dgm:linClrLst meth="repeat">
+      <a:schemeClr val="lt1"/>
+    </dgm:linClrLst>
+    <dgm:effectClrLst/>
+    <dgm:txLinClrLst/>
+    <dgm:txFillClrLst/>
+    <dgm:txEffectClrLst/>
+  </dgm:styleLbl>
+  <dgm:styleLbl name="fgImgPlace1">
+    <dgm:fillClrLst meth="repeat">
+      <a:schemeClr val="accent3">
+        <a:tint val="50000"/>
+      </a:schemeClr>
+    </dgm:fillClrLst>
+    <dgm:linClrLst meth="repeat">
+      <a:schemeClr val="lt1"/>
+    </dgm:linClrLst>
+    <dgm:effectClrLst/>
+    <dgm:txLinClrLst/>
+    <dgm:txFillClrLst meth="repeat">
+      <a:schemeClr val="lt1"/>
+    </dgm:txFillClrLst>
+    <dgm:txEffectClrLst/>
+  </dgm:styleLbl>
+  <dgm:styleLbl name="alignImgPlace1">
+    <dgm:fillClrLst meth="repeat">
+      <a:schemeClr val="accent3">
+        <a:tint val="50000"/>
+      </a:schemeClr>
+    </dgm:fillClrLst>
+    <dgm:linClrLst meth="repeat">
+      <a:schemeClr val="lt1"/>
+    </dgm:linClrLst>
+    <dgm:effectClrLst/>
+    <dgm:txLinClrLst/>
+    <dgm:txFillClrLst meth="repeat">
+      <a:schemeClr val="lt1"/>
+    </dgm:txFillClrLst>
+    <dgm:txEffectClrLst/>
+  </dgm:styleLbl>
+  <dgm:styleLbl name="bgImgPlace1">
+    <dgm:fillClrLst meth="repeat">
+      <a:schemeClr val="accent3">
+        <a:tint val="50000"/>
+      </a:schemeClr>
+    </dgm:fillClrLst>
+    <dgm:linClrLst meth="repeat">
+      <a:schemeClr val="lt1"/>
+    </dgm:linClrLst>
+    <dgm:effectClrLst/>
+    <dgm:txLinClrLst/>
+    <dgm:txFillClrLst meth="repeat">
+      <a:schemeClr val="lt1"/>
+    </dgm:txFillClrLst>
+    <dgm:txEffectClrLst/>
+  </dgm:styleLbl>
+  <dgm:styleLbl name="sibTrans2D1">
+    <dgm:fillClrLst meth="repeat">
+      <a:schemeClr val="accent3">
+        <a:tint val="60000"/>
+      </a:schemeClr>
+    </dgm:fillClrLst>
+    <dgm:linClrLst meth="repeat">
+      <a:schemeClr val="accent3">
+        <a:tint val="60000"/>
+      </a:schemeClr>
+    </dgm:linClrLst>
+    <dgm:effectClrLst/>
+    <dgm:txLinClrLst/>
+    <dgm:txFillClrLst/>
+    <dgm:txEffectClrLst/>
+  </dgm:styleLbl>
+  <dgm:styleLbl name="fgSibTrans2D1">
+    <dgm:fillClrLst meth="repeat">
+      <a:schemeClr val="accent3">
+        <a:tint val="60000"/>
+      </a:schemeClr>
+    </dgm:fillClrLst>
+    <dgm:linClrLst meth="repeat">
+      <a:schemeClr val="accent3">
+        <a:tint val="60000"/>
+      </a:schemeClr>
+    </dgm:linClrLst>
+    <dgm:effectClrLst/>
+    <dgm:txLinClrLst/>
+    <dgm:txFillClrLst/>
+    <dgm:txEffectClrLst/>
+  </dgm:styleLbl>
+  <dgm:styleLbl name="bgSibTrans2D1">
+    <dgm:fillClrLst meth="repeat">
+      <a:schemeClr val="accent3">
+        <a:tint val="60000"/>
+      </a:schemeClr>
+    </dgm:fillClrLst>
+    <dgm:linClrLst meth="repeat">
+      <a:schemeClr val="accent3">
+        <a:tint val="60000"/>
+      </a:schemeClr>
+    </dgm:linClrLst>
+    <dgm:effectClrLst/>
+    <dgm:txLinClrLst/>
+    <dgm:txFillClrLst/>
+    <dgm:txEffectClrLst/>
+  </dgm:styleLbl>
+  <dgm:styleLbl name="sibTrans1D1">
+    <dgm:fillClrLst meth="repeat">
+      <a:schemeClr val="accent3"/>
+    </dgm:fillClrLst>
+    <dgm:linClrLst meth="repeat">
+      <a:schemeClr val="accent3"/>
+    </dgm:linClrLst>
+    <dgm:effectClrLst/>
+    <dgm:txLinClrLst/>
+    <dgm:txFillClrLst meth="repeat">
+      <a:schemeClr val="tx1"/>
+    </dgm:txFillClrLst>
+    <dgm:txEffectClrLst/>
+  </dgm:styleLbl>
+  <dgm:styleLbl name="callout">
+    <dgm:fillClrLst meth="repeat">
+      <a:schemeClr val="accent3"/>
+    </dgm:fillClrLst>
+    <dgm:linClrLst meth="repeat">
+      <a:schemeClr val="accent3">
+        <a:tint val="50000"/>
+      </a:schemeClr>
+    </dgm:linClrLst>
+    <dgm:effectClrLst/>
+    <dgm:txLinClrLst/>
+    <dgm:txFillClrLst meth="repeat">
+      <a:schemeClr val="tx1"/>
+    </dgm:txFillClrLst>
+    <dgm:txEffectClrLst/>
+  </dgm:styleLbl>
+  <dgm:styleLbl name="asst0">
+    <dgm:fillClrLst meth="repeat">
+      <a:schemeClr val="accent3"/>
+    </dgm:fillClrLst>
+    <dgm:linClrLst meth="repeat">
+      <a:schemeClr val="lt1"/>
+    </dgm:linClrLst>
+    <dgm:effectClrLst/>
+    <dgm:txLinClrLst/>
+    <dgm:txFillClrLst/>
+    <dgm:txEffectClrLst/>
+  </dgm:styleLbl>
+  <dgm:styleLbl name="asst1">
+    <dgm:fillClrLst meth="repeat">
+      <a:schemeClr val="accent3"/>
+    </dgm:fillClrLst>
+    <dgm:linClrLst meth="repeat">
+      <a:schemeClr val="lt1"/>
+    </dgm:linClrLst>
+    <dgm:effectClrLst/>
+    <dgm:txLinClrLst/>
+    <dgm:txFillClrLst/>
+    <dgm:txEffectClrLst/>
+  </dgm:styleLbl>
+  <dgm:styleLbl name="asst2">
+    <dgm:fillClrLst meth="repeat">
+      <a:schemeClr val="accent3"/>
+    </dgm:fillClrLst>
+    <dgm:linClrLst meth="repeat">
+      <a:schemeClr val="lt1"/>
+    </dgm:linClrLst>
+    <dgm:effectClrLst/>
+    <dgm:txLinClrLst/>
+    <dgm:txFillClrLst/>
+    <dgm:txEffectClrLst/>
+  </dgm:styleLbl>
+  <dgm:styleLbl name="asst3">
+    <dgm:fillClrLst meth="repeat">
+      <a:schemeClr val="accent3"/>
+    </dgm:fillClrLst>
+    <dgm:linClrLst meth="repeat">
+      <a:schemeClr val="lt1"/>
+    </dgm:linClrLst>
+    <dgm:effectClrLst/>
+    <dgm:txLinClrLst/>
+    <dgm:txFillClrLst/>
+    <dgm:txEffectClrLst/>
+  </dgm:styleLbl>
+  <dgm:styleLbl name="asst4">
+    <dgm:fillClrLst meth="repeat">
+      <a:schemeClr val="accent3"/>
+    </dgm:fillClrLst>
+    <dgm:linClrLst meth="repeat">
+      <a:schemeClr val="lt1"/>
+    </dgm:linClrLst>
+    <dgm:effectClrLst/>
+    <dgm:txLinClrLst/>
+    <dgm:txFillClrLst/>
+    <dgm:txEffectClrLst/>
+  </dgm:styleLbl>
+  <dgm:styleLbl name="parChTrans2D1">
+    <dgm:fillClrLst meth="repeat">
+      <a:schemeClr val="accent3">
+        <a:tint val="60000"/>
+      </a:schemeClr>
+    </dgm:fillClrLst>
+    <dgm:linClrLst meth="repeat">
+      <a:schemeClr val="accent3">
+        <a:tint val="60000"/>
+      </a:schemeClr>
+    </dgm:linClrLst>
+    <dgm:effectClrLst/>
+    <dgm:txLinClrLst/>
+    <dgm:txFillClrLst meth="repeat">
+      <a:schemeClr val="lt1"/>
+    </dgm:txFillClrLst>
+    <dgm:txEffectClrLst/>
+  </dgm:styleLbl>
+  <dgm:styleLbl name="parChTrans2D2">
+    <dgm:fillClrLst meth="repeat">
+      <a:schemeClr val="accent3"/>
+    </dgm:fillClrLst>
+    <dgm:linClrLst meth="repeat">
+      <a:schemeClr val="accent3"/>
+    </dgm:linClrLst>
+    <dgm:effectClrLst/>
+    <dgm:txLinClrLst/>
+    <dgm:txFillClrLst meth="repeat">
+      <a:schemeClr val="lt1"/>
+    </dgm:txFillClrLst>
+    <dgm:txEffectClrLst/>
+  </dgm:styleLbl>
+  <dgm:styleLbl name="parChTrans2D3">
+    <dgm:fillClrLst meth="repeat">
+      <a:schemeClr val="accent3"/>
+    </dgm:fillClrLst>
+    <dgm:linClrLst meth="repeat">
+      <a:schemeClr val="accent3"/>
+    </dgm:linClrLst>
+    <dgm:effectClrLst/>
+    <dgm:txLinClrLst/>
+    <dgm:txFillClrLst meth="repeat">
+      <a:schemeClr val="lt1"/>
+    </dgm:txFillClrLst>
+    <dgm:txEffectClrLst/>
+  </dgm:styleLbl>
+  <dgm:styleLbl name="parChTrans2D4">
+    <dgm:fillClrLst meth="repeat">
+      <a:schemeClr val="accent3"/>
+    </dgm:fillClrLst>
+    <dgm:linClrLst meth="repeat">
+      <a:schemeClr val="accent3"/>
+    </dgm:linClrLst>
+    <dgm:effectClrLst/>
+    <dgm:txLinClrLst/>
+    <dgm:txFillClrLst meth="repeat">
+      <a:schemeClr val="lt1"/>
+    </dgm:txFillClrLst>
+    <dgm:txEffectClrLst/>
+  </dgm:styleLbl>
+  <dgm:styleLbl name="parChTrans1D1">
+    <dgm:fillClrLst meth="repeat">
+      <a:schemeClr val="accent3"/>
+    </dgm:fillClrLst>
+    <dgm:linClrLst meth="repeat">
+      <a:schemeClr val="accent3">
+        <a:shade val="60000"/>
+      </a:schemeClr>
+    </dgm:linClrLst>
+    <dgm:effectClrLst/>
+    <dgm:txLinClrLst/>
+    <dgm:txFillClrLst meth="repeat">
+      <a:schemeClr val="tx1"/>
+    </dgm:txFillClrLst>
+    <dgm:txEffectClrLst/>
+  </dgm:styleLbl>
+  <dgm:styleLbl name="parChTrans1D2">
+    <dgm:fillClrLst meth="repeat">
+      <a:schemeClr val="accent3"/>
+    </dgm:fillClrLst>
+    <dgm:linClrLst meth="repeat">
+      <a:schemeClr val="accent3">
+        <a:shade val="60000"/>
+      </a:schemeClr>
+    </dgm:linClrLst>
+    <dgm:effectClrLst/>
+    <dgm:txLinClrLst/>
+    <dgm:txFillClrLst meth="repeat">
+      <a:schemeClr val="tx1"/>
+    </dgm:txFillClrLst>
+    <dgm:txEffectClrLst/>
+  </dgm:styleLbl>
+  <dgm:styleLbl name="parChTrans1D3">
+    <dgm:fillClrLst meth="repeat">
+      <a:schemeClr val="accent3"/>
+    </dgm:fillClrLst>
+    <dgm:linClrLst meth="repeat">
+      <a:schemeClr val="accent3">
+        <a:shade val="80000"/>
+      </a:schemeClr>
+    </dgm:linClrLst>
+    <dgm:effectClrLst/>
+    <dgm:txLinClrLst/>
+    <dgm:txFillClrLst meth="repeat">
+      <a:schemeClr val="tx1"/>
+    </dgm:txFillClrLst>
+    <dgm:txEffectClrLst/>
+  </dgm:styleLbl>
+  <dgm:styleLbl name="parChTrans1D4">
+    <dgm:fillClrLst meth="repeat">
+      <a:schemeClr val="accent3"/>
+    </dgm:fillClrLst>
+    <dgm:linClrLst meth="repeat">
+      <a:schemeClr val="accent3">
+        <a:shade val="80000"/>
+      </a:schemeClr>
+    </dgm:linClrLst>
+    <dgm:effectClrLst/>
+    <dgm:txLinClrLst/>
+    <dgm:txFillClrLst meth="repeat">
+      <a:schemeClr val="tx1"/>
+    </dgm:txFillClrLst>
+    <dgm:txEffectClrLst/>
+  </dgm:styleLbl>
+  <dgm:styleLbl name="fgAcc1">
+    <dgm:fillClrLst meth="repeat">
+      <a:schemeClr val="lt1">
+        <a:alpha val="90000"/>
+      </a:schemeClr>
+    </dgm:fillClrLst>
+    <dgm:linClrLst meth="repeat">
+      <a:schemeClr val="accent3"/>
+    </dgm:linClrLst>
+    <dgm:effectClrLst/>
+    <dgm:txLinClrLst/>
+    <dgm:txFillClrLst meth="repeat">
+      <a:schemeClr val="dk1"/>
+    </dgm:txFillClrLst>
+    <dgm:txEffectClrLst/>
+  </dgm:styleLbl>
+  <dgm:styleLbl name="conFgAcc1">
+    <dgm:fillClrLst meth="repeat">
+      <a:schemeClr val="lt1">
+        <a:alpha val="90000"/>
+      </a:schemeClr>
+    </dgm:fillClrLst>
+    <dgm:linClrLst meth="repeat">
+      <a:schemeClr val="accent3"/>
+    </dgm:linClrLst>
+    <dgm:effectClrLst/>
+    <dgm:txLinClrLst/>
+    <dgm:txFillClrLst meth="repeat">
+      <a:schemeClr val="dk1"/>
+    </dgm:txFillClrLst>
+    <dgm:txEffectClrLst/>
+  </dgm:styleLbl>
+  <dgm:styleLbl name="alignAcc1">
+    <dgm:fillClrLst meth="repeat">
+      <a:schemeClr val="lt1">
+        <a:alpha val="90000"/>
+      </a:schemeClr>
+    </dgm:fillClrLst>
+    <dgm:linClrLst meth="repeat">
+      <a:schemeClr val="accent3"/>
+    </dgm:linClrLst>
+    <dgm:effectClrLst/>
+    <dgm:txLinClrLst/>
+    <dgm:txFillClrLst meth="repeat">
+      <a:schemeClr val="dk1"/>
+    </dgm:txFillClrLst>
+    <dgm:txEffectClrLst/>
+  </dgm:styleLbl>
+  <dgm:styleLbl name="trAlignAcc1">
+    <dgm:fillClrLst meth="repeat">
+      <a:schemeClr val="lt1">
+        <a:alpha val="40000"/>
+      </a:schemeClr>
+    </dgm:fillClrLst>
+    <dgm:linClrLst meth="repeat">
+      <a:schemeClr val="accent3"/>
+    </dgm:linClrLst>
+    <dgm:effectClrLst/>
+    <dgm:txLinClrLst/>
+    <dgm:txFillClrLst meth="repeat">
+      <a:schemeClr val="dk1"/>
+    </dgm:txFillClrLst>
+    <dgm:txEffectClrLst/>
+  </dgm:styleLbl>
+  <dgm:styleLbl name="bgAcc1">
+    <dgm:fillClrLst meth="repeat">
+      <a:schemeClr val="lt1">
+        <a:alpha val="90000"/>
+      </a:schemeClr>
+    </dgm:fillClrLst>
+    <dgm:linClrLst meth="repeat">
+      <a:schemeClr val="accent3"/>
+    </dgm:linClrLst>
+    <dgm:effectClrLst/>
+    <dgm:txLinClrLst/>
+    <dgm:txFillClrLst meth="repeat">
+      <a:schemeClr val="dk1"/>
+    </dgm:txFillClrLst>
+    <dgm:txEffectClrLst/>
+  </dgm:styleLbl>
+  <dgm:styleLbl name="solidFgAcc1">
+    <dgm:fillClrLst meth="repeat">
+      <a:schemeClr val="lt1"/>
+    </dgm:fillClrLst>
+    <dgm:linClrLst meth="repeat">
+      <a:schemeClr val="accent3"/>
+    </dgm:linClrLst>
+    <dgm:effectClrLst/>
+    <dgm:txLinClrLst/>
+    <dgm:txFillClrLst meth="repeat">
+      <a:schemeClr val="dk1"/>
+    </dgm:txFillClrLst>
+    <dgm:txEffectClrLst/>
+  </dgm:styleLbl>
+  <dgm:styleLbl name="solidAlignAcc1">
+    <dgm:fillClrLst meth="repeat">
+      <a:schemeClr val="lt1"/>
+    </dgm:fillClrLst>
+    <dgm:linClrLst meth="repeat">
+      <a:schemeClr val="accent3"/>
+    </dgm:linClrLst>
+    <dgm:effectClrLst/>
+    <dgm:txLinClrLst/>
+    <dgm:txFillClrLst meth="repeat">
+      <a:schemeClr val="dk1"/>
+    </dgm:txFillClrLst>
+    <dgm:txEffectClrLst/>
+  </dgm:styleLbl>
+  <dgm:styleLbl name="solidBgAcc1">
+    <dgm:fillClrLst meth="repeat">
+      <a:schemeClr val="lt1"/>
+    </dgm:fillClrLst>
+    <dgm:linClrLst meth="repeat">
+      <a:schemeClr val="accent3"/>
+    </dgm:linClrLst>
+    <dgm:effectClrLst/>
+    <dgm:txLinClrLst/>
+    <dgm:txFillClrLst meth="repeat">
+      <a:schemeClr val="dk1"/>
+    </dgm:txFillClrLst>
+    <dgm:txEffectClrLst/>
+  </dgm:styleLbl>
+  <dgm:styleLbl name="fgAccFollowNode1">
+    <dgm:fillClrLst meth="repeat">
+      <a:schemeClr val="accent3">
+        <a:alpha val="90000"/>
+        <a:tint val="40000"/>
+      </a:schemeClr>
+    </dgm:fillClrLst>
+    <dgm:linClrLst meth="repeat">
+      <a:schemeClr val="accent3">
+        <a:alpha val="90000"/>
+        <a:tint val="40000"/>
+      </a:schemeClr>
+    </dgm:linClrLst>
+    <dgm:effectClrLst/>
+    <dgm:txLinClrLst/>
+    <dgm:txFillClrLst meth="repeat">
+      <a:schemeClr val="dk1"/>
+    </dgm:txFillClrLst>
+    <dgm:txEffectClrLst/>
+  </dgm:styleLbl>
+  <dgm:styleLbl name="alignAccFollowNode1">
+    <dgm:fillClrLst meth="repeat">
+      <a:schemeClr val="accent3">
+        <a:alpha val="90000"/>
+        <a:tint val="40000"/>
+      </a:schemeClr>
+    </dgm:fillClrLst>
+    <dgm:linClrLst meth="repeat">
+      <a:schemeClr val="accent3">
+        <a:alpha val="90000"/>
+        <a:tint val="40000"/>
+      </a:schemeClr>
+    </dgm:linClrLst>
+    <dgm:effectClrLst/>
+    <dgm:txLinClrLst/>
+    <dgm:txFillClrLst meth="repeat">
+      <a:schemeClr val="dk1"/>
+    </dgm:txFillClrLst>
+    <dgm:txEffectClrLst/>
+  </dgm:styleLbl>
+  <dgm:styleLbl name="bgAccFollowNode1">
+    <dgm:fillClrLst meth="repeat">
+      <a:schemeClr val="accent3">
+        <a:alpha val="90000"/>
+        <a:tint val="40000"/>
+      </a:schemeClr>
+    </dgm:fillClrLst>
+    <dgm:linClrLst meth="repeat">
+      <a:schemeClr val="accent3">
+        <a:alpha val="90000"/>
+        <a:tint val="40000"/>
+      </a:schemeClr>
+    </dgm:linClrLst>
+    <dgm:effectClrLst/>
+    <dgm:txLinClrLst/>
+    <dgm:txFillClrLst meth="repeat">
+      <a:schemeClr val="dk1"/>
+    </dgm:txFillClrLst>
+    <dgm:txEffectClrLst/>
+  </dgm:styleLbl>
+  <dgm:styleLbl name="fgAcc0">
+    <dgm:fillClrLst meth="repeat">
+      <a:schemeClr val="lt1">
+        <a:alpha val="90000"/>
+      </a:schemeClr>
+    </dgm:fillClrLst>
+    <dgm:linClrLst meth="repeat">
+      <a:schemeClr val="accent3"/>
+    </dgm:linClrLst>
+    <dgm:effectClrLst/>
+    <dgm:txLinClrLst/>
+    <dgm:txFillClrLst meth="repeat">
+      <a:schemeClr val="dk1"/>
+    </dgm:txFillClrLst>
+    <dgm:txEffectClrLst/>
+  </dgm:styleLbl>
+  <dgm:styleLbl name="fgAcc2">
+    <dgm:fillClrLst meth="repeat">
+      <a:schemeClr val="lt1">
+        <a:alpha val="90000"/>
+      </a:schemeClr>
+    </dgm:fillClrLst>
+    <dgm:linClrLst meth="repeat">
+      <a:schemeClr val="accent3"/>
+    </dgm:linClrLst>
+    <dgm:effectClrLst/>
+    <dgm:txLinClrLst/>
+    <dgm:txFillClrLst meth="repeat">
+      <a:schemeClr val="dk1"/>
+    </dgm:txFillClrLst>
+    <dgm:txEffectClrLst/>
+  </dgm:styleLbl>
+  <dgm:styleLbl name="fgAcc3">
+    <dgm:fillClrLst meth="repeat">
+      <a:schemeClr val="lt1">
+        <a:alpha val="90000"/>
+      </a:schemeClr>
+    </dgm:fillClrLst>
+    <dgm:linClrLst meth="repeat">
+      <a:schemeClr val="accent3"/>
+    </dgm:linClrLst>
+    <dgm:effectClrLst/>
+    <dgm:txLinClrLst/>
+    <dgm:txFillClrLst meth="repeat">
+      <a:schemeClr val="dk1"/>
+    </dgm:txFillClrLst>
+    <dgm:txEffectClrLst/>
+  </dgm:styleLbl>
+  <dgm:styleLbl name="fgAcc4">
+    <dgm:fillClrLst meth="repeat">
+      <a:schemeClr val="lt1">
+        <a:alpha val="90000"/>
+      </a:schemeClr>
+    </dgm:fillClrLst>
+    <dgm:linClrLst meth="repeat">
+      <a:schemeClr val="accent3"/>
+    </dgm:linClrLst>
+    <dgm:effectClrLst/>
+    <dgm:txLinClrLst/>
+    <dgm:txFillClrLst meth="repeat">
+      <a:schemeClr val="dk1"/>
+    </dgm:txFillClrLst>
+    <dgm:txEffectClrLst/>
+  </dgm:styleLbl>
+  <dgm:styleLbl name="bgShp">
+    <dgm:fillClrLst meth="repeat">
+      <a:schemeClr val="accent3">
+        <a:tint val="40000"/>
+      </a:schemeClr>
+    </dgm:fillClrLst>
+    <dgm:linClrLst meth="repeat">
+      <a:schemeClr val="accent3"/>
+    </dgm:linClrLst>
+    <dgm:effectClrLst/>
+    <dgm:txLinClrLst/>
+    <dgm:txFillClrLst meth="repeat">
+      <a:schemeClr val="dk1"/>
+    </dgm:txFillClrLst>
+    <dgm:txEffectClrLst/>
+  </dgm:styleLbl>
+  <dgm:styleLbl name="dkBgShp">
+    <dgm:fillClrLst meth="repeat">
+      <a:schemeClr val="accent3">
+        <a:shade val="80000"/>
+      </a:schemeClr>
+    </dgm:fillClrLst>
+    <dgm:linClrLst meth="repeat">
+      <a:schemeClr val="accent3"/>
+    </dgm:linClrLst>
+    <dgm:effectClrLst/>
+    <dgm:txLinClrLst/>
+    <dgm:txFillClrLst meth="repeat">
+      <a:schemeClr val="lt1"/>
+    </dgm:txFillClrLst>
+    <dgm:txEffectClrLst/>
+  </dgm:styleLbl>
+  <dgm:styleLbl name="trBgShp">
+    <dgm:fillClrLst meth="repeat">
+      <a:schemeClr val="accent3">
+        <a:tint val="50000"/>
+        <a:alpha val="40000"/>
+      </a:schemeClr>
+    </dgm:fillClrLst>
+    <dgm:linClrLst meth="repeat">
+      <a:schemeClr val="accent3"/>
+    </dgm:linClrLst>
+    <dgm:effectClrLst/>
+    <dgm:txLinClrLst/>
+    <dgm:txFillClrLst meth="repeat">
+      <a:schemeClr val="lt1"/>
+    </dgm:txFillClrLst>
+    <dgm:txEffectClrLst/>
+  </dgm:styleLbl>
+  <dgm:styleLbl name="fgShp">
+    <dgm:fillClrLst meth="repeat">
+      <a:schemeClr val="accent3">
+        <a:tint val="60000"/>
+      </a:schemeClr>
+    </dgm:fillClrLst>
+    <dgm:linClrLst meth="repeat">
+      <a:schemeClr val="lt1"/>
+    </dgm:linClrLst>
+    <dgm:effectClrLst/>
+    <dgm:txLinClrLst/>
+    <dgm:txFillClrLst meth="repeat">
+      <a:schemeClr val="dk1"/>
+    </dgm:txFillClrLst>
+    <dgm:txEffectClrLst/>
+  </dgm:styleLbl>
+  <dgm:styleLbl name="revTx">
+    <dgm:fillClrLst meth="repeat">
+      <a:schemeClr val="lt1">
+        <a:alpha val="0"/>
+      </a:schemeClr>
+    </dgm:fillClrLst>
+    <dgm:linClrLst meth="repeat">
+      <a:schemeClr val="dk1">
+        <a:alpha val="0"/>
+      </a:schemeClr>
+    </dgm:linClrLst>
+    <dgm:effectClrLst/>
+    <dgm:txLinClrLst/>
+    <dgm:txFillClrLst meth="repeat">
+      <a:schemeClr val="tx1"/>
+    </dgm:txFillClrLst>
+    <dgm:txEffectClrLst/>
+  </dgm:styleLbl>
+</dgm:colorsDef>
+</file>
+
+<file path=ppt/diagrams/data1.xml><?xml version="1.0" encoding="utf-8"?>
+<dgm:dataModel xmlns:dgm="http://schemas.openxmlformats.org/drawingml/2006/diagram" xmlns:a="http://schemas.openxmlformats.org/drawingml/2006/main">
+  <dgm:ptLst>
+    <dgm:pt modelId="{636DE163-E729-459C-9494-A173C2177B89}" type="doc">
+      <dgm:prSet loTypeId="urn:microsoft.com/office/officeart/2005/8/layout/hierarchy1" loCatId="hierarchy" qsTypeId="urn:microsoft.com/office/officeart/2005/8/quickstyle/simple1" qsCatId="simple" csTypeId="urn:microsoft.com/office/officeart/2005/8/colors/accent1_2" csCatId="accent1" phldr="1"/>
+      <dgm:spPr/>
+      <dgm:t>
+        <a:bodyPr/>
+        <a:lstStyle/>
+        <a:p>
+          <a:endParaRPr lang="ru-RU"/>
+        </a:p>
+      </dgm:t>
+    </dgm:pt>
+    <dgm:pt modelId="{CD3A2C67-DFB1-429B-94E6-17FDB39F19B6}">
+      <dgm:prSet phldrT="[Текст]"/>
+      <dgm:spPr/>
+      <dgm:t>
+        <a:bodyPr/>
+        <a:lstStyle/>
+        <a:p>
+          <a:r>
+            <a:rPr lang="ru-RU" dirty="0" smtClean="0"/>
+            <a:t>Компоненты</a:t>
+          </a:r>
+          <a:endParaRPr lang="ru-RU" dirty="0"/>
+        </a:p>
+      </dgm:t>
+    </dgm:pt>
+    <dgm:pt modelId="{45AF7619-1995-4293-ADA5-FA909EA9846C}" type="parTrans" cxnId="{CA0F6A2C-50E0-419C-80A7-6B87A9D2DF82}">
+      <dgm:prSet/>
+      <dgm:spPr/>
+      <dgm:t>
+        <a:bodyPr/>
+        <a:lstStyle/>
+        <a:p>
+          <a:endParaRPr lang="ru-RU"/>
+        </a:p>
+      </dgm:t>
+    </dgm:pt>
+    <dgm:pt modelId="{2336FB27-C191-479A-A2B1-A2636199AD4F}" type="sibTrans" cxnId="{CA0F6A2C-50E0-419C-80A7-6B87A9D2DF82}">
+      <dgm:prSet/>
+      <dgm:spPr/>
+      <dgm:t>
+        <a:bodyPr/>
+        <a:lstStyle/>
+        <a:p>
+          <a:endParaRPr lang="ru-RU"/>
+        </a:p>
+      </dgm:t>
+    </dgm:pt>
+    <dgm:pt modelId="{94191E9B-A7DF-4E5C-B959-6385B8374D3B}">
+      <dgm:prSet phldrT="[Текст]"/>
+      <dgm:spPr/>
+      <dgm:t>
+        <a:bodyPr/>
+        <a:lstStyle/>
+        <a:p>
+          <a:r>
+            <a:rPr lang="ru-RU" dirty="0" smtClean="0"/>
+            <a:t>Корневые ресурсы</a:t>
+          </a:r>
+          <a:endParaRPr lang="ru-RU" dirty="0"/>
+        </a:p>
+      </dgm:t>
+    </dgm:pt>
+    <dgm:pt modelId="{6FD2B288-5415-45C7-923A-A42FE232C6B1}" type="parTrans" cxnId="{945AA4D9-D763-4688-B1C7-B3A7A490A909}">
+      <dgm:prSet/>
+      <dgm:spPr/>
+      <dgm:t>
+        <a:bodyPr/>
+        <a:lstStyle/>
+        <a:p>
+          <a:endParaRPr lang="ru-RU"/>
+        </a:p>
+      </dgm:t>
+    </dgm:pt>
+    <dgm:pt modelId="{5898D46B-9D24-4284-BFD7-9B7E7FD9FD4B}" type="sibTrans" cxnId="{945AA4D9-D763-4688-B1C7-B3A7A490A909}">
+      <dgm:prSet/>
+      <dgm:spPr/>
+      <dgm:t>
+        <a:bodyPr/>
+        <a:lstStyle/>
+        <a:p>
+          <a:endParaRPr lang="ru-RU"/>
+        </a:p>
+      </dgm:t>
+    </dgm:pt>
+    <dgm:pt modelId="{DD37C38D-383C-427B-B634-B9280AC22211}">
+      <dgm:prSet phldrT="[Текст]"/>
+      <dgm:spPr/>
+      <dgm:t>
+        <a:bodyPr/>
+        <a:lstStyle/>
+        <a:p>
+          <a:r>
+            <a:rPr lang="ru-RU" dirty="0" smtClean="0"/>
+            <a:t>Локаторы дочерних ресурсов</a:t>
+          </a:r>
+          <a:endParaRPr lang="ru-RU" dirty="0"/>
+        </a:p>
+      </dgm:t>
+    </dgm:pt>
+    <dgm:pt modelId="{5166C1EA-0022-404C-839A-938C667F7FFC}" type="parTrans" cxnId="{6EA80D8A-9EE0-458F-B342-B4BA8C8022BB}">
+      <dgm:prSet/>
+      <dgm:spPr/>
+      <dgm:t>
+        <a:bodyPr/>
+        <a:lstStyle/>
+        <a:p>
+          <a:endParaRPr lang="ru-RU"/>
+        </a:p>
+      </dgm:t>
+    </dgm:pt>
+    <dgm:pt modelId="{DE33A485-F07E-4D92-A722-58CA38806149}" type="sibTrans" cxnId="{6EA80D8A-9EE0-458F-B342-B4BA8C8022BB}">
+      <dgm:prSet/>
+      <dgm:spPr/>
+      <dgm:t>
+        <a:bodyPr/>
+        <a:lstStyle/>
+        <a:p>
+          <a:endParaRPr lang="ru-RU"/>
+        </a:p>
+      </dgm:t>
+    </dgm:pt>
+    <dgm:pt modelId="{D44182AC-927B-4F22-A9F6-4711477C3B1F}">
+      <dgm:prSet phldrT="[Текст]"/>
+      <dgm:spPr/>
+      <dgm:t>
+        <a:bodyPr/>
+        <a:lstStyle/>
+        <a:p>
+          <a:r>
+            <a:rPr lang="ru-RU" dirty="0" smtClean="0"/>
+            <a:t>Дочерние ресурсы</a:t>
+          </a:r>
+          <a:endParaRPr lang="ru-RU" dirty="0"/>
+        </a:p>
+      </dgm:t>
+    </dgm:pt>
+    <dgm:pt modelId="{3C01ECD8-529A-4DB0-9DC7-0BEDEA9DD07C}" type="parTrans" cxnId="{66B6A5CE-D74C-4F92-8F9D-F537D825147B}">
+      <dgm:prSet/>
+      <dgm:spPr/>
+      <dgm:t>
+        <a:bodyPr/>
+        <a:lstStyle/>
+        <a:p>
+          <a:endParaRPr lang="ru-RU"/>
+        </a:p>
+      </dgm:t>
+    </dgm:pt>
+    <dgm:pt modelId="{10A906CF-54CC-40F9-9756-78F184545895}" type="sibTrans" cxnId="{66B6A5CE-D74C-4F92-8F9D-F537D825147B}">
+      <dgm:prSet/>
+      <dgm:spPr/>
+      <dgm:t>
+        <a:bodyPr/>
+        <a:lstStyle/>
+        <a:p>
+          <a:endParaRPr lang="ru-RU"/>
+        </a:p>
+      </dgm:t>
+    </dgm:pt>
+    <dgm:pt modelId="{2E7B59B3-663F-41B2-9035-6589A6D0D524}">
+      <dgm:prSet phldrT="[Текст]"/>
+      <dgm:spPr/>
+      <dgm:t>
+        <a:bodyPr/>
+        <a:lstStyle/>
+        <a:p>
+          <a:r>
+            <a:rPr lang="ru-RU" dirty="0" smtClean="0"/>
+            <a:t>Методы ресурсов</a:t>
+          </a:r>
+          <a:endParaRPr lang="ru-RU" dirty="0"/>
+        </a:p>
+      </dgm:t>
+    </dgm:pt>
+    <dgm:pt modelId="{C6724D5B-12AF-483A-BDAF-BF558368C790}" type="parTrans" cxnId="{9AB0027E-0D44-468B-B6E9-845EDC4B3B6E}">
+      <dgm:prSet/>
+      <dgm:spPr/>
+      <dgm:t>
+        <a:bodyPr/>
+        <a:lstStyle/>
+        <a:p>
+          <a:endParaRPr lang="ru-RU"/>
+        </a:p>
+      </dgm:t>
+    </dgm:pt>
+    <dgm:pt modelId="{B6B92E2F-C86D-4CF5-A4EE-1DECBDA9A507}" type="sibTrans" cxnId="{9AB0027E-0D44-468B-B6E9-845EDC4B3B6E}">
+      <dgm:prSet/>
+      <dgm:spPr/>
+      <dgm:t>
+        <a:bodyPr/>
+        <a:lstStyle/>
+        <a:p>
+          <a:endParaRPr lang="ru-RU"/>
+        </a:p>
+      </dgm:t>
+    </dgm:pt>
+    <dgm:pt modelId="{E5BD8713-30A8-4BB3-A180-8067BAF2C423}">
+      <dgm:prSet phldrT="[Текст]"/>
+      <dgm:spPr/>
+      <dgm:t>
+        <a:bodyPr/>
+        <a:lstStyle/>
+        <a:p>
+          <a:r>
+            <a:rPr lang="ru-RU" dirty="0" smtClean="0"/>
+            <a:t>Методы дочерних ресурсов</a:t>
+          </a:r>
+          <a:endParaRPr lang="ru-RU" dirty="0"/>
+        </a:p>
+      </dgm:t>
+    </dgm:pt>
+    <dgm:pt modelId="{2EA1B82C-A240-42F1-BDCF-126E0E2EEF2E}" type="parTrans" cxnId="{2E2319F5-ACBB-46DE-B649-F4493DCF188C}">
+      <dgm:prSet/>
+      <dgm:spPr/>
+      <dgm:t>
+        <a:bodyPr/>
+        <a:lstStyle/>
+        <a:p>
+          <a:endParaRPr lang="ru-RU"/>
+        </a:p>
+      </dgm:t>
+    </dgm:pt>
+    <dgm:pt modelId="{FBB916E4-D65E-4553-A90C-90600E7FA08E}" type="sibTrans" cxnId="{2E2319F5-ACBB-46DE-B649-F4493DCF188C}">
+      <dgm:prSet/>
+      <dgm:spPr/>
+      <dgm:t>
+        <a:bodyPr/>
+        <a:lstStyle/>
+        <a:p>
+          <a:endParaRPr lang="ru-RU"/>
+        </a:p>
+      </dgm:t>
+    </dgm:pt>
+    <dgm:pt modelId="{2F9EE0DD-A42B-49A8-A519-F32653BBD6E8}" type="pres">
+      <dgm:prSet presAssocID="{636DE163-E729-459C-9494-A173C2177B89}" presName="hierChild1" presStyleCnt="0">
+        <dgm:presLayoutVars>
+          <dgm:chPref val="1"/>
+          <dgm:dir/>
+          <dgm:animOne val="branch"/>
+          <dgm:animLvl val="lvl"/>
+          <dgm:resizeHandles/>
+        </dgm:presLayoutVars>
+      </dgm:prSet>
+      <dgm:spPr/>
+    </dgm:pt>
+    <dgm:pt modelId="{E1D54441-E0C8-4ACD-86BA-35DA2523F397}" type="pres">
+      <dgm:prSet presAssocID="{CD3A2C67-DFB1-429B-94E6-17FDB39F19B6}" presName="hierRoot1" presStyleCnt="0"/>
+      <dgm:spPr/>
+    </dgm:pt>
+    <dgm:pt modelId="{B2E9A3F0-3235-48B4-AB58-05234CBAAB7E}" type="pres">
+      <dgm:prSet presAssocID="{CD3A2C67-DFB1-429B-94E6-17FDB39F19B6}" presName="composite" presStyleCnt="0"/>
+      <dgm:spPr/>
+    </dgm:pt>
+    <dgm:pt modelId="{935F3A29-9582-4FDF-B227-E45C95685DB2}" type="pres">
+      <dgm:prSet presAssocID="{CD3A2C67-DFB1-429B-94E6-17FDB39F19B6}" presName="background" presStyleLbl="node0" presStyleIdx="0" presStyleCnt="1"/>
+      <dgm:spPr/>
+    </dgm:pt>
+    <dgm:pt modelId="{CE30BFA5-DF56-40AE-8AA3-841BF56C84A0}" type="pres">
+      <dgm:prSet presAssocID="{CD3A2C67-DFB1-429B-94E6-17FDB39F19B6}" presName="text" presStyleLbl="fgAcc0" presStyleIdx="0" presStyleCnt="1">
+        <dgm:presLayoutVars>
+          <dgm:chPref val="3"/>
+        </dgm:presLayoutVars>
+      </dgm:prSet>
+      <dgm:spPr/>
+      <dgm:t>
+        <a:bodyPr/>
+        <a:lstStyle/>
+        <a:p>
+          <a:endParaRPr lang="ru-RU"/>
+        </a:p>
+      </dgm:t>
+    </dgm:pt>
+    <dgm:pt modelId="{269B5E0F-BCBE-4073-96D5-6D0A30CEEA47}" type="pres">
+      <dgm:prSet presAssocID="{CD3A2C67-DFB1-429B-94E6-17FDB39F19B6}" presName="hierChild2" presStyleCnt="0"/>
+      <dgm:spPr/>
+    </dgm:pt>
+    <dgm:pt modelId="{3782BADC-EC31-4EEE-86E5-DB4DA9FE9790}" type="pres">
+      <dgm:prSet presAssocID="{6FD2B288-5415-45C7-923A-A42FE232C6B1}" presName="Name10" presStyleLbl="parChTrans1D2" presStyleIdx="0" presStyleCnt="5"/>
+      <dgm:spPr/>
+    </dgm:pt>
+    <dgm:pt modelId="{5964C716-BA20-46D0-9BFF-E2F9FC285BD4}" type="pres">
+      <dgm:prSet presAssocID="{94191E9B-A7DF-4E5C-B959-6385B8374D3B}" presName="hierRoot2" presStyleCnt="0"/>
+      <dgm:spPr/>
+    </dgm:pt>
+    <dgm:pt modelId="{A811BBC3-07CE-4840-82F1-061A5A4204ED}" type="pres">
+      <dgm:prSet presAssocID="{94191E9B-A7DF-4E5C-B959-6385B8374D3B}" presName="composite2" presStyleCnt="0"/>
+      <dgm:spPr/>
+    </dgm:pt>
+    <dgm:pt modelId="{3767C6C9-0F58-442B-A356-B5C56B9EF2B9}" type="pres">
+      <dgm:prSet presAssocID="{94191E9B-A7DF-4E5C-B959-6385B8374D3B}" presName="background2" presStyleLbl="node2" presStyleIdx="0" presStyleCnt="5"/>
+      <dgm:spPr/>
+    </dgm:pt>
+    <dgm:pt modelId="{CEF92118-BF3E-4E0A-B550-0AE4498476B1}" type="pres">
+      <dgm:prSet presAssocID="{94191E9B-A7DF-4E5C-B959-6385B8374D3B}" presName="text2" presStyleLbl="fgAcc2" presStyleIdx="0" presStyleCnt="5">
+        <dgm:presLayoutVars>
+          <dgm:chPref val="3"/>
+        </dgm:presLayoutVars>
+      </dgm:prSet>
+      <dgm:spPr/>
+    </dgm:pt>
+    <dgm:pt modelId="{D224BB0E-0344-44A4-85C2-CBF88E7D595C}" type="pres">
+      <dgm:prSet presAssocID="{94191E9B-A7DF-4E5C-B959-6385B8374D3B}" presName="hierChild3" presStyleCnt="0"/>
+      <dgm:spPr/>
+    </dgm:pt>
+    <dgm:pt modelId="{0AA3422E-577C-4A1A-9FDD-A2D2A80EDAE3}" type="pres">
+      <dgm:prSet presAssocID="{3C01ECD8-529A-4DB0-9DC7-0BEDEA9DD07C}" presName="Name10" presStyleLbl="parChTrans1D2" presStyleIdx="1" presStyleCnt="5"/>
+      <dgm:spPr/>
+    </dgm:pt>
+    <dgm:pt modelId="{2F70B084-CA91-4B63-92D2-1EB6FFF161A6}" type="pres">
+      <dgm:prSet presAssocID="{D44182AC-927B-4F22-A9F6-4711477C3B1F}" presName="hierRoot2" presStyleCnt="0"/>
+      <dgm:spPr/>
+    </dgm:pt>
+    <dgm:pt modelId="{436F9F77-96EF-42C4-90C2-71F145151BE8}" type="pres">
+      <dgm:prSet presAssocID="{D44182AC-927B-4F22-A9F6-4711477C3B1F}" presName="composite2" presStyleCnt="0"/>
+      <dgm:spPr/>
+    </dgm:pt>
+    <dgm:pt modelId="{1C25D4D6-0EA9-4517-BDEE-81948BD9012A}" type="pres">
+      <dgm:prSet presAssocID="{D44182AC-927B-4F22-A9F6-4711477C3B1F}" presName="background2" presStyleLbl="node2" presStyleIdx="1" presStyleCnt="5"/>
+      <dgm:spPr/>
+    </dgm:pt>
+    <dgm:pt modelId="{E30F8FCE-590C-448F-9CC7-A1D59A2F3A77}" type="pres">
+      <dgm:prSet presAssocID="{D44182AC-927B-4F22-A9F6-4711477C3B1F}" presName="text2" presStyleLbl="fgAcc2" presStyleIdx="1" presStyleCnt="5">
+        <dgm:presLayoutVars>
+          <dgm:chPref val="3"/>
+        </dgm:presLayoutVars>
+      </dgm:prSet>
+      <dgm:spPr/>
+      <dgm:t>
+        <a:bodyPr/>
+        <a:lstStyle/>
+        <a:p>
+          <a:endParaRPr lang="ru-RU"/>
+        </a:p>
+      </dgm:t>
+    </dgm:pt>
+    <dgm:pt modelId="{4A7BA5B9-79C4-41BD-A4CA-2336B00CC2CC}" type="pres">
+      <dgm:prSet presAssocID="{D44182AC-927B-4F22-A9F6-4711477C3B1F}" presName="hierChild3" presStyleCnt="0"/>
+      <dgm:spPr/>
+    </dgm:pt>
+    <dgm:pt modelId="{B49E9188-4522-4A8B-B4C7-B914FDB8A542}" type="pres">
+      <dgm:prSet presAssocID="{C6724D5B-12AF-483A-BDAF-BF558368C790}" presName="Name10" presStyleLbl="parChTrans1D2" presStyleIdx="2" presStyleCnt="5"/>
+      <dgm:spPr/>
+    </dgm:pt>
+    <dgm:pt modelId="{22E983C0-C8BA-4AC4-845C-050052D5BED8}" type="pres">
+      <dgm:prSet presAssocID="{2E7B59B3-663F-41B2-9035-6589A6D0D524}" presName="hierRoot2" presStyleCnt="0"/>
+      <dgm:spPr/>
+    </dgm:pt>
+    <dgm:pt modelId="{B7DB572E-47C3-47FC-BEAD-07004ECAD1AB}" type="pres">
+      <dgm:prSet presAssocID="{2E7B59B3-663F-41B2-9035-6589A6D0D524}" presName="composite2" presStyleCnt="0"/>
+      <dgm:spPr/>
+    </dgm:pt>
+    <dgm:pt modelId="{2FCED6D5-BB21-4310-85B5-E0087C45F01B}" type="pres">
+      <dgm:prSet presAssocID="{2E7B59B3-663F-41B2-9035-6589A6D0D524}" presName="background2" presStyleLbl="node2" presStyleIdx="2" presStyleCnt="5"/>
+      <dgm:spPr/>
+    </dgm:pt>
+    <dgm:pt modelId="{1657BA2F-4E35-4EBF-9EA5-0536A65ABCA6}" type="pres">
+      <dgm:prSet presAssocID="{2E7B59B3-663F-41B2-9035-6589A6D0D524}" presName="text2" presStyleLbl="fgAcc2" presStyleIdx="2" presStyleCnt="5">
+        <dgm:presLayoutVars>
+          <dgm:chPref val="3"/>
+        </dgm:presLayoutVars>
+      </dgm:prSet>
+      <dgm:spPr/>
+    </dgm:pt>
+    <dgm:pt modelId="{5BCE89A5-6011-47E5-A554-8758CFD8FAD8}" type="pres">
+      <dgm:prSet presAssocID="{2E7B59B3-663F-41B2-9035-6589A6D0D524}" presName="hierChild3" presStyleCnt="0"/>
+      <dgm:spPr/>
+    </dgm:pt>
+    <dgm:pt modelId="{AB5088C5-C478-441A-B49B-522D5F2D7C78}" type="pres">
+      <dgm:prSet presAssocID="{2EA1B82C-A240-42F1-BDCF-126E0E2EEF2E}" presName="Name10" presStyleLbl="parChTrans1D2" presStyleIdx="3" presStyleCnt="5"/>
+      <dgm:spPr/>
+    </dgm:pt>
+    <dgm:pt modelId="{F7FC0B4A-A09F-4230-818C-FC22C2BF8E25}" type="pres">
+      <dgm:prSet presAssocID="{E5BD8713-30A8-4BB3-A180-8067BAF2C423}" presName="hierRoot2" presStyleCnt="0"/>
+      <dgm:spPr/>
+    </dgm:pt>
+    <dgm:pt modelId="{F65129C3-8477-4278-924A-27C243704F50}" type="pres">
+      <dgm:prSet presAssocID="{E5BD8713-30A8-4BB3-A180-8067BAF2C423}" presName="composite2" presStyleCnt="0"/>
+      <dgm:spPr/>
+    </dgm:pt>
+    <dgm:pt modelId="{547600B3-74AB-457E-8456-472BCA289EA6}" type="pres">
+      <dgm:prSet presAssocID="{E5BD8713-30A8-4BB3-A180-8067BAF2C423}" presName="background2" presStyleLbl="node2" presStyleIdx="3" presStyleCnt="5"/>
+      <dgm:spPr/>
+    </dgm:pt>
+    <dgm:pt modelId="{B63D31F0-ED4F-4DF9-819B-8C54F70EC46A}" type="pres">
+      <dgm:prSet presAssocID="{E5BD8713-30A8-4BB3-A180-8067BAF2C423}" presName="text2" presStyleLbl="fgAcc2" presStyleIdx="3" presStyleCnt="5">
+        <dgm:presLayoutVars>
+          <dgm:chPref val="3"/>
+        </dgm:presLayoutVars>
+      </dgm:prSet>
+      <dgm:spPr/>
+      <dgm:t>
+        <a:bodyPr/>
+        <a:lstStyle/>
+        <a:p>
+          <a:endParaRPr lang="ru-RU"/>
+        </a:p>
+      </dgm:t>
+    </dgm:pt>
+    <dgm:pt modelId="{4DAAFDF6-849E-467C-A91B-337E0A6FABAD}" type="pres">
+      <dgm:prSet presAssocID="{E5BD8713-30A8-4BB3-A180-8067BAF2C423}" presName="hierChild3" presStyleCnt="0"/>
+      <dgm:spPr/>
+    </dgm:pt>
+    <dgm:pt modelId="{A7F9C879-3B5A-42A9-9135-995442E14FA8}" type="pres">
+      <dgm:prSet presAssocID="{5166C1EA-0022-404C-839A-938C667F7FFC}" presName="Name10" presStyleLbl="parChTrans1D2" presStyleIdx="4" presStyleCnt="5"/>
+      <dgm:spPr/>
+    </dgm:pt>
+    <dgm:pt modelId="{B310B119-1FBF-4AF6-AED1-7F36614DF314}" type="pres">
+      <dgm:prSet presAssocID="{DD37C38D-383C-427B-B634-B9280AC22211}" presName="hierRoot2" presStyleCnt="0"/>
+      <dgm:spPr/>
+    </dgm:pt>
+    <dgm:pt modelId="{C7567634-4320-4D18-BE43-B9308429ED0A}" type="pres">
+      <dgm:prSet presAssocID="{DD37C38D-383C-427B-B634-B9280AC22211}" presName="composite2" presStyleCnt="0"/>
+      <dgm:spPr/>
+    </dgm:pt>
+    <dgm:pt modelId="{1177B4BA-49E3-4B79-B917-3AB8DBCA09CB}" type="pres">
+      <dgm:prSet presAssocID="{DD37C38D-383C-427B-B634-B9280AC22211}" presName="background2" presStyleLbl="node2" presStyleIdx="4" presStyleCnt="5"/>
+      <dgm:spPr/>
+    </dgm:pt>
+    <dgm:pt modelId="{9C915631-7708-4FDE-83C6-7D81392FED8B}" type="pres">
+      <dgm:prSet presAssocID="{DD37C38D-383C-427B-B634-B9280AC22211}" presName="text2" presStyleLbl="fgAcc2" presStyleIdx="4" presStyleCnt="5">
+        <dgm:presLayoutVars>
+          <dgm:chPref val="3"/>
+        </dgm:presLayoutVars>
+      </dgm:prSet>
+      <dgm:spPr/>
+    </dgm:pt>
+    <dgm:pt modelId="{EBA2273B-4CFF-4F0D-9AD6-480E795CB6E1}" type="pres">
+      <dgm:prSet presAssocID="{DD37C38D-383C-427B-B634-B9280AC22211}" presName="hierChild3" presStyleCnt="0"/>
+      <dgm:spPr/>
+    </dgm:pt>
+  </dgm:ptLst>
+  <dgm:cxnLst>
+    <dgm:cxn modelId="{1705478F-E23A-4102-A5E1-3BBD14107073}" type="presOf" srcId="{2E7B59B3-663F-41B2-9035-6589A6D0D524}" destId="{1657BA2F-4E35-4EBF-9EA5-0536A65ABCA6}" srcOrd="0" destOrd="0" presId="urn:microsoft.com/office/officeart/2005/8/layout/hierarchy1"/>
+    <dgm:cxn modelId="{55D33836-BCBA-4320-A152-06C94EA8BEEF}" type="presOf" srcId="{5166C1EA-0022-404C-839A-938C667F7FFC}" destId="{A7F9C879-3B5A-42A9-9135-995442E14FA8}" srcOrd="0" destOrd="0" presId="urn:microsoft.com/office/officeart/2005/8/layout/hierarchy1"/>
+    <dgm:cxn modelId="{EBB61C65-97B4-4F85-B988-3F8501455D3A}" type="presOf" srcId="{E5BD8713-30A8-4BB3-A180-8067BAF2C423}" destId="{B63D31F0-ED4F-4DF9-819B-8C54F70EC46A}" srcOrd="0" destOrd="0" presId="urn:microsoft.com/office/officeart/2005/8/layout/hierarchy1"/>
+    <dgm:cxn modelId="{945AA4D9-D763-4688-B1C7-B3A7A490A909}" srcId="{CD3A2C67-DFB1-429B-94E6-17FDB39F19B6}" destId="{94191E9B-A7DF-4E5C-B959-6385B8374D3B}" srcOrd="0" destOrd="0" parTransId="{6FD2B288-5415-45C7-923A-A42FE232C6B1}" sibTransId="{5898D46B-9D24-4284-BFD7-9B7E7FD9FD4B}"/>
+    <dgm:cxn modelId="{C6F17135-1BC6-404B-9713-997EADBB9D87}" type="presOf" srcId="{6FD2B288-5415-45C7-923A-A42FE232C6B1}" destId="{3782BADC-EC31-4EEE-86E5-DB4DA9FE9790}" srcOrd="0" destOrd="0" presId="urn:microsoft.com/office/officeart/2005/8/layout/hierarchy1"/>
+    <dgm:cxn modelId="{3B2A24EF-4AE8-46DD-9DE6-88F51239DD43}" type="presOf" srcId="{C6724D5B-12AF-483A-BDAF-BF558368C790}" destId="{B49E9188-4522-4A8B-B4C7-B914FDB8A542}" srcOrd="0" destOrd="0" presId="urn:microsoft.com/office/officeart/2005/8/layout/hierarchy1"/>
+    <dgm:cxn modelId="{9AB0027E-0D44-468B-B6E9-845EDC4B3B6E}" srcId="{CD3A2C67-DFB1-429B-94E6-17FDB39F19B6}" destId="{2E7B59B3-663F-41B2-9035-6589A6D0D524}" srcOrd="2" destOrd="0" parTransId="{C6724D5B-12AF-483A-BDAF-BF558368C790}" sibTransId="{B6B92E2F-C86D-4CF5-A4EE-1DECBDA9A507}"/>
+    <dgm:cxn modelId="{FCCF89C9-8498-4D08-98AF-1AA708E0BC10}" type="presOf" srcId="{3C01ECD8-529A-4DB0-9DC7-0BEDEA9DD07C}" destId="{0AA3422E-577C-4A1A-9FDD-A2D2A80EDAE3}" srcOrd="0" destOrd="0" presId="urn:microsoft.com/office/officeart/2005/8/layout/hierarchy1"/>
+    <dgm:cxn modelId="{D260338C-FC4D-4E8B-AE87-9A89EA17A6E3}" type="presOf" srcId="{D44182AC-927B-4F22-A9F6-4711477C3B1F}" destId="{E30F8FCE-590C-448F-9CC7-A1D59A2F3A77}" srcOrd="0" destOrd="0" presId="urn:microsoft.com/office/officeart/2005/8/layout/hierarchy1"/>
+    <dgm:cxn modelId="{CA0F6A2C-50E0-419C-80A7-6B87A9D2DF82}" srcId="{636DE163-E729-459C-9494-A173C2177B89}" destId="{CD3A2C67-DFB1-429B-94E6-17FDB39F19B6}" srcOrd="0" destOrd="0" parTransId="{45AF7619-1995-4293-ADA5-FA909EA9846C}" sibTransId="{2336FB27-C191-479A-A2B1-A2636199AD4F}"/>
+    <dgm:cxn modelId="{2E2319F5-ACBB-46DE-B649-F4493DCF188C}" srcId="{CD3A2C67-DFB1-429B-94E6-17FDB39F19B6}" destId="{E5BD8713-30A8-4BB3-A180-8067BAF2C423}" srcOrd="3" destOrd="0" parTransId="{2EA1B82C-A240-42F1-BDCF-126E0E2EEF2E}" sibTransId="{FBB916E4-D65E-4553-A90C-90600E7FA08E}"/>
+    <dgm:cxn modelId="{92F78B80-408D-4252-8A94-A85C1C12AD17}" type="presOf" srcId="{CD3A2C67-DFB1-429B-94E6-17FDB39F19B6}" destId="{CE30BFA5-DF56-40AE-8AA3-841BF56C84A0}" srcOrd="0" destOrd="0" presId="urn:microsoft.com/office/officeart/2005/8/layout/hierarchy1"/>
+    <dgm:cxn modelId="{C34FC9A8-188F-42CE-8DC1-9F1B8C0C61EB}" type="presOf" srcId="{94191E9B-A7DF-4E5C-B959-6385B8374D3B}" destId="{CEF92118-BF3E-4E0A-B550-0AE4498476B1}" srcOrd="0" destOrd="0" presId="urn:microsoft.com/office/officeart/2005/8/layout/hierarchy1"/>
+    <dgm:cxn modelId="{6EA80D8A-9EE0-458F-B342-B4BA8C8022BB}" srcId="{CD3A2C67-DFB1-429B-94E6-17FDB39F19B6}" destId="{DD37C38D-383C-427B-B634-B9280AC22211}" srcOrd="4" destOrd="0" parTransId="{5166C1EA-0022-404C-839A-938C667F7FFC}" sibTransId="{DE33A485-F07E-4D92-A722-58CA38806149}"/>
+    <dgm:cxn modelId="{66B6A5CE-D74C-4F92-8F9D-F537D825147B}" srcId="{CD3A2C67-DFB1-429B-94E6-17FDB39F19B6}" destId="{D44182AC-927B-4F22-A9F6-4711477C3B1F}" srcOrd="1" destOrd="0" parTransId="{3C01ECD8-529A-4DB0-9DC7-0BEDEA9DD07C}" sibTransId="{10A906CF-54CC-40F9-9756-78F184545895}"/>
+    <dgm:cxn modelId="{19B0AF93-30E5-4539-8B92-EB60527C1439}" type="presOf" srcId="{636DE163-E729-459C-9494-A173C2177B89}" destId="{2F9EE0DD-A42B-49A8-A519-F32653BBD6E8}" srcOrd="0" destOrd="0" presId="urn:microsoft.com/office/officeart/2005/8/layout/hierarchy1"/>
+    <dgm:cxn modelId="{DA085E70-A8B5-4AC7-8102-F3F7194CC160}" type="presOf" srcId="{DD37C38D-383C-427B-B634-B9280AC22211}" destId="{9C915631-7708-4FDE-83C6-7D81392FED8B}" srcOrd="0" destOrd="0" presId="urn:microsoft.com/office/officeart/2005/8/layout/hierarchy1"/>
+    <dgm:cxn modelId="{B07015C1-E38C-49DC-AE8F-420F73E9DB6D}" type="presOf" srcId="{2EA1B82C-A240-42F1-BDCF-126E0E2EEF2E}" destId="{AB5088C5-C478-441A-B49B-522D5F2D7C78}" srcOrd="0" destOrd="0" presId="urn:microsoft.com/office/officeart/2005/8/layout/hierarchy1"/>
+    <dgm:cxn modelId="{7A88B338-E486-4C0C-9AD3-9246C846BDD1}" type="presParOf" srcId="{2F9EE0DD-A42B-49A8-A519-F32653BBD6E8}" destId="{E1D54441-E0C8-4ACD-86BA-35DA2523F397}" srcOrd="0" destOrd="0" presId="urn:microsoft.com/office/officeart/2005/8/layout/hierarchy1"/>
+    <dgm:cxn modelId="{27EF0A25-FBD6-4F7D-80D6-AD0A1D5BE47F}" type="presParOf" srcId="{E1D54441-E0C8-4ACD-86BA-35DA2523F397}" destId="{B2E9A3F0-3235-48B4-AB58-05234CBAAB7E}" srcOrd="0" destOrd="0" presId="urn:microsoft.com/office/officeart/2005/8/layout/hierarchy1"/>
+    <dgm:cxn modelId="{6469D36C-9F0F-4D83-831D-1E0A45FEFA27}" type="presParOf" srcId="{B2E9A3F0-3235-48B4-AB58-05234CBAAB7E}" destId="{935F3A29-9582-4FDF-B227-E45C95685DB2}" srcOrd="0" destOrd="0" presId="urn:microsoft.com/office/officeart/2005/8/layout/hierarchy1"/>
+    <dgm:cxn modelId="{F91E1895-6B22-407C-B0B7-A0A7E4B0295F}" type="presParOf" srcId="{B2E9A3F0-3235-48B4-AB58-05234CBAAB7E}" destId="{CE30BFA5-DF56-40AE-8AA3-841BF56C84A0}" srcOrd="1" destOrd="0" presId="urn:microsoft.com/office/officeart/2005/8/layout/hierarchy1"/>
+    <dgm:cxn modelId="{1732F6ED-A952-4C97-863F-194C49B9F05F}" type="presParOf" srcId="{E1D54441-E0C8-4ACD-86BA-35DA2523F397}" destId="{269B5E0F-BCBE-4073-96D5-6D0A30CEEA47}" srcOrd="1" destOrd="0" presId="urn:microsoft.com/office/officeart/2005/8/layout/hierarchy1"/>
+    <dgm:cxn modelId="{BB537139-0C6C-4593-9D45-D62A529CC1D6}" type="presParOf" srcId="{269B5E0F-BCBE-4073-96D5-6D0A30CEEA47}" destId="{3782BADC-EC31-4EEE-86E5-DB4DA9FE9790}" srcOrd="0" destOrd="0" presId="urn:microsoft.com/office/officeart/2005/8/layout/hierarchy1"/>
+    <dgm:cxn modelId="{9CF7A3FB-76B7-4A96-AB72-302DFFEA93F1}" type="presParOf" srcId="{269B5E0F-BCBE-4073-96D5-6D0A30CEEA47}" destId="{5964C716-BA20-46D0-9BFF-E2F9FC285BD4}" srcOrd="1" destOrd="0" presId="urn:microsoft.com/office/officeart/2005/8/layout/hierarchy1"/>
+    <dgm:cxn modelId="{4D46C5D6-42DA-4516-B5D7-BA5F83C192EB}" type="presParOf" srcId="{5964C716-BA20-46D0-9BFF-E2F9FC285BD4}" destId="{A811BBC3-07CE-4840-82F1-061A5A4204ED}" srcOrd="0" destOrd="0" presId="urn:microsoft.com/office/officeart/2005/8/layout/hierarchy1"/>
+    <dgm:cxn modelId="{69F21ECC-4765-4841-ABA5-B60FA5BC6307}" type="presParOf" srcId="{A811BBC3-07CE-4840-82F1-061A5A4204ED}" destId="{3767C6C9-0F58-442B-A356-B5C56B9EF2B9}" srcOrd="0" destOrd="0" presId="urn:microsoft.com/office/officeart/2005/8/layout/hierarchy1"/>
+    <dgm:cxn modelId="{2F449F13-3114-4BA4-AFAF-5DB911AEC654}" type="presParOf" srcId="{A811BBC3-07CE-4840-82F1-061A5A4204ED}" destId="{CEF92118-BF3E-4E0A-B550-0AE4498476B1}" srcOrd="1" destOrd="0" presId="urn:microsoft.com/office/officeart/2005/8/layout/hierarchy1"/>
+    <dgm:cxn modelId="{2BE5B309-EEB0-42FE-9DCB-2057BF550857}" type="presParOf" srcId="{5964C716-BA20-46D0-9BFF-E2F9FC285BD4}" destId="{D224BB0E-0344-44A4-85C2-CBF88E7D595C}" srcOrd="1" destOrd="0" presId="urn:microsoft.com/office/officeart/2005/8/layout/hierarchy1"/>
+    <dgm:cxn modelId="{437BEE66-64EE-424B-B442-E4B225CF3453}" type="presParOf" srcId="{269B5E0F-BCBE-4073-96D5-6D0A30CEEA47}" destId="{0AA3422E-577C-4A1A-9FDD-A2D2A80EDAE3}" srcOrd="2" destOrd="0" presId="urn:microsoft.com/office/officeart/2005/8/layout/hierarchy1"/>
+    <dgm:cxn modelId="{BB845B46-3B69-43B4-AF56-B3326BBB7BD0}" type="presParOf" srcId="{269B5E0F-BCBE-4073-96D5-6D0A30CEEA47}" destId="{2F70B084-CA91-4B63-92D2-1EB6FFF161A6}" srcOrd="3" destOrd="0" presId="urn:microsoft.com/office/officeart/2005/8/layout/hierarchy1"/>
+    <dgm:cxn modelId="{9A95AA47-493A-4B71-8DFE-BDAF463803A0}" type="presParOf" srcId="{2F70B084-CA91-4B63-92D2-1EB6FFF161A6}" destId="{436F9F77-96EF-42C4-90C2-71F145151BE8}" srcOrd="0" destOrd="0" presId="urn:microsoft.com/office/officeart/2005/8/layout/hierarchy1"/>
+    <dgm:cxn modelId="{2EA7A901-82ED-45B6-8BE7-C6CC35732903}" type="presParOf" srcId="{436F9F77-96EF-42C4-90C2-71F145151BE8}" destId="{1C25D4D6-0EA9-4517-BDEE-81948BD9012A}" srcOrd="0" destOrd="0" presId="urn:microsoft.com/office/officeart/2005/8/layout/hierarchy1"/>
+    <dgm:cxn modelId="{BBA21DFF-5BBE-4B45-9216-73439F9F87E8}" type="presParOf" srcId="{436F9F77-96EF-42C4-90C2-71F145151BE8}" destId="{E30F8FCE-590C-448F-9CC7-A1D59A2F3A77}" srcOrd="1" destOrd="0" presId="urn:microsoft.com/office/officeart/2005/8/layout/hierarchy1"/>
+    <dgm:cxn modelId="{C317425B-6C1C-477E-B72D-89FABC4E01F5}" type="presParOf" srcId="{2F70B084-CA91-4B63-92D2-1EB6FFF161A6}" destId="{4A7BA5B9-79C4-41BD-A4CA-2336B00CC2CC}" srcOrd="1" destOrd="0" presId="urn:microsoft.com/office/officeart/2005/8/layout/hierarchy1"/>
+    <dgm:cxn modelId="{3E9263B0-2AD8-42C0-9AE8-D53F56A44D2A}" type="presParOf" srcId="{269B5E0F-BCBE-4073-96D5-6D0A30CEEA47}" destId="{B49E9188-4522-4A8B-B4C7-B914FDB8A542}" srcOrd="4" destOrd="0" presId="urn:microsoft.com/office/officeart/2005/8/layout/hierarchy1"/>
+    <dgm:cxn modelId="{2079EFA4-AB46-45F4-B674-2F5917E9D4A9}" type="presParOf" srcId="{269B5E0F-BCBE-4073-96D5-6D0A30CEEA47}" destId="{22E983C0-C8BA-4AC4-845C-050052D5BED8}" srcOrd="5" destOrd="0" presId="urn:microsoft.com/office/officeart/2005/8/layout/hierarchy1"/>
+    <dgm:cxn modelId="{D12505FE-69DE-43F2-85BC-8B32EDBACF8F}" type="presParOf" srcId="{22E983C0-C8BA-4AC4-845C-050052D5BED8}" destId="{B7DB572E-47C3-47FC-BEAD-07004ECAD1AB}" srcOrd="0" destOrd="0" presId="urn:microsoft.com/office/officeart/2005/8/layout/hierarchy1"/>
+    <dgm:cxn modelId="{F9FCD81C-0ACE-485B-9C95-7F7B53810211}" type="presParOf" srcId="{B7DB572E-47C3-47FC-BEAD-07004ECAD1AB}" destId="{2FCED6D5-BB21-4310-85B5-E0087C45F01B}" srcOrd="0" destOrd="0" presId="urn:microsoft.com/office/officeart/2005/8/layout/hierarchy1"/>
+    <dgm:cxn modelId="{3FCC15A2-5F30-48BB-B70E-A299240D308A}" type="presParOf" srcId="{B7DB572E-47C3-47FC-BEAD-07004ECAD1AB}" destId="{1657BA2F-4E35-4EBF-9EA5-0536A65ABCA6}" srcOrd="1" destOrd="0" presId="urn:microsoft.com/office/officeart/2005/8/layout/hierarchy1"/>
+    <dgm:cxn modelId="{6EEDB004-AA42-418D-9A80-7A6765160263}" type="presParOf" srcId="{22E983C0-C8BA-4AC4-845C-050052D5BED8}" destId="{5BCE89A5-6011-47E5-A554-8758CFD8FAD8}" srcOrd="1" destOrd="0" presId="urn:microsoft.com/office/officeart/2005/8/layout/hierarchy1"/>
+    <dgm:cxn modelId="{1555188F-913B-450B-AFED-83BA9F9736CD}" type="presParOf" srcId="{269B5E0F-BCBE-4073-96D5-6D0A30CEEA47}" destId="{AB5088C5-C478-441A-B49B-522D5F2D7C78}" srcOrd="6" destOrd="0" presId="urn:microsoft.com/office/officeart/2005/8/layout/hierarchy1"/>
+    <dgm:cxn modelId="{0BF84A97-4AE2-4A62-9583-8ACA5723394A}" type="presParOf" srcId="{269B5E0F-BCBE-4073-96D5-6D0A30CEEA47}" destId="{F7FC0B4A-A09F-4230-818C-FC22C2BF8E25}" srcOrd="7" destOrd="0" presId="urn:microsoft.com/office/officeart/2005/8/layout/hierarchy1"/>
+    <dgm:cxn modelId="{11A5CE63-5F45-4B56-813A-F776EBD7D58F}" type="presParOf" srcId="{F7FC0B4A-A09F-4230-818C-FC22C2BF8E25}" destId="{F65129C3-8477-4278-924A-27C243704F50}" srcOrd="0" destOrd="0" presId="urn:microsoft.com/office/officeart/2005/8/layout/hierarchy1"/>
+    <dgm:cxn modelId="{FDCF9745-1689-49EB-903E-D6F9C9AF3A2D}" type="presParOf" srcId="{F65129C3-8477-4278-924A-27C243704F50}" destId="{547600B3-74AB-457E-8456-472BCA289EA6}" srcOrd="0" destOrd="0" presId="urn:microsoft.com/office/officeart/2005/8/layout/hierarchy1"/>
+    <dgm:cxn modelId="{16661652-6322-4165-AA13-6D78854685C4}" type="presParOf" srcId="{F65129C3-8477-4278-924A-27C243704F50}" destId="{B63D31F0-ED4F-4DF9-819B-8C54F70EC46A}" srcOrd="1" destOrd="0" presId="urn:microsoft.com/office/officeart/2005/8/layout/hierarchy1"/>
+    <dgm:cxn modelId="{AA140C15-FA08-4419-862C-3089D18B633D}" type="presParOf" srcId="{F7FC0B4A-A09F-4230-818C-FC22C2BF8E25}" destId="{4DAAFDF6-849E-467C-A91B-337E0A6FABAD}" srcOrd="1" destOrd="0" presId="urn:microsoft.com/office/officeart/2005/8/layout/hierarchy1"/>
+    <dgm:cxn modelId="{489564FA-C27D-4544-9FC6-C407068BF08F}" type="presParOf" srcId="{269B5E0F-BCBE-4073-96D5-6D0A30CEEA47}" destId="{A7F9C879-3B5A-42A9-9135-995442E14FA8}" srcOrd="8" destOrd="0" presId="urn:microsoft.com/office/officeart/2005/8/layout/hierarchy1"/>
+    <dgm:cxn modelId="{D5142CEA-648A-4ADB-AF29-842A203ACBCE}" type="presParOf" srcId="{269B5E0F-BCBE-4073-96D5-6D0A30CEEA47}" destId="{B310B119-1FBF-4AF6-AED1-7F36614DF314}" srcOrd="9" destOrd="0" presId="urn:microsoft.com/office/officeart/2005/8/layout/hierarchy1"/>
+    <dgm:cxn modelId="{33AEDFDF-6425-48A8-8D02-C3C1560DF280}" type="presParOf" srcId="{B310B119-1FBF-4AF6-AED1-7F36614DF314}" destId="{C7567634-4320-4D18-BE43-B9308429ED0A}" srcOrd="0" destOrd="0" presId="urn:microsoft.com/office/officeart/2005/8/layout/hierarchy1"/>
+    <dgm:cxn modelId="{2D14AD17-FFA8-4A6B-823F-5F11B3DF9CB2}" type="presParOf" srcId="{C7567634-4320-4D18-BE43-B9308429ED0A}" destId="{1177B4BA-49E3-4B79-B917-3AB8DBCA09CB}" srcOrd="0" destOrd="0" presId="urn:microsoft.com/office/officeart/2005/8/layout/hierarchy1"/>
+    <dgm:cxn modelId="{9791E98A-55C4-4A12-B068-6515A36955FF}" type="presParOf" srcId="{C7567634-4320-4D18-BE43-B9308429ED0A}" destId="{9C915631-7708-4FDE-83C6-7D81392FED8B}" srcOrd="1" destOrd="0" presId="urn:microsoft.com/office/officeart/2005/8/layout/hierarchy1"/>
+    <dgm:cxn modelId="{AA12543C-ED36-46F9-9399-017816029C73}" type="presParOf" srcId="{B310B119-1FBF-4AF6-AED1-7F36614DF314}" destId="{EBA2273B-4CFF-4F0D-9AD6-480E795CB6E1}" srcOrd="1" destOrd="0" presId="urn:microsoft.com/office/officeart/2005/8/layout/hierarchy1"/>
+  </dgm:cxnLst>
+  <dgm:bg/>
+  <dgm:whole/>
+  <dgm:extLst>
+    <a:ext uri="http://schemas.microsoft.com/office/drawing/2008/diagram">
+      <dsp:dataModelExt xmlns:dsp="http://schemas.microsoft.com/office/drawing/2008/diagram" relId="rId6" minVer="http://schemas.openxmlformats.org/drawingml/2006/diagram"/>
+    </a:ext>
+  </dgm:extLst>
+</dgm:dataModel>
+</file>
+
+<file path=ppt/diagrams/data2.xml><?xml version="1.0" encoding="utf-8"?>
+<dgm:dataModel xmlns:dgm="http://schemas.openxmlformats.org/drawingml/2006/diagram" xmlns:a="http://schemas.openxmlformats.org/drawingml/2006/main">
+  <dgm:ptLst>
+    <dgm:pt modelId="{F4656FEB-9781-4DA6-B60D-E208D7FFE978}" type="doc">
+      <dgm:prSet loTypeId="urn:microsoft.com/office/officeart/2005/8/layout/hierarchy1" loCatId="hierarchy" qsTypeId="urn:microsoft.com/office/officeart/2005/8/quickstyle/simple1" qsCatId="simple" csTypeId="urn:microsoft.com/office/officeart/2005/8/colors/accent3_2" csCatId="accent3" phldr="1"/>
+      <dgm:spPr/>
+      <dgm:t>
+        <a:bodyPr/>
+        <a:lstStyle/>
+        <a:p>
+          <a:endParaRPr lang="ru-RU"/>
+        </a:p>
+      </dgm:t>
+    </dgm:pt>
+    <dgm:pt modelId="{250808F5-6F10-497F-B53B-C551E919CB5F}">
+      <dgm:prSet phldrT="[Текст]"/>
+      <dgm:spPr/>
+      <dgm:t>
+        <a:bodyPr/>
+        <a:lstStyle/>
+        <a:p>
+          <a:r>
+            <a:rPr lang="ru-RU" dirty="0" smtClean="0"/>
+            <a:t>Основные аннотации</a:t>
+          </a:r>
+          <a:endParaRPr lang="ru-RU" dirty="0"/>
+        </a:p>
+      </dgm:t>
+    </dgm:pt>
+    <dgm:pt modelId="{91F9EAC3-190F-4047-8D41-E0671BE1AFFC}" type="parTrans" cxnId="{2FC8BAC0-BE8C-4BFC-8F58-7B554284F2DA}">
+      <dgm:prSet/>
+      <dgm:spPr/>
+      <dgm:t>
+        <a:bodyPr/>
+        <a:lstStyle/>
+        <a:p>
+          <a:endParaRPr lang="ru-RU"/>
+        </a:p>
+      </dgm:t>
+    </dgm:pt>
+    <dgm:pt modelId="{4BF82AEB-0A90-4736-97E2-D524410770DD}" type="sibTrans" cxnId="{2FC8BAC0-BE8C-4BFC-8F58-7B554284F2DA}">
+      <dgm:prSet/>
+      <dgm:spPr/>
+      <dgm:t>
+        <a:bodyPr/>
+        <a:lstStyle/>
+        <a:p>
+          <a:endParaRPr lang="ru-RU"/>
+        </a:p>
+      </dgm:t>
+    </dgm:pt>
+    <dgm:pt modelId="{97F54C6E-1AB5-43E9-8157-7F0B316C0373}">
+      <dgm:prSet phldrT="[Текст]"/>
+      <dgm:spPr/>
+      <dgm:t>
+        <a:bodyPr/>
+        <a:lstStyle/>
+        <a:p>
+          <a:r>
+            <a:rPr lang="en-US" dirty="0" smtClean="0"/>
+            <a:t>@Path</a:t>
+          </a:r>
+          <a:endParaRPr lang="ru-RU" dirty="0"/>
+        </a:p>
+      </dgm:t>
+    </dgm:pt>
+    <dgm:pt modelId="{3CBFA75F-5A64-49FE-A95F-7948F1060A57}" type="parTrans" cxnId="{7F10A7CA-C7E1-4C38-8C9D-E7027211326E}">
+      <dgm:prSet/>
+      <dgm:spPr/>
+      <dgm:t>
+        <a:bodyPr/>
+        <a:lstStyle/>
+        <a:p>
+          <a:endParaRPr lang="ru-RU"/>
+        </a:p>
+      </dgm:t>
+    </dgm:pt>
+    <dgm:pt modelId="{37FBEE2A-DF50-4F76-BCE9-561F99BA45B5}" type="sibTrans" cxnId="{7F10A7CA-C7E1-4C38-8C9D-E7027211326E}">
+      <dgm:prSet/>
+      <dgm:spPr/>
+      <dgm:t>
+        <a:bodyPr/>
+        <a:lstStyle/>
+        <a:p>
+          <a:endParaRPr lang="ru-RU"/>
+        </a:p>
+      </dgm:t>
+    </dgm:pt>
+    <dgm:pt modelId="{F2D0CA48-CABE-4519-8178-B5495C8AD745}">
+      <dgm:prSet phldrT="[Текст]"/>
+      <dgm:spPr/>
+      <dgm:t>
+        <a:bodyPr/>
+        <a:lstStyle/>
+        <a:p>
+          <a:r>
+            <a:rPr lang="en-US" dirty="0" smtClean="0"/>
+            <a:t>@GET, @POST, @PUT, @DELETE, @HEAD</a:t>
+          </a:r>
+          <a:endParaRPr lang="ru-RU" dirty="0"/>
+        </a:p>
+      </dgm:t>
+    </dgm:pt>
+    <dgm:pt modelId="{456B4CAA-5D0C-4875-A2E7-04E16054DAB4}" type="parTrans" cxnId="{98590850-4711-434A-B594-F701753E8EAF}">
+      <dgm:prSet/>
+      <dgm:spPr/>
+      <dgm:t>
+        <a:bodyPr/>
+        <a:lstStyle/>
+        <a:p>
+          <a:endParaRPr lang="ru-RU"/>
+        </a:p>
+      </dgm:t>
+    </dgm:pt>
+    <dgm:pt modelId="{A717AB22-6EE7-4388-A6B1-5B08B8935FCA}" type="sibTrans" cxnId="{98590850-4711-434A-B594-F701753E8EAF}">
+      <dgm:prSet/>
+      <dgm:spPr/>
+      <dgm:t>
+        <a:bodyPr/>
+        <a:lstStyle/>
+        <a:p>
+          <a:endParaRPr lang="ru-RU"/>
+        </a:p>
+      </dgm:t>
+    </dgm:pt>
+    <dgm:pt modelId="{9C7CAD6B-CE34-4FB2-8AA0-96F658E11244}">
+      <dgm:prSet phldrT="[Текст]"/>
+      <dgm:spPr/>
+      <dgm:t>
+        <a:bodyPr/>
+        <a:lstStyle/>
+        <a:p>
+          <a:r>
+            <a:rPr lang="en-US" smtClean="0"/>
+            <a:t>@Consumes / @Produces</a:t>
+          </a:r>
+          <a:endParaRPr lang="ru-RU" dirty="0"/>
+        </a:p>
+      </dgm:t>
+    </dgm:pt>
+    <dgm:pt modelId="{68AE5684-EA97-4490-B6A3-8AFC8EFBFCB5}" type="parTrans" cxnId="{DB1E08DC-C655-400D-9B4D-B31E64BA399A}">
+      <dgm:prSet/>
+      <dgm:spPr/>
+      <dgm:t>
+        <a:bodyPr/>
+        <a:lstStyle/>
+        <a:p>
+          <a:endParaRPr lang="ru-RU"/>
+        </a:p>
+      </dgm:t>
+    </dgm:pt>
+    <dgm:pt modelId="{66453CB2-D87F-45FD-9523-7ADFBB8F9153}" type="sibTrans" cxnId="{DB1E08DC-C655-400D-9B4D-B31E64BA399A}">
+      <dgm:prSet/>
+      <dgm:spPr/>
+      <dgm:t>
+        <a:bodyPr/>
+        <a:lstStyle/>
+        <a:p>
+          <a:endParaRPr lang="ru-RU"/>
+        </a:p>
+      </dgm:t>
+    </dgm:pt>
+    <dgm:pt modelId="{590E5B55-6556-4C4A-A4F7-5D9D87BA505E}" type="pres">
+      <dgm:prSet presAssocID="{F4656FEB-9781-4DA6-B60D-E208D7FFE978}" presName="hierChild1" presStyleCnt="0">
+        <dgm:presLayoutVars>
+          <dgm:chPref val="1"/>
+          <dgm:dir/>
+          <dgm:animOne val="branch"/>
+          <dgm:animLvl val="lvl"/>
+          <dgm:resizeHandles/>
+        </dgm:presLayoutVars>
+      </dgm:prSet>
+      <dgm:spPr/>
+    </dgm:pt>
+    <dgm:pt modelId="{01CB211D-132F-405A-BE95-6D84237610BB}" type="pres">
+      <dgm:prSet presAssocID="{250808F5-6F10-497F-B53B-C551E919CB5F}" presName="hierRoot1" presStyleCnt="0"/>
+      <dgm:spPr/>
+    </dgm:pt>
+    <dgm:pt modelId="{F0F24D51-0CE1-4282-B6C4-8D2427958370}" type="pres">
+      <dgm:prSet presAssocID="{250808F5-6F10-497F-B53B-C551E919CB5F}" presName="composite" presStyleCnt="0"/>
+      <dgm:spPr/>
+    </dgm:pt>
+    <dgm:pt modelId="{6E9EB519-6716-41AB-9857-0B2694B56B98}" type="pres">
+      <dgm:prSet presAssocID="{250808F5-6F10-497F-B53B-C551E919CB5F}" presName="background" presStyleLbl="node0" presStyleIdx="0" presStyleCnt="1"/>
+      <dgm:spPr/>
+    </dgm:pt>
+    <dgm:pt modelId="{7C989C20-D891-4B5C-B991-E84E0F55D30D}" type="pres">
+      <dgm:prSet presAssocID="{250808F5-6F10-497F-B53B-C551E919CB5F}" presName="text" presStyleLbl="fgAcc0" presStyleIdx="0" presStyleCnt="1">
+        <dgm:presLayoutVars>
+          <dgm:chPref val="3"/>
+        </dgm:presLayoutVars>
+      </dgm:prSet>
+      <dgm:spPr/>
+      <dgm:t>
+        <a:bodyPr/>
+        <a:lstStyle/>
+        <a:p>
+          <a:endParaRPr lang="ru-RU"/>
+        </a:p>
+      </dgm:t>
+    </dgm:pt>
+    <dgm:pt modelId="{08E6F46F-79AF-45A6-866D-807766774FF0}" type="pres">
+      <dgm:prSet presAssocID="{250808F5-6F10-497F-B53B-C551E919CB5F}" presName="hierChild2" presStyleCnt="0"/>
+      <dgm:spPr/>
+    </dgm:pt>
+    <dgm:pt modelId="{89094E8F-2FB5-466F-94BB-A57C2E4181FF}" type="pres">
+      <dgm:prSet presAssocID="{3CBFA75F-5A64-49FE-A95F-7948F1060A57}" presName="Name10" presStyleLbl="parChTrans1D2" presStyleIdx="0" presStyleCnt="3"/>
+      <dgm:spPr/>
+    </dgm:pt>
+    <dgm:pt modelId="{92C116A9-CDDF-4F41-9BDF-FA2EB1D145F4}" type="pres">
+      <dgm:prSet presAssocID="{97F54C6E-1AB5-43E9-8157-7F0B316C0373}" presName="hierRoot2" presStyleCnt="0"/>
+      <dgm:spPr/>
+    </dgm:pt>
+    <dgm:pt modelId="{55E64B7C-769B-4319-AD73-81324275FCB9}" type="pres">
+      <dgm:prSet presAssocID="{97F54C6E-1AB5-43E9-8157-7F0B316C0373}" presName="composite2" presStyleCnt="0"/>
+      <dgm:spPr/>
+    </dgm:pt>
+    <dgm:pt modelId="{2FE69B0A-3814-4F95-8C41-C5ACEDFBF556}" type="pres">
+      <dgm:prSet presAssocID="{97F54C6E-1AB5-43E9-8157-7F0B316C0373}" presName="background2" presStyleLbl="node2" presStyleIdx="0" presStyleCnt="3"/>
+      <dgm:spPr/>
+    </dgm:pt>
+    <dgm:pt modelId="{82B24D70-0ABE-4F80-A90D-E27088753B1A}" type="pres">
+      <dgm:prSet presAssocID="{97F54C6E-1AB5-43E9-8157-7F0B316C0373}" presName="text2" presStyleLbl="fgAcc2" presStyleIdx="0" presStyleCnt="3">
+        <dgm:presLayoutVars>
+          <dgm:chPref val="3"/>
+        </dgm:presLayoutVars>
+      </dgm:prSet>
+      <dgm:spPr/>
+      <dgm:t>
+        <a:bodyPr/>
+        <a:lstStyle/>
+        <a:p>
+          <a:endParaRPr lang="ru-RU"/>
+        </a:p>
+      </dgm:t>
+    </dgm:pt>
+    <dgm:pt modelId="{B9C965B7-9C5C-44E1-97D3-E5BDA98C0159}" type="pres">
+      <dgm:prSet presAssocID="{97F54C6E-1AB5-43E9-8157-7F0B316C0373}" presName="hierChild3" presStyleCnt="0"/>
+      <dgm:spPr/>
+    </dgm:pt>
+    <dgm:pt modelId="{A3D17CA4-5AC0-4C52-B561-A7DF6FDF6C3B}" type="pres">
+      <dgm:prSet presAssocID="{456B4CAA-5D0C-4875-A2E7-04E16054DAB4}" presName="Name10" presStyleLbl="parChTrans1D2" presStyleIdx="1" presStyleCnt="3"/>
+      <dgm:spPr/>
+    </dgm:pt>
+    <dgm:pt modelId="{5DF32AC3-EFD9-48DB-BC31-C0CD18E65844}" type="pres">
+      <dgm:prSet presAssocID="{F2D0CA48-CABE-4519-8178-B5495C8AD745}" presName="hierRoot2" presStyleCnt="0"/>
+      <dgm:spPr/>
+    </dgm:pt>
+    <dgm:pt modelId="{2838E6BD-2604-406F-8DE9-B571298C13E9}" type="pres">
+      <dgm:prSet presAssocID="{F2D0CA48-CABE-4519-8178-B5495C8AD745}" presName="composite2" presStyleCnt="0"/>
+      <dgm:spPr/>
+    </dgm:pt>
+    <dgm:pt modelId="{B4BDE411-5D84-4D50-BB53-27236DEC942D}" type="pres">
+      <dgm:prSet presAssocID="{F2D0CA48-CABE-4519-8178-B5495C8AD745}" presName="background2" presStyleLbl="node2" presStyleIdx="1" presStyleCnt="3"/>
+      <dgm:spPr/>
+    </dgm:pt>
+    <dgm:pt modelId="{7C9A6F00-E955-49B0-8541-6D29BDC35B02}" type="pres">
+      <dgm:prSet presAssocID="{F2D0CA48-CABE-4519-8178-B5495C8AD745}" presName="text2" presStyleLbl="fgAcc2" presStyleIdx="1" presStyleCnt="3">
+        <dgm:presLayoutVars>
+          <dgm:chPref val="3"/>
+        </dgm:presLayoutVars>
+      </dgm:prSet>
+      <dgm:spPr/>
+    </dgm:pt>
+    <dgm:pt modelId="{054F6B84-7694-4AEC-BA1E-5868CF812620}" type="pres">
+      <dgm:prSet presAssocID="{F2D0CA48-CABE-4519-8178-B5495C8AD745}" presName="hierChild3" presStyleCnt="0"/>
+      <dgm:spPr/>
+    </dgm:pt>
+    <dgm:pt modelId="{50551604-4091-4739-B04B-15AD2C7E1AA3}" type="pres">
+      <dgm:prSet presAssocID="{68AE5684-EA97-4490-B6A3-8AFC8EFBFCB5}" presName="Name10" presStyleLbl="parChTrans1D2" presStyleIdx="2" presStyleCnt="3"/>
+      <dgm:spPr/>
+    </dgm:pt>
+    <dgm:pt modelId="{1287E8C0-5E3E-44AB-8187-DF4A71B667AC}" type="pres">
+      <dgm:prSet presAssocID="{9C7CAD6B-CE34-4FB2-8AA0-96F658E11244}" presName="hierRoot2" presStyleCnt="0"/>
+      <dgm:spPr/>
+    </dgm:pt>
+    <dgm:pt modelId="{D676F33D-3462-4569-A755-133A3B80A03E}" type="pres">
+      <dgm:prSet presAssocID="{9C7CAD6B-CE34-4FB2-8AA0-96F658E11244}" presName="composite2" presStyleCnt="0"/>
+      <dgm:spPr/>
+    </dgm:pt>
+    <dgm:pt modelId="{BF6A7878-E6D4-46B3-8376-A95A610B0C1A}" type="pres">
+      <dgm:prSet presAssocID="{9C7CAD6B-CE34-4FB2-8AA0-96F658E11244}" presName="background2" presStyleLbl="node2" presStyleIdx="2" presStyleCnt="3"/>
+      <dgm:spPr/>
+    </dgm:pt>
+    <dgm:pt modelId="{2B2B4927-1D88-4E26-B041-78F216C7F0C6}" type="pres">
+      <dgm:prSet presAssocID="{9C7CAD6B-CE34-4FB2-8AA0-96F658E11244}" presName="text2" presStyleLbl="fgAcc2" presStyleIdx="2" presStyleCnt="3">
+        <dgm:presLayoutVars>
+          <dgm:chPref val="3"/>
+        </dgm:presLayoutVars>
+      </dgm:prSet>
+      <dgm:spPr/>
+    </dgm:pt>
+    <dgm:pt modelId="{A0186228-C6D6-4134-BEBF-FCA1FF98F378}" type="pres">
+      <dgm:prSet presAssocID="{9C7CAD6B-CE34-4FB2-8AA0-96F658E11244}" presName="hierChild3" presStyleCnt="0"/>
+      <dgm:spPr/>
+    </dgm:pt>
+  </dgm:ptLst>
+  <dgm:cxnLst>
+    <dgm:cxn modelId="{45D263D2-F309-4117-9EFF-09E98399E675}" type="presOf" srcId="{9C7CAD6B-CE34-4FB2-8AA0-96F658E11244}" destId="{2B2B4927-1D88-4E26-B041-78F216C7F0C6}" srcOrd="0" destOrd="0" presId="urn:microsoft.com/office/officeart/2005/8/layout/hierarchy1"/>
+    <dgm:cxn modelId="{7F10A7CA-C7E1-4C38-8C9D-E7027211326E}" srcId="{250808F5-6F10-497F-B53B-C551E919CB5F}" destId="{97F54C6E-1AB5-43E9-8157-7F0B316C0373}" srcOrd="0" destOrd="0" parTransId="{3CBFA75F-5A64-49FE-A95F-7948F1060A57}" sibTransId="{37FBEE2A-DF50-4F76-BCE9-561F99BA45B5}"/>
+    <dgm:cxn modelId="{2FC8BAC0-BE8C-4BFC-8F58-7B554284F2DA}" srcId="{F4656FEB-9781-4DA6-B60D-E208D7FFE978}" destId="{250808F5-6F10-497F-B53B-C551E919CB5F}" srcOrd="0" destOrd="0" parTransId="{91F9EAC3-190F-4047-8D41-E0671BE1AFFC}" sibTransId="{4BF82AEB-0A90-4736-97E2-D524410770DD}"/>
+    <dgm:cxn modelId="{FF726913-D1A6-4C9F-9E77-431A46201177}" type="presOf" srcId="{F4656FEB-9781-4DA6-B60D-E208D7FFE978}" destId="{590E5B55-6556-4C4A-A4F7-5D9D87BA505E}" srcOrd="0" destOrd="0" presId="urn:microsoft.com/office/officeart/2005/8/layout/hierarchy1"/>
+    <dgm:cxn modelId="{A4F26C1E-7199-440E-B54B-6A9D79C596AE}" type="presOf" srcId="{F2D0CA48-CABE-4519-8178-B5495C8AD745}" destId="{7C9A6F00-E955-49B0-8541-6D29BDC35B02}" srcOrd="0" destOrd="0" presId="urn:microsoft.com/office/officeart/2005/8/layout/hierarchy1"/>
+    <dgm:cxn modelId="{DB1E08DC-C655-400D-9B4D-B31E64BA399A}" srcId="{250808F5-6F10-497F-B53B-C551E919CB5F}" destId="{9C7CAD6B-CE34-4FB2-8AA0-96F658E11244}" srcOrd="2" destOrd="0" parTransId="{68AE5684-EA97-4490-B6A3-8AFC8EFBFCB5}" sibTransId="{66453CB2-D87F-45FD-9523-7ADFBB8F9153}"/>
+    <dgm:cxn modelId="{98590850-4711-434A-B594-F701753E8EAF}" srcId="{250808F5-6F10-497F-B53B-C551E919CB5F}" destId="{F2D0CA48-CABE-4519-8178-B5495C8AD745}" srcOrd="1" destOrd="0" parTransId="{456B4CAA-5D0C-4875-A2E7-04E16054DAB4}" sibTransId="{A717AB22-6EE7-4388-A6B1-5B08B8935FCA}"/>
+    <dgm:cxn modelId="{AE636C97-DA3A-4F36-BEBF-B6D541E13C94}" type="presOf" srcId="{250808F5-6F10-497F-B53B-C551E919CB5F}" destId="{7C989C20-D891-4B5C-B991-E84E0F55D30D}" srcOrd="0" destOrd="0" presId="urn:microsoft.com/office/officeart/2005/8/layout/hierarchy1"/>
+    <dgm:cxn modelId="{21CF5000-ED67-4E29-8D37-70E456F6D2D7}" type="presOf" srcId="{456B4CAA-5D0C-4875-A2E7-04E16054DAB4}" destId="{A3D17CA4-5AC0-4C52-B561-A7DF6FDF6C3B}" srcOrd="0" destOrd="0" presId="urn:microsoft.com/office/officeart/2005/8/layout/hierarchy1"/>
+    <dgm:cxn modelId="{B21DCAE1-4608-40A8-BBBE-BB993E1746C0}" type="presOf" srcId="{97F54C6E-1AB5-43E9-8157-7F0B316C0373}" destId="{82B24D70-0ABE-4F80-A90D-E27088753B1A}" srcOrd="0" destOrd="0" presId="urn:microsoft.com/office/officeart/2005/8/layout/hierarchy1"/>
+    <dgm:cxn modelId="{28252F89-EBC0-41F6-B68A-F4926C6F30DA}" type="presOf" srcId="{3CBFA75F-5A64-49FE-A95F-7948F1060A57}" destId="{89094E8F-2FB5-466F-94BB-A57C2E4181FF}" srcOrd="0" destOrd="0" presId="urn:microsoft.com/office/officeart/2005/8/layout/hierarchy1"/>
+    <dgm:cxn modelId="{C78E2FDA-447A-49CD-B4E4-9E5B1C2D709D}" type="presOf" srcId="{68AE5684-EA97-4490-B6A3-8AFC8EFBFCB5}" destId="{50551604-4091-4739-B04B-15AD2C7E1AA3}" srcOrd="0" destOrd="0" presId="urn:microsoft.com/office/officeart/2005/8/layout/hierarchy1"/>
+    <dgm:cxn modelId="{56AAE7D3-14DA-4EAA-B757-0B06F919CCB1}" type="presParOf" srcId="{590E5B55-6556-4C4A-A4F7-5D9D87BA505E}" destId="{01CB211D-132F-405A-BE95-6D84237610BB}" srcOrd="0" destOrd="0" presId="urn:microsoft.com/office/officeart/2005/8/layout/hierarchy1"/>
+    <dgm:cxn modelId="{08B290CC-F068-44CD-92EF-759985B1DEE8}" type="presParOf" srcId="{01CB211D-132F-405A-BE95-6D84237610BB}" destId="{F0F24D51-0CE1-4282-B6C4-8D2427958370}" srcOrd="0" destOrd="0" presId="urn:microsoft.com/office/officeart/2005/8/layout/hierarchy1"/>
+    <dgm:cxn modelId="{6ED15F6B-2E4A-4364-A2FD-0864EE071009}" type="presParOf" srcId="{F0F24D51-0CE1-4282-B6C4-8D2427958370}" destId="{6E9EB519-6716-41AB-9857-0B2694B56B98}" srcOrd="0" destOrd="0" presId="urn:microsoft.com/office/officeart/2005/8/layout/hierarchy1"/>
+    <dgm:cxn modelId="{08CF9605-70D7-43B3-A41A-56A0BFD5F5FE}" type="presParOf" srcId="{F0F24D51-0CE1-4282-B6C4-8D2427958370}" destId="{7C989C20-D891-4B5C-B991-E84E0F55D30D}" srcOrd="1" destOrd="0" presId="urn:microsoft.com/office/officeart/2005/8/layout/hierarchy1"/>
+    <dgm:cxn modelId="{69AFFFE8-C36A-4FC7-BC52-90A159FC0C48}" type="presParOf" srcId="{01CB211D-132F-405A-BE95-6D84237610BB}" destId="{08E6F46F-79AF-45A6-866D-807766774FF0}" srcOrd="1" destOrd="0" presId="urn:microsoft.com/office/officeart/2005/8/layout/hierarchy1"/>
+    <dgm:cxn modelId="{98629735-E8D3-4401-8AC9-09B7484C7503}" type="presParOf" srcId="{08E6F46F-79AF-45A6-866D-807766774FF0}" destId="{89094E8F-2FB5-466F-94BB-A57C2E4181FF}" srcOrd="0" destOrd="0" presId="urn:microsoft.com/office/officeart/2005/8/layout/hierarchy1"/>
+    <dgm:cxn modelId="{F6351B81-B2A4-4F92-A691-B82BA3208744}" type="presParOf" srcId="{08E6F46F-79AF-45A6-866D-807766774FF0}" destId="{92C116A9-CDDF-4F41-9BDF-FA2EB1D145F4}" srcOrd="1" destOrd="0" presId="urn:microsoft.com/office/officeart/2005/8/layout/hierarchy1"/>
+    <dgm:cxn modelId="{CA3DDE18-7D64-4F3E-B1BB-CD8EBBD7B9F0}" type="presParOf" srcId="{92C116A9-CDDF-4F41-9BDF-FA2EB1D145F4}" destId="{55E64B7C-769B-4319-AD73-81324275FCB9}" srcOrd="0" destOrd="0" presId="urn:microsoft.com/office/officeart/2005/8/layout/hierarchy1"/>
+    <dgm:cxn modelId="{5BE8741A-640B-4429-A260-9C2EBCC636B5}" type="presParOf" srcId="{55E64B7C-769B-4319-AD73-81324275FCB9}" destId="{2FE69B0A-3814-4F95-8C41-C5ACEDFBF556}" srcOrd="0" destOrd="0" presId="urn:microsoft.com/office/officeart/2005/8/layout/hierarchy1"/>
+    <dgm:cxn modelId="{89660DF1-7A65-45A1-B349-3EAC1E5E58E0}" type="presParOf" srcId="{55E64B7C-769B-4319-AD73-81324275FCB9}" destId="{82B24D70-0ABE-4F80-A90D-E27088753B1A}" srcOrd="1" destOrd="0" presId="urn:microsoft.com/office/officeart/2005/8/layout/hierarchy1"/>
+    <dgm:cxn modelId="{5F93F6CA-096A-45EC-8C23-3698F23F67CE}" type="presParOf" srcId="{92C116A9-CDDF-4F41-9BDF-FA2EB1D145F4}" destId="{B9C965B7-9C5C-44E1-97D3-E5BDA98C0159}" srcOrd="1" destOrd="0" presId="urn:microsoft.com/office/officeart/2005/8/layout/hierarchy1"/>
+    <dgm:cxn modelId="{C71650AF-8B8F-4330-8ED1-CA40CAD31383}" type="presParOf" srcId="{08E6F46F-79AF-45A6-866D-807766774FF0}" destId="{A3D17CA4-5AC0-4C52-B561-A7DF6FDF6C3B}" srcOrd="2" destOrd="0" presId="urn:microsoft.com/office/officeart/2005/8/layout/hierarchy1"/>
+    <dgm:cxn modelId="{488F333E-62E0-457E-84D0-BD373F22A348}" type="presParOf" srcId="{08E6F46F-79AF-45A6-866D-807766774FF0}" destId="{5DF32AC3-EFD9-48DB-BC31-C0CD18E65844}" srcOrd="3" destOrd="0" presId="urn:microsoft.com/office/officeart/2005/8/layout/hierarchy1"/>
+    <dgm:cxn modelId="{92F0F9D2-C767-4794-9D11-CEA06AADED44}" type="presParOf" srcId="{5DF32AC3-EFD9-48DB-BC31-C0CD18E65844}" destId="{2838E6BD-2604-406F-8DE9-B571298C13E9}" srcOrd="0" destOrd="0" presId="urn:microsoft.com/office/officeart/2005/8/layout/hierarchy1"/>
+    <dgm:cxn modelId="{D7330FFB-99FF-4EB4-B9ED-2FBBB7E42703}" type="presParOf" srcId="{2838E6BD-2604-406F-8DE9-B571298C13E9}" destId="{B4BDE411-5D84-4D50-BB53-27236DEC942D}" srcOrd="0" destOrd="0" presId="urn:microsoft.com/office/officeart/2005/8/layout/hierarchy1"/>
+    <dgm:cxn modelId="{9AF8EF4B-3432-425C-98AA-FB07A66DA9E6}" type="presParOf" srcId="{2838E6BD-2604-406F-8DE9-B571298C13E9}" destId="{7C9A6F00-E955-49B0-8541-6D29BDC35B02}" srcOrd="1" destOrd="0" presId="urn:microsoft.com/office/officeart/2005/8/layout/hierarchy1"/>
+    <dgm:cxn modelId="{7F52B991-BC12-4B0F-A1F1-37937B9D0B6F}" type="presParOf" srcId="{5DF32AC3-EFD9-48DB-BC31-C0CD18E65844}" destId="{054F6B84-7694-4AEC-BA1E-5868CF812620}" srcOrd="1" destOrd="0" presId="urn:microsoft.com/office/officeart/2005/8/layout/hierarchy1"/>
+    <dgm:cxn modelId="{1D31A967-CE0E-44C7-9123-14A72CB50AD7}" type="presParOf" srcId="{08E6F46F-79AF-45A6-866D-807766774FF0}" destId="{50551604-4091-4739-B04B-15AD2C7E1AA3}" srcOrd="4" destOrd="0" presId="urn:microsoft.com/office/officeart/2005/8/layout/hierarchy1"/>
+    <dgm:cxn modelId="{AC0C892E-B188-4C33-A516-808E8173ED2D}" type="presParOf" srcId="{08E6F46F-79AF-45A6-866D-807766774FF0}" destId="{1287E8C0-5E3E-44AB-8187-DF4A71B667AC}" srcOrd="5" destOrd="0" presId="urn:microsoft.com/office/officeart/2005/8/layout/hierarchy1"/>
+    <dgm:cxn modelId="{07796A52-06FF-4168-B623-25C60F1D5583}" type="presParOf" srcId="{1287E8C0-5E3E-44AB-8187-DF4A71B667AC}" destId="{D676F33D-3462-4569-A755-133A3B80A03E}" srcOrd="0" destOrd="0" presId="urn:microsoft.com/office/officeart/2005/8/layout/hierarchy1"/>
+    <dgm:cxn modelId="{F55BD64E-76C1-4AE1-A368-0AB01B228A56}" type="presParOf" srcId="{D676F33D-3462-4569-A755-133A3B80A03E}" destId="{BF6A7878-E6D4-46B3-8376-A95A610B0C1A}" srcOrd="0" destOrd="0" presId="urn:microsoft.com/office/officeart/2005/8/layout/hierarchy1"/>
+    <dgm:cxn modelId="{AB1ADEA7-8BA5-40BE-9D36-86EDF1EFD2CB}" type="presParOf" srcId="{D676F33D-3462-4569-A755-133A3B80A03E}" destId="{2B2B4927-1D88-4E26-B041-78F216C7F0C6}" srcOrd="1" destOrd="0" presId="urn:microsoft.com/office/officeart/2005/8/layout/hierarchy1"/>
+    <dgm:cxn modelId="{75D74223-CBC9-472A-AD53-D2CB0069C5EB}" type="presParOf" srcId="{1287E8C0-5E3E-44AB-8187-DF4A71B667AC}" destId="{A0186228-C6D6-4134-BEBF-FCA1FF98F378}" srcOrd="1" destOrd="0" presId="urn:microsoft.com/office/officeart/2005/8/layout/hierarchy1"/>
+  </dgm:cxnLst>
+  <dgm:bg/>
+  <dgm:whole/>
+  <dgm:extLst>
+    <a:ext uri="http://schemas.microsoft.com/office/drawing/2008/diagram">
+      <dsp:dataModelExt xmlns:dsp="http://schemas.microsoft.com/office/drawing/2008/diagram" relId="rId11" minVer="http://schemas.openxmlformats.org/drawingml/2006/diagram"/>
+    </a:ext>
+  </dgm:extLst>
+</dgm:dataModel>
+</file>
+
+<file path=ppt/diagrams/drawing1.xml><?xml version="1.0" encoding="utf-8"?>
+<dsp:drawing xmlns:dgm="http://schemas.openxmlformats.org/drawingml/2006/diagram" xmlns:dsp="http://schemas.microsoft.com/office/drawing/2008/diagram" xmlns:a="http://schemas.openxmlformats.org/drawingml/2006/main">
+  <dsp:spTree>
+    <dsp:nvGrpSpPr>
+      <dsp:cNvPr id="0" name=""/>
+      <dsp:cNvGrpSpPr/>
+    </dsp:nvGrpSpPr>
+    <dsp:grpSpPr/>
+    <dsp:sp modelId="{A7F9C879-3B5A-42A9-9135-995442E14FA8}">
+      <dsp:nvSpPr>
+        <dsp:cNvPr id="0" name=""/>
+        <dsp:cNvSpPr/>
+      </dsp:nvSpPr>
+      <dsp:spPr>
+        <a:xfrm>
+          <a:off x="3325811" y="1109790"/>
+          <a:ext cx="2759127" cy="328273"/>
+        </a:xfrm>
+        <a:custGeom>
+          <a:avLst/>
+          <a:gdLst/>
+          <a:ahLst/>
+          <a:cxnLst/>
+          <a:rect l="0" t="0" r="0" b="0"/>
+          <a:pathLst>
+            <a:path>
+              <a:moveTo>
+                <a:pt x="0" y="0"/>
+              </a:moveTo>
+              <a:lnTo>
+                <a:pt x="0" y="223708"/>
+              </a:lnTo>
+              <a:lnTo>
+                <a:pt x="2759127" y="223708"/>
+              </a:lnTo>
+              <a:lnTo>
+                <a:pt x="2759127" y="328273"/>
+              </a:lnTo>
+            </a:path>
+          </a:pathLst>
+        </a:custGeom>
+        <a:noFill/>
+        <a:ln w="15875" cap="flat" cmpd="sng" algn="ctr">
+          <a:solidFill>
+            <a:schemeClr val="accent1">
+              <a:shade val="60000"/>
+              <a:hueOff val="0"/>
+              <a:satOff val="0"/>
+              <a:lumOff val="0"/>
+              <a:alphaOff val="0"/>
+            </a:schemeClr>
+          </a:solidFill>
+          <a:prstDash val="solid"/>
+        </a:ln>
+        <a:effectLst/>
+      </dsp:spPr>
+      <dsp:style>
+        <a:lnRef idx="2">
+          <a:scrgbClr r="0" g="0" b="0"/>
+        </a:lnRef>
+        <a:fillRef idx="0">
+          <a:scrgbClr r="0" g="0" b="0"/>
+        </a:fillRef>
+        <a:effectRef idx="0">
+          <a:scrgbClr r="0" g="0" b="0"/>
+        </a:effectRef>
+        <a:fontRef idx="minor"/>
+      </dsp:style>
+    </dsp:sp>
+    <dsp:sp modelId="{AB5088C5-C478-441A-B49B-522D5F2D7C78}">
+      <dsp:nvSpPr>
+        <dsp:cNvPr id="0" name=""/>
+        <dsp:cNvSpPr/>
+      </dsp:nvSpPr>
+      <dsp:spPr>
+        <a:xfrm>
+          <a:off x="3325811" y="1109790"/>
+          <a:ext cx="1379563" cy="328273"/>
+        </a:xfrm>
+        <a:custGeom>
+          <a:avLst/>
+          <a:gdLst/>
+          <a:ahLst/>
+          <a:cxnLst/>
+          <a:rect l="0" t="0" r="0" b="0"/>
+          <a:pathLst>
+            <a:path>
+              <a:moveTo>
+                <a:pt x="0" y="0"/>
+              </a:moveTo>
+              <a:lnTo>
+                <a:pt x="0" y="223708"/>
+              </a:lnTo>
+              <a:lnTo>
+                <a:pt x="1379563" y="223708"/>
+              </a:lnTo>
+              <a:lnTo>
+                <a:pt x="1379563" y="328273"/>
+              </a:lnTo>
+            </a:path>
+          </a:pathLst>
+        </a:custGeom>
+        <a:noFill/>
+        <a:ln w="15875" cap="flat" cmpd="sng" algn="ctr">
+          <a:solidFill>
+            <a:schemeClr val="accent1">
+              <a:shade val="60000"/>
+              <a:hueOff val="0"/>
+              <a:satOff val="0"/>
+              <a:lumOff val="0"/>
+              <a:alphaOff val="0"/>
+            </a:schemeClr>
+          </a:solidFill>
+          <a:prstDash val="solid"/>
+        </a:ln>
+        <a:effectLst/>
+      </dsp:spPr>
+      <dsp:style>
+        <a:lnRef idx="2">
+          <a:scrgbClr r="0" g="0" b="0"/>
+        </a:lnRef>
+        <a:fillRef idx="0">
+          <a:scrgbClr r="0" g="0" b="0"/>
+        </a:fillRef>
+        <a:effectRef idx="0">
+          <a:scrgbClr r="0" g="0" b="0"/>
+        </a:effectRef>
+        <a:fontRef idx="minor"/>
+      </dsp:style>
+    </dsp:sp>
+    <dsp:sp modelId="{B49E9188-4522-4A8B-B4C7-B914FDB8A542}">
+      <dsp:nvSpPr>
+        <dsp:cNvPr id="0" name=""/>
+        <dsp:cNvSpPr/>
+      </dsp:nvSpPr>
+      <dsp:spPr>
+        <a:xfrm>
+          <a:off x="3280091" y="1109790"/>
+          <a:ext cx="91440" cy="328273"/>
+        </a:xfrm>
+        <a:custGeom>
+          <a:avLst/>
+          <a:gdLst/>
+          <a:ahLst/>
+          <a:cxnLst/>
+          <a:rect l="0" t="0" r="0" b="0"/>
+          <a:pathLst>
+            <a:path>
+              <a:moveTo>
+                <a:pt x="45720" y="0"/>
+              </a:moveTo>
+              <a:lnTo>
+                <a:pt x="45720" y="328273"/>
+              </a:lnTo>
+            </a:path>
+          </a:pathLst>
+        </a:custGeom>
+        <a:noFill/>
+        <a:ln w="15875" cap="flat" cmpd="sng" algn="ctr">
+          <a:solidFill>
+            <a:schemeClr val="accent1">
+              <a:shade val="60000"/>
+              <a:hueOff val="0"/>
+              <a:satOff val="0"/>
+              <a:lumOff val="0"/>
+              <a:alphaOff val="0"/>
+            </a:schemeClr>
+          </a:solidFill>
+          <a:prstDash val="solid"/>
+        </a:ln>
+        <a:effectLst/>
+      </dsp:spPr>
+      <dsp:style>
+        <a:lnRef idx="2">
+          <a:scrgbClr r="0" g="0" b="0"/>
+        </a:lnRef>
+        <a:fillRef idx="0">
+          <a:scrgbClr r="0" g="0" b="0"/>
+        </a:fillRef>
+        <a:effectRef idx="0">
+          <a:scrgbClr r="0" g="0" b="0"/>
+        </a:effectRef>
+        <a:fontRef idx="minor"/>
+      </dsp:style>
+    </dsp:sp>
+    <dsp:sp modelId="{0AA3422E-577C-4A1A-9FDD-A2D2A80EDAE3}">
+      <dsp:nvSpPr>
+        <dsp:cNvPr id="0" name=""/>
+        <dsp:cNvSpPr/>
+      </dsp:nvSpPr>
+      <dsp:spPr>
+        <a:xfrm>
+          <a:off x="1946247" y="1109790"/>
+          <a:ext cx="1379563" cy="328273"/>
+        </a:xfrm>
+        <a:custGeom>
+          <a:avLst/>
+          <a:gdLst/>
+          <a:ahLst/>
+          <a:cxnLst/>
+          <a:rect l="0" t="0" r="0" b="0"/>
+          <a:pathLst>
+            <a:path>
+              <a:moveTo>
+                <a:pt x="1379563" y="0"/>
+              </a:moveTo>
+              <a:lnTo>
+                <a:pt x="1379563" y="223708"/>
+              </a:lnTo>
+              <a:lnTo>
+                <a:pt x="0" y="223708"/>
+              </a:lnTo>
+              <a:lnTo>
+                <a:pt x="0" y="328273"/>
+              </a:lnTo>
+            </a:path>
+          </a:pathLst>
+        </a:custGeom>
+        <a:noFill/>
+        <a:ln w="15875" cap="flat" cmpd="sng" algn="ctr">
+          <a:solidFill>
+            <a:schemeClr val="accent1">
+              <a:shade val="60000"/>
+              <a:hueOff val="0"/>
+              <a:satOff val="0"/>
+              <a:lumOff val="0"/>
+              <a:alphaOff val="0"/>
+            </a:schemeClr>
+          </a:solidFill>
+          <a:prstDash val="solid"/>
+        </a:ln>
+        <a:effectLst/>
+      </dsp:spPr>
+      <dsp:style>
+        <a:lnRef idx="2">
+          <a:scrgbClr r="0" g="0" b="0"/>
+        </a:lnRef>
+        <a:fillRef idx="0">
+          <a:scrgbClr r="0" g="0" b="0"/>
+        </a:fillRef>
+        <a:effectRef idx="0">
+          <a:scrgbClr r="0" g="0" b="0"/>
+        </a:effectRef>
+        <a:fontRef idx="minor"/>
+      </dsp:style>
+    </dsp:sp>
+    <dsp:sp modelId="{3782BADC-EC31-4EEE-86E5-DB4DA9FE9790}">
+      <dsp:nvSpPr>
+        <dsp:cNvPr id="0" name=""/>
+        <dsp:cNvSpPr/>
+      </dsp:nvSpPr>
+      <dsp:spPr>
+        <a:xfrm>
+          <a:off x="566683" y="1109790"/>
+          <a:ext cx="2759127" cy="328273"/>
+        </a:xfrm>
+        <a:custGeom>
+          <a:avLst/>
+          <a:gdLst/>
+          <a:ahLst/>
+          <a:cxnLst/>
+          <a:rect l="0" t="0" r="0" b="0"/>
+          <a:pathLst>
+            <a:path>
+              <a:moveTo>
+                <a:pt x="2759127" y="0"/>
+              </a:moveTo>
+              <a:lnTo>
+                <a:pt x="2759127" y="223708"/>
+              </a:lnTo>
+              <a:lnTo>
+                <a:pt x="0" y="223708"/>
+              </a:lnTo>
+              <a:lnTo>
+                <a:pt x="0" y="328273"/>
+              </a:lnTo>
+            </a:path>
+          </a:pathLst>
+        </a:custGeom>
+        <a:noFill/>
+        <a:ln w="15875" cap="flat" cmpd="sng" algn="ctr">
+          <a:solidFill>
+            <a:schemeClr val="accent1">
+              <a:shade val="60000"/>
+              <a:hueOff val="0"/>
+              <a:satOff val="0"/>
+              <a:lumOff val="0"/>
+              <a:alphaOff val="0"/>
+            </a:schemeClr>
+          </a:solidFill>
+          <a:prstDash val="solid"/>
+        </a:ln>
+        <a:effectLst/>
+      </dsp:spPr>
+      <dsp:style>
+        <a:lnRef idx="2">
+          <a:scrgbClr r="0" g="0" b="0"/>
+        </a:lnRef>
+        <a:fillRef idx="0">
+          <a:scrgbClr r="0" g="0" b="0"/>
+        </a:fillRef>
+        <a:effectRef idx="0">
+          <a:scrgbClr r="0" g="0" b="0"/>
+        </a:effectRef>
+        <a:fontRef idx="minor"/>
+      </dsp:style>
+    </dsp:sp>
+    <dsp:sp modelId="{935F3A29-9582-4FDF-B227-E45C95685DB2}">
+      <dsp:nvSpPr>
+        <dsp:cNvPr id="0" name=""/>
+        <dsp:cNvSpPr/>
+      </dsp:nvSpPr>
+      <dsp:spPr>
+        <a:xfrm>
+          <a:off x="2761444" y="393044"/>
+          <a:ext cx="1128734" cy="716746"/>
+        </a:xfrm>
+        <a:prstGeom prst="roundRect">
+          <a:avLst>
+            <a:gd name="adj" fmla="val 10000"/>
+          </a:avLst>
+        </a:prstGeom>
+        <a:solidFill>
+          <a:schemeClr val="accent1">
+            <a:hueOff val="0"/>
+            <a:satOff val="0"/>
+            <a:lumOff val="0"/>
+            <a:alphaOff val="0"/>
+          </a:schemeClr>
+        </a:solidFill>
+        <a:ln w="15875" cap="flat" cmpd="sng" algn="ctr">
+          <a:solidFill>
+            <a:schemeClr val="lt1">
+              <a:hueOff val="0"/>
+              <a:satOff val="0"/>
+              <a:lumOff val="0"/>
+              <a:alphaOff val="0"/>
+            </a:schemeClr>
+          </a:solidFill>
+          <a:prstDash val="solid"/>
+        </a:ln>
+        <a:effectLst/>
+      </dsp:spPr>
+      <dsp:style>
+        <a:lnRef idx="2">
+          <a:scrgbClr r="0" g="0" b="0"/>
+        </a:lnRef>
+        <a:fillRef idx="1">
+          <a:scrgbClr r="0" g="0" b="0"/>
+        </a:fillRef>
+        <a:effectRef idx="0">
+          <a:scrgbClr r="0" g="0" b="0"/>
+        </a:effectRef>
+        <a:fontRef idx="minor">
+          <a:schemeClr val="lt1"/>
+        </a:fontRef>
+      </dsp:style>
+    </dsp:sp>
+    <dsp:sp modelId="{CE30BFA5-DF56-40AE-8AA3-841BF56C84A0}">
+      <dsp:nvSpPr>
+        <dsp:cNvPr id="0" name=""/>
+        <dsp:cNvSpPr/>
+      </dsp:nvSpPr>
+      <dsp:spPr>
+        <a:xfrm>
+          <a:off x="2886858" y="512188"/>
+          <a:ext cx="1128734" cy="716746"/>
+        </a:xfrm>
+        <a:prstGeom prst="roundRect">
+          <a:avLst>
+            <a:gd name="adj" fmla="val 10000"/>
+          </a:avLst>
+        </a:prstGeom>
+        <a:solidFill>
+          <a:schemeClr val="lt1">
+            <a:alpha val="90000"/>
+            <a:hueOff val="0"/>
+            <a:satOff val="0"/>
+            <a:lumOff val="0"/>
+            <a:alphaOff val="0"/>
+          </a:schemeClr>
+        </a:solidFill>
+        <a:ln w="15875" cap="flat" cmpd="sng" algn="ctr">
+          <a:solidFill>
+            <a:schemeClr val="accent1">
+              <a:hueOff val="0"/>
+              <a:satOff val="0"/>
+              <a:lumOff val="0"/>
+              <a:alphaOff val="0"/>
+            </a:schemeClr>
+          </a:solidFill>
+          <a:prstDash val="solid"/>
+        </a:ln>
+        <a:effectLst/>
+      </dsp:spPr>
+      <dsp:style>
+        <a:lnRef idx="2">
+          <a:scrgbClr r="0" g="0" b="0"/>
+        </a:lnRef>
+        <a:fillRef idx="1">
+          <a:scrgbClr r="0" g="0" b="0"/>
+        </a:fillRef>
+        <a:effectRef idx="0">
+          <a:scrgbClr r="0" g="0" b="0"/>
+        </a:effectRef>
+        <a:fontRef idx="minor"/>
+      </dsp:style>
+      <dsp:txBody>
+        <a:bodyPr spcFirstLastPara="0" vert="horz" wrap="square" lIns="45720" tIns="45720" rIns="45720" bIns="45720" numCol="1" spcCol="1270" anchor="ctr" anchorCtr="0">
+          <a:noAutofit/>
+        </a:bodyPr>
+        <a:lstStyle/>
+        <a:p>
+          <a:pPr lvl="0" algn="ctr" defTabSz="533400">
+            <a:lnSpc>
+              <a:spcPct val="90000"/>
+            </a:lnSpc>
+            <a:spcBef>
+              <a:spcPct val="0"/>
+            </a:spcBef>
+            <a:spcAft>
+              <a:spcPct val="35000"/>
+            </a:spcAft>
+          </a:pPr>
+          <a:r>
+            <a:rPr lang="ru-RU" sz="1200" kern="1200" dirty="0" smtClean="0"/>
+            <a:t>Компоненты</a:t>
+          </a:r>
+          <a:endParaRPr lang="ru-RU" sz="1200" kern="1200" dirty="0"/>
+        </a:p>
+      </dsp:txBody>
+      <dsp:txXfrm>
+        <a:off x="2907851" y="533181"/>
+        <a:ext cx="1086748" cy="674760"/>
+      </dsp:txXfrm>
+    </dsp:sp>
+    <dsp:sp modelId="{3767C6C9-0F58-442B-A356-B5C56B9EF2B9}">
+      <dsp:nvSpPr>
+        <dsp:cNvPr id="0" name=""/>
+        <dsp:cNvSpPr/>
+      </dsp:nvSpPr>
+      <dsp:spPr>
+        <a:xfrm>
+          <a:off x="2316" y="1438064"/>
+          <a:ext cx="1128734" cy="716746"/>
+        </a:xfrm>
+        <a:prstGeom prst="roundRect">
+          <a:avLst>
+            <a:gd name="adj" fmla="val 10000"/>
+          </a:avLst>
+        </a:prstGeom>
+        <a:solidFill>
+          <a:schemeClr val="accent1">
+            <a:hueOff val="0"/>
+            <a:satOff val="0"/>
+            <a:lumOff val="0"/>
+            <a:alphaOff val="0"/>
+          </a:schemeClr>
+        </a:solidFill>
+        <a:ln w="15875" cap="flat" cmpd="sng" algn="ctr">
+          <a:solidFill>
+            <a:schemeClr val="lt1">
+              <a:hueOff val="0"/>
+              <a:satOff val="0"/>
+              <a:lumOff val="0"/>
+              <a:alphaOff val="0"/>
+            </a:schemeClr>
+          </a:solidFill>
+          <a:prstDash val="solid"/>
+        </a:ln>
+        <a:effectLst/>
+      </dsp:spPr>
+      <dsp:style>
+        <a:lnRef idx="2">
+          <a:scrgbClr r="0" g="0" b="0"/>
+        </a:lnRef>
+        <a:fillRef idx="1">
+          <a:scrgbClr r="0" g="0" b="0"/>
+        </a:fillRef>
+        <a:effectRef idx="0">
+          <a:scrgbClr r="0" g="0" b="0"/>
+        </a:effectRef>
+        <a:fontRef idx="minor">
+          <a:schemeClr val="lt1"/>
+        </a:fontRef>
+      </dsp:style>
+    </dsp:sp>
+    <dsp:sp modelId="{CEF92118-BF3E-4E0A-B550-0AE4498476B1}">
+      <dsp:nvSpPr>
+        <dsp:cNvPr id="0" name=""/>
+        <dsp:cNvSpPr/>
+      </dsp:nvSpPr>
+      <dsp:spPr>
+        <a:xfrm>
+          <a:off x="127731" y="1557208"/>
+          <a:ext cx="1128734" cy="716746"/>
+        </a:xfrm>
+        <a:prstGeom prst="roundRect">
+          <a:avLst>
+            <a:gd name="adj" fmla="val 10000"/>
+          </a:avLst>
+        </a:prstGeom>
+        <a:solidFill>
+          <a:schemeClr val="lt1">
+            <a:alpha val="90000"/>
+            <a:hueOff val="0"/>
+            <a:satOff val="0"/>
+            <a:lumOff val="0"/>
+            <a:alphaOff val="0"/>
+          </a:schemeClr>
+        </a:solidFill>
+        <a:ln w="15875" cap="flat" cmpd="sng" algn="ctr">
+          <a:solidFill>
+            <a:schemeClr val="accent1">
+              <a:hueOff val="0"/>
+              <a:satOff val="0"/>
+              <a:lumOff val="0"/>
+              <a:alphaOff val="0"/>
+            </a:schemeClr>
+          </a:solidFill>
+          <a:prstDash val="solid"/>
+        </a:ln>
+        <a:effectLst/>
+      </dsp:spPr>
+      <dsp:style>
+        <a:lnRef idx="2">
+          <a:scrgbClr r="0" g="0" b="0"/>
+        </a:lnRef>
+        <a:fillRef idx="1">
+          <a:scrgbClr r="0" g="0" b="0"/>
+        </a:fillRef>
+        <a:effectRef idx="0">
+          <a:scrgbClr r="0" g="0" b="0"/>
+        </a:effectRef>
+        <a:fontRef idx="minor"/>
+      </dsp:style>
+      <dsp:txBody>
+        <a:bodyPr spcFirstLastPara="0" vert="horz" wrap="square" lIns="45720" tIns="45720" rIns="45720" bIns="45720" numCol="1" spcCol="1270" anchor="ctr" anchorCtr="0">
+          <a:noAutofit/>
+        </a:bodyPr>
+        <a:lstStyle/>
+        <a:p>
+          <a:pPr lvl="0" algn="ctr" defTabSz="533400">
+            <a:lnSpc>
+              <a:spcPct val="90000"/>
+            </a:lnSpc>
+            <a:spcBef>
+              <a:spcPct val="0"/>
+            </a:spcBef>
+            <a:spcAft>
+              <a:spcPct val="35000"/>
+            </a:spcAft>
+          </a:pPr>
+          <a:r>
+            <a:rPr lang="ru-RU" sz="1200" kern="1200" dirty="0" smtClean="0"/>
+            <a:t>Корневые ресурсы</a:t>
+          </a:r>
+          <a:endParaRPr lang="ru-RU" sz="1200" kern="1200" dirty="0"/>
+        </a:p>
+      </dsp:txBody>
+      <dsp:txXfrm>
+        <a:off x="148724" y="1578201"/>
+        <a:ext cx="1086748" cy="674760"/>
+      </dsp:txXfrm>
+    </dsp:sp>
+    <dsp:sp modelId="{1C25D4D6-0EA9-4517-BDEE-81948BD9012A}">
+      <dsp:nvSpPr>
+        <dsp:cNvPr id="0" name=""/>
+        <dsp:cNvSpPr/>
+      </dsp:nvSpPr>
+      <dsp:spPr>
+        <a:xfrm>
+          <a:off x="1381880" y="1438064"/>
+          <a:ext cx="1128734" cy="716746"/>
+        </a:xfrm>
+        <a:prstGeom prst="roundRect">
+          <a:avLst>
+            <a:gd name="adj" fmla="val 10000"/>
+          </a:avLst>
+        </a:prstGeom>
+        <a:solidFill>
+          <a:schemeClr val="accent1">
+            <a:hueOff val="0"/>
+            <a:satOff val="0"/>
+            <a:lumOff val="0"/>
+            <a:alphaOff val="0"/>
+          </a:schemeClr>
+        </a:solidFill>
+        <a:ln w="15875" cap="flat" cmpd="sng" algn="ctr">
+          <a:solidFill>
+            <a:schemeClr val="lt1">
+              <a:hueOff val="0"/>
+              <a:satOff val="0"/>
+              <a:lumOff val="0"/>
+              <a:alphaOff val="0"/>
+            </a:schemeClr>
+          </a:solidFill>
+          <a:prstDash val="solid"/>
+        </a:ln>
+        <a:effectLst/>
+      </dsp:spPr>
+      <dsp:style>
+        <a:lnRef idx="2">
+          <a:scrgbClr r="0" g="0" b="0"/>
+        </a:lnRef>
+        <a:fillRef idx="1">
+          <a:scrgbClr r="0" g="0" b="0"/>
+        </a:fillRef>
+        <a:effectRef idx="0">
+          <a:scrgbClr r="0" g="0" b="0"/>
+        </a:effectRef>
+        <a:fontRef idx="minor">
+          <a:schemeClr val="lt1"/>
+        </a:fontRef>
+      </dsp:style>
+    </dsp:sp>
+    <dsp:sp modelId="{E30F8FCE-590C-448F-9CC7-A1D59A2F3A77}">
+      <dsp:nvSpPr>
+        <dsp:cNvPr id="0" name=""/>
+        <dsp:cNvSpPr/>
+      </dsp:nvSpPr>
+      <dsp:spPr>
+        <a:xfrm>
+          <a:off x="1507295" y="1557208"/>
+          <a:ext cx="1128734" cy="716746"/>
+        </a:xfrm>
+        <a:prstGeom prst="roundRect">
+          <a:avLst>
+            <a:gd name="adj" fmla="val 10000"/>
+          </a:avLst>
+        </a:prstGeom>
+        <a:solidFill>
+          <a:schemeClr val="lt1">
+            <a:alpha val="90000"/>
+            <a:hueOff val="0"/>
+            <a:satOff val="0"/>
+            <a:lumOff val="0"/>
+            <a:alphaOff val="0"/>
+          </a:schemeClr>
+        </a:solidFill>
+        <a:ln w="15875" cap="flat" cmpd="sng" algn="ctr">
+          <a:solidFill>
+            <a:schemeClr val="accent1">
+              <a:hueOff val="0"/>
+              <a:satOff val="0"/>
+              <a:lumOff val="0"/>
+              <a:alphaOff val="0"/>
+            </a:schemeClr>
+          </a:solidFill>
+          <a:prstDash val="solid"/>
+        </a:ln>
+        <a:effectLst/>
+      </dsp:spPr>
+      <dsp:style>
+        <a:lnRef idx="2">
+          <a:scrgbClr r="0" g="0" b="0"/>
+        </a:lnRef>
+        <a:fillRef idx="1">
+          <a:scrgbClr r="0" g="0" b="0"/>
+        </a:fillRef>
+        <a:effectRef idx="0">
+          <a:scrgbClr r="0" g="0" b="0"/>
+        </a:effectRef>
+        <a:fontRef idx="minor"/>
+      </dsp:style>
+      <dsp:txBody>
+        <a:bodyPr spcFirstLastPara="0" vert="horz" wrap="square" lIns="45720" tIns="45720" rIns="45720" bIns="45720" numCol="1" spcCol="1270" anchor="ctr" anchorCtr="0">
+          <a:noAutofit/>
+        </a:bodyPr>
+        <a:lstStyle/>
+        <a:p>
+          <a:pPr lvl="0" algn="ctr" defTabSz="533400">
+            <a:lnSpc>
+              <a:spcPct val="90000"/>
+            </a:lnSpc>
+            <a:spcBef>
+              <a:spcPct val="0"/>
+            </a:spcBef>
+            <a:spcAft>
+              <a:spcPct val="35000"/>
+            </a:spcAft>
+          </a:pPr>
+          <a:r>
+            <a:rPr lang="ru-RU" sz="1200" kern="1200" dirty="0" smtClean="0"/>
+            <a:t>Дочерние ресурсы</a:t>
+          </a:r>
+          <a:endParaRPr lang="ru-RU" sz="1200" kern="1200" dirty="0"/>
+        </a:p>
+      </dsp:txBody>
+      <dsp:txXfrm>
+        <a:off x="1528288" y="1578201"/>
+        <a:ext cx="1086748" cy="674760"/>
+      </dsp:txXfrm>
+    </dsp:sp>
+    <dsp:sp modelId="{2FCED6D5-BB21-4310-85B5-E0087C45F01B}">
+      <dsp:nvSpPr>
+        <dsp:cNvPr id="0" name=""/>
+        <dsp:cNvSpPr/>
+      </dsp:nvSpPr>
+      <dsp:spPr>
+        <a:xfrm>
+          <a:off x="2761444" y="1438064"/>
+          <a:ext cx="1128734" cy="716746"/>
+        </a:xfrm>
+        <a:prstGeom prst="roundRect">
+          <a:avLst>
+            <a:gd name="adj" fmla="val 10000"/>
+          </a:avLst>
+        </a:prstGeom>
+        <a:solidFill>
+          <a:schemeClr val="accent1">
+            <a:hueOff val="0"/>
+            <a:satOff val="0"/>
+            <a:lumOff val="0"/>
+            <a:alphaOff val="0"/>
+          </a:schemeClr>
+        </a:solidFill>
+        <a:ln w="15875" cap="flat" cmpd="sng" algn="ctr">
+          <a:solidFill>
+            <a:schemeClr val="lt1">
+              <a:hueOff val="0"/>
+              <a:satOff val="0"/>
+              <a:lumOff val="0"/>
+              <a:alphaOff val="0"/>
+            </a:schemeClr>
+          </a:solidFill>
+          <a:prstDash val="solid"/>
+        </a:ln>
+        <a:effectLst/>
+      </dsp:spPr>
+      <dsp:style>
+        <a:lnRef idx="2">
+          <a:scrgbClr r="0" g="0" b="0"/>
+        </a:lnRef>
+        <a:fillRef idx="1">
+          <a:scrgbClr r="0" g="0" b="0"/>
+        </a:fillRef>
+        <a:effectRef idx="0">
+          <a:scrgbClr r="0" g="0" b="0"/>
+        </a:effectRef>
+        <a:fontRef idx="minor">
+          <a:schemeClr val="lt1"/>
+        </a:fontRef>
+      </dsp:style>
+    </dsp:sp>
+    <dsp:sp modelId="{1657BA2F-4E35-4EBF-9EA5-0536A65ABCA6}">
+      <dsp:nvSpPr>
+        <dsp:cNvPr id="0" name=""/>
+        <dsp:cNvSpPr/>
+      </dsp:nvSpPr>
+      <dsp:spPr>
+        <a:xfrm>
+          <a:off x="2886858" y="1557208"/>
+          <a:ext cx="1128734" cy="716746"/>
+        </a:xfrm>
+        <a:prstGeom prst="roundRect">
+          <a:avLst>
+            <a:gd name="adj" fmla="val 10000"/>
+          </a:avLst>
+        </a:prstGeom>
+        <a:solidFill>
+          <a:schemeClr val="lt1">
+            <a:alpha val="90000"/>
+            <a:hueOff val="0"/>
+            <a:satOff val="0"/>
+            <a:lumOff val="0"/>
+            <a:alphaOff val="0"/>
+          </a:schemeClr>
+        </a:solidFill>
+        <a:ln w="15875" cap="flat" cmpd="sng" algn="ctr">
+          <a:solidFill>
+            <a:schemeClr val="accent1">
+              <a:hueOff val="0"/>
+              <a:satOff val="0"/>
+              <a:lumOff val="0"/>
+              <a:alphaOff val="0"/>
+            </a:schemeClr>
+          </a:solidFill>
+          <a:prstDash val="solid"/>
+        </a:ln>
+        <a:effectLst/>
+      </dsp:spPr>
+      <dsp:style>
+        <a:lnRef idx="2">
+          <a:scrgbClr r="0" g="0" b="0"/>
+        </a:lnRef>
+        <a:fillRef idx="1">
+          <a:scrgbClr r="0" g="0" b="0"/>
+        </a:fillRef>
+        <a:effectRef idx="0">
+          <a:scrgbClr r="0" g="0" b="0"/>
+        </a:effectRef>
+        <a:fontRef idx="minor"/>
+      </dsp:style>
+      <dsp:txBody>
+        <a:bodyPr spcFirstLastPara="0" vert="horz" wrap="square" lIns="45720" tIns="45720" rIns="45720" bIns="45720" numCol="1" spcCol="1270" anchor="ctr" anchorCtr="0">
+          <a:noAutofit/>
+        </a:bodyPr>
+        <a:lstStyle/>
+        <a:p>
+          <a:pPr lvl="0" algn="ctr" defTabSz="533400">
+            <a:lnSpc>
+              <a:spcPct val="90000"/>
+            </a:lnSpc>
+            <a:spcBef>
+              <a:spcPct val="0"/>
+            </a:spcBef>
+            <a:spcAft>
+              <a:spcPct val="35000"/>
+            </a:spcAft>
+          </a:pPr>
+          <a:r>
+            <a:rPr lang="ru-RU" sz="1200" kern="1200" dirty="0" smtClean="0"/>
+            <a:t>Методы ресурсов</a:t>
+          </a:r>
+          <a:endParaRPr lang="ru-RU" sz="1200" kern="1200" dirty="0"/>
+        </a:p>
+      </dsp:txBody>
+      <dsp:txXfrm>
+        <a:off x="2907851" y="1578201"/>
+        <a:ext cx="1086748" cy="674760"/>
+      </dsp:txXfrm>
+    </dsp:sp>
+    <dsp:sp modelId="{547600B3-74AB-457E-8456-472BCA289EA6}">
+      <dsp:nvSpPr>
+        <dsp:cNvPr id="0" name=""/>
+        <dsp:cNvSpPr/>
+      </dsp:nvSpPr>
+      <dsp:spPr>
+        <a:xfrm>
+          <a:off x="4141007" y="1438064"/>
+          <a:ext cx="1128734" cy="716746"/>
+        </a:xfrm>
+        <a:prstGeom prst="roundRect">
+          <a:avLst>
+            <a:gd name="adj" fmla="val 10000"/>
+          </a:avLst>
+        </a:prstGeom>
+        <a:solidFill>
+          <a:schemeClr val="accent1">
+            <a:hueOff val="0"/>
+            <a:satOff val="0"/>
+            <a:lumOff val="0"/>
+            <a:alphaOff val="0"/>
+          </a:schemeClr>
+        </a:solidFill>
+        <a:ln w="15875" cap="flat" cmpd="sng" algn="ctr">
+          <a:solidFill>
+            <a:schemeClr val="lt1">
+              <a:hueOff val="0"/>
+              <a:satOff val="0"/>
+              <a:lumOff val="0"/>
+              <a:alphaOff val="0"/>
+            </a:schemeClr>
+          </a:solidFill>
+          <a:prstDash val="solid"/>
+        </a:ln>
+        <a:effectLst/>
+      </dsp:spPr>
+      <dsp:style>
+        <a:lnRef idx="2">
+          <a:scrgbClr r="0" g="0" b="0"/>
+        </a:lnRef>
+        <a:fillRef idx="1">
+          <a:scrgbClr r="0" g="0" b="0"/>
+        </a:fillRef>
+        <a:effectRef idx="0">
+          <a:scrgbClr r="0" g="0" b="0"/>
+        </a:effectRef>
+        <a:fontRef idx="minor">
+          <a:schemeClr val="lt1"/>
+        </a:fontRef>
+      </dsp:style>
+    </dsp:sp>
+    <dsp:sp modelId="{B63D31F0-ED4F-4DF9-819B-8C54F70EC46A}">
+      <dsp:nvSpPr>
+        <dsp:cNvPr id="0" name=""/>
+        <dsp:cNvSpPr/>
+      </dsp:nvSpPr>
+      <dsp:spPr>
+        <a:xfrm>
+          <a:off x="4266422" y="1557208"/>
+          <a:ext cx="1128734" cy="716746"/>
+        </a:xfrm>
+        <a:prstGeom prst="roundRect">
+          <a:avLst>
+            <a:gd name="adj" fmla="val 10000"/>
+          </a:avLst>
+        </a:prstGeom>
+        <a:solidFill>
+          <a:schemeClr val="lt1">
+            <a:alpha val="90000"/>
+            <a:hueOff val="0"/>
+            <a:satOff val="0"/>
+            <a:lumOff val="0"/>
+            <a:alphaOff val="0"/>
+          </a:schemeClr>
+        </a:solidFill>
+        <a:ln w="15875" cap="flat" cmpd="sng" algn="ctr">
+          <a:solidFill>
+            <a:schemeClr val="accent1">
+              <a:hueOff val="0"/>
+              <a:satOff val="0"/>
+              <a:lumOff val="0"/>
+              <a:alphaOff val="0"/>
+            </a:schemeClr>
+          </a:solidFill>
+          <a:prstDash val="solid"/>
+        </a:ln>
+        <a:effectLst/>
+      </dsp:spPr>
+      <dsp:style>
+        <a:lnRef idx="2">
+          <a:scrgbClr r="0" g="0" b="0"/>
+        </a:lnRef>
+        <a:fillRef idx="1">
+          <a:scrgbClr r="0" g="0" b="0"/>
+        </a:fillRef>
+        <a:effectRef idx="0">
+          <a:scrgbClr r="0" g="0" b="0"/>
+        </a:effectRef>
+        <a:fontRef idx="minor"/>
+      </dsp:style>
+      <dsp:txBody>
+        <a:bodyPr spcFirstLastPara="0" vert="horz" wrap="square" lIns="45720" tIns="45720" rIns="45720" bIns="45720" numCol="1" spcCol="1270" anchor="ctr" anchorCtr="0">
+          <a:noAutofit/>
+        </a:bodyPr>
+        <a:lstStyle/>
+        <a:p>
+          <a:pPr lvl="0" algn="ctr" defTabSz="533400">
+            <a:lnSpc>
+              <a:spcPct val="90000"/>
+            </a:lnSpc>
+            <a:spcBef>
+              <a:spcPct val="0"/>
+            </a:spcBef>
+            <a:spcAft>
+              <a:spcPct val="35000"/>
+            </a:spcAft>
+          </a:pPr>
+          <a:r>
+            <a:rPr lang="ru-RU" sz="1200" kern="1200" dirty="0" smtClean="0"/>
+            <a:t>Методы дочерних ресурсов</a:t>
+          </a:r>
+          <a:endParaRPr lang="ru-RU" sz="1200" kern="1200" dirty="0"/>
+        </a:p>
+      </dsp:txBody>
+      <dsp:txXfrm>
+        <a:off x="4287415" y="1578201"/>
+        <a:ext cx="1086748" cy="674760"/>
+      </dsp:txXfrm>
+    </dsp:sp>
+    <dsp:sp modelId="{1177B4BA-49E3-4B79-B917-3AB8DBCA09CB}">
+      <dsp:nvSpPr>
+        <dsp:cNvPr id="0" name=""/>
+        <dsp:cNvSpPr/>
+      </dsp:nvSpPr>
+      <dsp:spPr>
+        <a:xfrm>
+          <a:off x="5520571" y="1438064"/>
+          <a:ext cx="1128734" cy="716746"/>
+        </a:xfrm>
+        <a:prstGeom prst="roundRect">
+          <a:avLst>
+            <a:gd name="adj" fmla="val 10000"/>
+          </a:avLst>
+        </a:prstGeom>
+        <a:solidFill>
+          <a:schemeClr val="accent1">
+            <a:hueOff val="0"/>
+            <a:satOff val="0"/>
+            <a:lumOff val="0"/>
+            <a:alphaOff val="0"/>
+          </a:schemeClr>
+        </a:solidFill>
+        <a:ln w="15875" cap="flat" cmpd="sng" algn="ctr">
+          <a:solidFill>
+            <a:schemeClr val="lt1">
+              <a:hueOff val="0"/>
+              <a:satOff val="0"/>
+              <a:lumOff val="0"/>
+              <a:alphaOff val="0"/>
+            </a:schemeClr>
+          </a:solidFill>
+          <a:prstDash val="solid"/>
+        </a:ln>
+        <a:effectLst/>
+      </dsp:spPr>
+      <dsp:style>
+        <a:lnRef idx="2">
+          <a:scrgbClr r="0" g="0" b="0"/>
+        </a:lnRef>
+        <a:fillRef idx="1">
+          <a:scrgbClr r="0" g="0" b="0"/>
+        </a:fillRef>
+        <a:effectRef idx="0">
+          <a:scrgbClr r="0" g="0" b="0"/>
+        </a:effectRef>
+        <a:fontRef idx="minor">
+          <a:schemeClr val="lt1"/>
+        </a:fontRef>
+      </dsp:style>
+    </dsp:sp>
+    <dsp:sp modelId="{9C915631-7708-4FDE-83C6-7D81392FED8B}">
+      <dsp:nvSpPr>
+        <dsp:cNvPr id="0" name=""/>
+        <dsp:cNvSpPr/>
+      </dsp:nvSpPr>
+      <dsp:spPr>
+        <a:xfrm>
+          <a:off x="5645986" y="1557208"/>
+          <a:ext cx="1128734" cy="716746"/>
+        </a:xfrm>
+        <a:prstGeom prst="roundRect">
+          <a:avLst>
+            <a:gd name="adj" fmla="val 10000"/>
+          </a:avLst>
+        </a:prstGeom>
+        <a:solidFill>
+          <a:schemeClr val="lt1">
+            <a:alpha val="90000"/>
+            <a:hueOff val="0"/>
+            <a:satOff val="0"/>
+            <a:lumOff val="0"/>
+            <a:alphaOff val="0"/>
+          </a:schemeClr>
+        </a:solidFill>
+        <a:ln w="15875" cap="flat" cmpd="sng" algn="ctr">
+          <a:solidFill>
+            <a:schemeClr val="accent1">
+              <a:hueOff val="0"/>
+              <a:satOff val="0"/>
+              <a:lumOff val="0"/>
+              <a:alphaOff val="0"/>
+            </a:schemeClr>
+          </a:solidFill>
+          <a:prstDash val="solid"/>
+        </a:ln>
+        <a:effectLst/>
+      </dsp:spPr>
+      <dsp:style>
+        <a:lnRef idx="2">
+          <a:scrgbClr r="0" g="0" b="0"/>
+        </a:lnRef>
+        <a:fillRef idx="1">
+          <a:scrgbClr r="0" g="0" b="0"/>
+        </a:fillRef>
+        <a:effectRef idx="0">
+          <a:scrgbClr r="0" g="0" b="0"/>
+        </a:effectRef>
+        <a:fontRef idx="minor"/>
+      </dsp:style>
+      <dsp:txBody>
+        <a:bodyPr spcFirstLastPara="0" vert="horz" wrap="square" lIns="45720" tIns="45720" rIns="45720" bIns="45720" numCol="1" spcCol="1270" anchor="ctr" anchorCtr="0">
+          <a:noAutofit/>
+        </a:bodyPr>
+        <a:lstStyle/>
+        <a:p>
+          <a:pPr lvl="0" algn="ctr" defTabSz="533400">
+            <a:lnSpc>
+              <a:spcPct val="90000"/>
+            </a:lnSpc>
+            <a:spcBef>
+              <a:spcPct val="0"/>
+            </a:spcBef>
+            <a:spcAft>
+              <a:spcPct val="35000"/>
+            </a:spcAft>
+          </a:pPr>
+          <a:r>
+            <a:rPr lang="ru-RU" sz="1200" kern="1200" dirty="0" smtClean="0"/>
+            <a:t>Локаторы дочерних ресурсов</a:t>
+          </a:r>
+          <a:endParaRPr lang="ru-RU" sz="1200" kern="1200" dirty="0"/>
+        </a:p>
+      </dsp:txBody>
+      <dsp:txXfrm>
+        <a:off x="5666979" y="1578201"/>
+        <a:ext cx="1086748" cy="674760"/>
+      </dsp:txXfrm>
+    </dsp:sp>
+  </dsp:spTree>
+</dsp:drawing>
+</file>
+
+<file path=ppt/diagrams/drawing2.xml><?xml version="1.0" encoding="utf-8"?>
+<dsp:drawing xmlns:dgm="http://schemas.openxmlformats.org/drawingml/2006/diagram" xmlns:dsp="http://schemas.microsoft.com/office/drawing/2008/diagram" xmlns:a="http://schemas.openxmlformats.org/drawingml/2006/main">
+  <dsp:spTree>
+    <dsp:nvGrpSpPr>
+      <dsp:cNvPr id="0" name=""/>
+      <dsp:cNvGrpSpPr/>
+    </dsp:nvGrpSpPr>
+    <dsp:grpSpPr/>
+    <dsp:sp modelId="{50551604-4091-4739-B04B-15AD2C7E1AA3}">
+      <dsp:nvSpPr>
+        <dsp:cNvPr id="0" name=""/>
+        <dsp:cNvSpPr/>
+      </dsp:nvSpPr>
+      <dsp:spPr>
+        <a:xfrm>
+          <a:off x="2975223" y="832568"/>
+          <a:ext cx="1601092" cy="380987"/>
+        </a:xfrm>
+        <a:custGeom>
+          <a:avLst/>
+          <a:gdLst/>
+          <a:ahLst/>
+          <a:cxnLst/>
+          <a:rect l="0" t="0" r="0" b="0"/>
+          <a:pathLst>
+            <a:path>
+              <a:moveTo>
+                <a:pt x="0" y="0"/>
+              </a:moveTo>
+              <a:lnTo>
+                <a:pt x="0" y="259631"/>
+              </a:lnTo>
+              <a:lnTo>
+                <a:pt x="1601092" y="259631"/>
+              </a:lnTo>
+              <a:lnTo>
+                <a:pt x="1601092" y="380987"/>
+              </a:lnTo>
+            </a:path>
+          </a:pathLst>
+        </a:custGeom>
+        <a:noFill/>
+        <a:ln w="15875" cap="flat" cmpd="sng" algn="ctr">
+          <a:solidFill>
+            <a:schemeClr val="accent3">
+              <a:shade val="60000"/>
+              <a:hueOff val="0"/>
+              <a:satOff val="0"/>
+              <a:lumOff val="0"/>
+              <a:alphaOff val="0"/>
+            </a:schemeClr>
+          </a:solidFill>
+          <a:prstDash val="solid"/>
+        </a:ln>
+        <a:effectLst/>
+      </dsp:spPr>
+      <dsp:style>
+        <a:lnRef idx="2">
+          <a:scrgbClr r="0" g="0" b="0"/>
+        </a:lnRef>
+        <a:fillRef idx="0">
+          <a:scrgbClr r="0" g="0" b="0"/>
+        </a:fillRef>
+        <a:effectRef idx="0">
+          <a:scrgbClr r="0" g="0" b="0"/>
+        </a:effectRef>
+        <a:fontRef idx="minor"/>
+      </dsp:style>
+    </dsp:sp>
+    <dsp:sp modelId="{A3D17CA4-5AC0-4C52-B561-A7DF6FDF6C3B}">
+      <dsp:nvSpPr>
+        <dsp:cNvPr id="0" name=""/>
+        <dsp:cNvSpPr/>
+      </dsp:nvSpPr>
+      <dsp:spPr>
+        <a:xfrm>
+          <a:off x="2929503" y="832568"/>
+          <a:ext cx="91440" cy="380987"/>
+        </a:xfrm>
+        <a:custGeom>
+          <a:avLst/>
+          <a:gdLst/>
+          <a:ahLst/>
+          <a:cxnLst/>
+          <a:rect l="0" t="0" r="0" b="0"/>
+          <a:pathLst>
+            <a:path>
+              <a:moveTo>
+                <a:pt x="45720" y="0"/>
+              </a:moveTo>
+              <a:lnTo>
+                <a:pt x="45720" y="380987"/>
+              </a:lnTo>
+            </a:path>
+          </a:pathLst>
+        </a:custGeom>
+        <a:noFill/>
+        <a:ln w="15875" cap="flat" cmpd="sng" algn="ctr">
+          <a:solidFill>
+            <a:schemeClr val="accent3">
+              <a:shade val="60000"/>
+              <a:hueOff val="0"/>
+              <a:satOff val="0"/>
+              <a:lumOff val="0"/>
+              <a:alphaOff val="0"/>
+            </a:schemeClr>
+          </a:solidFill>
+          <a:prstDash val="solid"/>
+        </a:ln>
+        <a:effectLst/>
+      </dsp:spPr>
+      <dsp:style>
+        <a:lnRef idx="2">
+          <a:scrgbClr r="0" g="0" b="0"/>
+        </a:lnRef>
+        <a:fillRef idx="0">
+          <a:scrgbClr r="0" g="0" b="0"/>
+        </a:fillRef>
+        <a:effectRef idx="0">
+          <a:scrgbClr r="0" g="0" b="0"/>
+        </a:effectRef>
+        <a:fontRef idx="minor"/>
+      </dsp:style>
+    </dsp:sp>
+    <dsp:sp modelId="{89094E8F-2FB5-466F-94BB-A57C2E4181FF}">
+      <dsp:nvSpPr>
+        <dsp:cNvPr id="0" name=""/>
+        <dsp:cNvSpPr/>
+      </dsp:nvSpPr>
+      <dsp:spPr>
+        <a:xfrm>
+          <a:off x="1374130" y="832568"/>
+          <a:ext cx="1601092" cy="380987"/>
+        </a:xfrm>
+        <a:custGeom>
+          <a:avLst/>
+          <a:gdLst/>
+          <a:ahLst/>
+          <a:cxnLst/>
+          <a:rect l="0" t="0" r="0" b="0"/>
+          <a:pathLst>
+            <a:path>
+              <a:moveTo>
+                <a:pt x="1601092" y="0"/>
+              </a:moveTo>
+              <a:lnTo>
+                <a:pt x="1601092" y="259631"/>
+              </a:lnTo>
+              <a:lnTo>
+                <a:pt x="0" y="259631"/>
+              </a:lnTo>
+              <a:lnTo>
+                <a:pt x="0" y="380987"/>
+              </a:lnTo>
+            </a:path>
+          </a:pathLst>
+        </a:custGeom>
+        <a:noFill/>
+        <a:ln w="15875" cap="flat" cmpd="sng" algn="ctr">
+          <a:solidFill>
+            <a:schemeClr val="accent3">
+              <a:shade val="60000"/>
+              <a:hueOff val="0"/>
+              <a:satOff val="0"/>
+              <a:lumOff val="0"/>
+              <a:alphaOff val="0"/>
+            </a:schemeClr>
+          </a:solidFill>
+          <a:prstDash val="solid"/>
+        </a:ln>
+        <a:effectLst/>
+      </dsp:spPr>
+      <dsp:style>
+        <a:lnRef idx="2">
+          <a:scrgbClr r="0" g="0" b="0"/>
+        </a:lnRef>
+        <a:fillRef idx="0">
+          <a:scrgbClr r="0" g="0" b="0"/>
+        </a:fillRef>
+        <a:effectRef idx="0">
+          <a:scrgbClr r="0" g="0" b="0"/>
+        </a:effectRef>
+        <a:fontRef idx="minor"/>
+      </dsp:style>
+    </dsp:sp>
+    <dsp:sp modelId="{6E9EB519-6716-41AB-9857-0B2694B56B98}">
+      <dsp:nvSpPr>
+        <dsp:cNvPr id="0" name=""/>
+        <dsp:cNvSpPr/>
+      </dsp:nvSpPr>
+      <dsp:spPr>
+        <a:xfrm>
+          <a:off x="2320230" y="727"/>
+          <a:ext cx="1309985" cy="831840"/>
+        </a:xfrm>
+        <a:prstGeom prst="roundRect">
+          <a:avLst>
+            <a:gd name="adj" fmla="val 10000"/>
+          </a:avLst>
+        </a:prstGeom>
+        <a:solidFill>
+          <a:schemeClr val="accent3">
+            <a:hueOff val="0"/>
+            <a:satOff val="0"/>
+            <a:lumOff val="0"/>
+            <a:alphaOff val="0"/>
+          </a:schemeClr>
+        </a:solidFill>
+        <a:ln w="15875" cap="flat" cmpd="sng" algn="ctr">
+          <a:solidFill>
+            <a:schemeClr val="lt1">
+              <a:hueOff val="0"/>
+              <a:satOff val="0"/>
+              <a:lumOff val="0"/>
+              <a:alphaOff val="0"/>
+            </a:schemeClr>
+          </a:solidFill>
+          <a:prstDash val="solid"/>
+        </a:ln>
+        <a:effectLst/>
+      </dsp:spPr>
+      <dsp:style>
+        <a:lnRef idx="2">
+          <a:scrgbClr r="0" g="0" b="0"/>
+        </a:lnRef>
+        <a:fillRef idx="1">
+          <a:scrgbClr r="0" g="0" b="0"/>
+        </a:fillRef>
+        <a:effectRef idx="0">
+          <a:scrgbClr r="0" g="0" b="0"/>
+        </a:effectRef>
+        <a:fontRef idx="minor">
+          <a:schemeClr val="lt1"/>
+        </a:fontRef>
+      </dsp:style>
+    </dsp:sp>
+    <dsp:sp modelId="{7C989C20-D891-4B5C-B991-E84E0F55D30D}">
+      <dsp:nvSpPr>
+        <dsp:cNvPr id="0" name=""/>
+        <dsp:cNvSpPr/>
+      </dsp:nvSpPr>
+      <dsp:spPr>
+        <a:xfrm>
+          <a:off x="2465784" y="139003"/>
+          <a:ext cx="1309985" cy="831840"/>
+        </a:xfrm>
+        <a:prstGeom prst="roundRect">
+          <a:avLst>
+            <a:gd name="adj" fmla="val 10000"/>
+          </a:avLst>
+        </a:prstGeom>
+        <a:solidFill>
+          <a:schemeClr val="lt1">
+            <a:alpha val="90000"/>
+            <a:hueOff val="0"/>
+            <a:satOff val="0"/>
+            <a:lumOff val="0"/>
+            <a:alphaOff val="0"/>
+          </a:schemeClr>
+        </a:solidFill>
+        <a:ln w="15875" cap="flat" cmpd="sng" algn="ctr">
+          <a:solidFill>
+            <a:schemeClr val="accent3">
+              <a:hueOff val="0"/>
+              <a:satOff val="0"/>
+              <a:lumOff val="0"/>
+              <a:alphaOff val="0"/>
+            </a:schemeClr>
+          </a:solidFill>
+          <a:prstDash val="solid"/>
+        </a:ln>
+        <a:effectLst/>
+      </dsp:spPr>
+      <dsp:style>
+        <a:lnRef idx="2">
+          <a:scrgbClr r="0" g="0" b="0"/>
+        </a:lnRef>
+        <a:fillRef idx="1">
+          <a:scrgbClr r="0" g="0" b="0"/>
+        </a:fillRef>
+        <a:effectRef idx="0">
+          <a:scrgbClr r="0" g="0" b="0"/>
+        </a:effectRef>
+        <a:fontRef idx="minor"/>
+      </dsp:style>
+      <dsp:txBody>
+        <a:bodyPr spcFirstLastPara="0" vert="horz" wrap="square" lIns="45720" tIns="45720" rIns="45720" bIns="45720" numCol="1" spcCol="1270" anchor="ctr" anchorCtr="0">
+          <a:noAutofit/>
+        </a:bodyPr>
+        <a:lstStyle/>
+        <a:p>
+          <a:pPr lvl="0" algn="ctr" defTabSz="533400">
+            <a:lnSpc>
+              <a:spcPct val="90000"/>
+            </a:lnSpc>
+            <a:spcBef>
+              <a:spcPct val="0"/>
+            </a:spcBef>
+            <a:spcAft>
+              <a:spcPct val="35000"/>
+            </a:spcAft>
+          </a:pPr>
+          <a:r>
+            <a:rPr lang="ru-RU" sz="1200" kern="1200" dirty="0" smtClean="0"/>
+            <a:t>Основные аннотации</a:t>
+          </a:r>
+          <a:endParaRPr lang="ru-RU" sz="1200" kern="1200" dirty="0"/>
+        </a:p>
+      </dsp:txBody>
+      <dsp:txXfrm>
+        <a:off x="2490148" y="163367"/>
+        <a:ext cx="1261257" cy="783112"/>
+      </dsp:txXfrm>
+    </dsp:sp>
+    <dsp:sp modelId="{2FE69B0A-3814-4F95-8C41-C5ACEDFBF556}">
+      <dsp:nvSpPr>
+        <dsp:cNvPr id="0" name=""/>
+        <dsp:cNvSpPr/>
+      </dsp:nvSpPr>
+      <dsp:spPr>
+        <a:xfrm>
+          <a:off x="719137" y="1213555"/>
+          <a:ext cx="1309985" cy="831840"/>
+        </a:xfrm>
+        <a:prstGeom prst="roundRect">
+          <a:avLst>
+            <a:gd name="adj" fmla="val 10000"/>
+          </a:avLst>
+        </a:prstGeom>
+        <a:solidFill>
+          <a:schemeClr val="accent3">
+            <a:hueOff val="0"/>
+            <a:satOff val="0"/>
+            <a:lumOff val="0"/>
+            <a:alphaOff val="0"/>
+          </a:schemeClr>
+        </a:solidFill>
+        <a:ln w="15875" cap="flat" cmpd="sng" algn="ctr">
+          <a:solidFill>
+            <a:schemeClr val="lt1">
+              <a:hueOff val="0"/>
+              <a:satOff val="0"/>
+              <a:lumOff val="0"/>
+              <a:alphaOff val="0"/>
+            </a:schemeClr>
+          </a:solidFill>
+          <a:prstDash val="solid"/>
+        </a:ln>
+        <a:effectLst/>
+      </dsp:spPr>
+      <dsp:style>
+        <a:lnRef idx="2">
+          <a:scrgbClr r="0" g="0" b="0"/>
+        </a:lnRef>
+        <a:fillRef idx="1">
+          <a:scrgbClr r="0" g="0" b="0"/>
+        </a:fillRef>
+        <a:effectRef idx="0">
+          <a:scrgbClr r="0" g="0" b="0"/>
+        </a:effectRef>
+        <a:fontRef idx="minor">
+          <a:schemeClr val="lt1"/>
+        </a:fontRef>
+      </dsp:style>
+    </dsp:sp>
+    <dsp:sp modelId="{82B24D70-0ABE-4F80-A90D-E27088753B1A}">
+      <dsp:nvSpPr>
+        <dsp:cNvPr id="0" name=""/>
+        <dsp:cNvSpPr/>
+      </dsp:nvSpPr>
+      <dsp:spPr>
+        <a:xfrm>
+          <a:off x="864691" y="1351831"/>
+          <a:ext cx="1309985" cy="831840"/>
+        </a:xfrm>
+        <a:prstGeom prst="roundRect">
+          <a:avLst>
+            <a:gd name="adj" fmla="val 10000"/>
+          </a:avLst>
+        </a:prstGeom>
+        <a:solidFill>
+          <a:schemeClr val="lt1">
+            <a:alpha val="90000"/>
+            <a:hueOff val="0"/>
+            <a:satOff val="0"/>
+            <a:lumOff val="0"/>
+            <a:alphaOff val="0"/>
+          </a:schemeClr>
+        </a:solidFill>
+        <a:ln w="15875" cap="flat" cmpd="sng" algn="ctr">
+          <a:solidFill>
+            <a:schemeClr val="accent3">
+              <a:hueOff val="0"/>
+              <a:satOff val="0"/>
+              <a:lumOff val="0"/>
+              <a:alphaOff val="0"/>
+            </a:schemeClr>
+          </a:solidFill>
+          <a:prstDash val="solid"/>
+        </a:ln>
+        <a:effectLst/>
+      </dsp:spPr>
+      <dsp:style>
+        <a:lnRef idx="2">
+          <a:scrgbClr r="0" g="0" b="0"/>
+        </a:lnRef>
+        <a:fillRef idx="1">
+          <a:scrgbClr r="0" g="0" b="0"/>
+        </a:fillRef>
+        <a:effectRef idx="0">
+          <a:scrgbClr r="0" g="0" b="0"/>
+        </a:effectRef>
+        <a:fontRef idx="minor"/>
+      </dsp:style>
+      <dsp:txBody>
+        <a:bodyPr spcFirstLastPara="0" vert="horz" wrap="square" lIns="45720" tIns="45720" rIns="45720" bIns="45720" numCol="1" spcCol="1270" anchor="ctr" anchorCtr="0">
+          <a:noAutofit/>
+        </a:bodyPr>
+        <a:lstStyle/>
+        <a:p>
+          <a:pPr lvl="0" algn="ctr" defTabSz="533400">
+            <a:lnSpc>
+              <a:spcPct val="90000"/>
+            </a:lnSpc>
+            <a:spcBef>
+              <a:spcPct val="0"/>
+            </a:spcBef>
+            <a:spcAft>
+              <a:spcPct val="35000"/>
+            </a:spcAft>
+          </a:pPr>
+          <a:r>
+            <a:rPr lang="en-US" sz="1200" kern="1200" dirty="0" smtClean="0"/>
+            <a:t>@Path</a:t>
+          </a:r>
+          <a:endParaRPr lang="ru-RU" sz="1200" kern="1200" dirty="0"/>
+        </a:p>
+      </dsp:txBody>
+      <dsp:txXfrm>
+        <a:off x="889055" y="1376195"/>
+        <a:ext cx="1261257" cy="783112"/>
+      </dsp:txXfrm>
+    </dsp:sp>
+    <dsp:sp modelId="{B4BDE411-5D84-4D50-BB53-27236DEC942D}">
+      <dsp:nvSpPr>
+        <dsp:cNvPr id="0" name=""/>
+        <dsp:cNvSpPr/>
+      </dsp:nvSpPr>
+      <dsp:spPr>
+        <a:xfrm>
+          <a:off x="2320230" y="1213555"/>
+          <a:ext cx="1309985" cy="831840"/>
+        </a:xfrm>
+        <a:prstGeom prst="roundRect">
+          <a:avLst>
+            <a:gd name="adj" fmla="val 10000"/>
+          </a:avLst>
+        </a:prstGeom>
+        <a:solidFill>
+          <a:schemeClr val="accent3">
+            <a:hueOff val="0"/>
+            <a:satOff val="0"/>
+            <a:lumOff val="0"/>
+            <a:alphaOff val="0"/>
+          </a:schemeClr>
+        </a:solidFill>
+        <a:ln w="15875" cap="flat" cmpd="sng" algn="ctr">
+          <a:solidFill>
+            <a:schemeClr val="lt1">
+              <a:hueOff val="0"/>
+              <a:satOff val="0"/>
+              <a:lumOff val="0"/>
+              <a:alphaOff val="0"/>
+            </a:schemeClr>
+          </a:solidFill>
+          <a:prstDash val="solid"/>
+        </a:ln>
+        <a:effectLst/>
+      </dsp:spPr>
+      <dsp:style>
+        <a:lnRef idx="2">
+          <a:scrgbClr r="0" g="0" b="0"/>
+        </a:lnRef>
+        <a:fillRef idx="1">
+          <a:scrgbClr r="0" g="0" b="0"/>
+        </a:fillRef>
+        <a:effectRef idx="0">
+          <a:scrgbClr r="0" g="0" b="0"/>
+        </a:effectRef>
+        <a:fontRef idx="minor">
+          <a:schemeClr val="lt1"/>
+        </a:fontRef>
+      </dsp:style>
+    </dsp:sp>
+    <dsp:sp modelId="{7C9A6F00-E955-49B0-8541-6D29BDC35B02}">
+      <dsp:nvSpPr>
+        <dsp:cNvPr id="0" name=""/>
+        <dsp:cNvSpPr/>
+      </dsp:nvSpPr>
+      <dsp:spPr>
+        <a:xfrm>
+          <a:off x="2465784" y="1351831"/>
+          <a:ext cx="1309985" cy="831840"/>
+        </a:xfrm>
+        <a:prstGeom prst="roundRect">
+          <a:avLst>
+            <a:gd name="adj" fmla="val 10000"/>
+          </a:avLst>
+        </a:prstGeom>
+        <a:solidFill>
+          <a:schemeClr val="lt1">
+            <a:alpha val="90000"/>
+            <a:hueOff val="0"/>
+            <a:satOff val="0"/>
+            <a:lumOff val="0"/>
+            <a:alphaOff val="0"/>
+          </a:schemeClr>
+        </a:solidFill>
+        <a:ln w="15875" cap="flat" cmpd="sng" algn="ctr">
+          <a:solidFill>
+            <a:schemeClr val="accent3">
+              <a:hueOff val="0"/>
+              <a:satOff val="0"/>
+              <a:lumOff val="0"/>
+              <a:alphaOff val="0"/>
+            </a:schemeClr>
+          </a:solidFill>
+          <a:prstDash val="solid"/>
+        </a:ln>
+        <a:effectLst/>
+      </dsp:spPr>
+      <dsp:style>
+        <a:lnRef idx="2">
+          <a:scrgbClr r="0" g="0" b="0"/>
+        </a:lnRef>
+        <a:fillRef idx="1">
+          <a:scrgbClr r="0" g="0" b="0"/>
+        </a:fillRef>
+        <a:effectRef idx="0">
+          <a:scrgbClr r="0" g="0" b="0"/>
+        </a:effectRef>
+        <a:fontRef idx="minor"/>
+      </dsp:style>
+      <dsp:txBody>
+        <a:bodyPr spcFirstLastPara="0" vert="horz" wrap="square" lIns="45720" tIns="45720" rIns="45720" bIns="45720" numCol="1" spcCol="1270" anchor="ctr" anchorCtr="0">
+          <a:noAutofit/>
+        </a:bodyPr>
+        <a:lstStyle/>
+        <a:p>
+          <a:pPr lvl="0" algn="ctr" defTabSz="533400">
+            <a:lnSpc>
+              <a:spcPct val="90000"/>
+            </a:lnSpc>
+            <a:spcBef>
+              <a:spcPct val="0"/>
+            </a:spcBef>
+            <a:spcAft>
+              <a:spcPct val="35000"/>
+            </a:spcAft>
+          </a:pPr>
+          <a:r>
+            <a:rPr lang="en-US" sz="1200" kern="1200" dirty="0" smtClean="0"/>
+            <a:t>@GET, @POST, @PUT, @DELETE, @HEAD</a:t>
+          </a:r>
+          <a:endParaRPr lang="ru-RU" sz="1200" kern="1200" dirty="0"/>
+        </a:p>
+      </dsp:txBody>
+      <dsp:txXfrm>
+        <a:off x="2490148" y="1376195"/>
+        <a:ext cx="1261257" cy="783112"/>
+      </dsp:txXfrm>
+    </dsp:sp>
+    <dsp:sp modelId="{BF6A7878-E6D4-46B3-8376-A95A610B0C1A}">
+      <dsp:nvSpPr>
+        <dsp:cNvPr id="0" name=""/>
+        <dsp:cNvSpPr/>
+      </dsp:nvSpPr>
+      <dsp:spPr>
+        <a:xfrm>
+          <a:off x="3921323" y="1213555"/>
+          <a:ext cx="1309985" cy="831840"/>
+        </a:xfrm>
+        <a:prstGeom prst="roundRect">
+          <a:avLst>
+            <a:gd name="adj" fmla="val 10000"/>
+          </a:avLst>
+        </a:prstGeom>
+        <a:solidFill>
+          <a:schemeClr val="accent3">
+            <a:hueOff val="0"/>
+            <a:satOff val="0"/>
+            <a:lumOff val="0"/>
+            <a:alphaOff val="0"/>
+          </a:schemeClr>
+        </a:solidFill>
+        <a:ln w="15875" cap="flat" cmpd="sng" algn="ctr">
+          <a:solidFill>
+            <a:schemeClr val="lt1">
+              <a:hueOff val="0"/>
+              <a:satOff val="0"/>
+              <a:lumOff val="0"/>
+              <a:alphaOff val="0"/>
+            </a:schemeClr>
+          </a:solidFill>
+          <a:prstDash val="solid"/>
+        </a:ln>
+        <a:effectLst/>
+      </dsp:spPr>
+      <dsp:style>
+        <a:lnRef idx="2">
+          <a:scrgbClr r="0" g="0" b="0"/>
+        </a:lnRef>
+        <a:fillRef idx="1">
+          <a:scrgbClr r="0" g="0" b="0"/>
+        </a:fillRef>
+        <a:effectRef idx="0">
+          <a:scrgbClr r="0" g="0" b="0"/>
+        </a:effectRef>
+        <a:fontRef idx="minor">
+          <a:schemeClr val="lt1"/>
+        </a:fontRef>
+      </dsp:style>
+    </dsp:sp>
+    <dsp:sp modelId="{2B2B4927-1D88-4E26-B041-78F216C7F0C6}">
+      <dsp:nvSpPr>
+        <dsp:cNvPr id="0" name=""/>
+        <dsp:cNvSpPr/>
+      </dsp:nvSpPr>
+      <dsp:spPr>
+        <a:xfrm>
+          <a:off x="4066877" y="1351831"/>
+          <a:ext cx="1309985" cy="831840"/>
+        </a:xfrm>
+        <a:prstGeom prst="roundRect">
+          <a:avLst>
+            <a:gd name="adj" fmla="val 10000"/>
+          </a:avLst>
+        </a:prstGeom>
+        <a:solidFill>
+          <a:schemeClr val="lt1">
+            <a:alpha val="90000"/>
+            <a:hueOff val="0"/>
+            <a:satOff val="0"/>
+            <a:lumOff val="0"/>
+            <a:alphaOff val="0"/>
+          </a:schemeClr>
+        </a:solidFill>
+        <a:ln w="15875" cap="flat" cmpd="sng" algn="ctr">
+          <a:solidFill>
+            <a:schemeClr val="accent3">
+              <a:hueOff val="0"/>
+              <a:satOff val="0"/>
+              <a:lumOff val="0"/>
+              <a:alphaOff val="0"/>
+            </a:schemeClr>
+          </a:solidFill>
+          <a:prstDash val="solid"/>
+        </a:ln>
+        <a:effectLst/>
+      </dsp:spPr>
+      <dsp:style>
+        <a:lnRef idx="2">
+          <a:scrgbClr r="0" g="0" b="0"/>
+        </a:lnRef>
+        <a:fillRef idx="1">
+          <a:scrgbClr r="0" g="0" b="0"/>
+        </a:fillRef>
+        <a:effectRef idx="0">
+          <a:scrgbClr r="0" g="0" b="0"/>
+        </a:effectRef>
+        <a:fontRef idx="minor"/>
+      </dsp:style>
+      <dsp:txBody>
+        <a:bodyPr spcFirstLastPara="0" vert="horz" wrap="square" lIns="45720" tIns="45720" rIns="45720" bIns="45720" numCol="1" spcCol="1270" anchor="ctr" anchorCtr="0">
+          <a:noAutofit/>
+        </a:bodyPr>
+        <a:lstStyle/>
+        <a:p>
+          <a:pPr lvl="0" algn="ctr" defTabSz="533400">
+            <a:lnSpc>
+              <a:spcPct val="90000"/>
+            </a:lnSpc>
+            <a:spcBef>
+              <a:spcPct val="0"/>
+            </a:spcBef>
+            <a:spcAft>
+              <a:spcPct val="35000"/>
+            </a:spcAft>
+          </a:pPr>
+          <a:r>
+            <a:rPr lang="en-US" sz="1200" kern="1200" smtClean="0"/>
+            <a:t>@Consumes / @Produces</a:t>
+          </a:r>
+          <a:endParaRPr lang="ru-RU" sz="1200" kern="1200" dirty="0"/>
+        </a:p>
+      </dsp:txBody>
+      <dsp:txXfrm>
+        <a:off x="4091241" y="1376195"/>
+        <a:ext cx="1261257" cy="783112"/>
+      </dsp:txXfrm>
+    </dsp:sp>
+  </dsp:spTree>
+</dsp:drawing>
+</file>
+
+<file path=ppt/diagrams/layout1.xml><?xml version="1.0" encoding="utf-8"?>
+<dgm:layoutDef xmlns:dgm="http://schemas.openxmlformats.org/drawingml/2006/diagram" xmlns:a="http://schemas.openxmlformats.org/drawingml/2006/main" uniqueId="urn:microsoft.com/office/officeart/2005/8/layout/hierarchy1">
+  <dgm:title val=""/>
+  <dgm:desc val=""/>
+  <dgm:catLst>
+    <dgm:cat type="hierarchy" pri="2000"/>
+  </dgm:catLst>
+  <dgm:sampData>
+    <dgm:dataModel>
+      <dgm:ptLst>
+        <dgm:pt modelId="0" type="doc"/>
+        <dgm:pt modelId="1">
+          <dgm:prSet phldr="1"/>
+        </dgm:pt>
+        <dgm:pt modelId="2">
+          <dgm:prSet phldr="1"/>
+        </dgm:pt>
+        <dgm:pt modelId="21">
+          <dgm:prSet phldr="1"/>
+        </dgm:pt>
+        <dgm:pt modelId="22">
+          <dgm:prSet phldr="1"/>
+        </dgm:pt>
+        <dgm:pt modelId="3">
+          <dgm:prSet phldr="1"/>
+        </dgm:pt>
+        <dgm:pt modelId="31">
+          <dgm:prSet phldr="1"/>
+        </dgm:pt>
+      </dgm:ptLst>
+      <dgm:cxnLst>
+        <dgm:cxn modelId="4" srcId="0" destId="1" srcOrd="0" destOrd="0"/>
+        <dgm:cxn modelId="5" srcId="1" destId="2" srcOrd="0" destOrd="0"/>
+        <dgm:cxn modelId="6" srcId="1" destId="3" srcOrd="1" destOrd="0"/>
+        <dgm:cxn modelId="23" srcId="2" destId="21" srcOrd="0" destOrd="0"/>
+        <dgm:cxn modelId="24" srcId="2" destId="22" srcOrd="1" destOrd="0"/>
+        <dgm:cxn modelId="33" srcId="3" destId="31" srcOrd="0" destOrd="0"/>
+      </dgm:cxnLst>
+      <dgm:bg/>
+      <dgm:whole/>
+    </dgm:dataModel>
+  </dgm:sampData>
+  <dgm:styleData>
+    <dgm:dataModel>
+      <dgm:ptLst>
+        <dgm:pt modelId="0" type="doc"/>
+        <dgm:pt modelId="1"/>
+        <dgm:pt modelId="11"/>
+        <dgm:pt modelId="12"/>
+      </dgm:ptLst>
+      <dgm:cxnLst>
+        <dgm:cxn modelId="2" srcId="0" destId="1" srcOrd="0" destOrd="0"/>
+        <dgm:cxn modelId="13" srcId="1" destId="11" srcOrd="0" destOrd="0"/>
+        <dgm:cxn modelId="14" srcId="1" destId="12" srcOrd="1" destOrd="0"/>
+      </dgm:cxnLst>
+      <dgm:bg/>
+      <dgm:whole/>
+    </dgm:dataModel>
+  </dgm:styleData>
+  <dgm:clrData>
+    <dgm:dataModel>
+      <dgm:ptLst>
+        <dgm:pt modelId="0" type="doc"/>
+        <dgm:pt modelId="1"/>
+        <dgm:pt modelId="2"/>
+        <dgm:pt modelId="21"/>
+        <dgm:pt modelId="211"/>
+        <dgm:pt modelId="3"/>
+        <dgm:pt modelId="31"/>
+        <dgm:pt modelId="311"/>
+      </dgm:ptLst>
+      <dgm:cxnLst>
+        <dgm:cxn modelId="4" srcId="0" destId="1" srcOrd="0" destOrd="0"/>
+        <dgm:cxn modelId="5" srcId="1" destId="2" srcOrd="0" destOrd="0"/>
+        <dgm:cxn modelId="6" srcId="1" destId="3" srcOrd="1" destOrd="0"/>
+        <dgm:cxn modelId="23" srcId="2" destId="21" srcOrd="0" destOrd="0"/>
+        <dgm:cxn modelId="24" srcId="21" destId="211" srcOrd="0" destOrd="0"/>
+        <dgm:cxn modelId="33" srcId="3" destId="31" srcOrd="0" destOrd="0"/>
+        <dgm:cxn modelId="34" srcId="31" destId="311" srcOrd="0" destOrd="0"/>
+      </dgm:cxnLst>
+      <dgm:bg/>
+      <dgm:whole/>
+    </dgm:dataModel>
+  </dgm:clrData>
+  <dgm:layoutNode name="hierChild1">
+    <dgm:varLst>
+      <dgm:chPref val="1"/>
+      <dgm:dir/>
+      <dgm:animOne val="branch"/>
+      <dgm:animLvl val="lvl"/>
+      <dgm:resizeHandles/>
+    </dgm:varLst>
+    <dgm:choose name="Name0">
+      <dgm:if name="Name1" func="var" arg="dir" op="equ" val="norm">
+        <dgm:alg type="hierChild">
+          <dgm:param type="linDir" val="fromL"/>
+        </dgm:alg>
+      </dgm:if>
+      <dgm:else name="Name2">
+        <dgm:alg type="hierChild">
+          <dgm:param type="linDir" val="fromR"/>
+        </dgm:alg>
+      </dgm:else>
+    </dgm:choose>
+    <dgm:shape xmlns:r="http://schemas.openxmlformats.org/officeDocument/2006/relationships" r:blip="">
+      <dgm:adjLst/>
+    </dgm:shape>
+    <dgm:presOf/>
+    <dgm:constrLst>
+      <dgm:constr type="primFontSz" for="des" ptType="node" op="equ" val="65"/>
+      <dgm:constr type="w" for="des" forName="composite" refType="w"/>
+      <dgm:constr type="h" for="des" forName="composite" refType="w" refFor="des" refForName="composite" fact="0.667"/>
+      <dgm:constr type="w" for="des" forName="composite2" refType="w" refFor="des" refForName="composite"/>
+      <dgm:constr type="h" for="des" forName="composite2" refType="h" refFor="des" refForName="composite"/>
+      <dgm:constr type="w" for="des" forName="composite3" refType="w" refFor="des" refForName="composite"/>
+      <dgm:constr type="h" for="des" forName="composite3" refType="h" refFor="des" refForName="composite"/>
+      <dgm:constr type="w" for="des" forName="composite4" refType="w" refFor="des" refForName="composite"/>
+      <dgm:constr type="h" for="des" forName="composite4" refType="h" refFor="des" refForName="composite"/>
+      <dgm:constr type="w" for="des" forName="composite5" refType="w" refFor="des" refForName="composite"/>
+      <dgm:constr type="h" for="des" forName="composite5" refType="h" refFor="des" refForName="composite"/>
+      <dgm:constr type="sibSp" refType="w" refFor="des" refForName="composite" fact="0.1"/>
+      <dgm:constr type="sibSp" for="des" forName="hierChild2" refType="sibSp"/>
+      <dgm:constr type="sibSp" for="des" forName="hierChild3" refType="sibSp"/>
+      <dgm:constr type="sibSp" for="des" forName="hierChild4" refType="sibSp"/>
+      <dgm:constr type="sibSp" for="des" forName="hierChild5" refType="sibSp"/>
+      <dgm:constr type="sibSp" for="des" forName="hierChild6" refType="sibSp"/>
+      <dgm:constr type="sp" for="des" forName="hierRoot1" refType="h" refFor="des" refForName="composite" fact="0.25"/>
+      <dgm:constr type="sp" for="des" forName="hierRoot2" refType="sp" refFor="des" refForName="hierRoot1"/>
+      <dgm:constr type="sp" for="des" forName="hierRoot3" refType="sp" refFor="des" refForName="hierRoot1"/>
+      <dgm:constr type="sp" for="des" forName="hierRoot4" refType="sp" refFor="des" refForName="hierRoot1"/>
+      <dgm:constr type="sp" for="des" forName="hierRoot5" refType="sp" refFor="des" refForName="hierRoot1"/>
+    </dgm:constrLst>
+    <dgm:ruleLst/>
+    <dgm:forEach name="Name3" axis="ch">
+      <dgm:forEach name="Name4" axis="self" ptType="node">
+        <dgm:layoutNode name="hierRoot1">
+          <dgm:alg type="hierRoot"/>
+          <dgm:shape xmlns:r="http://schemas.openxmlformats.org/officeDocument/2006/relationships" r:blip="">
+            <dgm:adjLst/>
+          </dgm:shape>
+          <dgm:presOf/>
+          <dgm:constrLst>
+            <dgm:constr type="bendDist" for="des" ptType="parTrans" refType="sp" fact="0.5"/>
+          </dgm:constrLst>
+          <dgm:ruleLst/>
+          <dgm:layoutNode name="composite">
+            <dgm:alg type="composite"/>
+            <dgm:shape xmlns:r="http://schemas.openxmlformats.org/officeDocument/2006/relationships" r:blip="">
+              <dgm:adjLst/>
+            </dgm:shape>
+            <dgm:presOf/>
+            <dgm:constrLst>
+              <dgm:constr type="w" for="ch" forName="background" refType="w" fact="0.9"/>
+              <dgm:constr type="h" for="ch" forName="background" refType="w" refFor="ch" refForName="background" fact="0.635"/>
+              <dgm:constr type="t" for="ch" forName="background"/>
+              <dgm:constr type="l" for="ch" forName="background"/>
+              <dgm:constr type="w" for="ch" forName="text" refType="w" fact="0.9"/>
+              <dgm:constr type="h" for="ch" forName="text" refType="w" refFor="ch" refForName="text" fact="0.635"/>
+              <dgm:constr type="t" for="ch" forName="text" refType="w" fact="0.095"/>
+              <dgm:constr type="l" for="ch" forName="text" refType="w" fact="0.1"/>
+            </dgm:constrLst>
+            <dgm:ruleLst/>
+            <dgm:layoutNode name="background" styleLbl="node0" moveWith="text">
+              <dgm:alg type="sp"/>
+              <dgm:shape xmlns:r="http://schemas.openxmlformats.org/officeDocument/2006/relationships" type="roundRect" r:blip="">
+                <dgm:adjLst>
+                  <dgm:adj idx="1" val="0.1"/>
+                </dgm:adjLst>
+              </dgm:shape>
+              <dgm:presOf/>
+              <dgm:constrLst/>
+              <dgm:ruleLst/>
+            </dgm:layoutNode>
+            <dgm:layoutNode name="text" styleLbl="fgAcc0">
+              <dgm:varLst>
+                <dgm:chPref val="3"/>
+              </dgm:varLst>
+              <dgm:alg type="tx"/>
+              <dgm:shape xmlns:r="http://schemas.openxmlformats.org/officeDocument/2006/relationships" type="roundRect" r:blip="">
+                <dgm:adjLst>
+                  <dgm:adj idx="1" val="0.1"/>
+                </dgm:adjLst>
+              </dgm:shape>
+              <dgm:presOf axis="self"/>
+              <dgm:constrLst>
+                <dgm:constr type="tMarg" refType="primFontSz" fact="0.3"/>
+                <dgm:constr type="bMarg" refType="primFontSz" fact="0.3"/>
+                <dgm:constr type="lMarg" refType="primFontSz" fact="0.3"/>
+                <dgm:constr type="rMarg" refType="primFontSz" fact="0.3"/>
+              </dgm:constrLst>
+              <dgm:ruleLst>
+                <dgm:rule type="primFontSz" val="5" fact="NaN" max="NaN"/>
+              </dgm:ruleLst>
+            </dgm:layoutNode>
+          </dgm:layoutNode>
+          <dgm:layoutNode name="hierChild2">
+            <dgm:choose name="Name5">
+              <dgm:if name="Name6" func="var" arg="dir" op="equ" val="norm">
+                <dgm:alg type="hierChild">
+                  <dgm:param type="linDir" val="fromL"/>
+                </dgm:alg>
+              </dgm:if>
+              <dgm:else name="Name7">
+                <dgm:alg type="hierChild">
+                  <dgm:param type="linDir" val="fromR"/>
+                </dgm:alg>
+              </dgm:else>
+            </dgm:choose>
+            <dgm:shape xmlns:r="http://schemas.openxmlformats.org/officeDocument/2006/relationships" r:blip="">
+              <dgm:adjLst/>
+            </dgm:shape>
+            <dgm:presOf/>
+            <dgm:constrLst/>
+            <dgm:ruleLst/>
+            <dgm:forEach name="Name8" axis="ch">
+              <dgm:forEach name="Name9" axis="self" ptType="parTrans" cnt="1">
+                <dgm:layoutNode name="Name10">
+                  <dgm:alg type="conn">
+                    <dgm:param type="dim" val="1D"/>
+                    <dgm:param type="endSty" val="noArr"/>
+                    <dgm:param type="connRout" val="bend"/>
+                    <dgm:param type="bendPt" val="end"/>
+                    <dgm:param type="begPts" val="bCtr"/>
+                    <dgm:param type="endPts" val="tCtr"/>
+                    <dgm:param type="srcNode" val="background"/>
+                    <dgm:param type="dstNode" val="background2"/>
+                  </dgm:alg>
+                  <dgm:shape xmlns:r="http://schemas.openxmlformats.org/officeDocument/2006/relationships" type="conn" r:blip="" zOrderOff="-999">
+                    <dgm:adjLst/>
+                  </dgm:shape>
+                  <dgm:presOf axis="self"/>
+                  <dgm:constrLst>
+                    <dgm:constr type="begPad"/>
+                    <dgm:constr type="endPad"/>
+                  </dgm:constrLst>
+                  <dgm:ruleLst/>
+                </dgm:layoutNode>
+              </dgm:forEach>
+              <dgm:forEach name="Name11" axis="self" ptType="node">
+                <dgm:layoutNode name="hierRoot2">
+                  <dgm:alg type="hierRoot"/>
+                  <dgm:shape xmlns:r="http://schemas.openxmlformats.org/officeDocument/2006/relationships" r:blip="">
+                    <dgm:adjLst/>
+                  </dgm:shape>
+                  <dgm:presOf/>
+                  <dgm:constrLst>
+                    <dgm:constr type="bendDist" for="des" ptType="parTrans" refType="sp" fact="0.5"/>
+                  </dgm:constrLst>
+                  <dgm:ruleLst/>
+                  <dgm:layoutNode name="composite2">
+                    <dgm:alg type="composite"/>
+                    <dgm:shape xmlns:r="http://schemas.openxmlformats.org/officeDocument/2006/relationships" r:blip="">
+                      <dgm:adjLst/>
+                    </dgm:shape>
+                    <dgm:presOf/>
+                    <dgm:constrLst>
+                      <dgm:constr type="w" for="ch" forName="background2" refType="w" fact="0.9"/>
+                      <dgm:constr type="h" for="ch" forName="background2" refType="w" refFor="ch" refForName="background2" fact="0.635"/>
+                      <dgm:constr type="t" for="ch" forName="background2"/>
+                      <dgm:constr type="l" for="ch" forName="background2"/>
+                      <dgm:constr type="w" for="ch" forName="text2" refType="w" fact="0.9"/>
+                      <dgm:constr type="h" for="ch" forName="text2" refType="w" refFor="ch" refForName="text2" fact="0.635"/>
+                      <dgm:constr type="t" for="ch" forName="text2" refType="w" fact="0.095"/>
+                      <dgm:constr type="l" for="ch" forName="text2" refType="w" fact="0.1"/>
+                    </dgm:constrLst>
+                    <dgm:ruleLst/>
+                    <dgm:layoutNode name="background2" moveWith="text2">
+                      <dgm:alg type="sp"/>
+                      <dgm:shape xmlns:r="http://schemas.openxmlformats.org/officeDocument/2006/relationships" type="roundRect" r:blip="">
+                        <dgm:adjLst>
+                          <dgm:adj idx="1" val="0.1"/>
+                        </dgm:adjLst>
+                      </dgm:shape>
+                      <dgm:presOf/>
+                      <dgm:constrLst/>
+                      <dgm:ruleLst/>
+                    </dgm:layoutNode>
+                    <dgm:layoutNode name="text2" styleLbl="fgAcc2">
+                      <dgm:varLst>
+                        <dgm:chPref val="3"/>
+                      </dgm:varLst>
+                      <dgm:alg type="tx"/>
+                      <dgm:shape xmlns:r="http://schemas.openxmlformats.org/officeDocument/2006/relationships" type="roundRect" r:blip="">
+                        <dgm:adjLst>
+                          <dgm:adj idx="1" val="0.1"/>
+                        </dgm:adjLst>
+                      </dgm:shape>
+                      <dgm:presOf axis="self"/>
+                      <dgm:constrLst>
+                        <dgm:constr type="tMarg" refType="primFontSz" fact="0.3"/>
+                        <dgm:constr type="bMarg" refType="primFontSz" fact="0.3"/>
+                        <dgm:constr type="lMarg" refType="primFontSz" fact="0.3"/>
+                        <dgm:constr type="rMarg" refType="primFontSz" fact="0.3"/>
+                      </dgm:constrLst>
+                      <dgm:ruleLst>
+                        <dgm:rule type="primFontSz" val="5" fact="NaN" max="NaN"/>
+                      </dgm:ruleLst>
+                    </dgm:layoutNode>
+                  </dgm:layoutNode>
+                  <dgm:layoutNode name="hierChild3">
+                    <dgm:choose name="Name12">
+                      <dgm:if name="Name13" func="var" arg="dir" op="equ" val="norm">
+                        <dgm:alg type="hierChild">
+                          <dgm:param type="linDir" val="fromL"/>
+                        </dgm:alg>
+                      </dgm:if>
+                      <dgm:else name="Name14">
+                        <dgm:alg type="hierChild">
+                          <dgm:param type="linDir" val="fromR"/>
+                        </dgm:alg>
+                      </dgm:else>
+                    </dgm:choose>
+                    <dgm:shape xmlns:r="http://schemas.openxmlformats.org/officeDocument/2006/relationships" r:blip="">
+                      <dgm:adjLst/>
+                    </dgm:shape>
+                    <dgm:presOf/>
+                    <dgm:constrLst/>
+                    <dgm:ruleLst/>
+                    <dgm:forEach name="Name15" axis="ch">
+                      <dgm:forEach name="Name16" axis="self" ptType="parTrans" cnt="1">
+                        <dgm:layoutNode name="Name17">
+                          <dgm:alg type="conn">
+                            <dgm:param type="dim" val="1D"/>
+                            <dgm:param type="endSty" val="noArr"/>
+                            <dgm:param type="connRout" val="bend"/>
+                            <dgm:param type="bendPt" val="end"/>
+                            <dgm:param type="begPts" val="bCtr"/>
+                            <dgm:param type="endPts" val="tCtr"/>
+                            <dgm:param type="srcNode" val="background2"/>
+                            <dgm:param type="dstNode" val="background3"/>
+                          </dgm:alg>
+                          <dgm:shape xmlns:r="http://schemas.openxmlformats.org/officeDocument/2006/relationships" type="conn" r:blip="" zOrderOff="-999">
+                            <dgm:adjLst/>
+                          </dgm:shape>
+                          <dgm:presOf axis="self"/>
+                          <dgm:constrLst>
+                            <dgm:constr type="begPad"/>
+                            <dgm:constr type="endPad"/>
+                          </dgm:constrLst>
+                          <dgm:ruleLst/>
+                        </dgm:layoutNode>
+                      </dgm:forEach>
+                      <dgm:forEach name="Name18" axis="self" ptType="node">
+                        <dgm:layoutNode name="hierRoot3">
+                          <dgm:alg type="hierRoot"/>
+                          <dgm:shape xmlns:r="http://schemas.openxmlformats.org/officeDocument/2006/relationships" r:blip="">
+                            <dgm:adjLst/>
+                          </dgm:shape>
+                          <dgm:presOf/>
+                          <dgm:constrLst>
+                            <dgm:constr type="bendDist" for="des" ptType="parTrans" refType="sp" fact="0.5"/>
+                          </dgm:constrLst>
+                          <dgm:ruleLst/>
+                          <dgm:layoutNode name="composite3">
+                            <dgm:alg type="composite"/>
+                            <dgm:shape xmlns:r="http://schemas.openxmlformats.org/officeDocument/2006/relationships" r:blip="">
+                              <dgm:adjLst/>
+                            </dgm:shape>
+                            <dgm:presOf/>
+                            <dgm:constrLst>
+                              <dgm:constr type="w" for="ch" forName="background3" refType="w" fact="0.9"/>
+                              <dgm:constr type="h" for="ch" forName="background3" refType="w" refFor="ch" refForName="background3" fact="0.635"/>
+                              <dgm:constr type="t" for="ch" forName="background3"/>
+                              <dgm:constr type="l" for="ch" forName="background3"/>
+                              <dgm:constr type="w" for="ch" forName="text3" refType="w" fact="0.9"/>
+                              <dgm:constr type="h" for="ch" forName="text3" refType="w" refFor="ch" refForName="text3" fact="0.635"/>
+                              <dgm:constr type="t" for="ch" forName="text3" refType="w" fact="0.095"/>
+                              <dgm:constr type="l" for="ch" forName="text3" refType="w" fact="0.1"/>
+                            </dgm:constrLst>
+                            <dgm:ruleLst/>
+                            <dgm:layoutNode name="background3" moveWith="text3">
+                              <dgm:alg type="sp"/>
+                              <dgm:shape xmlns:r="http://schemas.openxmlformats.org/officeDocument/2006/relationships" type="roundRect" r:blip="">
+                                <dgm:adjLst>
+                                  <dgm:adj idx="1" val="0.1"/>
+                                </dgm:adjLst>
+                              </dgm:shape>
+                              <dgm:presOf/>
+                              <dgm:constrLst/>
+                              <dgm:ruleLst/>
+                            </dgm:layoutNode>
+                            <dgm:layoutNode name="text3" styleLbl="fgAcc3">
+                              <dgm:varLst>
+                                <dgm:chPref val="3"/>
+                              </dgm:varLst>
+                              <dgm:alg type="tx"/>
+                              <dgm:shape xmlns:r="http://schemas.openxmlformats.org/officeDocument/2006/relationships" type="roundRect" r:blip="">
+                                <dgm:adjLst>
+                                  <dgm:adj idx="1" val="0.1"/>
+                                </dgm:adjLst>
+                              </dgm:shape>
+                              <dgm:presOf axis="self"/>
+                              <dgm:constrLst>
+                                <dgm:constr type="tMarg" refType="primFontSz" fact="0.3"/>
+                                <dgm:constr type="bMarg" refType="primFontSz" fact="0.3"/>
+                                <dgm:constr type="lMarg" refType="primFontSz" fact="0.3"/>
+                                <dgm:constr type="rMarg" refType="primFontSz" fact="0.3"/>
+                              </dgm:constrLst>
+                              <dgm:ruleLst>
+                                <dgm:rule type="primFontSz" val="5" fact="NaN" max="NaN"/>
+                              </dgm:ruleLst>
+                            </dgm:layoutNode>
+                          </dgm:layoutNode>
+                          <dgm:layoutNode name="hierChild4">
+                            <dgm:choose name="Name19">
+                              <dgm:if name="Name20" func="var" arg="dir" op="equ" val="norm">
+                                <dgm:alg type="hierChild">
+                                  <dgm:param type="linDir" val="fromL"/>
+                                </dgm:alg>
+                              </dgm:if>
+                              <dgm:else name="Name21">
+                                <dgm:alg type="hierChild">
+                                  <dgm:param type="linDir" val="fromR"/>
+                                </dgm:alg>
+                              </dgm:else>
+                            </dgm:choose>
+                            <dgm:shape xmlns:r="http://schemas.openxmlformats.org/officeDocument/2006/relationships" r:blip="">
+                              <dgm:adjLst/>
+                            </dgm:shape>
+                            <dgm:presOf/>
+                            <dgm:constrLst/>
+                            <dgm:ruleLst/>
+                            <dgm:forEach name="repeat" axis="ch">
+                              <dgm:forEach name="Name22" axis="self" ptType="parTrans" cnt="1">
+                                <dgm:layoutNode name="Name23">
+                                  <dgm:choose name="Name24">
+                                    <dgm:if name="Name25" axis="self" func="depth" op="lte" val="4">
+                                      <dgm:alg type="conn">
+                                        <dgm:param type="dim" val="1D"/>
+                                        <dgm:param type="endSty" val="noArr"/>
+                                        <dgm:param type="connRout" val="bend"/>
+                                        <dgm:param type="bendPt" val="end"/>
+                                        <dgm:param type="begPts" val="bCtr"/>
+                                        <dgm:param type="endPts" val="tCtr"/>
+                                        <dgm:param type="srcNode" val="background3"/>
+                                        <dgm:param type="dstNode" val="background4"/>
+                                      </dgm:alg>
+                                    </dgm:if>
+                                    <dgm:else name="Name26">
+                                      <dgm:alg type="conn">
+                                        <dgm:param type="dim" val="1D"/>
+                                        <dgm:param type="endSty" val="noArr"/>
+                                        <dgm:param type="connRout" val="bend"/>
+                                        <dgm:param type="bendPt" val="end"/>
+                                        <dgm:param type="begPts" val="bCtr"/>
+                                        <dgm:param type="endPts" val="tCtr"/>
+                                        <dgm:param type="srcNode" val="background4"/>
+                                        <dgm:param type="dstNode" val="background4"/>
+                                      </dgm:alg>
+                                    </dgm:else>
+                                  </dgm:choose>
+                                  <dgm:shape xmlns:r="http://schemas.openxmlformats.org/officeDocument/2006/relationships" type="conn" r:blip="" zOrderOff="-999">
+                                    <dgm:adjLst/>
+                                  </dgm:shape>
+                                  <dgm:presOf axis="self"/>
+                                  <dgm:constrLst>
+                                    <dgm:constr type="begPad"/>
+                                    <dgm:constr type="endPad"/>
+                                  </dgm:constrLst>
+                                  <dgm:ruleLst/>
+                                </dgm:layoutNode>
+                              </dgm:forEach>
+                              <dgm:forEach name="Name27" axis="self" ptType="node">
+                                <dgm:layoutNode name="hierRoot4">
+                                  <dgm:alg type="hierRoot"/>
+                                  <dgm:shape xmlns:r="http://schemas.openxmlformats.org/officeDocument/2006/relationships" r:blip="">
+                                    <dgm:adjLst/>
+                                  </dgm:shape>
+                                  <dgm:presOf/>
+                                  <dgm:constrLst>
+                                    <dgm:constr type="bendDist" for="des" ptType="parTrans" refType="sp" fact="0.5"/>
+                                  </dgm:constrLst>
+                                  <dgm:ruleLst/>
+                                  <dgm:layoutNode name="composite4">
+                                    <dgm:alg type="composite"/>
+                                    <dgm:shape xmlns:r="http://schemas.openxmlformats.org/officeDocument/2006/relationships" r:blip="">
+                                      <dgm:adjLst/>
+                                    </dgm:shape>
+                                    <dgm:presOf/>
+                                    <dgm:constrLst>
+                                      <dgm:constr type="w" for="ch" forName="background4" refType="w" fact="0.9"/>
+                                      <dgm:constr type="h" for="ch" forName="background4" refType="w" refFor="ch" refForName="background4" fact="0.635"/>
+                                      <dgm:constr type="t" for="ch" forName="background4"/>
+                                      <dgm:constr type="l" for="ch" forName="background4"/>
+                                      <dgm:constr type="w" for="ch" forName="text4" refType="w" fact="0.9"/>
+                                      <dgm:constr type="h" for="ch" forName="text4" refType="w" refFor="ch" refForName="text4" fact="0.635"/>
+                                      <dgm:constr type="t" for="ch" forName="text4" refType="w" fact="0.095"/>
+                                      <dgm:constr type="l" for="ch" forName="text4" refType="w" fact="0.1"/>
+                                    </dgm:constrLst>
+                                    <dgm:ruleLst/>
+                                    <dgm:layoutNode name="background4" moveWith="text4">
+                                      <dgm:alg type="sp"/>
+                                      <dgm:shape xmlns:r="http://schemas.openxmlformats.org/officeDocument/2006/relationships" type="roundRect" r:blip="">
+                                        <dgm:adjLst>
+                                          <dgm:adj idx="1" val="0.1"/>
+                                        </dgm:adjLst>
+                                      </dgm:shape>
+                                      <dgm:presOf/>
+                                      <dgm:constrLst/>
+                                      <dgm:ruleLst/>
+                                    </dgm:layoutNode>
+                                    <dgm:layoutNode name="text4" styleLbl="fgAcc4">
+                                      <dgm:varLst>
+                                        <dgm:chPref val="3"/>
+                                      </dgm:varLst>
+                                      <dgm:alg type="tx"/>
+                                      <dgm:shape xmlns:r="http://schemas.openxmlformats.org/officeDocument/2006/relationships" type="roundRect" r:blip="">
+                                        <dgm:adjLst>
+                                          <dgm:adj idx="1" val="0.1"/>
+                                        </dgm:adjLst>
+                                      </dgm:shape>
+                                      <dgm:presOf axis="self"/>
+                                      <dgm:constrLst>
+                                        <dgm:constr type="tMarg" refType="primFontSz" fact="0.3"/>
+                                        <dgm:constr type="bMarg" refType="primFontSz" fact="0.3"/>
+                                        <dgm:constr type="lMarg" refType="primFontSz" fact="0.3"/>
+                                        <dgm:constr type="rMarg" refType="primFontSz" fact="0.3"/>
+                                      </dgm:constrLst>
+                                      <dgm:ruleLst>
+                                        <dgm:rule type="primFontSz" val="5" fact="NaN" max="NaN"/>
+                                      </dgm:ruleLst>
+                                    </dgm:layoutNode>
+                                  </dgm:layoutNode>
+                                  <dgm:layoutNode name="hierChild5">
+                                    <dgm:choose name="Name28">
+                                      <dgm:if name="Name29" func="var" arg="dir" op="equ" val="norm">
+                                        <dgm:alg type="hierChild">
+                                          <dgm:param type="linDir" val="fromL"/>
+                                        </dgm:alg>
+                                      </dgm:if>
+                                      <dgm:else name="Name30">
+                                        <dgm:alg type="hierChild">
+                                          <dgm:param type="linDir" val="fromR"/>
+                                        </dgm:alg>
+                                      </dgm:else>
+                                    </dgm:choose>
+                                    <dgm:shape xmlns:r="http://schemas.openxmlformats.org/officeDocument/2006/relationships" r:blip="">
+                                      <dgm:adjLst/>
+                                    </dgm:shape>
+                                    <dgm:presOf/>
+                                    <dgm:constrLst/>
+                                    <dgm:ruleLst/>
+                                    <dgm:forEach name="Name31" ref="repeat"/>
+                                  </dgm:layoutNode>
+                                </dgm:layoutNode>
+                              </dgm:forEach>
+                            </dgm:forEach>
+                          </dgm:layoutNode>
+                        </dgm:layoutNode>
+                      </dgm:forEach>
+                    </dgm:forEach>
+                  </dgm:layoutNode>
+                </dgm:layoutNode>
+              </dgm:forEach>
+            </dgm:forEach>
+          </dgm:layoutNode>
+        </dgm:layoutNode>
+      </dgm:forEach>
+    </dgm:forEach>
+  </dgm:layoutNode>
+</dgm:layoutDef>
+</file>
+
+<file path=ppt/diagrams/layout2.xml><?xml version="1.0" encoding="utf-8"?>
+<dgm:layoutDef xmlns:dgm="http://schemas.openxmlformats.org/drawingml/2006/diagram" xmlns:a="http://schemas.openxmlformats.org/drawingml/2006/main" uniqueId="urn:microsoft.com/office/officeart/2005/8/layout/hierarchy1">
+  <dgm:title val=""/>
+  <dgm:desc val=""/>
+  <dgm:catLst>
+    <dgm:cat type="hierarchy" pri="2000"/>
+  </dgm:catLst>
+  <dgm:sampData>
+    <dgm:dataModel>
+      <dgm:ptLst>
+        <dgm:pt modelId="0" type="doc"/>
+        <dgm:pt modelId="1">
+          <dgm:prSet phldr="1"/>
+        </dgm:pt>
+        <dgm:pt modelId="2">
+          <dgm:prSet phldr="1"/>
+        </dgm:pt>
+        <dgm:pt modelId="21">
+          <dgm:prSet phldr="1"/>
+        </dgm:pt>
+        <dgm:pt modelId="22">
+          <dgm:prSet phldr="1"/>
+        </dgm:pt>
+        <dgm:pt modelId="3">
+          <dgm:prSet phldr="1"/>
+        </dgm:pt>
+        <dgm:pt modelId="31">
+          <dgm:prSet phldr="1"/>
+        </dgm:pt>
+      </dgm:ptLst>
+      <dgm:cxnLst>
+        <dgm:cxn modelId="4" srcId="0" destId="1" srcOrd="0" destOrd="0"/>
+        <dgm:cxn modelId="5" srcId="1" destId="2" srcOrd="0" destOrd="0"/>
+        <dgm:cxn modelId="6" srcId="1" destId="3" srcOrd="1" destOrd="0"/>
+        <dgm:cxn modelId="23" srcId="2" destId="21" srcOrd="0" destOrd="0"/>
+        <dgm:cxn modelId="24" srcId="2" destId="22" srcOrd="1" destOrd="0"/>
+        <dgm:cxn modelId="33" srcId="3" destId="31" srcOrd="0" destOrd="0"/>
+      </dgm:cxnLst>
+      <dgm:bg/>
+      <dgm:whole/>
+    </dgm:dataModel>
+  </dgm:sampData>
+  <dgm:styleData>
+    <dgm:dataModel>
+      <dgm:ptLst>
+        <dgm:pt modelId="0" type="doc"/>
+        <dgm:pt modelId="1"/>
+        <dgm:pt modelId="11"/>
+        <dgm:pt modelId="12"/>
+      </dgm:ptLst>
+      <dgm:cxnLst>
+        <dgm:cxn modelId="2" srcId="0" destId="1" srcOrd="0" destOrd="0"/>
+        <dgm:cxn modelId="13" srcId="1" destId="11" srcOrd="0" destOrd="0"/>
+        <dgm:cxn modelId="14" srcId="1" destId="12" srcOrd="1" destOrd="0"/>
+      </dgm:cxnLst>
+      <dgm:bg/>
+      <dgm:whole/>
+    </dgm:dataModel>
+  </dgm:styleData>
+  <dgm:clrData>
+    <dgm:dataModel>
+      <dgm:ptLst>
+        <dgm:pt modelId="0" type="doc"/>
+        <dgm:pt modelId="1"/>
+        <dgm:pt modelId="2"/>
+        <dgm:pt modelId="21"/>
+        <dgm:pt modelId="211"/>
+        <dgm:pt modelId="3"/>
+        <dgm:pt modelId="31"/>
+        <dgm:pt modelId="311"/>
+      </dgm:ptLst>
+      <dgm:cxnLst>
+        <dgm:cxn modelId="4" srcId="0" destId="1" srcOrd="0" destOrd="0"/>
+        <dgm:cxn modelId="5" srcId="1" destId="2" srcOrd="0" destOrd="0"/>
+        <dgm:cxn modelId="6" srcId="1" destId="3" srcOrd="1" destOrd="0"/>
+        <dgm:cxn modelId="23" srcId="2" destId="21" srcOrd="0" destOrd="0"/>
+        <dgm:cxn modelId="24" srcId="21" destId="211" srcOrd="0" destOrd="0"/>
+        <dgm:cxn modelId="33" srcId="3" destId="31" srcOrd="0" destOrd="0"/>
+        <dgm:cxn modelId="34" srcId="31" destId="311" srcOrd="0" destOrd="0"/>
+      </dgm:cxnLst>
+      <dgm:bg/>
+      <dgm:whole/>
+    </dgm:dataModel>
+  </dgm:clrData>
+  <dgm:layoutNode name="hierChild1">
+    <dgm:varLst>
+      <dgm:chPref val="1"/>
+      <dgm:dir/>
+      <dgm:animOne val="branch"/>
+      <dgm:animLvl val="lvl"/>
+      <dgm:resizeHandles/>
+    </dgm:varLst>
+    <dgm:choose name="Name0">
+      <dgm:if name="Name1" func="var" arg="dir" op="equ" val="norm">
+        <dgm:alg type="hierChild">
+          <dgm:param type="linDir" val="fromL"/>
+        </dgm:alg>
+      </dgm:if>
+      <dgm:else name="Name2">
+        <dgm:alg type="hierChild">
+          <dgm:param type="linDir" val="fromR"/>
+        </dgm:alg>
+      </dgm:else>
+    </dgm:choose>
+    <dgm:shape xmlns:r="http://schemas.openxmlformats.org/officeDocument/2006/relationships" r:blip="">
+      <dgm:adjLst/>
+    </dgm:shape>
+    <dgm:presOf/>
+    <dgm:constrLst>
+      <dgm:constr type="primFontSz" for="des" ptType="node" op="equ" val="65"/>
+      <dgm:constr type="w" for="des" forName="composite" refType="w"/>
+      <dgm:constr type="h" for="des" forName="composite" refType="w" refFor="des" refForName="composite" fact="0.667"/>
+      <dgm:constr type="w" for="des" forName="composite2" refType="w" refFor="des" refForName="composite"/>
+      <dgm:constr type="h" for="des" forName="composite2" refType="h" refFor="des" refForName="composite"/>
+      <dgm:constr type="w" for="des" forName="composite3" refType="w" refFor="des" refForName="composite"/>
+      <dgm:constr type="h" for="des" forName="composite3" refType="h" refFor="des" refForName="composite"/>
+      <dgm:constr type="w" for="des" forName="composite4" refType="w" refFor="des" refForName="composite"/>
+      <dgm:constr type="h" for="des" forName="composite4" refType="h" refFor="des" refForName="composite"/>
+      <dgm:constr type="w" for="des" forName="composite5" refType="w" refFor="des" refForName="composite"/>
+      <dgm:constr type="h" for="des" forName="composite5" refType="h" refFor="des" refForName="composite"/>
+      <dgm:constr type="sibSp" refType="w" refFor="des" refForName="composite" fact="0.1"/>
+      <dgm:constr type="sibSp" for="des" forName="hierChild2" refType="sibSp"/>
+      <dgm:constr type="sibSp" for="des" forName="hierChild3" refType="sibSp"/>
+      <dgm:constr type="sibSp" for="des" forName="hierChild4" refType="sibSp"/>
+      <dgm:constr type="sibSp" for="des" forName="hierChild5" refType="sibSp"/>
+      <dgm:constr type="sibSp" for="des" forName="hierChild6" refType="sibSp"/>
+      <dgm:constr type="sp" for="des" forName="hierRoot1" refType="h" refFor="des" refForName="composite" fact="0.25"/>
+      <dgm:constr type="sp" for="des" forName="hierRoot2" refType="sp" refFor="des" refForName="hierRoot1"/>
+      <dgm:constr type="sp" for="des" forName="hierRoot3" refType="sp" refFor="des" refForName="hierRoot1"/>
+      <dgm:constr type="sp" for="des" forName="hierRoot4" refType="sp" refFor="des" refForName="hierRoot1"/>
+      <dgm:constr type="sp" for="des" forName="hierRoot5" refType="sp" refFor="des" refForName="hierRoot1"/>
+    </dgm:constrLst>
+    <dgm:ruleLst/>
+    <dgm:forEach name="Name3" axis="ch">
+      <dgm:forEach name="Name4" axis="self" ptType="node">
+        <dgm:layoutNode name="hierRoot1">
+          <dgm:alg type="hierRoot"/>
+          <dgm:shape xmlns:r="http://schemas.openxmlformats.org/officeDocument/2006/relationships" r:blip="">
+            <dgm:adjLst/>
+          </dgm:shape>
+          <dgm:presOf/>
+          <dgm:constrLst>
+            <dgm:constr type="bendDist" for="des" ptType="parTrans" refType="sp" fact="0.5"/>
+          </dgm:constrLst>
+          <dgm:ruleLst/>
+          <dgm:layoutNode name="composite">
+            <dgm:alg type="composite"/>
+            <dgm:shape xmlns:r="http://schemas.openxmlformats.org/officeDocument/2006/relationships" r:blip="">
+              <dgm:adjLst/>
+            </dgm:shape>
+            <dgm:presOf/>
+            <dgm:constrLst>
+              <dgm:constr type="w" for="ch" forName="background" refType="w" fact="0.9"/>
+              <dgm:constr type="h" for="ch" forName="background" refType="w" refFor="ch" refForName="background" fact="0.635"/>
+              <dgm:constr type="t" for="ch" forName="background"/>
+              <dgm:constr type="l" for="ch" forName="background"/>
+              <dgm:constr type="w" for="ch" forName="text" refType="w" fact="0.9"/>
+              <dgm:constr type="h" for="ch" forName="text" refType="w" refFor="ch" refForName="text" fact="0.635"/>
+              <dgm:constr type="t" for="ch" forName="text" refType="w" fact="0.095"/>
+              <dgm:constr type="l" for="ch" forName="text" refType="w" fact="0.1"/>
+            </dgm:constrLst>
+            <dgm:ruleLst/>
+            <dgm:layoutNode name="background" styleLbl="node0" moveWith="text">
+              <dgm:alg type="sp"/>
+              <dgm:shape xmlns:r="http://schemas.openxmlformats.org/officeDocument/2006/relationships" type="roundRect" r:blip="">
+                <dgm:adjLst>
+                  <dgm:adj idx="1" val="0.1"/>
+                </dgm:adjLst>
+              </dgm:shape>
+              <dgm:presOf/>
+              <dgm:constrLst/>
+              <dgm:ruleLst/>
+            </dgm:layoutNode>
+            <dgm:layoutNode name="text" styleLbl="fgAcc0">
+              <dgm:varLst>
+                <dgm:chPref val="3"/>
+              </dgm:varLst>
+              <dgm:alg type="tx"/>
+              <dgm:shape xmlns:r="http://schemas.openxmlformats.org/officeDocument/2006/relationships" type="roundRect" r:blip="">
+                <dgm:adjLst>
+                  <dgm:adj idx="1" val="0.1"/>
+                </dgm:adjLst>
+              </dgm:shape>
+              <dgm:presOf axis="self"/>
+              <dgm:constrLst>
+                <dgm:constr type="tMarg" refType="primFontSz" fact="0.3"/>
+                <dgm:constr type="bMarg" refType="primFontSz" fact="0.3"/>
+                <dgm:constr type="lMarg" refType="primFontSz" fact="0.3"/>
+                <dgm:constr type="rMarg" refType="primFontSz" fact="0.3"/>
+              </dgm:constrLst>
+              <dgm:ruleLst>
+                <dgm:rule type="primFontSz" val="5" fact="NaN" max="NaN"/>
+              </dgm:ruleLst>
+            </dgm:layoutNode>
+          </dgm:layoutNode>
+          <dgm:layoutNode name="hierChild2">
+            <dgm:choose name="Name5">
+              <dgm:if name="Name6" func="var" arg="dir" op="equ" val="norm">
+                <dgm:alg type="hierChild">
+                  <dgm:param type="linDir" val="fromL"/>
+                </dgm:alg>
+              </dgm:if>
+              <dgm:else name="Name7">
+                <dgm:alg type="hierChild">
+                  <dgm:param type="linDir" val="fromR"/>
+                </dgm:alg>
+              </dgm:else>
+            </dgm:choose>
+            <dgm:shape xmlns:r="http://schemas.openxmlformats.org/officeDocument/2006/relationships" r:blip="">
+              <dgm:adjLst/>
+            </dgm:shape>
+            <dgm:presOf/>
+            <dgm:constrLst/>
+            <dgm:ruleLst/>
+            <dgm:forEach name="Name8" axis="ch">
+              <dgm:forEach name="Name9" axis="self" ptType="parTrans" cnt="1">
+                <dgm:layoutNode name="Name10">
+                  <dgm:alg type="conn">
+                    <dgm:param type="dim" val="1D"/>
+                    <dgm:param type="endSty" val="noArr"/>
+                    <dgm:param type="connRout" val="bend"/>
+                    <dgm:param type="bendPt" val="end"/>
+                    <dgm:param type="begPts" val="bCtr"/>
+                    <dgm:param type="endPts" val="tCtr"/>
+                    <dgm:param type="srcNode" val="background"/>
+                    <dgm:param type="dstNode" val="background2"/>
+                  </dgm:alg>
+                  <dgm:shape xmlns:r="http://schemas.openxmlformats.org/officeDocument/2006/relationships" type="conn" r:blip="" zOrderOff="-999">
+                    <dgm:adjLst/>
+                  </dgm:shape>
+                  <dgm:presOf axis="self"/>
+                  <dgm:constrLst>
+                    <dgm:constr type="begPad"/>
+                    <dgm:constr type="endPad"/>
+                  </dgm:constrLst>
+                  <dgm:ruleLst/>
+                </dgm:layoutNode>
+              </dgm:forEach>
+              <dgm:forEach name="Name11" axis="self" ptType="node">
+                <dgm:layoutNode name="hierRoot2">
+                  <dgm:alg type="hierRoot"/>
+                  <dgm:shape xmlns:r="http://schemas.openxmlformats.org/officeDocument/2006/relationships" r:blip="">
+                    <dgm:adjLst/>
+                  </dgm:shape>
+                  <dgm:presOf/>
+                  <dgm:constrLst>
+                    <dgm:constr type="bendDist" for="des" ptType="parTrans" refType="sp" fact="0.5"/>
+                  </dgm:constrLst>
+                  <dgm:ruleLst/>
+                  <dgm:layoutNode name="composite2">
+                    <dgm:alg type="composite"/>
+                    <dgm:shape xmlns:r="http://schemas.openxmlformats.org/officeDocument/2006/relationships" r:blip="">
+                      <dgm:adjLst/>
+                    </dgm:shape>
+                    <dgm:presOf/>
+                    <dgm:constrLst>
+                      <dgm:constr type="w" for="ch" forName="background2" refType="w" fact="0.9"/>
+                      <dgm:constr type="h" for="ch" forName="background2" refType="w" refFor="ch" refForName="background2" fact="0.635"/>
+                      <dgm:constr type="t" for="ch" forName="background2"/>
+                      <dgm:constr type="l" for="ch" forName="background2"/>
+                      <dgm:constr type="w" for="ch" forName="text2" refType="w" fact="0.9"/>
+                      <dgm:constr type="h" for="ch" forName="text2" refType="w" refFor="ch" refForName="text2" fact="0.635"/>
+                      <dgm:constr type="t" for="ch" forName="text2" refType="w" fact="0.095"/>
+                      <dgm:constr type="l" for="ch" forName="text2" refType="w" fact="0.1"/>
+                    </dgm:constrLst>
+                    <dgm:ruleLst/>
+                    <dgm:layoutNode name="background2" moveWith="text2">
+                      <dgm:alg type="sp"/>
+                      <dgm:shape xmlns:r="http://schemas.openxmlformats.org/officeDocument/2006/relationships" type="roundRect" r:blip="">
+                        <dgm:adjLst>
+                          <dgm:adj idx="1" val="0.1"/>
+                        </dgm:adjLst>
+                      </dgm:shape>
+                      <dgm:presOf/>
+                      <dgm:constrLst/>
+                      <dgm:ruleLst/>
+                    </dgm:layoutNode>
+                    <dgm:layoutNode name="text2" styleLbl="fgAcc2">
+                      <dgm:varLst>
+                        <dgm:chPref val="3"/>
+                      </dgm:varLst>
+                      <dgm:alg type="tx"/>
+                      <dgm:shape xmlns:r="http://schemas.openxmlformats.org/officeDocument/2006/relationships" type="roundRect" r:blip="">
+                        <dgm:adjLst>
+                          <dgm:adj idx="1" val="0.1"/>
+                        </dgm:adjLst>
+                      </dgm:shape>
+                      <dgm:presOf axis="self"/>
+                      <dgm:constrLst>
+                        <dgm:constr type="tMarg" refType="primFontSz" fact="0.3"/>
+                        <dgm:constr type="bMarg" refType="primFontSz" fact="0.3"/>
+                        <dgm:constr type="lMarg" refType="primFontSz" fact="0.3"/>
+                        <dgm:constr type="rMarg" refType="primFontSz" fact="0.3"/>
+                      </dgm:constrLst>
+                      <dgm:ruleLst>
+                        <dgm:rule type="primFontSz" val="5" fact="NaN" max="NaN"/>
+                      </dgm:ruleLst>
+                    </dgm:layoutNode>
+                  </dgm:layoutNode>
+                  <dgm:layoutNode name="hierChild3">
+                    <dgm:choose name="Name12">
+                      <dgm:if name="Name13" func="var" arg="dir" op="equ" val="norm">
+                        <dgm:alg type="hierChild">
+                          <dgm:param type="linDir" val="fromL"/>
+                        </dgm:alg>
+                      </dgm:if>
+                      <dgm:else name="Name14">
+                        <dgm:alg type="hierChild">
+                          <dgm:param type="linDir" val="fromR"/>
+                        </dgm:alg>
+                      </dgm:else>
+                    </dgm:choose>
+                    <dgm:shape xmlns:r="http://schemas.openxmlformats.org/officeDocument/2006/relationships" r:blip="">
+                      <dgm:adjLst/>
+                    </dgm:shape>
+                    <dgm:presOf/>
+                    <dgm:constrLst/>
+                    <dgm:ruleLst/>
+                    <dgm:forEach name="Name15" axis="ch">
+                      <dgm:forEach name="Name16" axis="self" ptType="parTrans" cnt="1">
+                        <dgm:layoutNode name="Name17">
+                          <dgm:alg type="conn">
+                            <dgm:param type="dim" val="1D"/>
+                            <dgm:param type="endSty" val="noArr"/>
+                            <dgm:param type="connRout" val="bend"/>
+                            <dgm:param type="bendPt" val="end"/>
+                            <dgm:param type="begPts" val="bCtr"/>
+                            <dgm:param type="endPts" val="tCtr"/>
+                            <dgm:param type="srcNode" val="background2"/>
+                            <dgm:param type="dstNode" val="background3"/>
+                          </dgm:alg>
+                          <dgm:shape xmlns:r="http://schemas.openxmlformats.org/officeDocument/2006/relationships" type="conn" r:blip="" zOrderOff="-999">
+                            <dgm:adjLst/>
+                          </dgm:shape>
+                          <dgm:presOf axis="self"/>
+                          <dgm:constrLst>
+                            <dgm:constr type="begPad"/>
+                            <dgm:constr type="endPad"/>
+                          </dgm:constrLst>
+                          <dgm:ruleLst/>
+                        </dgm:layoutNode>
+                      </dgm:forEach>
+                      <dgm:forEach name="Name18" axis="self" ptType="node">
+                        <dgm:layoutNode name="hierRoot3">
+                          <dgm:alg type="hierRoot"/>
+                          <dgm:shape xmlns:r="http://schemas.openxmlformats.org/officeDocument/2006/relationships" r:blip="">
+                            <dgm:adjLst/>
+                          </dgm:shape>
+                          <dgm:presOf/>
+                          <dgm:constrLst>
+                            <dgm:constr type="bendDist" for="des" ptType="parTrans" refType="sp" fact="0.5"/>
+                          </dgm:constrLst>
+                          <dgm:ruleLst/>
+                          <dgm:layoutNode name="composite3">
+                            <dgm:alg type="composite"/>
+                            <dgm:shape xmlns:r="http://schemas.openxmlformats.org/officeDocument/2006/relationships" r:blip="">
+                              <dgm:adjLst/>
+                            </dgm:shape>
+                            <dgm:presOf/>
+                            <dgm:constrLst>
+                              <dgm:constr type="w" for="ch" forName="background3" refType="w" fact="0.9"/>
+                              <dgm:constr type="h" for="ch" forName="background3" refType="w" refFor="ch" refForName="background3" fact="0.635"/>
+                              <dgm:constr type="t" for="ch" forName="background3"/>
+                              <dgm:constr type="l" for="ch" forName="background3"/>
+                              <dgm:constr type="w" for="ch" forName="text3" refType="w" fact="0.9"/>
+                              <dgm:constr type="h" for="ch" forName="text3" refType="w" refFor="ch" refForName="text3" fact="0.635"/>
+                              <dgm:constr type="t" for="ch" forName="text3" refType="w" fact="0.095"/>
+                              <dgm:constr type="l" for="ch" forName="text3" refType="w" fact="0.1"/>
+                            </dgm:constrLst>
+                            <dgm:ruleLst/>
+                            <dgm:layoutNode name="background3" moveWith="text3">
+                              <dgm:alg type="sp"/>
+                              <dgm:shape xmlns:r="http://schemas.openxmlformats.org/officeDocument/2006/relationships" type="roundRect" r:blip="">
+                                <dgm:adjLst>
+                                  <dgm:adj idx="1" val="0.1"/>
+                                </dgm:adjLst>
+                              </dgm:shape>
+                              <dgm:presOf/>
+                              <dgm:constrLst/>
+                              <dgm:ruleLst/>
+                            </dgm:layoutNode>
+                            <dgm:layoutNode name="text3" styleLbl="fgAcc3">
+                              <dgm:varLst>
+                                <dgm:chPref val="3"/>
+                              </dgm:varLst>
+                              <dgm:alg type="tx"/>
+                              <dgm:shape xmlns:r="http://schemas.openxmlformats.org/officeDocument/2006/relationships" type="roundRect" r:blip="">
+                                <dgm:adjLst>
+                                  <dgm:adj idx="1" val="0.1"/>
+                                </dgm:adjLst>
+                              </dgm:shape>
+                              <dgm:presOf axis="self"/>
+                              <dgm:constrLst>
+                                <dgm:constr type="tMarg" refType="primFontSz" fact="0.3"/>
+                                <dgm:constr type="bMarg" refType="primFontSz" fact="0.3"/>
+                                <dgm:constr type="lMarg" refType="primFontSz" fact="0.3"/>
+                                <dgm:constr type="rMarg" refType="primFontSz" fact="0.3"/>
+                              </dgm:constrLst>
+                              <dgm:ruleLst>
+                                <dgm:rule type="primFontSz" val="5" fact="NaN" max="NaN"/>
+                              </dgm:ruleLst>
+                            </dgm:layoutNode>
+                          </dgm:layoutNode>
+                          <dgm:layoutNode name="hierChild4">
+                            <dgm:choose name="Name19">
+                              <dgm:if name="Name20" func="var" arg="dir" op="equ" val="norm">
+                                <dgm:alg type="hierChild">
+                                  <dgm:param type="linDir" val="fromL"/>
+                                </dgm:alg>
+                              </dgm:if>
+                              <dgm:else name="Name21">
+                                <dgm:alg type="hierChild">
+                                  <dgm:param type="linDir" val="fromR"/>
+                                </dgm:alg>
+                              </dgm:else>
+                            </dgm:choose>
+                            <dgm:shape xmlns:r="http://schemas.openxmlformats.org/officeDocument/2006/relationships" r:blip="">
+                              <dgm:adjLst/>
+                            </dgm:shape>
+                            <dgm:presOf/>
+                            <dgm:constrLst/>
+                            <dgm:ruleLst/>
+                            <dgm:forEach name="repeat" axis="ch">
+                              <dgm:forEach name="Name22" axis="self" ptType="parTrans" cnt="1">
+                                <dgm:layoutNode name="Name23">
+                                  <dgm:choose name="Name24">
+                                    <dgm:if name="Name25" axis="self" func="depth" op="lte" val="4">
+                                      <dgm:alg type="conn">
+                                        <dgm:param type="dim" val="1D"/>
+                                        <dgm:param type="endSty" val="noArr"/>
+                                        <dgm:param type="connRout" val="bend"/>
+                                        <dgm:param type="bendPt" val="end"/>
+                                        <dgm:param type="begPts" val="bCtr"/>
+                                        <dgm:param type="endPts" val="tCtr"/>
+                                        <dgm:param type="srcNode" val="background3"/>
+                                        <dgm:param type="dstNode" val="background4"/>
+                                      </dgm:alg>
+                                    </dgm:if>
+                                    <dgm:else name="Name26">
+                                      <dgm:alg type="conn">
+                                        <dgm:param type="dim" val="1D"/>
+                                        <dgm:param type="endSty" val="noArr"/>
+                                        <dgm:param type="connRout" val="bend"/>
+                                        <dgm:param type="bendPt" val="end"/>
+                                        <dgm:param type="begPts" val="bCtr"/>
+                                        <dgm:param type="endPts" val="tCtr"/>
+                                        <dgm:param type="srcNode" val="background4"/>
+                                        <dgm:param type="dstNode" val="background4"/>
+                                      </dgm:alg>
+                                    </dgm:else>
+                                  </dgm:choose>
+                                  <dgm:shape xmlns:r="http://schemas.openxmlformats.org/officeDocument/2006/relationships" type="conn" r:blip="" zOrderOff="-999">
+                                    <dgm:adjLst/>
+                                  </dgm:shape>
+                                  <dgm:presOf axis="self"/>
+                                  <dgm:constrLst>
+                                    <dgm:constr type="begPad"/>
+                                    <dgm:constr type="endPad"/>
+                                  </dgm:constrLst>
+                                  <dgm:ruleLst/>
+                                </dgm:layoutNode>
+                              </dgm:forEach>
+                              <dgm:forEach name="Name27" axis="self" ptType="node">
+                                <dgm:layoutNode name="hierRoot4">
+                                  <dgm:alg type="hierRoot"/>
+                                  <dgm:shape xmlns:r="http://schemas.openxmlformats.org/officeDocument/2006/relationships" r:blip="">
+                                    <dgm:adjLst/>
+                                  </dgm:shape>
+                                  <dgm:presOf/>
+                                  <dgm:constrLst>
+                                    <dgm:constr type="bendDist" for="des" ptType="parTrans" refType="sp" fact="0.5"/>
+                                  </dgm:constrLst>
+                                  <dgm:ruleLst/>
+                                  <dgm:layoutNode name="composite4">
+                                    <dgm:alg type="composite"/>
+                                    <dgm:shape xmlns:r="http://schemas.openxmlformats.org/officeDocument/2006/relationships" r:blip="">
+                                      <dgm:adjLst/>
+                                    </dgm:shape>
+                                    <dgm:presOf/>
+                                    <dgm:constrLst>
+                                      <dgm:constr type="w" for="ch" forName="background4" refType="w" fact="0.9"/>
+                                      <dgm:constr type="h" for="ch" forName="background4" refType="w" refFor="ch" refForName="background4" fact="0.635"/>
+                                      <dgm:constr type="t" for="ch" forName="background4"/>
+                                      <dgm:constr type="l" for="ch" forName="background4"/>
+                                      <dgm:constr type="w" for="ch" forName="text4" refType="w" fact="0.9"/>
+                                      <dgm:constr type="h" for="ch" forName="text4" refType="w" refFor="ch" refForName="text4" fact="0.635"/>
+                                      <dgm:constr type="t" for="ch" forName="text4" refType="w" fact="0.095"/>
+                                      <dgm:constr type="l" for="ch" forName="text4" refType="w" fact="0.1"/>
+                                    </dgm:constrLst>
+                                    <dgm:ruleLst/>
+                                    <dgm:layoutNode name="background4" moveWith="text4">
+                                      <dgm:alg type="sp"/>
+                                      <dgm:shape xmlns:r="http://schemas.openxmlformats.org/officeDocument/2006/relationships" type="roundRect" r:blip="">
+                                        <dgm:adjLst>
+                                          <dgm:adj idx="1" val="0.1"/>
+                                        </dgm:adjLst>
+                                      </dgm:shape>
+                                      <dgm:presOf/>
+                                      <dgm:constrLst/>
+                                      <dgm:ruleLst/>
+                                    </dgm:layoutNode>
+                                    <dgm:layoutNode name="text4" styleLbl="fgAcc4">
+                                      <dgm:varLst>
+                                        <dgm:chPref val="3"/>
+                                      </dgm:varLst>
+                                      <dgm:alg type="tx"/>
+                                      <dgm:shape xmlns:r="http://schemas.openxmlformats.org/officeDocument/2006/relationships" type="roundRect" r:blip="">
+                                        <dgm:adjLst>
+                                          <dgm:adj idx="1" val="0.1"/>
+                                        </dgm:adjLst>
+                                      </dgm:shape>
+                                      <dgm:presOf axis="self"/>
+                                      <dgm:constrLst>
+                                        <dgm:constr type="tMarg" refType="primFontSz" fact="0.3"/>
+                                        <dgm:constr type="bMarg" refType="primFontSz" fact="0.3"/>
+                                        <dgm:constr type="lMarg" refType="primFontSz" fact="0.3"/>
+                                        <dgm:constr type="rMarg" refType="primFontSz" fact="0.3"/>
+                                      </dgm:constrLst>
+                                      <dgm:ruleLst>
+                                        <dgm:rule type="primFontSz" val="5" fact="NaN" max="NaN"/>
+                                      </dgm:ruleLst>
+                                    </dgm:layoutNode>
+                                  </dgm:layoutNode>
+                                  <dgm:layoutNode name="hierChild5">
+                                    <dgm:choose name="Name28">
+                                      <dgm:if name="Name29" func="var" arg="dir" op="equ" val="norm">
+                                        <dgm:alg type="hierChild">
+                                          <dgm:param type="linDir" val="fromL"/>
+                                        </dgm:alg>
+                                      </dgm:if>
+                                      <dgm:else name="Name30">
+                                        <dgm:alg type="hierChild">
+                                          <dgm:param type="linDir" val="fromR"/>
+                                        </dgm:alg>
+                                      </dgm:else>
+                                    </dgm:choose>
+                                    <dgm:shape xmlns:r="http://schemas.openxmlformats.org/officeDocument/2006/relationships" r:blip="">
+                                      <dgm:adjLst/>
+                                    </dgm:shape>
+                                    <dgm:presOf/>
+                                    <dgm:constrLst/>
+                                    <dgm:ruleLst/>
+                                    <dgm:forEach name="Name31" ref="repeat"/>
+                                  </dgm:layoutNode>
+                                </dgm:layoutNode>
+                              </dgm:forEach>
+                            </dgm:forEach>
+                          </dgm:layoutNode>
+                        </dgm:layoutNode>
+                      </dgm:forEach>
+                    </dgm:forEach>
+                  </dgm:layoutNode>
+                </dgm:layoutNode>
+              </dgm:forEach>
+            </dgm:forEach>
+          </dgm:layoutNode>
+        </dgm:layoutNode>
+      </dgm:forEach>
+    </dgm:forEach>
+  </dgm:layoutNode>
+</dgm:layoutDef>
+</file>
+
+<file path=ppt/diagrams/quickStyle1.xml><?xml version="1.0" encoding="utf-8"?>
+<dgm:styleDef xmlns:dgm="http://schemas.openxmlformats.org/drawingml/2006/diagram" xmlns:a="http://schemas.openxmlformats.org/drawingml/2006/main" uniqueId="urn:microsoft.com/office/officeart/2005/8/quickstyle/simple1">
+  <dgm:title val=""/>
+  <dgm:desc val=""/>
+  <dgm:catLst>
+    <dgm:cat type="simple" pri="10100"/>
+  </dgm:catLst>
+  <dgm:scene3d>
+    <a:camera prst="orthographicFront"/>
+    <a:lightRig rig="threePt" dir="t"/>
+  </dgm:scene3d>
+  <dgm:styleLbl name="node0">
+    <dgm:scene3d>
+      <a:camera prst="orthographicFront"/>
+      <a:lightRig rig="threePt" dir="t"/>
+    </dgm:scene3d>
+    <dgm:sp3d/>
+    <dgm:txPr/>
+    <dgm:style>
+      <a:lnRef idx="2">
+        <a:scrgbClr r="0" g="0" b="0"/>
+      </a:lnRef>
+      <a:fillRef idx="1">
+        <a:scrgbClr r="0" g="0" b="0"/>
+      </a:fillRef>
+      <a:effectRef idx="0">
+        <a:scrgbClr r="0" g="0" b="0"/>
+      </a:effectRef>
+      <a:fontRef idx="minor">
+        <a:schemeClr val="lt1"/>
+      </a:fontRef>
+    </dgm:style>
+  </dgm:styleLbl>
+  <dgm:styleLbl name="lnNode1">
+    <dgm:scene3d>
+      <a:camera prst="orthographicFront"/>
+      <a:lightRig rig="threePt" dir="t"/>
+    </dgm:scene3d>
+    <dgm:sp3d/>
+    <dgm:txPr/>
+    <dgm:style>
+      <a:lnRef idx="2">
+        <a:scrgbClr r="0" g="0" b="0"/>
+      </a:lnRef>
+      <a:fillRef idx="1">
+        <a:scrgbClr r="0" g="0" b="0"/>
+      </a:fillRef>
+      <a:effectRef idx="0">
+        <a:scrgbClr r="0" g="0" b="0"/>
+      </a:effectRef>
+      <a:fontRef idx="minor">
+        <a:schemeClr val="lt1"/>
+      </a:fontRef>
+    </dgm:style>
+  </dgm:styleLbl>
+  <dgm:styleLbl name="vennNode1">
+    <dgm:scene3d>
+      <a:camera prst="orthographicFront"/>
+      <a:lightRig rig="threePt" dir="t"/>
+    </dgm:scene3d>
+    <dgm:sp3d/>
+    <dgm:txPr/>
+    <dgm:style>
+      <a:lnRef idx="2">
+        <a:scrgbClr r="0" g="0" b="0"/>
+      </a:lnRef>
+      <a:fillRef idx="1">
+        <a:scrgbClr r="0" g="0" b="0"/>
+      </a:fillRef>
+      <a:effectRef idx="0">
+        <a:scrgbClr r="0" g="0" b="0"/>
+      </a:effectRef>
+      <a:fontRef idx="minor">
+        <a:schemeClr val="tx1"/>
+      </a:fontRef>
+    </dgm:style>
+  </dgm:styleLbl>
+  <dgm:styleLbl name="alignNode1">
+    <dgm:scene3d>
+      <a:camera prst="orthographicFront"/>
+      <a:lightRig rig="threePt" dir="t"/>
+    </dgm:scene3d>
+    <dgm:sp3d/>
+    <dgm:txPr/>
+    <dgm:style>
+      <a:lnRef idx="2">
+        <a:scrgbClr r="0" g="0" b="0"/>
+      </a:lnRef>
+      <a:fillRef idx="1">
+        <a:scrgbClr r="0" g="0" b="0"/>
+      </a:fillRef>
+      <a:effectRef idx="0">
+        <a:scrgbClr r="0" g="0" b="0"/>
+      </a:effectRef>
+      <a:fontRef idx="minor">
+        <a:schemeClr val="lt1"/>
+      </a:fontRef>
+    </dgm:style>
+  </dgm:styleLbl>
+  <dgm:styleLbl name="node1">
+    <dgm:scene3d>
+      <a:camera prst="orthographicFront"/>
+      <a:lightRig rig="threePt" dir="t"/>
+    </dgm:scene3d>
+    <dgm:sp3d/>
+    <dgm:txPr/>
+    <dgm:style>
+      <a:lnRef idx="2">
+        <a:scrgbClr r="0" g="0" b="0"/>
+      </a:lnRef>
+      <a:fillRef idx="1">
+        <a:scrgbClr r="0" g="0" b="0"/>
+      </a:fillRef>
+      <a:effectRef idx="0">
+        <a:scrgbClr r="0" g="0" b="0"/>
+      </a:effectRef>
+      <a:fontRef idx="minor">
+        <a:schemeClr val="lt1"/>
+      </a:fontRef>
+    </dgm:style>
+  </dgm:styleLbl>
+  <dgm:styleLbl name="node2">
+    <dgm:scene3d>
+      <a:camera prst="orthographicFront"/>
+      <a:lightRig rig="threePt" dir="t"/>
+    </dgm:scene3d>
+    <dgm:sp3d/>
+    <dgm:txPr/>
+    <dgm:style>
+      <a:lnRef idx="2">
+        <a:scrgbClr r="0" g="0" b="0"/>
+      </a:lnRef>
+      <a:fillRef idx="1">
+        <a:scrgbClr r="0" g="0" b="0"/>
+      </a:fillRef>
+      <a:effectRef idx="0">
+        <a:scrgbClr r="0" g="0" b="0"/>
+      </a:effectRef>
+      <a:fontRef idx="minor">
+        <a:schemeClr val="lt1"/>
+      </a:fontRef>
+    </dgm:style>
+  </dgm:styleLbl>
+  <dgm:styleLbl name="node3">
+    <dgm:scene3d>
+      <a:camera prst="orthographicFront"/>
+      <a:lightRig rig="threePt" dir="t"/>
+    </dgm:scene3d>
+    <dgm:sp3d/>
+    <dgm:txPr/>
+    <dgm:style>
+      <a:lnRef idx="2">
+        <a:scrgbClr r="0" g="0" b="0"/>
+      </a:lnRef>
+      <a:fillRef idx="1">
+        <a:scrgbClr r="0" g="0" b="0"/>
+      </a:fillRef>
+      <a:effectRef idx="0">
+        <a:scrgbClr r="0" g="0" b="0"/>
+      </a:effectRef>
+      <a:fontRef idx="minor">
+        <a:schemeClr val="lt1"/>
+      </a:fontRef>
+    </dgm:style>
+  </dgm:styleLbl>
+  <dgm:styleLbl name="node4">
+    <dgm:scene3d>
+      <a:camera prst="orthographicFront"/>
+      <a:lightRig rig="threePt" dir="t"/>
+    </dgm:scene3d>
+    <dgm:sp3d/>
+    <dgm:txPr/>
+    <dgm:style>
+      <a:lnRef idx="2">
+        <a:scrgbClr r="0" g="0" b="0"/>
+      </a:lnRef>
+      <a:fillRef idx="1">
+        <a:scrgbClr r="0" g="0" b="0"/>
+      </a:fillRef>
+      <a:effectRef idx="0">
+        <a:scrgbClr r="0" g="0" b="0"/>
+      </a:effectRef>
+      <a:fontRef idx="minor">
+        <a:schemeClr val="lt1"/>
+      </a:fontRef>
+    </dgm:style>
+  </dgm:styleLbl>
+  <dgm:styleLbl name="fgImgPlace1">
+    <dgm:scene3d>
+      <a:camera prst="orthographicFront"/>
+      <a:lightRig rig="threePt" dir="t"/>
+    </dgm:scene3d>
+    <dgm:sp3d/>
+    <dgm:txPr/>
+    <dgm:style>
+      <a:lnRef idx="2">
+        <a:scrgbClr r="0" g="0" b="0"/>
+      </a:lnRef>
+      <a:fillRef idx="1">
+        <a:scrgbClr r="0" g="0" b="0"/>
+      </a:fillRef>
+      <a:effectRef idx="0">
+        <a:scrgbClr r="0" g="0" b="0"/>
+      </a:effectRef>
+      <a:fontRef idx="minor"/>
+    </dgm:style>
+  </dgm:styleLbl>
+  <dgm:styleLbl name="alignImgPlace1">
+    <dgm:scene3d>
+      <a:camera prst="orthographicFront"/>
+      <a:lightRig rig="threePt" dir="t"/>
+    </dgm:scene3d>
+    <dgm:sp3d/>
+    <dgm:txPr/>
+    <dgm:style>
+      <a:lnRef idx="2">
+        <a:scrgbClr r="0" g="0" b="0"/>
+      </a:lnRef>
+      <a:fillRef idx="1">
+        <a:scrgbClr r="0" g="0" b="0"/>
+      </a:fillRef>
+      <a:effectRef idx="0">
+        <a:scrgbClr r="0" g="0" b="0"/>
+      </a:effectRef>
+      <a:fontRef idx="minor"/>
+    </dgm:style>
+  </dgm:styleLbl>
+  <dgm:styleLbl name="bgImgPlace1">
+    <dgm:scene3d>
+      <a:camera prst="orthographicFront"/>
+      <a:lightRig rig="threePt" dir="t"/>
+    </dgm:scene3d>
+    <dgm:sp3d/>
+    <dgm:txPr/>
+    <dgm:style>
+      <a:lnRef idx="2">
+        <a:scrgbClr r="0" g="0" b="0"/>
+      </a:lnRef>
+      <a:fillRef idx="1">
+        <a:scrgbClr r="0" g="0" b="0"/>
+      </a:fillRef>
+      <a:effectRef idx="0">
+        <a:scrgbClr r="0" g="0" b="0"/>
+      </a:effectRef>
+      <a:fontRef idx="minor"/>
+    </dgm:style>
+  </dgm:styleLbl>
+  <dgm:styleLbl name="sibTrans2D1">
+    <dgm:scene3d>
+      <a:camera prst="orthographicFront"/>
+      <a:lightRig rig="threePt" dir="t"/>
+    </dgm:scene3d>
+    <dgm:sp3d/>
+    <dgm:txPr/>
+    <dgm:style>
+      <a:lnRef idx="0">
+        <a:scrgbClr r="0" g="0" b="0"/>
+      </a:lnRef>
+      <a:fillRef idx="1">
+        <a:scrgbClr r="0" g="0" b="0"/>
+      </a:fillRef>
+      <a:effectRef idx="0">
+        <a:scrgbClr r="0" g="0" b="0"/>
+      </a:effectRef>
+      <a:fontRef idx="minor">
+        <a:schemeClr val="lt1"/>
+      </a:fontRef>
+    </dgm:style>
+  </dgm:styleLbl>
+  <dgm:styleLbl name="fgSibTrans2D1">
+    <dgm:scene3d>
+      <a:camera prst="orthographicFront"/>
+      <a:lightRig rig="threePt" dir="t"/>
+    </dgm:scene3d>
+    <dgm:sp3d/>
+    <dgm:txPr/>
+    <dgm:style>
+      <a:lnRef idx="0">
+        <a:scrgbClr r="0" g="0" b="0"/>
+      </a:lnRef>
+      <a:fillRef idx="1">
+        <a:scrgbClr r="0" g="0" b="0"/>
+      </a:fillRef>
+      <a:effectRef idx="0">
+        <a:scrgbClr r="0" g="0" b="0"/>
+      </a:effectRef>
+      <a:fontRef idx="minor">
+        <a:schemeClr val="lt1"/>
+      </a:fontRef>
+    </dgm:style>
+  </dgm:styleLbl>
+  <dgm:styleLbl name="bgSibTrans2D1">
+    <dgm:scene3d>
+      <a:camera prst="orthographicFront"/>
+      <a:lightRig rig="threePt" dir="t"/>
+    </dgm:scene3d>
+    <dgm:sp3d/>
+    <dgm:txPr/>
+    <dgm:style>
+      <a:lnRef idx="0">
+        <a:scrgbClr r="0" g="0" b="0"/>
+      </a:lnRef>
+      <a:fillRef idx="1">
+        <a:scrgbClr r="0" g="0" b="0"/>
+      </a:fillRef>
+      <a:effectRef idx="0">
+        <a:scrgbClr r="0" g="0" b="0"/>
+      </a:effectRef>
+      <a:fontRef idx="minor">
+        <a:schemeClr val="lt1"/>
+      </a:fontRef>
+    </dgm:style>
+  </dgm:styleLbl>
+  <dgm:styleLbl name="sibTrans1D1">
+    <dgm:scene3d>
+      <a:camera prst="orthographicFront"/>
+      <a:lightRig rig="threePt" dir="t"/>
+    </dgm:scene3d>
+    <dgm:sp3d/>
+    <dgm:txPr/>
+    <dgm:style>
+      <a:lnRef idx="1">
+        <a:scrgbClr r="0" g="0" b="0"/>
+      </a:lnRef>
+      <a:fillRef idx="0">
+        <a:scrgbClr r="0" g="0" b="0"/>
+      </a:fillRef>
+      <a:effectRef idx="0">
+        <a:scrgbClr r="0" g="0" b="0"/>
+      </a:effectRef>
+      <a:fontRef idx="minor"/>
+    </dgm:style>
+  </dgm:styleLbl>
+  <dgm:styleLbl name="callout">
+    <dgm:scene3d>
+      <a:camera prst="orthographicFront"/>
+      <a:lightRig rig="threePt" dir="t"/>
+    </dgm:scene3d>
+    <dgm:sp3d/>
+    <dgm:txPr/>
+    <dgm:style>
+      <a:lnRef idx="2">
+        <a:scrgbClr r="0" g="0" b="0"/>
+      </a:lnRef>
+      <a:fillRef idx="1">
+        <a:scrgbClr r="0" g="0" b="0"/>
+      </a:fillRef>
+      <a:effectRef idx="0">
+        <a:scrgbClr r="0" g="0" b="0"/>
+      </a:effectRef>
+      <a:fontRef idx="minor"/>
+    </dgm:style>
+  </dgm:styleLbl>
+  <dgm:styleLbl name="asst0">
+    <dgm:scene3d>
+      <a:camera prst="orthographicFront"/>
+      <a:lightRig rig="threePt" dir="t"/>
+    </dgm:scene3d>
+    <dgm:sp3d/>
+    <dgm:txPr/>
+    <dgm:style>
+      <a:lnRef idx="2">
+        <a:scrgbClr r="0" g="0" b="0"/>
+      </a:lnRef>
+      <a:fillRef idx="1">
+        <a:scrgbClr r="0" g="0" b="0"/>
+      </a:fillRef>
+      <a:effectRef idx="0">
+        <a:scrgbClr r="0" g="0" b="0"/>
+      </a:effectRef>
+      <a:fontRef idx="minor">
+        <a:schemeClr val="lt1"/>
+      </a:fontRef>
+    </dgm:style>
+  </dgm:styleLbl>
+  <dgm:styleLbl name="asst1">
+    <dgm:scene3d>
+      <a:camera prst="orthographicFront"/>
+      <a:lightRig rig="threePt" dir="t"/>
+    </dgm:scene3d>
+    <dgm:sp3d/>
+    <dgm:txPr/>
+    <dgm:style>
+      <a:lnRef idx="2">
+        <a:scrgbClr r="0" g="0" b="0"/>
+      </a:lnRef>
+      <a:fillRef idx="1">
+        <a:scrgbClr r="0" g="0" b="0"/>
+      </a:fillRef>
+      <a:effectRef idx="0">
+        <a:scrgbClr r="0" g="0" b="0"/>
+      </a:effectRef>
+      <a:fontRef idx="minor">
+        <a:schemeClr val="lt1"/>
+      </a:fontRef>
+    </dgm:style>
+  </dgm:styleLbl>
+  <dgm:styleLbl name="asst2">
+    <dgm:scene3d>
+      <a:camera prst="orthographicFront"/>
+      <a:lightRig rig="threePt" dir="t"/>
+    </dgm:scene3d>
+    <dgm:sp3d/>
+    <dgm:txPr/>
+    <dgm:style>
+      <a:lnRef idx="2">
+        <a:scrgbClr r="0" g="0" b="0"/>
+      </a:lnRef>
+      <a:fillRef idx="1">
+        <a:scrgbClr r="0" g="0" b="0"/>
+      </a:fillRef>
+      <a:effectRef idx="0">
+        <a:scrgbClr r="0" g="0" b="0"/>
+      </a:effectRef>
+      <a:fontRef idx="minor">
+        <a:schemeClr val="lt1"/>
+      </a:fontRef>
+    </dgm:style>
+  </dgm:styleLbl>
+  <dgm:styleLbl name="asst3">
+    <dgm:scene3d>
+      <a:camera prst="orthographicFront"/>
+      <a:lightRig rig="threePt" dir="t"/>
+    </dgm:scene3d>
+    <dgm:sp3d/>
+    <dgm:txPr/>
+    <dgm:style>
+      <a:lnRef idx="2">
+        <a:scrgbClr r="0" g="0" b="0"/>
+      </a:lnRef>
+      <a:fillRef idx="1">
+        <a:scrgbClr r="0" g="0" b="0"/>
+      </a:fillRef>
+      <a:effectRef idx="0">
+        <a:scrgbClr r="0" g="0" b="0"/>
+      </a:effectRef>
+      <a:fontRef idx="minor">
+        <a:schemeClr val="lt1"/>
+      </a:fontRef>
+    </dgm:style>
+  </dgm:styleLbl>
+  <dgm:styleLbl name="asst4">
+    <dgm:scene3d>
+      <a:camera prst="orthographicFront"/>
+      <a:lightRig rig="threePt" dir="t"/>
+    </dgm:scene3d>
+    <dgm:sp3d/>
+    <dgm:txPr/>
+    <dgm:style>
+      <a:lnRef idx="2">
+        <a:scrgbClr r="0" g="0" b="0"/>
+      </a:lnRef>
+      <a:fillRef idx="1">
+        <a:scrgbClr r="0" g="0" b="0"/>
+      </a:fillRef>
+      <a:effectRef idx="0">
+        <a:scrgbClr r="0" g="0" b="0"/>
+      </a:effectRef>
+      <a:fontRef idx="minor">
+        <a:schemeClr val="lt1"/>
+      </a:fontRef>
+    </dgm:style>
+  </dgm:styleLbl>
+  <dgm:styleLbl name="parChTrans2D1">
+    <dgm:scene3d>
+      <a:camera prst="orthographicFront"/>
+      <a:lightRig rig="threePt" dir="t"/>
+    </dgm:scene3d>
+    <dgm:sp3d/>
+    <dgm:txPr/>
+    <dgm:style>
+      <a:lnRef idx="2">
+        <a:scrgbClr r="0" g="0" b="0"/>
+      </a:lnRef>
+      <a:fillRef idx="1">
+        <a:scrgbClr r="0" g="0" b="0"/>
+      </a:fillRef>
+      <a:effectRef idx="0">
+        <a:scrgbClr r="0" g="0" b="0"/>
+      </a:effectRef>
+      <a:fontRef idx="minor">
+        <a:schemeClr val="lt1"/>
+      </a:fontRef>
+    </dgm:style>
+  </dgm:styleLbl>
+  <dgm:styleLbl name="parChTrans2D2">
+    <dgm:scene3d>
+      <a:camera prst="orthographicFront"/>
+      <a:lightRig rig="threePt" dir="t"/>
+    </dgm:scene3d>
+    <dgm:sp3d/>
+    <dgm:txPr/>
+    <dgm:style>
+      <a:lnRef idx="2">
+        <a:scrgbClr r="0" g="0" b="0"/>
+      </a:lnRef>
+      <a:fillRef idx="1">
+        <a:scrgbClr r="0" g="0" b="0"/>
+      </a:fillRef>
+      <a:effectRef idx="0">
+        <a:scrgbClr r="0" g="0" b="0"/>
+      </a:effectRef>
+      <a:fontRef idx="minor">
+        <a:schemeClr val="lt1"/>
+      </a:fontRef>
+    </dgm:style>
+  </dgm:styleLbl>
+  <dgm:styleLbl name="parChTrans2D3">
+    <dgm:scene3d>
+      <a:camera prst="orthographicFront"/>
+      <a:lightRig rig="threePt" dir="t"/>
+    </dgm:scene3d>
+    <dgm:sp3d/>
+    <dgm:txPr/>
+    <dgm:style>
+      <a:lnRef idx="2">
+        <a:scrgbClr r="0" g="0" b="0"/>
+      </a:lnRef>
+      <a:fillRef idx="1">
+        <a:scrgbClr r="0" g="0" b="0"/>
+      </a:fillRef>
+      <a:effectRef idx="0">
+        <a:scrgbClr r="0" g="0" b="0"/>
+      </a:effectRef>
+      <a:fontRef idx="minor">
+        <a:schemeClr val="lt1"/>
+      </a:fontRef>
+    </dgm:style>
+  </dgm:styleLbl>
+  <dgm:styleLbl name="parChTrans2D4">
+    <dgm:scene3d>
+      <a:camera prst="orthographicFront"/>
+      <a:lightRig rig="threePt" dir="t"/>
+    </dgm:scene3d>
+    <dgm:sp3d/>
+    <dgm:txPr/>
+    <dgm:style>
+      <a:lnRef idx="2">
+        <a:scrgbClr r="0" g="0" b="0"/>
+      </a:lnRef>
+      <a:fillRef idx="1">
+        <a:scrgbClr r="0" g="0" b="0"/>
+      </a:fillRef>
+      <a:effectRef idx="0">
+        <a:scrgbClr r="0" g="0" b="0"/>
+      </a:effectRef>
+      <a:fontRef idx="minor">
+        <a:schemeClr val="lt1"/>
+      </a:fontRef>
+    </dgm:style>
+  </dgm:styleLbl>
+  <dgm:styleLbl name="parChTrans1D1">
+    <dgm:scene3d>
+      <a:camera prst="orthographicFront"/>
+      <a:lightRig rig="threePt" dir="t"/>
+    </dgm:scene3d>
+    <dgm:sp3d/>
+    <dgm:txPr/>
+    <dgm:style>
+      <a:lnRef idx="2">
+        <a:scrgbClr r="0" g="0" b="0"/>
+      </a:lnRef>
+      <a:fillRef idx="0">
+        <a:scrgbClr r="0" g="0" b="0"/>
+      </a:fillRef>
+      <a:effectRef idx="0">
+        <a:scrgbClr r="0" g="0" b="0"/>
+      </a:effectRef>
+      <a:fontRef idx="minor"/>
+    </dgm:style>
+  </dgm:styleLbl>
+  <dgm:styleLbl name="parChTrans1D2">
+    <dgm:scene3d>
+      <a:camera prst="orthographicFront"/>
+      <a:lightRig rig="threePt" dir="t"/>
+    </dgm:scene3d>
+    <dgm:sp3d/>
+    <dgm:txPr/>
+    <dgm:style>
+      <a:lnRef idx="2">
+        <a:scrgbClr r="0" g="0" b="0"/>
+      </a:lnRef>
+      <a:fillRef idx="0">
+        <a:scrgbClr r="0" g="0" b="0"/>
+      </a:fillRef>
+      <a:effectRef idx="0">
+        <a:scrgbClr r="0" g="0" b="0"/>
+      </a:effectRef>
+      <a:fontRef idx="minor"/>
+    </dgm:style>
+  </dgm:styleLbl>
+  <dgm:styleLbl name="parChTrans1D3">
+    <dgm:scene3d>
+      <a:camera prst="orthographicFront"/>
+      <a:lightRig rig="threePt" dir="t"/>
+    </dgm:scene3d>
+    <dgm:sp3d/>
+    <dgm:txPr/>
+    <dgm:style>
+      <a:lnRef idx="2">
+        <a:scrgbClr r="0" g="0" b="0"/>
+      </a:lnRef>
+      <a:fillRef idx="0">
+        <a:scrgbClr r="0" g="0" b="0"/>
+      </a:fillRef>
+      <a:effectRef idx="0">
+        <a:scrgbClr r="0" g="0" b="0"/>
+      </a:effectRef>
+      <a:fontRef idx="minor"/>
+    </dgm:style>
+  </dgm:styleLbl>
+  <dgm:styleLbl name="parChTrans1D4">
+    <dgm:scene3d>
+      <a:camera prst="orthographicFront"/>
+      <a:lightRig rig="threePt" dir="t"/>
+    </dgm:scene3d>
+    <dgm:sp3d/>
+    <dgm:txPr/>
+    <dgm:style>
+      <a:lnRef idx="2">
+        <a:scrgbClr r="0" g="0" b="0"/>
+      </a:lnRef>
+      <a:fillRef idx="0">
+        <a:scrgbClr r="0" g="0" b="0"/>
+      </a:fillRef>
+      <a:effectRef idx="0">
+        <a:scrgbClr r="0" g="0" b="0"/>
+      </a:effectRef>
+      <a:fontRef idx="minor"/>
+    </dgm:style>
+  </dgm:styleLbl>
+  <dgm:styleLbl name="fgAcc1">
+    <dgm:scene3d>
+      <a:camera prst="orthographicFront"/>
+      <a:lightRig rig="threePt" dir="t"/>
+    </dgm:scene3d>
+    <dgm:sp3d/>
+    <dgm:txPr/>
+    <dgm:style>
+      <a:lnRef idx="2">
+        <a:scrgbClr r="0" g="0" b="0"/>
+      </a:lnRef>
+      <a:fillRef idx="1">
+        <a:scrgbClr r="0" g="0" b="0"/>
+      </a:fillRef>
+      <a:effectRef idx="0">
+        <a:scrgbClr r="0" g="0" b="0"/>
+      </a:effectRef>
+      <a:fontRef idx="minor"/>
+    </dgm:style>
+  </dgm:styleLbl>
+  <dgm:styleLbl name="conFgAcc1">
+    <dgm:scene3d>
+      <a:camera prst="orthographicFront"/>
+      <a:lightRig rig="threePt" dir="t"/>
+    </dgm:scene3d>
+    <dgm:sp3d/>
+    <dgm:txPr/>
+    <dgm:style>
+      <a:lnRef idx="2">
+        <a:scrgbClr r="0" g="0" b="0"/>
+      </a:lnRef>
+      <a:fillRef idx="1">
+        <a:scrgbClr r="0" g="0" b="0"/>
+      </a:fillRef>
+      <a:effectRef idx="0">
+        <a:scrgbClr r="0" g="0" b="0"/>
+      </a:effectRef>
+      <a:fontRef idx="minor"/>
+    </dgm:style>
+  </dgm:styleLbl>
+  <dgm:styleLbl name="alignAcc1">
+    <dgm:scene3d>
+      <a:camera prst="orthographicFront"/>
+      <a:lightRig rig="threePt" dir="t"/>
+    </dgm:scene3d>
+    <dgm:sp3d/>
+    <dgm:txPr/>
+    <dgm:style>
+      <a:lnRef idx="2">
+        <a:scrgbClr r="0" g="0" b="0"/>
+      </a:lnRef>
+      <a:fillRef idx="1">
+        <a:scrgbClr r="0" g="0" b="0"/>
+      </a:fillRef>
+      <a:effectRef idx="0">
+        <a:scrgbClr r="0" g="0" b="0"/>
+      </a:effectRef>
+      <a:fontRef idx="minor"/>
+    </dgm:style>
+  </dgm:styleLbl>
+  <dgm:styleLbl name="trAlignAcc1">
+    <dgm:scene3d>
+      <a:camera prst="orthographicFront"/>
+      <a:lightRig rig="threePt" dir="t"/>
+    </dgm:scene3d>
+    <dgm:sp3d/>
+    <dgm:txPr/>
+    <dgm:style>
+      <a:lnRef idx="1">
+        <a:scrgbClr r="0" g="0" b="0"/>
+      </a:lnRef>
+      <a:fillRef idx="1">
+        <a:scrgbClr r="0" g="0" b="0"/>
+      </a:fillRef>
+      <a:effectRef idx="0">
+        <a:scrgbClr r="0" g="0" b="0"/>
+      </a:effectRef>
+      <a:fontRef idx="minor"/>
+    </dgm:style>
+  </dgm:styleLbl>
+  <dgm:styleLbl name="bgAcc1">
+    <dgm:scene3d>
+      <a:camera prst="orthographicFront"/>
+      <a:lightRig rig="threePt" dir="t"/>
+    </dgm:scene3d>
+    <dgm:sp3d/>
+    <dgm:txPr/>
+    <dgm:style>
+      <a:lnRef idx="2">
+        <a:scrgbClr r="0" g="0" b="0"/>
+      </a:lnRef>
+      <a:fillRef idx="1">
+        <a:scrgbClr r="0" g="0" b="0"/>
+      </a:fillRef>
+      <a:effectRef idx="0">
+        <a:scrgbClr r="0" g="0" b="0"/>
+      </a:effectRef>
+      <a:fontRef idx="minor"/>
+    </dgm:style>
+  </dgm:styleLbl>
+  <dgm:styleLbl name="solidFgAcc1">
+    <dgm:scene3d>
+      <a:camera prst="orthographicFront"/>
+      <a:lightRig rig="threePt" dir="t"/>
+    </dgm:scene3d>
+    <dgm:sp3d/>
+    <dgm:txPr/>
+    <dgm:style>
+      <a:lnRef idx="2">
+        <a:scrgbClr r="0" g="0" b="0"/>
+      </a:lnRef>
+      <a:fillRef idx="1">
+        <a:scrgbClr r="0" g="0" b="0"/>
+      </a:fillRef>
+      <a:effectRef idx="0">
+        <a:scrgbClr r="0" g="0" b="0"/>
+      </a:effectRef>
+      <a:fontRef idx="minor"/>
+    </dgm:style>
+  </dgm:styleLbl>
+  <dgm:styleLbl name="solidAlignAcc1">
+    <dgm:scene3d>
+      <a:camera prst="orthographicFront"/>
+      <a:lightRig rig="threePt" dir="t"/>
+    </dgm:scene3d>
+    <dgm:sp3d/>
+    <dgm:txPr/>
+    <dgm:style>
+      <a:lnRef idx="2">
+        <a:scrgbClr r="0" g="0" b="0"/>
+      </a:lnRef>
+      <a:fillRef idx="1">
+        <a:scrgbClr r="0" g="0" b="0"/>
+      </a:fillRef>
+      <a:effectRef idx="0">
+        <a:scrgbClr r="0" g="0" b="0"/>
+      </a:effectRef>
+      <a:fontRef idx="minor"/>
+    </dgm:style>
+  </dgm:styleLbl>
+  <dgm:styleLbl name="solidBgAcc1">
+    <dgm:scene3d>
+      <a:camera prst="orthographicFront"/>
+      <a:lightRig rig="threePt" dir="t"/>
+    </dgm:scene3d>
+    <dgm:sp3d/>
+    <dgm:txPr/>
+    <dgm:style>
+      <a:lnRef idx="2">
+        <a:scrgbClr r="0" g="0" b="0"/>
+      </a:lnRef>
+      <a:fillRef idx="1">
+        <a:scrgbClr r="0" g="0" b="0"/>
+      </a:fillRef>
+      <a:effectRef idx="0">
+        <a:scrgbClr r="0" g="0" b="0"/>
+      </a:effectRef>
+      <a:fontRef idx="minor"/>
+    </dgm:style>
+  </dgm:styleLbl>
+  <dgm:styleLbl name="fgAccFollowNode1">
+    <dgm:scene3d>
+      <a:camera prst="orthographicFront"/>
+      <a:lightRig rig="threePt" dir="t"/>
+    </dgm:scene3d>
+    <dgm:sp3d/>
+    <dgm:txPr/>
+    <dgm:style>
+      <a:lnRef idx="2">
+        <a:scrgbClr r="0" g="0" b="0"/>
+      </a:lnRef>
+      <a:fillRef idx="1">
+        <a:scrgbClr r="0" g="0" b="0"/>
+      </a:fillRef>
+      <a:effectRef idx="0">
+        <a:scrgbClr r="0" g="0" b="0"/>
+      </a:effectRef>
+      <a:fontRef idx="minor"/>
+    </dgm:style>
+  </dgm:styleLbl>
+  <dgm:styleLbl name="alignAccFollowNode1">
+    <dgm:scene3d>
+      <a:camera prst="orthographicFront"/>
+      <a:lightRig rig="threePt" dir="t"/>
+    </dgm:scene3d>
+    <dgm:sp3d/>
+    <dgm:txPr/>
+    <dgm:style>
+      <a:lnRef idx="2">
+        <a:scrgbClr r="0" g="0" b="0"/>
+      </a:lnRef>
+      <a:fillRef idx="1">
+        <a:scrgbClr r="0" g="0" b="0"/>
+      </a:fillRef>
+      <a:effectRef idx="0">
+        <a:scrgbClr r="0" g="0" b="0"/>
+      </a:effectRef>
+      <a:fontRef idx="minor"/>
+    </dgm:style>
+  </dgm:styleLbl>
+  <dgm:styleLbl name="bgAccFollowNode1">
+    <dgm:scene3d>
+      <a:camera prst="orthographicFront"/>
+      <a:lightRig rig="threePt" dir="t"/>
+    </dgm:scene3d>
+    <dgm:sp3d/>
+    <dgm:txPr/>
+    <dgm:style>
+      <a:lnRef idx="2">
+        <a:scrgbClr r="0" g="0" b="0"/>
+      </a:lnRef>
+      <a:fillRef idx="1">
+        <a:scrgbClr r="0" g="0" b="0"/>
+      </a:fillRef>
+      <a:effectRef idx="0">
+        <a:scrgbClr r="0" g="0" b="0"/>
+      </a:effectRef>
+      <a:fontRef idx="minor"/>
+    </dgm:style>
+  </dgm:styleLbl>
+  <dgm:styleLbl name="fgAcc0">
+    <dgm:scene3d>
+      <a:camera prst="orthographicFront"/>
+      <a:lightRig rig="threePt" dir="t"/>
+    </dgm:scene3d>
+    <dgm:sp3d/>
+    <dgm:txPr/>
+    <dgm:style>
+      <a:lnRef idx="2">
+        <a:scrgbClr r="0" g="0" b="0"/>
+      </a:lnRef>
+      <a:fillRef idx="1">
+        <a:scrgbClr r="0" g="0" b="0"/>
+      </a:fillRef>
+      <a:effectRef idx="0">
+        <a:scrgbClr r="0" g="0" b="0"/>
+      </a:effectRef>
+      <a:fontRef idx="minor"/>
+    </dgm:style>
+  </dgm:styleLbl>
+  <dgm:styleLbl name="fgAcc2">
+    <dgm:scene3d>
+      <a:camera prst="orthographicFront"/>
+      <a:lightRig rig="threePt" dir="t"/>
+    </dgm:scene3d>
+    <dgm:sp3d/>
+    <dgm:txPr/>
+    <dgm:style>
+      <a:lnRef idx="2">
+        <a:scrgbClr r="0" g="0" b="0"/>
+      </a:lnRef>
+      <a:fillRef idx="1">
+        <a:scrgbClr r="0" g="0" b="0"/>
+      </a:fillRef>
+      <a:effectRef idx="0">
+        <a:scrgbClr r="0" g="0" b="0"/>
+      </a:effectRef>
+      <a:fontRef idx="minor"/>
+    </dgm:style>
+  </dgm:styleLbl>
+  <dgm:styleLbl name="fgAcc3">
+    <dgm:scene3d>
+      <a:camera prst="orthographicFront"/>
+      <a:lightRig rig="threePt" dir="t"/>
+    </dgm:scene3d>
+    <dgm:sp3d/>
+    <dgm:txPr/>
+    <dgm:style>
+      <a:lnRef idx="2">
+        <a:scrgbClr r="0" g="0" b="0"/>
+      </a:lnRef>
+      <a:fillRef idx="1">
+        <a:scrgbClr r="0" g="0" b="0"/>
+      </a:fillRef>
+      <a:effectRef idx="0">
+        <a:scrgbClr r="0" g="0" b="0"/>
+      </a:effectRef>
+      <a:fontRef idx="minor"/>
+    </dgm:style>
+  </dgm:styleLbl>
+  <dgm:styleLbl name="fgAcc4">
+    <dgm:scene3d>
+      <a:camera prst="orthographicFront"/>
+      <a:lightRig rig="threePt" dir="t"/>
+    </dgm:scene3d>
+    <dgm:sp3d/>
+    <dgm:txPr/>
+    <dgm:style>
+      <a:lnRef idx="2">
+        <a:scrgbClr r="0" g="0" b="0"/>
+      </a:lnRef>
+      <a:fillRef idx="1">
+        <a:scrgbClr r="0" g="0" b="0"/>
+      </a:fillRef>
+      <a:effectRef idx="0">
+        <a:scrgbClr r="0" g="0" b="0"/>
+      </a:effectRef>
+      <a:fontRef idx="minor"/>
+    </dgm:style>
+  </dgm:styleLbl>
+  <dgm:styleLbl name="bgShp">
+    <dgm:scene3d>
+      <a:camera prst="orthographicFront"/>
+      <a:lightRig rig="threePt" dir="t"/>
+    </dgm:scene3d>
+    <dgm:sp3d/>
+    <dgm:txPr/>
+    <dgm:style>
+      <a:lnRef idx="0">
+        <a:scrgbClr r="0" g="0" b="0"/>
+      </a:lnRef>
+      <a:fillRef idx="1">
+        <a:scrgbClr r="0" g="0" b="0"/>
+      </a:fillRef>
+      <a:effectRef idx="0">
+        <a:scrgbClr r="0" g="0" b="0"/>
+      </a:effectRef>
+      <a:fontRef idx="minor"/>
+    </dgm:style>
+  </dgm:styleLbl>
+  <dgm:styleLbl name="dkBgShp">
+    <dgm:scene3d>
+      <a:camera prst="orthographicFront"/>
+      <a:lightRig rig="threePt" dir="t"/>
+    </dgm:scene3d>
+    <dgm:sp3d/>
+    <dgm:txPr/>
+    <dgm:style>
+      <a:lnRef idx="0">
+        <a:scrgbClr r="0" g="0" b="0"/>
+      </a:lnRef>
+      <a:fillRef idx="1">
+        <a:scrgbClr r="0" g="0" b="0"/>
+      </a:fillRef>
+      <a:effectRef idx="0">
+        <a:scrgbClr r="0" g="0" b="0"/>
+      </a:effectRef>
+      <a:fontRef idx="minor"/>
+    </dgm:style>
+  </dgm:styleLbl>
+  <dgm:styleLbl name="trBgShp">
+    <dgm:scene3d>
+      <a:camera prst="orthographicFront"/>
+      <a:lightRig rig="threePt" dir="t"/>
+    </dgm:scene3d>
+    <dgm:sp3d/>
+    <dgm:txPr/>
+    <dgm:style>
+      <a:lnRef idx="0">
+        <a:scrgbClr r="0" g="0" b="0"/>
+      </a:lnRef>
+      <a:fillRef idx="1">
+        <a:scrgbClr r="0" g="0" b="0"/>
+      </a:fillRef>
+      <a:effectRef idx="0">
+        <a:scrgbClr r="0" g="0" b="0"/>
+      </a:effectRef>
+      <a:fontRef idx="minor"/>
+    </dgm:style>
+  </dgm:styleLbl>
+  <dgm:styleLbl name="fgShp">
+    <dgm:scene3d>
+      <a:camera prst="orthographicFront"/>
+      <a:lightRig rig="threePt" dir="t"/>
+    </dgm:scene3d>
+    <dgm:sp3d/>
+    <dgm:txPr/>
+    <dgm:style>
+      <a:lnRef idx="2">
+        <a:scrgbClr r="0" g="0" b="0"/>
+      </a:lnRef>
+      <a:fillRef idx="1">
+        <a:scrgbClr r="0" g="0" b="0"/>
+      </a:fillRef>
+      <a:effectRef idx="0">
+        <a:scrgbClr r="0" g="0" b="0"/>
+      </a:effectRef>
+      <a:fontRef idx="minor"/>
+    </dgm:style>
+  </dgm:styleLbl>
+  <dgm:styleLbl name="revTx">
+    <dgm:scene3d>
+      <a:camera prst="orthographicFront"/>
+      <a:lightRig rig="threePt" dir="t"/>
+    </dgm:scene3d>
+    <dgm:sp3d/>
+    <dgm:txPr/>
+    <dgm:style>
+      <a:lnRef idx="0">
+        <a:scrgbClr r="0" g="0" b="0"/>
+      </a:lnRef>
+      <a:fillRef idx="0">
+        <a:scrgbClr r="0" g="0" b="0"/>
+      </a:fillRef>
+      <a:effectRef idx="0">
+        <a:scrgbClr r="0" g="0" b="0"/>
+      </a:effectRef>
+      <a:fontRef idx="minor"/>
+    </dgm:style>
+  </dgm:styleLbl>
+</dgm:styleDef>
+</file>
+
+<file path=ppt/diagrams/quickStyle2.xml><?xml version="1.0" encoding="utf-8"?>
+<dgm:styleDef xmlns:dgm="http://schemas.openxmlformats.org/drawingml/2006/diagram" xmlns:a="http://schemas.openxmlformats.org/drawingml/2006/main" uniqueId="urn:microsoft.com/office/officeart/2005/8/quickstyle/simple1">
+  <dgm:title val=""/>
+  <dgm:desc val=""/>
+  <dgm:catLst>
+    <dgm:cat type="simple" pri="10100"/>
+  </dgm:catLst>
+  <dgm:scene3d>
+    <a:camera prst="orthographicFront"/>
+    <a:lightRig rig="threePt" dir="t"/>
+  </dgm:scene3d>
+  <dgm:styleLbl name="node0">
+    <dgm:scene3d>
+      <a:camera prst="orthographicFront"/>
+      <a:lightRig rig="threePt" dir="t"/>
+    </dgm:scene3d>
+    <dgm:sp3d/>
+    <dgm:txPr/>
+    <dgm:style>
+      <a:lnRef idx="2">
+        <a:scrgbClr r="0" g="0" b="0"/>
+      </a:lnRef>
+      <a:fillRef idx="1">
+        <a:scrgbClr r="0" g="0" b="0"/>
+      </a:fillRef>
+      <a:effectRef idx="0">
+        <a:scrgbClr r="0" g="0" b="0"/>
+      </a:effectRef>
+      <a:fontRef idx="minor">
+        <a:schemeClr val="lt1"/>
+      </a:fontRef>
+    </dgm:style>
+  </dgm:styleLbl>
+  <dgm:styleLbl name="lnNode1">
+    <dgm:scene3d>
+      <a:camera prst="orthographicFront"/>
+      <a:lightRig rig="threePt" dir="t"/>
+    </dgm:scene3d>
+    <dgm:sp3d/>
+    <dgm:txPr/>
+    <dgm:style>
+      <a:lnRef idx="2">
+        <a:scrgbClr r="0" g="0" b="0"/>
+      </a:lnRef>
+      <a:fillRef idx="1">
+        <a:scrgbClr r="0" g="0" b="0"/>
+      </a:fillRef>
+      <a:effectRef idx="0">
+        <a:scrgbClr r="0" g="0" b="0"/>
+      </a:effectRef>
+      <a:fontRef idx="minor">
+        <a:schemeClr val="lt1"/>
+      </a:fontRef>
+    </dgm:style>
+  </dgm:styleLbl>
+  <dgm:styleLbl name="vennNode1">
+    <dgm:scene3d>
+      <a:camera prst="orthographicFront"/>
+      <a:lightRig rig="threePt" dir="t"/>
+    </dgm:scene3d>
+    <dgm:sp3d/>
+    <dgm:txPr/>
+    <dgm:style>
+      <a:lnRef idx="2">
+        <a:scrgbClr r="0" g="0" b="0"/>
+      </a:lnRef>
+      <a:fillRef idx="1">
+        <a:scrgbClr r="0" g="0" b="0"/>
+      </a:fillRef>
+      <a:effectRef idx="0">
+        <a:scrgbClr r="0" g="0" b="0"/>
+      </a:effectRef>
+      <a:fontRef idx="minor">
+        <a:schemeClr val="tx1"/>
+      </a:fontRef>
+    </dgm:style>
+  </dgm:styleLbl>
+  <dgm:styleLbl name="alignNode1">
+    <dgm:scene3d>
+      <a:camera prst="orthographicFront"/>
+      <a:lightRig rig="threePt" dir="t"/>
+    </dgm:scene3d>
+    <dgm:sp3d/>
+    <dgm:txPr/>
+    <dgm:style>
+      <a:lnRef idx="2">
+        <a:scrgbClr r="0" g="0" b="0"/>
+      </a:lnRef>
+      <a:fillRef idx="1">
+        <a:scrgbClr r="0" g="0" b="0"/>
+      </a:fillRef>
+      <a:effectRef idx="0">
+        <a:scrgbClr r="0" g="0" b="0"/>
+      </a:effectRef>
+      <a:fontRef idx="minor">
+        <a:schemeClr val="lt1"/>
+      </a:fontRef>
+    </dgm:style>
+  </dgm:styleLbl>
+  <dgm:styleLbl name="node1">
+    <dgm:scene3d>
+      <a:camera prst="orthographicFront"/>
+      <a:lightRig rig="threePt" dir="t"/>
+    </dgm:scene3d>
+    <dgm:sp3d/>
+    <dgm:txPr/>
+    <dgm:style>
+      <a:lnRef idx="2">
+        <a:scrgbClr r="0" g="0" b="0"/>
+      </a:lnRef>
+      <a:fillRef idx="1">
+        <a:scrgbClr r="0" g="0" b="0"/>
+      </a:fillRef>
+      <a:effectRef idx="0">
+        <a:scrgbClr r="0" g="0" b="0"/>
+      </a:effectRef>
+      <a:fontRef idx="minor">
+        <a:schemeClr val="lt1"/>
+      </a:fontRef>
+    </dgm:style>
+  </dgm:styleLbl>
+  <dgm:styleLbl name="node2">
+    <dgm:scene3d>
+      <a:camera prst="orthographicFront"/>
+      <a:lightRig rig="threePt" dir="t"/>
+    </dgm:scene3d>
+    <dgm:sp3d/>
+    <dgm:txPr/>
+    <dgm:style>
+      <a:lnRef idx="2">
+        <a:scrgbClr r="0" g="0" b="0"/>
+      </a:lnRef>
+      <a:fillRef idx="1">
+        <a:scrgbClr r="0" g="0" b="0"/>
+      </a:fillRef>
+      <a:effectRef idx="0">
+        <a:scrgbClr r="0" g="0" b="0"/>
+      </a:effectRef>
+      <a:fontRef idx="minor">
+        <a:schemeClr val="lt1"/>
+      </a:fontRef>
+    </dgm:style>
+  </dgm:styleLbl>
+  <dgm:styleLbl name="node3">
+    <dgm:scene3d>
+      <a:camera prst="orthographicFront"/>
+      <a:lightRig rig="threePt" dir="t"/>
+    </dgm:scene3d>
+    <dgm:sp3d/>
+    <dgm:txPr/>
+    <dgm:style>
+      <a:lnRef idx="2">
+        <a:scrgbClr r="0" g="0" b="0"/>
+      </a:lnRef>
+      <a:fillRef idx="1">
+        <a:scrgbClr r="0" g="0" b="0"/>
+      </a:fillRef>
+      <a:effectRef idx="0">
+        <a:scrgbClr r="0" g="0" b="0"/>
+      </a:effectRef>
+      <a:fontRef idx="minor">
+        <a:schemeClr val="lt1"/>
+      </a:fontRef>
+    </dgm:style>
+  </dgm:styleLbl>
+  <dgm:styleLbl name="node4">
+    <dgm:scene3d>
+      <a:camera prst="orthographicFront"/>
+      <a:lightRig rig="threePt" dir="t"/>
+    </dgm:scene3d>
+    <dgm:sp3d/>
+    <dgm:txPr/>
+    <dgm:style>
+      <a:lnRef idx="2">
+        <a:scrgbClr r="0" g="0" b="0"/>
+      </a:lnRef>
+      <a:fillRef idx="1">
+        <a:scrgbClr r="0" g="0" b="0"/>
+      </a:fillRef>
+      <a:effectRef idx="0">
+        <a:scrgbClr r="0" g="0" b="0"/>
+      </a:effectRef>
+      <a:fontRef idx="minor">
+        <a:schemeClr val="lt1"/>
+      </a:fontRef>
+    </dgm:style>
+  </dgm:styleLbl>
+  <dgm:styleLbl name="fgImgPlace1">
+    <dgm:scene3d>
+      <a:camera prst="orthographicFront"/>
+      <a:lightRig rig="threePt" dir="t"/>
+    </dgm:scene3d>
+    <dgm:sp3d/>
+    <dgm:txPr/>
+    <dgm:style>
+      <a:lnRef idx="2">
+        <a:scrgbClr r="0" g="0" b="0"/>
+      </a:lnRef>
+      <a:fillRef idx="1">
+        <a:scrgbClr r="0" g="0" b="0"/>
+      </a:fillRef>
+      <a:effectRef idx="0">
+        <a:scrgbClr r="0" g="0" b="0"/>
+      </a:effectRef>
+      <a:fontRef idx="minor"/>
+    </dgm:style>
+  </dgm:styleLbl>
+  <dgm:styleLbl name="alignImgPlace1">
+    <dgm:scene3d>
+      <a:camera prst="orthographicFront"/>
+      <a:lightRig rig="threePt" dir="t"/>
+    </dgm:scene3d>
+    <dgm:sp3d/>
+    <dgm:txPr/>
+    <dgm:style>
+      <a:lnRef idx="2">
+        <a:scrgbClr r="0" g="0" b="0"/>
+      </a:lnRef>
+      <a:fillRef idx="1">
+        <a:scrgbClr r="0" g="0" b="0"/>
+      </a:fillRef>
+      <a:effectRef idx="0">
+        <a:scrgbClr r="0" g="0" b="0"/>
+      </a:effectRef>
+      <a:fontRef idx="minor"/>
+    </dgm:style>
+  </dgm:styleLbl>
+  <dgm:styleLbl name="bgImgPlace1">
+    <dgm:scene3d>
+      <a:camera prst="orthographicFront"/>
+      <a:lightRig rig="threePt" dir="t"/>
+    </dgm:scene3d>
+    <dgm:sp3d/>
+    <dgm:txPr/>
+    <dgm:style>
+      <a:lnRef idx="2">
+        <a:scrgbClr r="0" g="0" b="0"/>
+      </a:lnRef>
+      <a:fillRef idx="1">
+        <a:scrgbClr r="0" g="0" b="0"/>
+      </a:fillRef>
+      <a:effectRef idx="0">
+        <a:scrgbClr r="0" g="0" b="0"/>
+      </a:effectRef>
+      <a:fontRef idx="minor"/>
+    </dgm:style>
+  </dgm:styleLbl>
+  <dgm:styleLbl name="sibTrans2D1">
+    <dgm:scene3d>
+      <a:camera prst="orthographicFront"/>
+      <a:lightRig rig="threePt" dir="t"/>
+    </dgm:scene3d>
+    <dgm:sp3d/>
+    <dgm:txPr/>
+    <dgm:style>
+      <a:lnRef idx="0">
+        <a:scrgbClr r="0" g="0" b="0"/>
+      </a:lnRef>
+      <a:fillRef idx="1">
+        <a:scrgbClr r="0" g="0" b="0"/>
+      </a:fillRef>
+      <a:effectRef idx="0">
+        <a:scrgbClr r="0" g="0" b="0"/>
+      </a:effectRef>
+      <a:fontRef idx="minor">
+        <a:schemeClr val="lt1"/>
+      </a:fontRef>
+    </dgm:style>
+  </dgm:styleLbl>
+  <dgm:styleLbl name="fgSibTrans2D1">
+    <dgm:scene3d>
+      <a:camera prst="orthographicFront"/>
+      <a:lightRig rig="threePt" dir="t"/>
+    </dgm:scene3d>
+    <dgm:sp3d/>
+    <dgm:txPr/>
+    <dgm:style>
+      <a:lnRef idx="0">
+        <a:scrgbClr r="0" g="0" b="0"/>
+      </a:lnRef>
+      <a:fillRef idx="1">
+        <a:scrgbClr r="0" g="0" b="0"/>
+      </a:fillRef>
+      <a:effectRef idx="0">
+        <a:scrgbClr r="0" g="0" b="0"/>
+      </a:effectRef>
+      <a:fontRef idx="minor">
+        <a:schemeClr val="lt1"/>
+      </a:fontRef>
+    </dgm:style>
+  </dgm:styleLbl>
+  <dgm:styleLbl name="bgSibTrans2D1">
+    <dgm:scene3d>
+      <a:camera prst="orthographicFront"/>
+      <a:lightRig rig="threePt" dir="t"/>
+    </dgm:scene3d>
+    <dgm:sp3d/>
+    <dgm:txPr/>
+    <dgm:style>
+      <a:lnRef idx="0">
+        <a:scrgbClr r="0" g="0" b="0"/>
+      </a:lnRef>
+      <a:fillRef idx="1">
+        <a:scrgbClr r="0" g="0" b="0"/>
+      </a:fillRef>
+      <a:effectRef idx="0">
+        <a:scrgbClr r="0" g="0" b="0"/>
+      </a:effectRef>
+      <a:fontRef idx="minor">
+        <a:schemeClr val="lt1"/>
+      </a:fontRef>
+    </dgm:style>
+  </dgm:styleLbl>
+  <dgm:styleLbl name="sibTrans1D1">
+    <dgm:scene3d>
+      <a:camera prst="orthographicFront"/>
+      <a:lightRig rig="threePt" dir="t"/>
+    </dgm:scene3d>
+    <dgm:sp3d/>
+    <dgm:txPr/>
+    <dgm:style>
+      <a:lnRef idx="1">
+        <a:scrgbClr r="0" g="0" b="0"/>
+      </a:lnRef>
+      <a:fillRef idx="0">
+        <a:scrgbClr r="0" g="0" b="0"/>
+      </a:fillRef>
+      <a:effectRef idx="0">
+        <a:scrgbClr r="0" g="0" b="0"/>
+      </a:effectRef>
+      <a:fontRef idx="minor"/>
+    </dgm:style>
+  </dgm:styleLbl>
+  <dgm:styleLbl name="callout">
+    <dgm:scene3d>
+      <a:camera prst="orthographicFront"/>
+      <a:lightRig rig="threePt" dir="t"/>
+    </dgm:scene3d>
+    <dgm:sp3d/>
+    <dgm:txPr/>
+    <dgm:style>
+      <a:lnRef idx="2">
+        <a:scrgbClr r="0" g="0" b="0"/>
+      </a:lnRef>
+      <a:fillRef idx="1">
+        <a:scrgbClr r="0" g="0" b="0"/>
+      </a:fillRef>
+      <a:effectRef idx="0">
+        <a:scrgbClr r="0" g="0" b="0"/>
+      </a:effectRef>
+      <a:fontRef idx="minor"/>
+    </dgm:style>
+  </dgm:styleLbl>
+  <dgm:styleLbl name="asst0">
+    <dgm:scene3d>
+      <a:camera prst="orthographicFront"/>
+      <a:lightRig rig="threePt" dir="t"/>
+    </dgm:scene3d>
+    <dgm:sp3d/>
+    <dgm:txPr/>
+    <dgm:style>
+      <a:lnRef idx="2">
+        <a:scrgbClr r="0" g="0" b="0"/>
+      </a:lnRef>
+      <a:fillRef idx="1">
+        <a:scrgbClr r="0" g="0" b="0"/>
+      </a:fillRef>
+      <a:effectRef idx="0">
+        <a:scrgbClr r="0" g="0" b="0"/>
+      </a:effectRef>
+      <a:fontRef idx="minor">
+        <a:schemeClr val="lt1"/>
+      </a:fontRef>
+    </dgm:style>
+  </dgm:styleLbl>
+  <dgm:styleLbl name="asst1">
+    <dgm:scene3d>
+      <a:camera prst="orthographicFront"/>
+      <a:lightRig rig="threePt" dir="t"/>
+    </dgm:scene3d>
+    <dgm:sp3d/>
+    <dgm:txPr/>
+    <dgm:style>
+      <a:lnRef idx="2">
+        <a:scrgbClr r="0" g="0" b="0"/>
+      </a:lnRef>
+      <a:fillRef idx="1">
+        <a:scrgbClr r="0" g="0" b="0"/>
+      </a:fillRef>
+      <a:effectRef idx="0">
+        <a:scrgbClr r="0" g="0" b="0"/>
+      </a:effectRef>
+      <a:fontRef idx="minor">
+        <a:schemeClr val="lt1"/>
+      </a:fontRef>
+    </dgm:style>
+  </dgm:styleLbl>
+  <dgm:styleLbl name="asst2">
+    <dgm:scene3d>
+      <a:camera prst="orthographicFront"/>
+      <a:lightRig rig="threePt" dir="t"/>
+    </dgm:scene3d>
+    <dgm:sp3d/>
+    <dgm:txPr/>
+    <dgm:style>
+      <a:lnRef idx="2">
+        <a:scrgbClr r="0" g="0" b="0"/>
+      </a:lnRef>
+      <a:fillRef idx="1">
+        <a:scrgbClr r="0" g="0" b="0"/>
+      </a:fillRef>
+      <a:effectRef idx="0">
+        <a:scrgbClr r="0" g="0" b="0"/>
+      </a:effectRef>
+      <a:fontRef idx="minor">
+        <a:schemeClr val="lt1"/>
+      </a:fontRef>
+    </dgm:style>
+  </dgm:styleLbl>
+  <dgm:styleLbl name="asst3">
+    <dgm:scene3d>
+      <a:camera prst="orthographicFront"/>
+      <a:lightRig rig="threePt" dir="t"/>
+    </dgm:scene3d>
+    <dgm:sp3d/>
+    <dgm:txPr/>
+    <dgm:style>
+      <a:lnRef idx="2">
+        <a:scrgbClr r="0" g="0" b="0"/>
+      </a:lnRef>
+      <a:fillRef idx="1">
+        <a:scrgbClr r="0" g="0" b="0"/>
+      </a:fillRef>
+      <a:effectRef idx="0">
+        <a:scrgbClr r="0" g="0" b="0"/>
+      </a:effectRef>
+      <a:fontRef idx="minor">
+        <a:schemeClr val="lt1"/>
+      </a:fontRef>
+    </dgm:style>
+  </dgm:styleLbl>
+  <dgm:styleLbl name="asst4">
+    <dgm:scene3d>
+      <a:camera prst="orthographicFront"/>
+      <a:lightRig rig="threePt" dir="t"/>
+    </dgm:scene3d>
+    <dgm:sp3d/>
+    <dgm:txPr/>
+    <dgm:style>
+      <a:lnRef idx="2">
+        <a:scrgbClr r="0" g="0" b="0"/>
+      </a:lnRef>
+      <a:fillRef idx="1">
+        <a:scrgbClr r="0" g="0" b="0"/>
+      </a:fillRef>
+      <a:effectRef idx="0">
+        <a:scrgbClr r="0" g="0" b="0"/>
+      </a:effectRef>
+      <a:fontRef idx="minor">
+        <a:schemeClr val="lt1"/>
+      </a:fontRef>
+    </dgm:style>
+  </dgm:styleLbl>
+  <dgm:styleLbl name="parChTrans2D1">
+    <dgm:scene3d>
+      <a:camera prst="orthographicFront"/>
+      <a:lightRig rig="threePt" dir="t"/>
+    </dgm:scene3d>
+    <dgm:sp3d/>
+    <dgm:txPr/>
+    <dgm:style>
+      <a:lnRef idx="2">
+        <a:scrgbClr r="0" g="0" b="0"/>
+      </a:lnRef>
+      <a:fillRef idx="1">
+        <a:scrgbClr r="0" g="0" b="0"/>
+      </a:fillRef>
+      <a:effectRef idx="0">
+        <a:scrgbClr r="0" g="0" b="0"/>
+      </a:effectRef>
+      <a:fontRef idx="minor">
+        <a:schemeClr val="lt1"/>
+      </a:fontRef>
+    </dgm:style>
+  </dgm:styleLbl>
+  <dgm:styleLbl name="parChTrans2D2">
+    <dgm:scene3d>
+      <a:camera prst="orthographicFront"/>
+      <a:lightRig rig="threePt" dir="t"/>
+    </dgm:scene3d>
+    <dgm:sp3d/>
+    <dgm:txPr/>
+    <dgm:style>
+      <a:lnRef idx="2">
+        <a:scrgbClr r="0" g="0" b="0"/>
+      </a:lnRef>
+      <a:fillRef idx="1">
+        <a:scrgbClr r="0" g="0" b="0"/>
+      </a:fillRef>
+      <a:effectRef idx="0">
+        <a:scrgbClr r="0" g="0" b="0"/>
+      </a:effectRef>
+      <a:fontRef idx="minor">
+        <a:schemeClr val="lt1"/>
+      </a:fontRef>
+    </dgm:style>
+  </dgm:styleLbl>
+  <dgm:styleLbl name="parChTrans2D3">
+    <dgm:scene3d>
+      <a:camera prst="orthographicFront"/>
+      <a:lightRig rig="threePt" dir="t"/>
+    </dgm:scene3d>
+    <dgm:sp3d/>
+    <dgm:txPr/>
+    <dgm:style>
+      <a:lnRef idx="2">
+        <a:scrgbClr r="0" g="0" b="0"/>
+      </a:lnRef>
+      <a:fillRef idx="1">
+        <a:scrgbClr r="0" g="0" b="0"/>
+      </a:fillRef>
+      <a:effectRef idx="0">
+        <a:scrgbClr r="0" g="0" b="0"/>
+      </a:effectRef>
+      <a:fontRef idx="minor">
+        <a:schemeClr val="lt1"/>
+      </a:fontRef>
+    </dgm:style>
+  </dgm:styleLbl>
+  <dgm:styleLbl name="parChTrans2D4">
+    <dgm:scene3d>
+      <a:camera prst="orthographicFront"/>
+      <a:lightRig rig="threePt" dir="t"/>
+    </dgm:scene3d>
+    <dgm:sp3d/>
+    <dgm:txPr/>
+    <dgm:style>
+      <a:lnRef idx="2">
+        <a:scrgbClr r="0" g="0" b="0"/>
+      </a:lnRef>
+      <a:fillRef idx="1">
+        <a:scrgbClr r="0" g="0" b="0"/>
+      </a:fillRef>
+      <a:effectRef idx="0">
+        <a:scrgbClr r="0" g="0" b="0"/>
+      </a:effectRef>
+      <a:fontRef idx="minor">
+        <a:schemeClr val="lt1"/>
+      </a:fontRef>
+    </dgm:style>
+  </dgm:styleLbl>
+  <dgm:styleLbl name="parChTrans1D1">
+    <dgm:scene3d>
+      <a:camera prst="orthographicFront"/>
+      <a:lightRig rig="threePt" dir="t"/>
+    </dgm:scene3d>
+    <dgm:sp3d/>
+    <dgm:txPr/>
+    <dgm:style>
+      <a:lnRef idx="2">
+        <a:scrgbClr r="0" g="0" b="0"/>
+      </a:lnRef>
+      <a:fillRef idx="0">
+        <a:scrgbClr r="0" g="0" b="0"/>
+      </a:fillRef>
+      <a:effectRef idx="0">
+        <a:scrgbClr r="0" g="0" b="0"/>
+      </a:effectRef>
+      <a:fontRef idx="minor"/>
+    </dgm:style>
+  </dgm:styleLbl>
+  <dgm:styleLbl name="parChTrans1D2">
+    <dgm:scene3d>
+      <a:camera prst="orthographicFront"/>
+      <a:lightRig rig="threePt" dir="t"/>
+    </dgm:scene3d>
+    <dgm:sp3d/>
+    <dgm:txPr/>
+    <dgm:style>
+      <a:lnRef idx="2">
+        <a:scrgbClr r="0" g="0" b="0"/>
+      </a:lnRef>
+      <a:fillRef idx="0">
+        <a:scrgbClr r="0" g="0" b="0"/>
+      </a:fillRef>
+      <a:effectRef idx="0">
+        <a:scrgbClr r="0" g="0" b="0"/>
+      </a:effectRef>
+      <a:fontRef idx="minor"/>
+    </dgm:style>
+  </dgm:styleLbl>
+  <dgm:styleLbl name="parChTrans1D3">
+    <dgm:scene3d>
+      <a:camera prst="orthographicFront"/>
+      <a:lightRig rig="threePt" dir="t"/>
+    </dgm:scene3d>
+    <dgm:sp3d/>
+    <dgm:txPr/>
+    <dgm:style>
+      <a:lnRef idx="2">
+        <a:scrgbClr r="0" g="0" b="0"/>
+      </a:lnRef>
+      <a:fillRef idx="0">
+        <a:scrgbClr r="0" g="0" b="0"/>
+      </a:fillRef>
+      <a:effectRef idx="0">
+        <a:scrgbClr r="0" g="0" b="0"/>
+      </a:effectRef>
+      <a:fontRef idx="minor"/>
+    </dgm:style>
+  </dgm:styleLbl>
+  <dgm:styleLbl name="parChTrans1D4">
+    <dgm:scene3d>
+      <a:camera prst="orthographicFront"/>
+      <a:lightRig rig="threePt" dir="t"/>
+    </dgm:scene3d>
+    <dgm:sp3d/>
+    <dgm:txPr/>
+    <dgm:style>
+      <a:lnRef idx="2">
+        <a:scrgbClr r="0" g="0" b="0"/>
+      </a:lnRef>
+      <a:fillRef idx="0">
+        <a:scrgbClr r="0" g="0" b="0"/>
+      </a:fillRef>
+      <a:effectRef idx="0">
+        <a:scrgbClr r="0" g="0" b="0"/>
+      </a:effectRef>
+      <a:fontRef idx="minor"/>
+    </dgm:style>
+  </dgm:styleLbl>
+  <dgm:styleLbl name="fgAcc1">
+    <dgm:scene3d>
+      <a:camera prst="orthographicFront"/>
+      <a:lightRig rig="threePt" dir="t"/>
+    </dgm:scene3d>
+    <dgm:sp3d/>
+    <dgm:txPr/>
+    <dgm:style>
+      <a:lnRef idx="2">
+        <a:scrgbClr r="0" g="0" b="0"/>
+      </a:lnRef>
+      <a:fillRef idx="1">
+        <a:scrgbClr r="0" g="0" b="0"/>
+      </a:fillRef>
+      <a:effectRef idx="0">
+        <a:scrgbClr r="0" g="0" b="0"/>
+      </a:effectRef>
+      <a:fontRef idx="minor"/>
+    </dgm:style>
+  </dgm:styleLbl>
+  <dgm:styleLbl name="conFgAcc1">
+    <dgm:scene3d>
+      <a:camera prst="orthographicFront"/>
+      <a:lightRig rig="threePt" dir="t"/>
+    </dgm:scene3d>
+    <dgm:sp3d/>
+    <dgm:txPr/>
+    <dgm:style>
+      <a:lnRef idx="2">
+        <a:scrgbClr r="0" g="0" b="0"/>
+      </a:lnRef>
+      <a:fillRef idx="1">
+        <a:scrgbClr r="0" g="0" b="0"/>
+      </a:fillRef>
+      <a:effectRef idx="0">
+        <a:scrgbClr r="0" g="0" b="0"/>
+      </a:effectRef>
+      <a:fontRef idx="minor"/>
+    </dgm:style>
+  </dgm:styleLbl>
+  <dgm:styleLbl name="alignAcc1">
+    <dgm:scene3d>
+      <a:camera prst="orthographicFront"/>
+      <a:lightRig rig="threePt" dir="t"/>
+    </dgm:scene3d>
+    <dgm:sp3d/>
+    <dgm:txPr/>
+    <dgm:style>
+      <a:lnRef idx="2">
+        <a:scrgbClr r="0" g="0" b="0"/>
+      </a:lnRef>
+      <a:fillRef idx="1">
+        <a:scrgbClr r="0" g="0" b="0"/>
+      </a:fillRef>
+      <a:effectRef idx="0">
+        <a:scrgbClr r="0" g="0" b="0"/>
+      </a:effectRef>
+      <a:fontRef idx="minor"/>
+    </dgm:style>
+  </dgm:styleLbl>
+  <dgm:styleLbl name="trAlignAcc1">
+    <dgm:scene3d>
+      <a:camera prst="orthographicFront"/>
+      <a:lightRig rig="threePt" dir="t"/>
+    </dgm:scene3d>
+    <dgm:sp3d/>
+    <dgm:txPr/>
+    <dgm:style>
+      <a:lnRef idx="1">
+        <a:scrgbClr r="0" g="0" b="0"/>
+      </a:lnRef>
+      <a:fillRef idx="1">
+        <a:scrgbClr r="0" g="0" b="0"/>
+      </a:fillRef>
+      <a:effectRef idx="0">
+        <a:scrgbClr r="0" g="0" b="0"/>
+      </a:effectRef>
+      <a:fontRef idx="minor"/>
+    </dgm:style>
+  </dgm:styleLbl>
+  <dgm:styleLbl name="bgAcc1">
+    <dgm:scene3d>
+      <a:camera prst="orthographicFront"/>
+      <a:lightRig rig="threePt" dir="t"/>
+    </dgm:scene3d>
+    <dgm:sp3d/>
+    <dgm:txPr/>
+    <dgm:style>
+      <a:lnRef idx="2">
+        <a:scrgbClr r="0" g="0" b="0"/>
+      </a:lnRef>
+      <a:fillRef idx="1">
+        <a:scrgbClr r="0" g="0" b="0"/>
+      </a:fillRef>
+      <a:effectRef idx="0">
+        <a:scrgbClr r="0" g="0" b="0"/>
+      </a:effectRef>
+      <a:fontRef idx="minor"/>
+    </dgm:style>
+  </dgm:styleLbl>
+  <dgm:styleLbl name="solidFgAcc1">
+    <dgm:scene3d>
+      <a:camera prst="orthographicFront"/>
+      <a:lightRig rig="threePt" dir="t"/>
+    </dgm:scene3d>
+    <dgm:sp3d/>
+    <dgm:txPr/>
+    <dgm:style>
+      <a:lnRef idx="2">
+        <a:scrgbClr r="0" g="0" b="0"/>
+      </a:lnRef>
+      <a:fillRef idx="1">
+        <a:scrgbClr r="0" g="0" b="0"/>
+      </a:fillRef>
+      <a:effectRef idx="0">
+        <a:scrgbClr r="0" g="0" b="0"/>
+      </a:effectRef>
+      <a:fontRef idx="minor"/>
+    </dgm:style>
+  </dgm:styleLbl>
+  <dgm:styleLbl name="solidAlignAcc1">
+    <dgm:scene3d>
+      <a:camera prst="orthographicFront"/>
+      <a:lightRig rig="threePt" dir="t"/>
+    </dgm:scene3d>
+    <dgm:sp3d/>
+    <dgm:txPr/>
+    <dgm:style>
+      <a:lnRef idx="2">
+        <a:scrgbClr r="0" g="0" b="0"/>
+      </a:lnRef>
+      <a:fillRef idx="1">
+        <a:scrgbClr r="0" g="0" b="0"/>
+      </a:fillRef>
+      <a:effectRef idx="0">
+        <a:scrgbClr r="0" g="0" b="0"/>
+      </a:effectRef>
+      <a:fontRef idx="minor"/>
+    </dgm:style>
+  </dgm:styleLbl>
+  <dgm:styleLbl name="solidBgAcc1">
+    <dgm:scene3d>
+      <a:camera prst="orthographicFront"/>
+      <a:lightRig rig="threePt" dir="t"/>
+    </dgm:scene3d>
+    <dgm:sp3d/>
+    <dgm:txPr/>
+    <dgm:style>
+      <a:lnRef idx="2">
+        <a:scrgbClr r="0" g="0" b="0"/>
+      </a:lnRef>
+      <a:fillRef idx="1">
+        <a:scrgbClr r="0" g="0" b="0"/>
+      </a:fillRef>
+      <a:effectRef idx="0">
+        <a:scrgbClr r="0" g="0" b="0"/>
+      </a:effectRef>
+      <a:fontRef idx="minor"/>
+    </dgm:style>
+  </dgm:styleLbl>
+  <dgm:styleLbl name="fgAccFollowNode1">
+    <dgm:scene3d>
+      <a:camera prst="orthographicFront"/>
+      <a:lightRig rig="threePt" dir="t"/>
+    </dgm:scene3d>
+    <dgm:sp3d/>
+    <dgm:txPr/>
+    <dgm:style>
+      <a:lnRef idx="2">
+        <a:scrgbClr r="0" g="0" b="0"/>
+      </a:lnRef>
+      <a:fillRef idx="1">
+        <a:scrgbClr r="0" g="0" b="0"/>
+      </a:fillRef>
+      <a:effectRef idx="0">
+        <a:scrgbClr r="0" g="0" b="0"/>
+      </a:effectRef>
+      <a:fontRef idx="minor"/>
+    </dgm:style>
+  </dgm:styleLbl>
+  <dgm:styleLbl name="alignAccFollowNode1">
+    <dgm:scene3d>
+      <a:camera prst="orthographicFront"/>
+      <a:lightRig rig="threePt" dir="t"/>
+    </dgm:scene3d>
+    <dgm:sp3d/>
+    <dgm:txPr/>
+    <dgm:style>
+      <a:lnRef idx="2">
+        <a:scrgbClr r="0" g="0" b="0"/>
+      </a:lnRef>
+      <a:fillRef idx="1">
+        <a:scrgbClr r="0" g="0" b="0"/>
+      </a:fillRef>
+      <a:effectRef idx="0">
+        <a:scrgbClr r="0" g="0" b="0"/>
+      </a:effectRef>
+      <a:fontRef idx="minor"/>
+    </dgm:style>
+  </dgm:styleLbl>
+  <dgm:styleLbl name="bgAccFollowNode1">
+    <dgm:scene3d>
+      <a:camera prst="orthographicFront"/>
+      <a:lightRig rig="threePt" dir="t"/>
+    </dgm:scene3d>
+    <dgm:sp3d/>
+    <dgm:txPr/>
+    <dgm:style>
+      <a:lnRef idx="2">
+        <a:scrgbClr r="0" g="0" b="0"/>
+      </a:lnRef>
+      <a:fillRef idx="1">
+        <a:scrgbClr r="0" g="0" b="0"/>
+      </a:fillRef>
+      <a:effectRef idx="0">
+        <a:scrgbClr r="0" g="0" b="0"/>
+      </a:effectRef>
+      <a:fontRef idx="minor"/>
+    </dgm:style>
+  </dgm:styleLbl>
+  <dgm:styleLbl name="fgAcc0">
+    <dgm:scene3d>
+      <a:camera prst="orthographicFront"/>
+      <a:lightRig rig="threePt" dir="t"/>
+    </dgm:scene3d>
+    <dgm:sp3d/>
+    <dgm:txPr/>
+    <dgm:style>
+      <a:lnRef idx="2">
+        <a:scrgbClr r="0" g="0" b="0"/>
+      </a:lnRef>
+      <a:fillRef idx="1">
+        <a:scrgbClr r="0" g="0" b="0"/>
+      </a:fillRef>
+      <a:effectRef idx="0">
+        <a:scrgbClr r="0" g="0" b="0"/>
+      </a:effectRef>
+      <a:fontRef idx="minor"/>
+    </dgm:style>
+  </dgm:styleLbl>
+  <dgm:styleLbl name="fgAcc2">
+    <dgm:scene3d>
+      <a:camera prst="orthographicFront"/>
+      <a:lightRig rig="threePt" dir="t"/>
+    </dgm:scene3d>
+    <dgm:sp3d/>
+    <dgm:txPr/>
+    <dgm:style>
+      <a:lnRef idx="2">
+        <a:scrgbClr r="0" g="0" b="0"/>
+      </a:lnRef>
+      <a:fillRef idx="1">
+        <a:scrgbClr r="0" g="0" b="0"/>
+      </a:fillRef>
+      <a:effectRef idx="0">
+        <a:scrgbClr r="0" g="0" b="0"/>
+      </a:effectRef>
+      <a:fontRef idx="minor"/>
+    </dgm:style>
+  </dgm:styleLbl>
+  <dgm:styleLbl name="fgAcc3">
+    <dgm:scene3d>
+      <a:camera prst="orthographicFront"/>
+      <a:lightRig rig="threePt" dir="t"/>
+    </dgm:scene3d>
+    <dgm:sp3d/>
+    <dgm:txPr/>
+    <dgm:style>
+      <a:lnRef idx="2">
+        <a:scrgbClr r="0" g="0" b="0"/>
+      </a:lnRef>
+      <a:fillRef idx="1">
+        <a:scrgbClr r="0" g="0" b="0"/>
+      </a:fillRef>
+      <a:effectRef idx="0">
+        <a:scrgbClr r="0" g="0" b="0"/>
+      </a:effectRef>
+      <a:fontRef idx="minor"/>
+    </dgm:style>
+  </dgm:styleLbl>
+  <dgm:styleLbl name="fgAcc4">
+    <dgm:scene3d>
+      <a:camera prst="orthographicFront"/>
+      <a:lightRig rig="threePt" dir="t"/>
+    </dgm:scene3d>
+    <dgm:sp3d/>
+    <dgm:txPr/>
+    <dgm:style>
+      <a:lnRef idx="2">
+        <a:scrgbClr r="0" g="0" b="0"/>
+      </a:lnRef>
+      <a:fillRef idx="1">
+        <a:scrgbClr r="0" g="0" b="0"/>
+      </a:fillRef>
+      <a:effectRef idx="0">
+        <a:scrgbClr r="0" g="0" b="0"/>
+      </a:effectRef>
+      <a:fontRef idx="minor"/>
+    </dgm:style>
+  </dgm:styleLbl>
+  <dgm:styleLbl name="bgShp">
+    <dgm:scene3d>
+      <a:camera prst="orthographicFront"/>
+      <a:lightRig rig="threePt" dir="t"/>
+    </dgm:scene3d>
+    <dgm:sp3d/>
+    <dgm:txPr/>
+    <dgm:style>
+      <a:lnRef idx="0">
+        <a:scrgbClr r="0" g="0" b="0"/>
+      </a:lnRef>
+      <a:fillRef idx="1">
+        <a:scrgbClr r="0" g="0" b="0"/>
+      </a:fillRef>
+      <a:effectRef idx="0">
+        <a:scrgbClr r="0" g="0" b="0"/>
+      </a:effectRef>
+      <a:fontRef idx="minor"/>
+    </dgm:style>
+  </dgm:styleLbl>
+  <dgm:styleLbl name="dkBgShp">
+    <dgm:scene3d>
+      <a:camera prst="orthographicFront"/>
+      <a:lightRig rig="threePt" dir="t"/>
+    </dgm:scene3d>
+    <dgm:sp3d/>
+    <dgm:txPr/>
+    <dgm:style>
+      <a:lnRef idx="0">
+        <a:scrgbClr r="0" g="0" b="0"/>
+      </a:lnRef>
+      <a:fillRef idx="1">
+        <a:scrgbClr r="0" g="0" b="0"/>
+      </a:fillRef>
+      <a:effectRef idx="0">
+        <a:scrgbClr r="0" g="0" b="0"/>
+      </a:effectRef>
+      <a:fontRef idx="minor"/>
+    </dgm:style>
+  </dgm:styleLbl>
+  <dgm:styleLbl name="trBgShp">
+    <dgm:scene3d>
+      <a:camera prst="orthographicFront"/>
+      <a:lightRig rig="threePt" dir="t"/>
+    </dgm:scene3d>
+    <dgm:sp3d/>
+    <dgm:txPr/>
+    <dgm:style>
+      <a:lnRef idx="0">
+        <a:scrgbClr r="0" g="0" b="0"/>
+      </a:lnRef>
+      <a:fillRef idx="1">
+        <a:scrgbClr r="0" g="0" b="0"/>
+      </a:fillRef>
+      <a:effectRef idx="0">
+        <a:scrgbClr r="0" g="0" b="0"/>
+      </a:effectRef>
+      <a:fontRef idx="minor"/>
+    </dgm:style>
+  </dgm:styleLbl>
+  <dgm:styleLbl name="fgShp">
+    <dgm:scene3d>
+      <a:camera prst="orthographicFront"/>
+      <a:lightRig rig="threePt" dir="t"/>
+    </dgm:scene3d>
+    <dgm:sp3d/>
+    <dgm:txPr/>
+    <dgm:style>
+      <a:lnRef idx="2">
+        <a:scrgbClr r="0" g="0" b="0"/>
+      </a:lnRef>
+      <a:fillRef idx="1">
+        <a:scrgbClr r="0" g="0" b="0"/>
+      </a:fillRef>
+      <a:effectRef idx="0">
+        <a:scrgbClr r="0" g="0" b="0"/>
+      </a:effectRef>
+      <a:fontRef idx="minor"/>
+    </dgm:style>
+  </dgm:styleLbl>
+  <dgm:styleLbl name="revTx">
+    <dgm:scene3d>
+      <a:camera prst="orthographicFront"/>
+      <a:lightRig rig="threePt" dir="t"/>
+    </dgm:scene3d>
+    <dgm:sp3d/>
+    <dgm:txPr/>
+    <dgm:style>
+      <a:lnRef idx="0">
+        <a:scrgbClr r="0" g="0" b="0"/>
+      </a:lnRef>
+      <a:fillRef idx="0">
+        <a:scrgbClr r="0" g="0" b="0"/>
+      </a:fillRef>
+      <a:effectRef idx="0">
+        <a:scrgbClr r="0" g="0" b="0"/>
+      </a:effectRef>
+      <a:fontRef idx="minor"/>
+    </dgm:style>
+  </dgm:styleLbl>
+</dgm:styleDef>
 </file>
 
 <file path=ppt/slideLayouts/slideLayout1.xml><?xml version="1.0" encoding="utf-8"?>
@@ -13790,6 +21117,1401 @@
 </p:sld>
 </file>
 
+<file path=ppt/slides/slide10.xml><?xml version="1.0" encoding="utf-8"?>
+<p:sld xmlns:a="http://schemas.openxmlformats.org/drawingml/2006/main" xmlns:r="http://schemas.openxmlformats.org/officeDocument/2006/relationships" xmlns:p="http://schemas.openxmlformats.org/presentationml/2006/main">
+  <p:cSld>
+    <p:spTree>
+      <p:nvGrpSpPr>
+        <p:cNvPr id="1" name=""/>
+        <p:cNvGrpSpPr/>
+        <p:nvPr/>
+      </p:nvGrpSpPr>
+      <p:grpSpPr>
+        <a:xfrm>
+          <a:off x="0" y="0"/>
+          <a:ext cx="0" cy="0"/>
+          <a:chOff x="0" y="0"/>
+          <a:chExt cx="0" cy="0"/>
+        </a:xfrm>
+      </p:grpSpPr>
+      <p:sp>
+        <p:nvSpPr>
+          <p:cNvPr id="2" name="Заголовок 1"/>
+          <p:cNvSpPr>
+            <a:spLocks noGrp="1"/>
+          </p:cNvSpPr>
+          <p:nvPr>
+            <p:ph type="title"/>
+          </p:nvPr>
+        </p:nvSpPr>
+        <p:spPr>
+          <a:xfrm>
+            <a:off x="1043490" y="457200"/>
+            <a:ext cx="7024744" cy="1143000"/>
+          </a:xfrm>
+        </p:spPr>
+        <p:txBody>
+          <a:bodyPr/>
+          <a:lstStyle/>
+          <a:p>
+            <a:r>
+              <a:rPr lang="ru-RU" b="1" dirty="0" smtClean="0"/>
+              <a:t>Сборка проекта</a:t>
+            </a:r>
+            <a:endParaRPr lang="ru-RU" b="1" dirty="0"/>
+          </a:p>
+        </p:txBody>
+      </p:sp>
+      <p:sp>
+        <p:nvSpPr>
+          <p:cNvPr id="3" name="Объект 2"/>
+          <p:cNvSpPr>
+            <a:spLocks noGrp="1"/>
+          </p:cNvSpPr>
+          <p:nvPr>
+            <p:ph idx="1"/>
+          </p:nvPr>
+        </p:nvSpPr>
+        <p:spPr>
+          <a:xfrm>
+            <a:off x="1043492" y="2057400"/>
+            <a:ext cx="6777317" cy="4191000"/>
+          </a:xfrm>
+        </p:spPr>
+        <p:txBody>
+          <a:bodyPr/>
+          <a:lstStyle/>
+          <a:p>
+            <a:pPr marL="68263" indent="388938">
+              <a:spcAft>
+                <a:spcPts val="1200"/>
+              </a:spcAft>
+              <a:buNone/>
+            </a:pPr>
+            <a:r>
+              <a:rPr lang="ru-RU" dirty="0" smtClean="0"/>
+              <a:t>Для сборки проекта на </a:t>
+            </a:r>
+            <a:r>
+              <a:rPr lang="en-US" dirty="0" smtClean="0"/>
+              <a:t>Java</a:t>
+            </a:r>
+            <a:r>
+              <a:rPr lang="ru-RU" dirty="0" smtClean="0"/>
+              <a:t> используются такие инструменты, как </a:t>
+            </a:r>
+            <a:r>
+              <a:rPr lang="en-US" b="1" i="1" dirty="0" smtClean="0"/>
+              <a:t>Ant</a:t>
+            </a:r>
+            <a:r>
+              <a:rPr lang="ru-RU" dirty="0" smtClean="0"/>
+              <a:t> или </a:t>
+            </a:r>
+            <a:r>
+              <a:rPr lang="en-US" b="1" i="1" dirty="0" smtClean="0"/>
+              <a:t>Maven</a:t>
+            </a:r>
+            <a:r>
+              <a:rPr lang="ru-RU" dirty="0" smtClean="0"/>
+              <a:t>.</a:t>
+            </a:r>
+          </a:p>
+          <a:p>
+            <a:pPr marL="68263" indent="388938">
+              <a:spcAft>
+                <a:spcPts val="1200"/>
+              </a:spcAft>
+              <a:buNone/>
+            </a:pPr>
+            <a:r>
+              <a:rPr lang="ru-RU" dirty="0" smtClean="0"/>
+              <a:t>Преимущества </a:t>
+            </a:r>
+            <a:r>
+              <a:rPr lang="en-US" b="1" i="1" dirty="0" smtClean="0"/>
+              <a:t>Maven</a:t>
+            </a:r>
+            <a:r>
+              <a:rPr lang="ru-RU" dirty="0" smtClean="0"/>
+              <a:t>:</a:t>
+            </a:r>
+          </a:p>
+          <a:p>
+            <a:pPr marL="400050" indent="-342900"/>
+            <a:r>
+              <a:rPr lang="ru-RU" sz="2000" dirty="0" smtClean="0"/>
+              <a:t>Независимость от ОС</a:t>
+            </a:r>
+          </a:p>
+          <a:p>
+            <a:pPr marL="400050" indent="-342900"/>
+            <a:r>
+              <a:rPr lang="ru-RU" sz="2000" dirty="0" smtClean="0"/>
+              <a:t>Легкость в управлении зависимостями</a:t>
+            </a:r>
+          </a:p>
+          <a:p>
+            <a:pPr marL="400050" indent="-342900"/>
+            <a:r>
+              <a:rPr lang="ru-RU" sz="2000" dirty="0" smtClean="0"/>
+              <a:t>Хорошая интеграция со средами разработки</a:t>
+            </a:r>
+          </a:p>
+          <a:p>
+            <a:pPr marL="400050" indent="-342900"/>
+            <a:r>
+              <a:rPr lang="ru-RU" sz="2000" dirty="0" smtClean="0"/>
+              <a:t>Декларативное описание объекта (в файлах описания проекта содержится его спецификация)</a:t>
+            </a:r>
+            <a:endParaRPr lang="ru-RU" sz="2000" dirty="0"/>
+          </a:p>
+        </p:txBody>
+      </p:sp>
+      <p:pic>
+        <p:nvPicPr>
+          <p:cNvPr id="5122" name="Picture 2" descr="https://maven.apache.org/images/maven-logo-black-on-white.png"/>
+          <p:cNvPicPr>
+            <a:picLocks noChangeAspect="1" noChangeArrowheads="1"/>
+          </p:cNvPicPr>
+          <p:nvPr/>
+        </p:nvPicPr>
+        <p:blipFill>
+          <a:blip r:embed="rId2">
+            <a:extLst>
+              <a:ext uri="{28A0092B-C50C-407E-A947-70E740481C1C}">
+                <a14:useLocalDpi xmlns:a14="http://schemas.microsoft.com/office/drawing/2010/main" val="0"/>
+              </a:ext>
+            </a:extLst>
+          </a:blip>
+          <a:srcRect/>
+          <a:stretch>
+            <a:fillRect/>
+          </a:stretch>
+        </p:blipFill>
+        <p:spPr bwMode="auto">
+          <a:xfrm>
+            <a:off x="5753100" y="990600"/>
+            <a:ext cx="2095500" cy="530039"/>
+          </a:xfrm>
+          <a:prstGeom prst="rect">
+            <a:avLst/>
+          </a:prstGeom>
+          <a:noFill/>
+          <a:extLst>
+            <a:ext uri="{909E8E84-426E-40DD-AFC4-6F175D3DCCD1}">
+              <a14:hiddenFill xmlns:a14="http://schemas.microsoft.com/office/drawing/2010/main">
+                <a:solidFill>
+                  <a:srgbClr val="FFFFFF"/>
+                </a:solidFill>
+              </a14:hiddenFill>
+            </a:ext>
+          </a:extLst>
+        </p:spPr>
+      </p:pic>
+      <p:pic>
+        <p:nvPicPr>
+          <p:cNvPr id="5124" name="Picture 4" descr="https://upload.wikimedia.org/wikipedia/commons/thumb/2/2f/Apache-Ant-logo.svg/2000px-Apache-Ant-logo.svg.png"/>
+          <p:cNvPicPr>
+            <a:picLocks noChangeAspect="1" noChangeArrowheads="1"/>
+          </p:cNvPicPr>
+          <p:nvPr/>
+        </p:nvPicPr>
+        <p:blipFill>
+          <a:blip r:embed="rId3" cstate="print">
+            <a:extLst>
+              <a:ext uri="{28A0092B-C50C-407E-A947-70E740481C1C}">
+                <a14:useLocalDpi xmlns:a14="http://schemas.microsoft.com/office/drawing/2010/main" val="0"/>
+              </a:ext>
+            </a:extLst>
+          </a:blip>
+          <a:srcRect/>
+          <a:stretch>
+            <a:fillRect/>
+          </a:stretch>
+        </p:blipFill>
+        <p:spPr bwMode="auto">
+          <a:xfrm>
+            <a:off x="6904719" y="1240809"/>
+            <a:ext cx="1754785" cy="1086212"/>
+          </a:xfrm>
+          <a:prstGeom prst="rect">
+            <a:avLst/>
+          </a:prstGeom>
+          <a:noFill/>
+          <a:extLst>
+            <a:ext uri="{909E8E84-426E-40DD-AFC4-6F175D3DCCD1}">
+              <a14:hiddenFill xmlns:a14="http://schemas.microsoft.com/office/drawing/2010/main">
+                <a:solidFill>
+                  <a:srgbClr val="FFFFFF"/>
+                </a:solidFill>
+              </a14:hiddenFill>
+            </a:ext>
+          </a:extLst>
+        </p:spPr>
+      </p:pic>
+    </p:spTree>
+    <p:extLst>
+      <p:ext uri="{BB962C8B-B14F-4D97-AF65-F5344CB8AC3E}">
+        <p14:creationId xmlns:p14="http://schemas.microsoft.com/office/powerpoint/2010/main" val="1286835305"/>
+      </p:ext>
+    </p:extLst>
+  </p:cSld>
+  <p:clrMapOvr>
+    <a:masterClrMapping/>
+  </p:clrMapOvr>
+  <p:timing>
+    <p:tnLst>
+      <p:par>
+        <p:cTn id="1" dur="indefinite" restart="never" nodeType="tmRoot"/>
+      </p:par>
+    </p:tnLst>
+  </p:timing>
+</p:sld>
+</file>
+
+<file path=ppt/slides/slide11.xml><?xml version="1.0" encoding="utf-8"?>
+<p:sld xmlns:a="http://schemas.openxmlformats.org/drawingml/2006/main" xmlns:r="http://schemas.openxmlformats.org/officeDocument/2006/relationships" xmlns:p="http://schemas.openxmlformats.org/presentationml/2006/main">
+  <p:cSld>
+    <p:spTree>
+      <p:nvGrpSpPr>
+        <p:cNvPr id="1" name=""/>
+        <p:cNvGrpSpPr/>
+        <p:nvPr/>
+      </p:nvGrpSpPr>
+      <p:grpSpPr>
+        <a:xfrm>
+          <a:off x="0" y="0"/>
+          <a:ext cx="0" cy="0"/>
+          <a:chOff x="0" y="0"/>
+          <a:chExt cx="0" cy="0"/>
+        </a:xfrm>
+      </p:grpSpPr>
+      <p:sp>
+        <p:nvSpPr>
+          <p:cNvPr id="2" name="Заголовок 1"/>
+          <p:cNvSpPr>
+            <a:spLocks noGrp="1"/>
+          </p:cNvSpPr>
+          <p:nvPr>
+            <p:ph type="title"/>
+          </p:nvPr>
+        </p:nvSpPr>
+        <p:spPr>
+          <a:xfrm>
+            <a:off x="1052456" y="699448"/>
+            <a:ext cx="7024744" cy="1143000"/>
+          </a:xfrm>
+        </p:spPr>
+        <p:txBody>
+          <a:bodyPr>
+            <a:normAutofit/>
+          </a:bodyPr>
+          <a:lstStyle/>
+          <a:p>
+            <a:r>
+              <a:rPr lang="en-US" b="1" dirty="0" smtClean="0"/>
+              <a:t>Jetty vs Tomcat</a:t>
+            </a:r>
+            <a:endParaRPr lang="ru-RU" b="1" dirty="0"/>
+          </a:p>
+        </p:txBody>
+      </p:sp>
+      <p:sp>
+        <p:nvSpPr>
+          <p:cNvPr id="3" name="Объект 2"/>
+          <p:cNvSpPr>
+            <a:spLocks noGrp="1"/>
+          </p:cNvSpPr>
+          <p:nvPr>
+            <p:ph idx="1"/>
+          </p:nvPr>
+        </p:nvSpPr>
+        <p:spPr>
+          <a:xfrm>
+            <a:off x="685800" y="1905000"/>
+            <a:ext cx="7772400" cy="4343400"/>
+          </a:xfrm>
+        </p:spPr>
+        <p:txBody>
+          <a:bodyPr>
+            <a:normAutofit/>
+          </a:bodyPr>
+          <a:lstStyle/>
+          <a:p>
+            <a:pPr marL="68263" indent="388938">
+              <a:spcAft>
+                <a:spcPts val="1200"/>
+              </a:spcAft>
+              <a:buNone/>
+            </a:pPr>
+            <a:r>
+              <a:rPr lang="ru-RU" sz="2000" dirty="0"/>
+              <a:t>Контейнер сервлетов – программа, представляющая собой сервер, который занимается системной поддержкой сервлетов и обеспечивает их жизненный цикл в соответствии с правилами, определёнными в спецификациях</a:t>
+            </a:r>
+            <a:r>
+              <a:rPr lang="ru-RU" sz="2000" dirty="0" smtClean="0"/>
+              <a:t>. Известные реализации: </a:t>
+            </a:r>
+            <a:r>
+              <a:rPr lang="en-US" sz="2000" dirty="0" smtClean="0"/>
+              <a:t>Apache Tomcat, Jetty, </a:t>
+            </a:r>
+            <a:r>
+              <a:rPr lang="en-US" sz="2000" dirty="0" err="1" smtClean="0"/>
+              <a:t>JBoss</a:t>
+            </a:r>
+            <a:r>
+              <a:rPr lang="en-US" sz="2000" dirty="0" smtClean="0"/>
+              <a:t>, </a:t>
+            </a:r>
+            <a:r>
+              <a:rPr lang="en-US" sz="2000" dirty="0" err="1" smtClean="0"/>
+              <a:t>GlassFish</a:t>
+            </a:r>
+            <a:r>
+              <a:rPr lang="ru-RU" sz="2000" dirty="0" smtClean="0"/>
+              <a:t>.</a:t>
+            </a:r>
+          </a:p>
+          <a:p>
+            <a:pPr marL="68263" indent="388938">
+              <a:spcAft>
+                <a:spcPts val="1200"/>
+              </a:spcAft>
+              <a:buNone/>
+            </a:pPr>
+            <a:r>
+              <a:rPr lang="ru-RU" sz="2000" b="1" i="1" dirty="0" err="1"/>
+              <a:t>Jetty</a:t>
+            </a:r>
+            <a:r>
+              <a:rPr lang="ru-RU" sz="2000" dirty="0"/>
+              <a:t> – набор программных </a:t>
+            </a:r>
+            <a:r>
+              <a:rPr lang="ru-RU" sz="2000" dirty="0" smtClean="0"/>
+              <a:t>компонентов, обслуживающих </a:t>
+            </a:r>
+            <a:r>
+              <a:rPr lang="en-US" sz="2000" dirty="0"/>
+              <a:t>HTTP</a:t>
+            </a:r>
+            <a:r>
+              <a:rPr lang="ru-RU" sz="2000" dirty="0"/>
+              <a:t>-запросы и </a:t>
+            </a:r>
+            <a:r>
+              <a:rPr lang="ru-RU" sz="2000" dirty="0" smtClean="0"/>
+              <a:t>сервлеты. </a:t>
+            </a:r>
+          </a:p>
+          <a:p>
+            <a:pPr marL="68263" indent="388938">
+              <a:buNone/>
+            </a:pPr>
+            <a:r>
+              <a:rPr lang="ru-RU" sz="2000" dirty="0" smtClean="0"/>
+              <a:t>При проектировании сервера в качестве контейнера сервлетов был выбран именно он в </a:t>
+            </a:r>
+            <a:r>
+              <a:rPr lang="ru-RU" sz="2000" dirty="0"/>
+              <a:t>силу </a:t>
+            </a:r>
+            <a:r>
+              <a:rPr lang="ru-RU" sz="2000" dirty="0" smtClean="0"/>
+              <a:t>большей </a:t>
+            </a:r>
+            <a:r>
+              <a:rPr lang="ru-RU" sz="2000" dirty="0"/>
+              <a:t>гибкости, </a:t>
+            </a:r>
+            <a:r>
+              <a:rPr lang="ru-RU" sz="2000" dirty="0" smtClean="0"/>
+              <a:t>легкого </a:t>
+            </a:r>
+            <a:r>
+              <a:rPr lang="ru-RU" sz="2000" dirty="0"/>
+              <a:t>подключения к проекту и лучшей адаптации к </a:t>
+            </a:r>
+            <a:r>
+              <a:rPr lang="ru-RU" sz="2000" dirty="0" smtClean="0"/>
+              <a:t>изменениям.</a:t>
+            </a:r>
+            <a:endParaRPr lang="ru-RU" sz="2000" dirty="0"/>
+          </a:p>
+        </p:txBody>
+      </p:sp>
+      <p:pic>
+        <p:nvPicPr>
+          <p:cNvPr id="2050" name="Picture 2" descr="http://www.eclipse.org/jetty/images/jetty-logo-80x22.png"/>
+          <p:cNvPicPr>
+            <a:picLocks noChangeAspect="1" noChangeArrowheads="1"/>
+          </p:cNvPicPr>
+          <p:nvPr/>
+        </p:nvPicPr>
+        <p:blipFill>
+          <a:blip r:embed="rId2">
+            <a:extLst>
+              <a:ext uri="{28A0092B-C50C-407E-A947-70E740481C1C}">
+                <a14:useLocalDpi xmlns:a14="http://schemas.microsoft.com/office/drawing/2010/main" val="0"/>
+              </a:ext>
+            </a:extLst>
+          </a:blip>
+          <a:srcRect/>
+          <a:stretch>
+            <a:fillRect/>
+          </a:stretch>
+        </p:blipFill>
+        <p:spPr bwMode="auto">
+          <a:xfrm>
+            <a:off x="5181600" y="838200"/>
+            <a:ext cx="1886903" cy="533400"/>
+          </a:xfrm>
+          <a:prstGeom prst="rect">
+            <a:avLst/>
+          </a:prstGeom>
+          <a:noFill/>
+          <a:extLst>
+            <a:ext uri="{909E8E84-426E-40DD-AFC4-6F175D3DCCD1}">
+              <a14:hiddenFill xmlns:a14="http://schemas.microsoft.com/office/drawing/2010/main">
+                <a:solidFill>
+                  <a:srgbClr val="FFFFFF"/>
+                </a:solidFill>
+              </a14:hiddenFill>
+            </a:ext>
+          </a:extLst>
+        </p:spPr>
+      </p:pic>
+      <p:pic>
+        <p:nvPicPr>
+          <p:cNvPr id="2052" name="Picture 4" descr="http://www.formation-web.org/wp-content/uploads/2013/01/apache_tomcat6.png"/>
+          <p:cNvPicPr>
+            <a:picLocks noChangeAspect="1" noChangeArrowheads="1"/>
+          </p:cNvPicPr>
+          <p:nvPr/>
+        </p:nvPicPr>
+        <p:blipFill>
+          <a:blip r:embed="rId3">
+            <a:extLst>
+              <a:ext uri="{28A0092B-C50C-407E-A947-70E740481C1C}">
+                <a14:useLocalDpi xmlns:a14="http://schemas.microsoft.com/office/drawing/2010/main" val="0"/>
+              </a:ext>
+            </a:extLst>
+          </a:blip>
+          <a:srcRect/>
+          <a:stretch>
+            <a:fillRect/>
+          </a:stretch>
+        </p:blipFill>
+        <p:spPr bwMode="auto">
+          <a:xfrm>
+            <a:off x="6553200" y="1054858"/>
+            <a:ext cx="1943099" cy="935298"/>
+          </a:xfrm>
+          <a:prstGeom prst="rect">
+            <a:avLst/>
+          </a:prstGeom>
+          <a:noFill/>
+          <a:extLst>
+            <a:ext uri="{909E8E84-426E-40DD-AFC4-6F175D3DCCD1}">
+              <a14:hiddenFill xmlns:a14="http://schemas.microsoft.com/office/drawing/2010/main">
+                <a:solidFill>
+                  <a:srgbClr val="FFFFFF"/>
+                </a:solidFill>
+              </a14:hiddenFill>
+            </a:ext>
+          </a:extLst>
+        </p:spPr>
+      </p:pic>
+    </p:spTree>
+    <p:extLst>
+      <p:ext uri="{BB962C8B-B14F-4D97-AF65-F5344CB8AC3E}">
+        <p14:creationId xmlns:p14="http://schemas.microsoft.com/office/powerpoint/2010/main" val="3500207663"/>
+      </p:ext>
+    </p:extLst>
+  </p:cSld>
+  <p:clrMapOvr>
+    <a:masterClrMapping/>
+  </p:clrMapOvr>
+  <p:timing>
+    <p:tnLst>
+      <p:par>
+        <p:cTn id="1" dur="indefinite" restart="never" nodeType="tmRoot"/>
+      </p:par>
+    </p:tnLst>
+  </p:timing>
+</p:sld>
+</file>
+
+<file path=ppt/slides/slide12.xml><?xml version="1.0" encoding="utf-8"?>
+<p:sld xmlns:a="http://schemas.openxmlformats.org/drawingml/2006/main" xmlns:r="http://schemas.openxmlformats.org/officeDocument/2006/relationships" xmlns:p="http://schemas.openxmlformats.org/presentationml/2006/main">
+  <p:cSld>
+    <p:spTree>
+      <p:nvGrpSpPr>
+        <p:cNvPr id="1" name=""/>
+        <p:cNvGrpSpPr/>
+        <p:nvPr/>
+      </p:nvGrpSpPr>
+      <p:grpSpPr>
+        <a:xfrm>
+          <a:off x="0" y="0"/>
+          <a:ext cx="0" cy="0"/>
+          <a:chOff x="0" y="0"/>
+          <a:chExt cx="0" cy="0"/>
+        </a:xfrm>
+      </p:grpSpPr>
+      <p:pic>
+        <p:nvPicPr>
+          <p:cNvPr id="4" name="Picture 2" descr="http://img.over-blog.com/384x235/4/91/54/42/jdbc1.jpg"/>
+          <p:cNvPicPr>
+            <a:picLocks noChangeAspect="1" noChangeArrowheads="1"/>
+          </p:cNvPicPr>
+          <p:nvPr/>
+        </p:nvPicPr>
+        <p:blipFill rotWithShape="1">
+          <a:blip r:embed="rId2">
+            <a:extLst>
+              <a:ext uri="{28A0092B-C50C-407E-A947-70E740481C1C}">
+                <a14:useLocalDpi xmlns:a14="http://schemas.microsoft.com/office/drawing/2010/main" val="0"/>
+              </a:ext>
+            </a:extLst>
+          </a:blip>
+          <a:srcRect/>
+          <a:stretch/>
+        </p:blipFill>
+        <p:spPr bwMode="auto">
+          <a:xfrm>
+            <a:off x="838200" y="3352800"/>
+            <a:ext cx="4357989" cy="2667000"/>
+          </a:xfrm>
+          <a:prstGeom prst="rect">
+            <a:avLst/>
+          </a:prstGeom>
+          <a:noFill/>
+          <a:extLst>
+            <a:ext uri="{909E8E84-426E-40DD-AFC4-6F175D3DCCD1}">
+              <a14:hiddenFill xmlns:a14="http://schemas.microsoft.com/office/drawing/2010/main">
+                <a:solidFill>
+                  <a:srgbClr val="FFFFFF"/>
+                </a:solidFill>
+              </a14:hiddenFill>
+            </a:ext>
+          </a:extLst>
+        </p:spPr>
+      </p:pic>
+      <p:sp>
+        <p:nvSpPr>
+          <p:cNvPr id="2" name="Заголовок 1"/>
+          <p:cNvSpPr>
+            <a:spLocks noGrp="1"/>
+          </p:cNvSpPr>
+          <p:nvPr>
+            <p:ph type="title"/>
+          </p:nvPr>
+        </p:nvSpPr>
+        <p:spPr>
+          <a:xfrm>
+            <a:off x="1043490" y="704850"/>
+            <a:ext cx="7414710" cy="1143000"/>
+          </a:xfrm>
+        </p:spPr>
+        <p:txBody>
+          <a:bodyPr>
+            <a:normAutofit/>
+          </a:bodyPr>
+          <a:lstStyle/>
+          <a:p>
+            <a:r>
+              <a:rPr lang="ru-RU" dirty="0" smtClean="0"/>
+              <a:t>Подключение к базе данных</a:t>
+            </a:r>
+            <a:endParaRPr lang="ru-RU" dirty="0"/>
+          </a:p>
+        </p:txBody>
+      </p:sp>
+      <p:sp>
+        <p:nvSpPr>
+          <p:cNvPr id="3" name="Объект 2"/>
+          <p:cNvSpPr>
+            <a:spLocks noGrp="1"/>
+          </p:cNvSpPr>
+          <p:nvPr>
+            <p:ph idx="1"/>
+          </p:nvPr>
+        </p:nvSpPr>
+        <p:spPr>
+          <a:xfrm>
+            <a:off x="609600" y="1905000"/>
+            <a:ext cx="7696200" cy="4343400"/>
+          </a:xfrm>
+        </p:spPr>
+        <p:txBody>
+          <a:bodyPr>
+            <a:normAutofit/>
+          </a:bodyPr>
+          <a:lstStyle/>
+          <a:p>
+            <a:pPr marL="68263" indent="388938">
+              <a:spcAft>
+                <a:spcPts val="1200"/>
+              </a:spcAft>
+              <a:buNone/>
+            </a:pPr>
+            <a:r>
+              <a:rPr lang="ru-RU" sz="2000" dirty="0" smtClean="0"/>
+              <a:t>Для хранения информации была создана база данных </a:t>
+            </a:r>
+            <a:r>
+              <a:rPr lang="en-US" sz="2000" dirty="0" smtClean="0"/>
+              <a:t>MySQL</a:t>
+            </a:r>
+            <a:r>
+              <a:rPr lang="ru-RU" sz="2000" dirty="0" smtClean="0"/>
+              <a:t>. Доступ к ней осуществлялся со стороны сервера при помощи </a:t>
+            </a:r>
+            <a:r>
+              <a:rPr lang="en-US" sz="2000" dirty="0" smtClean="0"/>
+              <a:t>JDBC</a:t>
+            </a:r>
+            <a:r>
+              <a:rPr lang="ru-RU" sz="2000" dirty="0" smtClean="0"/>
+              <a:t>-драйвера.</a:t>
+            </a:r>
+          </a:p>
+          <a:p>
+            <a:pPr marL="68263" indent="388938" algn="r">
+              <a:buNone/>
+            </a:pPr>
+            <a:endParaRPr lang="ru-RU" sz="2000" b="1" i="1" dirty="0" smtClean="0"/>
+          </a:p>
+          <a:p>
+            <a:pPr marL="68263" indent="388938" algn="r">
+              <a:buNone/>
+            </a:pPr>
+            <a:r>
+              <a:rPr lang="ru-RU" sz="2000" b="1" i="1" dirty="0" smtClean="0"/>
+              <a:t>JDBC </a:t>
+            </a:r>
+            <a:r>
+              <a:rPr lang="ru-RU" sz="2000" b="1" i="1" dirty="0" err="1"/>
+              <a:t>Driver</a:t>
+            </a:r>
+            <a:r>
+              <a:rPr lang="ru-RU" sz="2000" dirty="0"/>
+              <a:t> (</a:t>
+            </a:r>
+            <a:r>
+              <a:rPr lang="ru-RU" sz="2000" i="1" dirty="0"/>
+              <a:t>Java </a:t>
+            </a:r>
+            <a:r>
+              <a:rPr lang="ru-RU" sz="2000" i="1" dirty="0" err="1" smtClean="0"/>
+              <a:t>DataBase</a:t>
+            </a:r>
+            <a:endParaRPr lang="ru-RU" sz="2000" i="1" dirty="0"/>
+          </a:p>
+          <a:p>
+            <a:pPr marL="68263" indent="388938" algn="r">
+              <a:buNone/>
+            </a:pPr>
+            <a:r>
+              <a:rPr lang="ru-RU" sz="2000" i="1" dirty="0" err="1" smtClean="0"/>
+              <a:t>Connectivity</a:t>
+            </a:r>
+            <a:r>
+              <a:rPr lang="ru-RU" sz="2000" dirty="0" smtClean="0"/>
+              <a:t>) </a:t>
+            </a:r>
+            <a:r>
+              <a:rPr lang="ru-RU" sz="2000" dirty="0"/>
+              <a:t>— </a:t>
+            </a:r>
+            <a:r>
+              <a:rPr lang="ru-RU" sz="2000" dirty="0" smtClean="0"/>
+              <a:t>платформенно</a:t>
+            </a:r>
+          </a:p>
+          <a:p>
+            <a:pPr marL="68263" indent="388938" algn="r">
+              <a:buNone/>
+            </a:pPr>
+            <a:r>
+              <a:rPr lang="ru-RU" sz="2000" dirty="0" smtClean="0"/>
+              <a:t>-</a:t>
+            </a:r>
+            <a:r>
+              <a:rPr lang="ru-RU" sz="2000" dirty="0"/>
+              <a:t>независимый </a:t>
+            </a:r>
+            <a:r>
+              <a:rPr lang="ru-RU" sz="2000" dirty="0" smtClean="0"/>
+              <a:t>промышленный</a:t>
+            </a:r>
+          </a:p>
+          <a:p>
+            <a:pPr marL="68263" indent="388938" algn="r">
+              <a:buNone/>
+            </a:pPr>
+            <a:r>
+              <a:rPr lang="ru-RU" sz="2000" dirty="0"/>
+              <a:t>с</a:t>
+            </a:r>
+            <a:r>
+              <a:rPr lang="ru-RU" sz="2000" dirty="0" smtClean="0"/>
+              <a:t>тандарт взаимодействия </a:t>
+            </a:r>
+          </a:p>
+          <a:p>
+            <a:pPr marL="68263" indent="388938" algn="r">
+              <a:buNone/>
+            </a:pPr>
+            <a:r>
+              <a:rPr lang="ru-RU" sz="2000" dirty="0" smtClean="0"/>
+              <a:t>Java-приложений </a:t>
+            </a:r>
+            <a:r>
+              <a:rPr lang="ru-RU" sz="2000" dirty="0"/>
+              <a:t>с </a:t>
+            </a:r>
+            <a:endParaRPr lang="ru-RU" sz="2000" dirty="0" smtClean="0"/>
+          </a:p>
+          <a:p>
+            <a:pPr marL="68263" indent="46038" algn="r">
+              <a:buNone/>
+            </a:pPr>
+            <a:r>
+              <a:rPr lang="ru-RU" sz="2000" dirty="0" smtClean="0"/>
+              <a:t>различными СУБД.</a:t>
+            </a:r>
+            <a:endParaRPr lang="ru-RU" sz="2000" dirty="0"/>
+          </a:p>
+        </p:txBody>
+      </p:sp>
+    </p:spTree>
+    <p:extLst>
+      <p:ext uri="{BB962C8B-B14F-4D97-AF65-F5344CB8AC3E}">
+        <p14:creationId xmlns:p14="http://schemas.microsoft.com/office/powerpoint/2010/main" val="3876043187"/>
+      </p:ext>
+    </p:extLst>
+  </p:cSld>
+  <p:clrMapOvr>
+    <a:masterClrMapping/>
+  </p:clrMapOvr>
+  <p:timing>
+    <p:tnLst>
+      <p:par>
+        <p:cTn id="1" dur="indefinite" restart="never" nodeType="tmRoot"/>
+      </p:par>
+    </p:tnLst>
+  </p:timing>
+</p:sld>
+</file>
+
+<file path=ppt/slides/slide13.xml><?xml version="1.0" encoding="utf-8"?>
+<p:sld xmlns:a="http://schemas.openxmlformats.org/drawingml/2006/main" xmlns:r="http://schemas.openxmlformats.org/officeDocument/2006/relationships" xmlns:p="http://schemas.openxmlformats.org/presentationml/2006/main">
+  <p:cSld>
+    <p:spTree>
+      <p:nvGrpSpPr>
+        <p:cNvPr id="1" name=""/>
+        <p:cNvGrpSpPr/>
+        <p:nvPr/>
+      </p:nvGrpSpPr>
+      <p:grpSpPr>
+        <a:xfrm>
+          <a:off x="0" y="0"/>
+          <a:ext cx="0" cy="0"/>
+          <a:chOff x="0" y="0"/>
+          <a:chExt cx="0" cy="0"/>
+        </a:xfrm>
+      </p:grpSpPr>
+      <p:sp>
+        <p:nvSpPr>
+          <p:cNvPr id="2" name="Заголовок 1"/>
+          <p:cNvSpPr>
+            <a:spLocks noGrp="1"/>
+          </p:cNvSpPr>
+          <p:nvPr>
+            <p:ph type="title"/>
+          </p:nvPr>
+        </p:nvSpPr>
+        <p:spPr>
+          <a:xfrm>
+            <a:off x="1043490" y="704850"/>
+            <a:ext cx="7262310" cy="1143000"/>
+          </a:xfrm>
+        </p:spPr>
+        <p:txBody>
+          <a:bodyPr>
+            <a:normAutofit fontScale="90000"/>
+          </a:bodyPr>
+          <a:lstStyle/>
+          <a:p>
+            <a:r>
+              <a:rPr lang="ru-RU" dirty="0" smtClean="0"/>
+              <a:t>Этапы работы с базой данных</a:t>
+            </a:r>
+            <a:endParaRPr lang="ru-RU" dirty="0"/>
+          </a:p>
+        </p:txBody>
+      </p:sp>
+      <p:sp>
+        <p:nvSpPr>
+          <p:cNvPr id="4" name="Скругленный прямоугольник 3"/>
+          <p:cNvSpPr/>
+          <p:nvPr/>
+        </p:nvSpPr>
+        <p:spPr>
+          <a:xfrm>
+            <a:off x="914400" y="2190750"/>
+            <a:ext cx="2362200" cy="628650"/>
+          </a:xfrm>
+          <a:prstGeom prst="roundRect">
+            <a:avLst/>
+          </a:prstGeom>
+        </p:spPr>
+        <p:style>
+          <a:lnRef idx="2">
+            <a:schemeClr val="accent1">
+              <a:shade val="50000"/>
+            </a:schemeClr>
+          </a:lnRef>
+          <a:fillRef idx="1">
+            <a:schemeClr val="accent1"/>
+          </a:fillRef>
+          <a:effectRef idx="0">
+            <a:schemeClr val="accent1"/>
+          </a:effectRef>
+          <a:fontRef idx="minor">
+            <a:schemeClr val="lt1"/>
+          </a:fontRef>
+        </p:style>
+        <p:txBody>
+          <a:bodyPr rtlCol="0" anchor="ctr"/>
+          <a:lstStyle/>
+          <a:p>
+            <a:pPr algn="ctr"/>
+            <a:r>
+              <a:rPr lang="ru-RU" b="1" dirty="0" smtClean="0"/>
+              <a:t>1.загрузка класса драйвера БД</a:t>
+            </a:r>
+            <a:endParaRPr lang="ru-RU" b="1" dirty="0"/>
+          </a:p>
+        </p:txBody>
+      </p:sp>
+      <p:sp>
+        <p:nvSpPr>
+          <p:cNvPr id="5" name="Стрелка вправо 4"/>
+          <p:cNvSpPr/>
+          <p:nvPr/>
+        </p:nvSpPr>
+        <p:spPr>
+          <a:xfrm>
+            <a:off x="3581400" y="2324100"/>
+            <a:ext cx="990600" cy="266700"/>
+          </a:xfrm>
+          <a:prstGeom prst="rightArrow">
+            <a:avLst/>
+          </a:prstGeom>
+        </p:spPr>
+        <p:style>
+          <a:lnRef idx="2">
+            <a:schemeClr val="accent1">
+              <a:shade val="50000"/>
+            </a:schemeClr>
+          </a:lnRef>
+          <a:fillRef idx="1">
+            <a:schemeClr val="accent1"/>
+          </a:fillRef>
+          <a:effectRef idx="0">
+            <a:schemeClr val="accent1"/>
+          </a:effectRef>
+          <a:fontRef idx="minor">
+            <a:schemeClr val="lt1"/>
+          </a:fontRef>
+        </p:style>
+        <p:txBody>
+          <a:bodyPr rtlCol="0" anchor="ctr"/>
+          <a:lstStyle/>
+          <a:p>
+            <a:pPr algn="ctr"/>
+            <a:endParaRPr lang="ru-RU"/>
+          </a:p>
+        </p:txBody>
+      </p:sp>
+      <p:sp>
+        <p:nvSpPr>
+          <p:cNvPr id="6" name="Скругленный прямоугольник 5"/>
+          <p:cNvSpPr/>
+          <p:nvPr/>
+        </p:nvSpPr>
+        <p:spPr>
+          <a:xfrm>
+            <a:off x="4800600" y="2190750"/>
+            <a:ext cx="2362200" cy="628650"/>
+          </a:xfrm>
+          <a:prstGeom prst="roundRect">
+            <a:avLst/>
+          </a:prstGeom>
+        </p:spPr>
+        <p:style>
+          <a:lnRef idx="2">
+            <a:schemeClr val="accent1">
+              <a:shade val="50000"/>
+            </a:schemeClr>
+          </a:lnRef>
+          <a:fillRef idx="1">
+            <a:schemeClr val="accent1"/>
+          </a:fillRef>
+          <a:effectRef idx="0">
+            <a:schemeClr val="accent1"/>
+          </a:effectRef>
+          <a:fontRef idx="minor">
+            <a:schemeClr val="lt1"/>
+          </a:fontRef>
+        </p:style>
+        <p:txBody>
+          <a:bodyPr rtlCol="0" anchor="ctr"/>
+          <a:lstStyle/>
+          <a:p>
+            <a:pPr algn="ctr"/>
+            <a:r>
+              <a:rPr lang="ru-RU" b="1" dirty="0" smtClean="0"/>
+              <a:t>2.установка соединения с БД</a:t>
+            </a:r>
+            <a:endParaRPr lang="ru-RU" b="1" dirty="0"/>
+          </a:p>
+        </p:txBody>
+      </p:sp>
+      <p:sp>
+        <p:nvSpPr>
+          <p:cNvPr id="7" name="Стрелка вправо 6"/>
+          <p:cNvSpPr/>
+          <p:nvPr/>
+        </p:nvSpPr>
+        <p:spPr>
+          <a:xfrm>
+            <a:off x="990600" y="3657600"/>
+            <a:ext cx="990600" cy="266700"/>
+          </a:xfrm>
+          <a:prstGeom prst="rightArrow">
+            <a:avLst/>
+          </a:prstGeom>
+        </p:spPr>
+        <p:style>
+          <a:lnRef idx="2">
+            <a:schemeClr val="accent1">
+              <a:shade val="50000"/>
+            </a:schemeClr>
+          </a:lnRef>
+          <a:fillRef idx="1">
+            <a:schemeClr val="accent1"/>
+          </a:fillRef>
+          <a:effectRef idx="0">
+            <a:schemeClr val="accent1"/>
+          </a:effectRef>
+          <a:fontRef idx="minor">
+            <a:schemeClr val="lt1"/>
+          </a:fontRef>
+        </p:style>
+        <p:txBody>
+          <a:bodyPr rtlCol="0" anchor="ctr"/>
+          <a:lstStyle/>
+          <a:p>
+            <a:pPr algn="ctr"/>
+            <a:endParaRPr lang="ru-RU"/>
+          </a:p>
+        </p:txBody>
+      </p:sp>
+      <p:sp>
+        <p:nvSpPr>
+          <p:cNvPr id="8" name="Скругленный прямоугольник 7"/>
+          <p:cNvSpPr/>
+          <p:nvPr/>
+        </p:nvSpPr>
+        <p:spPr>
+          <a:xfrm>
+            <a:off x="2095500" y="3276600"/>
+            <a:ext cx="2705100" cy="990600"/>
+          </a:xfrm>
+          <a:prstGeom prst="roundRect">
+            <a:avLst/>
+          </a:prstGeom>
+        </p:spPr>
+        <p:style>
+          <a:lnRef idx="2">
+            <a:schemeClr val="accent1">
+              <a:shade val="50000"/>
+            </a:schemeClr>
+          </a:lnRef>
+          <a:fillRef idx="1">
+            <a:schemeClr val="accent1"/>
+          </a:fillRef>
+          <a:effectRef idx="0">
+            <a:schemeClr val="accent1"/>
+          </a:effectRef>
+          <a:fontRef idx="minor">
+            <a:schemeClr val="lt1"/>
+          </a:fontRef>
+        </p:style>
+        <p:txBody>
+          <a:bodyPr rtlCol="0" anchor="ctr"/>
+          <a:lstStyle/>
+          <a:p>
+            <a:pPr algn="ctr"/>
+            <a:r>
+              <a:rPr lang="ru-RU" b="1" dirty="0" smtClean="0"/>
+              <a:t>3.создание объекта </a:t>
+            </a:r>
+            <a:r>
+              <a:rPr lang="en-US" b="1" dirty="0" smtClean="0"/>
+              <a:t>Statement</a:t>
+            </a:r>
+            <a:r>
+              <a:rPr lang="ru-RU" b="1" dirty="0" smtClean="0"/>
+              <a:t> для передачи запросов</a:t>
+            </a:r>
+            <a:endParaRPr lang="ru-RU" b="1" dirty="0"/>
+          </a:p>
+        </p:txBody>
+      </p:sp>
+      <p:sp>
+        <p:nvSpPr>
+          <p:cNvPr id="9" name="Стрелка вправо 8"/>
+          <p:cNvSpPr/>
+          <p:nvPr/>
+        </p:nvSpPr>
+        <p:spPr>
+          <a:xfrm>
+            <a:off x="5029200" y="3657600"/>
+            <a:ext cx="990600" cy="266700"/>
+          </a:xfrm>
+          <a:prstGeom prst="rightArrow">
+            <a:avLst/>
+          </a:prstGeom>
+        </p:spPr>
+        <p:style>
+          <a:lnRef idx="2">
+            <a:schemeClr val="accent1">
+              <a:shade val="50000"/>
+            </a:schemeClr>
+          </a:lnRef>
+          <a:fillRef idx="1">
+            <a:schemeClr val="accent1"/>
+          </a:fillRef>
+          <a:effectRef idx="0">
+            <a:schemeClr val="accent1"/>
+          </a:effectRef>
+          <a:fontRef idx="minor">
+            <a:schemeClr val="lt1"/>
+          </a:fontRef>
+        </p:style>
+        <p:txBody>
+          <a:bodyPr rtlCol="0" anchor="ctr"/>
+          <a:lstStyle/>
+          <a:p>
+            <a:pPr algn="ctr"/>
+            <a:endParaRPr lang="ru-RU"/>
+          </a:p>
+        </p:txBody>
+      </p:sp>
+      <p:sp>
+        <p:nvSpPr>
+          <p:cNvPr id="10" name="Скругленный прямоугольник 9"/>
+          <p:cNvSpPr/>
+          <p:nvPr/>
+        </p:nvSpPr>
+        <p:spPr>
+          <a:xfrm>
+            <a:off x="6248400" y="3429000"/>
+            <a:ext cx="2209800" cy="609600"/>
+          </a:xfrm>
+          <a:prstGeom prst="roundRect">
+            <a:avLst/>
+          </a:prstGeom>
+        </p:spPr>
+        <p:style>
+          <a:lnRef idx="2">
+            <a:schemeClr val="accent1">
+              <a:shade val="50000"/>
+            </a:schemeClr>
+          </a:lnRef>
+          <a:fillRef idx="1">
+            <a:schemeClr val="accent1"/>
+          </a:fillRef>
+          <a:effectRef idx="0">
+            <a:schemeClr val="accent1"/>
+          </a:effectRef>
+          <a:fontRef idx="minor">
+            <a:schemeClr val="lt1"/>
+          </a:fontRef>
+        </p:style>
+        <p:txBody>
+          <a:bodyPr rtlCol="0" anchor="ctr"/>
+          <a:lstStyle/>
+          <a:p>
+            <a:pPr algn="ctr"/>
+            <a:r>
+              <a:rPr lang="ru-RU" b="1" dirty="0" smtClean="0"/>
+              <a:t>4.выполнение запроса</a:t>
+            </a:r>
+            <a:endParaRPr lang="ru-RU" b="1" dirty="0"/>
+          </a:p>
+        </p:txBody>
+      </p:sp>
+      <p:sp>
+        <p:nvSpPr>
+          <p:cNvPr id="11" name="Стрелка вправо 10"/>
+          <p:cNvSpPr/>
+          <p:nvPr/>
+        </p:nvSpPr>
+        <p:spPr>
+          <a:xfrm>
+            <a:off x="990600" y="5238750"/>
+            <a:ext cx="990600" cy="266700"/>
+          </a:xfrm>
+          <a:prstGeom prst="rightArrow">
+            <a:avLst/>
+          </a:prstGeom>
+        </p:spPr>
+        <p:style>
+          <a:lnRef idx="2">
+            <a:schemeClr val="accent1">
+              <a:shade val="50000"/>
+            </a:schemeClr>
+          </a:lnRef>
+          <a:fillRef idx="1">
+            <a:schemeClr val="accent1"/>
+          </a:fillRef>
+          <a:effectRef idx="0">
+            <a:schemeClr val="accent1"/>
+          </a:effectRef>
+          <a:fontRef idx="minor">
+            <a:schemeClr val="lt1"/>
+          </a:fontRef>
+        </p:style>
+        <p:txBody>
+          <a:bodyPr rtlCol="0" anchor="ctr"/>
+          <a:lstStyle/>
+          <a:p>
+            <a:pPr algn="ctr"/>
+            <a:endParaRPr lang="ru-RU"/>
+          </a:p>
+        </p:txBody>
+      </p:sp>
+      <p:sp>
+        <p:nvSpPr>
+          <p:cNvPr id="12" name="Скругленный прямоугольник 11"/>
+          <p:cNvSpPr/>
+          <p:nvPr/>
+        </p:nvSpPr>
+        <p:spPr>
+          <a:xfrm>
+            <a:off x="2141560" y="4876800"/>
+            <a:ext cx="2743200" cy="914400"/>
+          </a:xfrm>
+          <a:prstGeom prst="roundRect">
+            <a:avLst/>
+          </a:prstGeom>
+        </p:spPr>
+        <p:style>
+          <a:lnRef idx="2">
+            <a:schemeClr val="accent1">
+              <a:shade val="50000"/>
+            </a:schemeClr>
+          </a:lnRef>
+          <a:fillRef idx="1">
+            <a:schemeClr val="accent1"/>
+          </a:fillRef>
+          <a:effectRef idx="0">
+            <a:schemeClr val="accent1"/>
+          </a:effectRef>
+          <a:fontRef idx="minor">
+            <a:schemeClr val="lt1"/>
+          </a:fontRef>
+        </p:style>
+        <p:txBody>
+          <a:bodyPr rtlCol="0" anchor="ctr"/>
+          <a:lstStyle/>
+          <a:p>
+            <a:pPr algn="ctr"/>
+            <a:r>
+              <a:rPr lang="ru-RU" b="1" dirty="0" smtClean="0"/>
+              <a:t>5.обработка результатов выполнения запроса</a:t>
+            </a:r>
+            <a:endParaRPr lang="ru-RU" b="1" dirty="0"/>
+          </a:p>
+        </p:txBody>
+      </p:sp>
+      <p:sp>
+        <p:nvSpPr>
+          <p:cNvPr id="13" name="Стрелка вправо 12"/>
+          <p:cNvSpPr/>
+          <p:nvPr/>
+        </p:nvSpPr>
+        <p:spPr>
+          <a:xfrm>
+            <a:off x="5105400" y="5238750"/>
+            <a:ext cx="990600" cy="266700"/>
+          </a:xfrm>
+          <a:prstGeom prst="rightArrow">
+            <a:avLst/>
+          </a:prstGeom>
+        </p:spPr>
+        <p:style>
+          <a:lnRef idx="2">
+            <a:schemeClr val="accent1">
+              <a:shade val="50000"/>
+            </a:schemeClr>
+          </a:lnRef>
+          <a:fillRef idx="1">
+            <a:schemeClr val="accent1"/>
+          </a:fillRef>
+          <a:effectRef idx="0">
+            <a:schemeClr val="accent1"/>
+          </a:effectRef>
+          <a:fontRef idx="minor">
+            <a:schemeClr val="lt1"/>
+          </a:fontRef>
+        </p:style>
+        <p:txBody>
+          <a:bodyPr rtlCol="0" anchor="ctr"/>
+          <a:lstStyle/>
+          <a:p>
+            <a:pPr algn="ctr"/>
+            <a:endParaRPr lang="ru-RU"/>
+          </a:p>
+        </p:txBody>
+      </p:sp>
+      <p:sp>
+        <p:nvSpPr>
+          <p:cNvPr id="14" name="Скругленный прямоугольник 13"/>
+          <p:cNvSpPr/>
+          <p:nvPr/>
+        </p:nvSpPr>
+        <p:spPr>
+          <a:xfrm>
+            <a:off x="6248400" y="5029200"/>
+            <a:ext cx="2286000" cy="609600"/>
+          </a:xfrm>
+          <a:prstGeom prst="roundRect">
+            <a:avLst/>
+          </a:prstGeom>
+        </p:spPr>
+        <p:style>
+          <a:lnRef idx="2">
+            <a:schemeClr val="accent1">
+              <a:shade val="50000"/>
+            </a:schemeClr>
+          </a:lnRef>
+          <a:fillRef idx="1">
+            <a:schemeClr val="accent1"/>
+          </a:fillRef>
+          <a:effectRef idx="0">
+            <a:schemeClr val="accent1"/>
+          </a:effectRef>
+          <a:fontRef idx="minor">
+            <a:schemeClr val="lt1"/>
+          </a:fontRef>
+        </p:style>
+        <p:txBody>
+          <a:bodyPr rtlCol="0" anchor="ctr"/>
+          <a:lstStyle/>
+          <a:p>
+            <a:pPr algn="ctr"/>
+            <a:r>
+              <a:rPr lang="ru-RU" b="1" dirty="0" smtClean="0"/>
+              <a:t>6.закрытие соединения с БД</a:t>
+            </a:r>
+            <a:endParaRPr lang="ru-RU" b="1" dirty="0"/>
+          </a:p>
+        </p:txBody>
+      </p:sp>
+    </p:spTree>
+    <p:extLst>
+      <p:ext uri="{BB962C8B-B14F-4D97-AF65-F5344CB8AC3E}">
+        <p14:creationId xmlns:p14="http://schemas.microsoft.com/office/powerpoint/2010/main" val="4066701480"/>
+      </p:ext>
+    </p:extLst>
+  </p:cSld>
+  <p:clrMapOvr>
+    <a:masterClrMapping/>
+  </p:clrMapOvr>
+  <p:timing>
+    <p:tnLst>
+      <p:par>
+        <p:cTn id="1" dur="indefinite" restart="never" nodeType="tmRoot"/>
+      </p:par>
+    </p:tnLst>
+  </p:timing>
+</p:sld>
+</file>
+
+<file path=ppt/slides/slide14.xml><?xml version="1.0" encoding="utf-8"?>
+<p:sld xmlns:a="http://schemas.openxmlformats.org/drawingml/2006/main" xmlns:r="http://schemas.openxmlformats.org/officeDocument/2006/relationships" xmlns:p="http://schemas.openxmlformats.org/presentationml/2006/main">
+  <p:cSld>
+    <p:spTree>
+      <p:nvGrpSpPr>
+        <p:cNvPr id="1" name=""/>
+        <p:cNvGrpSpPr/>
+        <p:nvPr/>
+      </p:nvGrpSpPr>
+      <p:grpSpPr>
+        <a:xfrm>
+          <a:off x="0" y="0"/>
+          <a:ext cx="0" cy="0"/>
+          <a:chOff x="0" y="0"/>
+          <a:chExt cx="0" cy="0"/>
+        </a:xfrm>
+      </p:grpSpPr>
+      <p:sp>
+        <p:nvSpPr>
+          <p:cNvPr id="4" name="Заголовок 3"/>
+          <p:cNvSpPr>
+            <a:spLocks noGrp="1"/>
+          </p:cNvSpPr>
+          <p:nvPr>
+            <p:ph type="title"/>
+          </p:nvPr>
+        </p:nvSpPr>
+        <p:spPr>
+          <a:xfrm>
+            <a:off x="1600200" y="2286000"/>
+            <a:ext cx="6186544" cy="1143000"/>
+          </a:xfrm>
+        </p:spPr>
+        <p:txBody>
+          <a:bodyPr/>
+          <a:lstStyle/>
+          <a:p>
+            <a:r>
+              <a:rPr lang="ru-RU" b="1" i="1" dirty="0" smtClean="0"/>
+              <a:t>Спасибо за внимание!</a:t>
+            </a:r>
+            <a:endParaRPr lang="ru-RU" b="1" i="1" dirty="0"/>
+          </a:p>
+        </p:txBody>
+      </p:sp>
+    </p:spTree>
+    <p:extLst>
+      <p:ext uri="{BB962C8B-B14F-4D97-AF65-F5344CB8AC3E}">
+        <p14:creationId xmlns:p14="http://schemas.microsoft.com/office/powerpoint/2010/main" val="252836195"/>
+      </p:ext>
+    </p:extLst>
+  </p:cSld>
+  <p:clrMapOvr>
+    <a:masterClrMapping/>
+  </p:clrMapOvr>
+  <p:timing>
+    <p:tnLst>
+      <p:par>
+        <p:cTn id="1" dur="indefinite" restart="never" nodeType="tmRoot"/>
+      </p:par>
+    </p:tnLst>
+  </p:timing>
+</p:sld>
+</file>
+
 <file path=ppt/slides/slide2.xml><?xml version="1.0" encoding="utf-8"?>
 <p:sld xmlns:a="http://schemas.openxmlformats.org/drawingml/2006/main" xmlns:r="http://schemas.openxmlformats.org/officeDocument/2006/relationships" xmlns:p="http://schemas.openxmlformats.org/presentationml/2006/main">
   <p:cSld>
@@ -13891,8 +22613,8 @@
         </p:nvSpPr>
         <p:spPr>
           <a:xfrm>
-            <a:off x="1043490" y="685800"/>
-            <a:ext cx="7186110" cy="1143000"/>
+            <a:off x="914400" y="685800"/>
+            <a:ext cx="7414710" cy="1143000"/>
           </a:xfrm>
         </p:spPr>
         <p:txBody>
@@ -13902,10 +22624,10 @@
           <a:lstStyle/>
           <a:p>
             <a:r>
-              <a:rPr lang="ru-RU" dirty="0" smtClean="0"/>
+              <a:rPr lang="ru-RU" b="1" dirty="0" smtClean="0"/>
               <a:t>Архитектура «клиент-сервер»</a:t>
             </a:r>
-            <a:endParaRPr lang="ru-RU" dirty="0"/>
+            <a:endParaRPr lang="ru-RU" b="1" dirty="0"/>
           </a:p>
         </p:txBody>
       </p:sp>
@@ -13966,7 +22688,6 @@
               <a:rPr lang="ru-RU" sz="2000" dirty="0"/>
               <a:t>управляющие ресурсами и поставляющие некоторые функции. </a:t>
             </a:r>
-            <a:endParaRPr lang="ru-RU" sz="2000" dirty="0"/>
           </a:p>
         </p:txBody>
       </p:sp>
@@ -14044,10 +22765,10 @@
           <a:p>
             <a:pPr algn="ctr"/>
             <a:r>
-              <a:rPr lang="ru-RU" dirty="0" smtClean="0"/>
+              <a:rPr lang="ru-RU" b="1" dirty="0" smtClean="0"/>
               <a:t>Функции приложения</a:t>
             </a:r>
-            <a:endParaRPr lang="ru-RU" dirty="0"/>
+            <a:endParaRPr lang="ru-RU" b="1" dirty="0"/>
           </a:p>
         </p:txBody>
       </p:sp>
@@ -14088,10 +22809,10 @@
           <a:p>
             <a:pPr algn="ctr"/>
             <a:r>
-              <a:rPr lang="ru-RU" dirty="0" smtClean="0"/>
+              <a:rPr lang="ru-RU" b="1" dirty="0" smtClean="0"/>
               <a:t>Компоненты приложения</a:t>
             </a:r>
-            <a:endParaRPr lang="ru-RU" dirty="0"/>
+            <a:endParaRPr lang="ru-RU" b="1" dirty="0"/>
           </a:p>
         </p:txBody>
       </p:sp>
@@ -14453,22 +23174,24 @@
         </p:nvSpPr>
         <p:spPr>
           <a:xfrm>
-            <a:off x="1043492" y="1028252"/>
+            <a:off x="1043492" y="1180652"/>
             <a:ext cx="6777317" cy="648148"/>
           </a:xfrm>
         </p:spPr>
         <p:txBody>
-          <a:bodyPr/>
+          <a:bodyPr>
+            <a:normAutofit/>
+          </a:bodyPr>
           <a:lstStyle/>
           <a:p>
             <a:pPr marL="68580" indent="0">
               <a:buNone/>
             </a:pPr>
             <a:r>
-              <a:rPr lang="ru-RU" dirty="0" smtClean="0"/>
+              <a:rPr lang="ru-RU" sz="2800" dirty="0" smtClean="0"/>
               <a:t>Двухзвенная архитектура</a:t>
             </a:r>
-            <a:endParaRPr lang="ru-RU" dirty="0"/>
+            <a:endParaRPr lang="ru-RU" sz="2800" dirty="0"/>
           </a:p>
         </p:txBody>
       </p:sp>
@@ -14549,7 +23272,7 @@
         </p:nvSpPr>
         <p:spPr>
           <a:xfrm>
-            <a:off x="1043490" y="685800"/>
+            <a:off x="1043490" y="914400"/>
             <a:ext cx="7490910" cy="1143000"/>
           </a:xfrm>
         </p:spPr>
@@ -14564,10 +23287,10 @@
               <a:t>Технология написания сервера: </a:t>
             </a:r>
             <a:r>
-              <a:rPr lang="en-US" dirty="0" smtClean="0"/>
+              <a:rPr lang="en-US" b="1" dirty="0" smtClean="0"/>
               <a:t>Socket vs REST</a:t>
             </a:r>
-            <a:endParaRPr lang="ru-RU" dirty="0"/>
+            <a:endParaRPr lang="ru-RU" b="1" dirty="0"/>
           </a:p>
         </p:txBody>
       </p:sp>
@@ -14730,11 +23453,11 @@
   <p:clrMapOvr>
     <a:masterClrMapping/>
   </p:clrMapOvr>
-  <mc:AlternateContent xmlns:mc="http://schemas.openxmlformats.org/markup-compatibility/2006">
-    <mc:Choice xmlns:p14="http://schemas.microsoft.com/office/powerpoint/2010/main" Requires="p14">
+  <mc:AlternateContent xmlns:mc="http://schemas.openxmlformats.org/markup-compatibility/2006" xmlns:p14="http://schemas.microsoft.com/office/powerpoint/2010/main">
+    <mc:Choice Requires="p14">
       <p:transition spd="slow" p14:dur="2000"/>
     </mc:Choice>
-    <mc:Fallback>
+    <mc:Fallback xmlns="">
       <p:transition spd="slow"/>
     </mc:Fallback>
   </mc:AlternateContent>
@@ -14781,10 +23504,10 @@
           <a:lstStyle/>
           <a:p>
             <a:r>
-              <a:rPr lang="en-US" dirty="0" smtClean="0"/>
+              <a:rPr lang="en-US" b="1" dirty="0" smtClean="0"/>
               <a:t>Jersey &amp; JAX-RS</a:t>
             </a:r>
-            <a:endParaRPr lang="ru-RU" dirty="0"/>
+            <a:endParaRPr lang="ru-RU" b="1" dirty="0"/>
           </a:p>
         </p:txBody>
       </p:sp>
@@ -14798,12 +23521,17 @@
             <p:ph idx="1"/>
           </p:nvPr>
         </p:nvSpPr>
-        <p:spPr/>
+        <p:spPr>
+          <a:xfrm>
+            <a:off x="914400" y="2704652"/>
+            <a:ext cx="7620000" cy="2172148"/>
+          </a:xfrm>
+        </p:spPr>
         <p:txBody>
           <a:bodyPr/>
           <a:lstStyle/>
           <a:p>
-            <a:pPr marL="68580" indent="0">
+            <a:pPr marL="68263" indent="388938">
               <a:buNone/>
             </a:pPr>
             <a:r>
@@ -14832,16 +23560,151 @@
             </a:r>
             <a:r>
               <a:rPr lang="ru-RU" dirty="0" smtClean="0"/>
-              <a:t>. Эта спецификация предлагает модель описания распределенных ресурсов на основе аннотаций</a:t>
+              <a:t>. </a:t>
+            </a:r>
+            <a:r>
+              <a:rPr lang="ru-RU" dirty="0" smtClean="0"/>
+              <a:t>Данная </a:t>
+            </a:r>
+            <a:r>
+              <a:rPr lang="ru-RU" dirty="0" smtClean="0"/>
+              <a:t>спецификация </a:t>
+            </a:r>
+            <a:r>
+              <a:rPr lang="ru-RU" dirty="0" smtClean="0"/>
+              <a:t>предлагает модель описания распределенных ресурсов на основе аннотаций</a:t>
             </a:r>
             <a:endParaRPr lang="ru-RU" dirty="0"/>
           </a:p>
         </p:txBody>
       </p:sp>
+      <p:pic>
+        <p:nvPicPr>
+          <p:cNvPr id="4098" name="Picture 2" descr="http://www.broadleafcommerce.com/img/tech/jersey.png"/>
+          <p:cNvPicPr>
+            <a:picLocks noChangeAspect="1" noChangeArrowheads="1"/>
+          </p:cNvPicPr>
+          <p:nvPr/>
+        </p:nvPicPr>
+        <p:blipFill rotWithShape="1">
+          <a:blip r:embed="rId2">
+            <a:extLst>
+              <a:ext uri="{28A0092B-C50C-407E-A947-70E740481C1C}">
+                <a14:useLocalDpi xmlns:a14="http://schemas.microsoft.com/office/drawing/2010/main" val="0"/>
+              </a:ext>
+            </a:extLst>
+          </a:blip>
+          <a:srcRect t="32620" b="29553"/>
+          <a:stretch/>
+        </p:blipFill>
+        <p:spPr bwMode="auto">
+          <a:xfrm>
+            <a:off x="5162550" y="1434151"/>
+            <a:ext cx="2381250" cy="900753"/>
+          </a:xfrm>
+          <a:prstGeom prst="rect">
+            <a:avLst/>
+          </a:prstGeom>
+          <a:noFill/>
+          <a:extLst>
+            <a:ext uri="{909E8E84-426E-40DD-AFC4-6F175D3DCCD1}">
+              <a14:hiddenFill xmlns:a14="http://schemas.microsoft.com/office/drawing/2010/main">
+                <a:solidFill>
+                  <a:srgbClr val="FFFFFF"/>
+                </a:solidFill>
+              </a14:hiddenFill>
+            </a:ext>
+          </a:extLst>
+        </p:spPr>
+      </p:pic>
     </p:spTree>
     <p:extLst>
       <p:ext uri="{BB962C8B-B14F-4D97-AF65-F5344CB8AC3E}">
         <p14:creationId xmlns:p14="http://schemas.microsoft.com/office/powerpoint/2010/main" val="2015647218"/>
+      </p:ext>
+    </p:extLst>
+  </p:cSld>
+  <p:clrMapOvr>
+    <a:masterClrMapping/>
+  </p:clrMapOvr>
+  <p:timing>
+    <p:tnLst>
+      <p:par>
+        <p:cTn id="1" dur="indefinite" restart="never" nodeType="tmRoot"/>
+      </p:par>
+    </p:tnLst>
+  </p:timing>
+</p:sld>
+</file>
+
+<file path=ppt/slides/slide9.xml><?xml version="1.0" encoding="utf-8"?>
+<p:sld xmlns:a="http://schemas.openxmlformats.org/drawingml/2006/main" xmlns:r="http://schemas.openxmlformats.org/officeDocument/2006/relationships" xmlns:p="http://schemas.openxmlformats.org/presentationml/2006/main">
+  <p:cSld>
+    <p:spTree>
+      <p:nvGrpSpPr>
+        <p:cNvPr id="1" name=""/>
+        <p:cNvGrpSpPr/>
+        <p:nvPr/>
+      </p:nvGrpSpPr>
+      <p:grpSpPr>
+        <a:xfrm>
+          <a:off x="0" y="0"/>
+          <a:ext cx="0" cy="0"/>
+          <a:chOff x="0" y="0"/>
+          <a:chExt cx="0" cy="0"/>
+        </a:xfrm>
+      </p:grpSpPr>
+      <p:graphicFrame>
+        <p:nvGraphicFramePr>
+          <p:cNvPr id="4" name="Объект 3"/>
+          <p:cNvGraphicFramePr>
+            <a:graphicFrameLocks noGrp="1"/>
+          </p:cNvGraphicFramePr>
+          <p:nvPr>
+            <p:ph idx="1"/>
+            <p:extLst>
+              <p:ext uri="{D42A27DB-BD31-4B8C-83A1-F6EECF244321}">
+                <p14:modId xmlns:p14="http://schemas.microsoft.com/office/powerpoint/2010/main" val="4080236585"/>
+              </p:ext>
+            </p:extLst>
+          </p:nvPr>
+        </p:nvGraphicFramePr>
+        <p:xfrm>
+          <a:off x="1371600" y="685801"/>
+          <a:ext cx="6777037" cy="2666999"/>
+        </p:xfrm>
+        <a:graphic>
+          <a:graphicData uri="http://schemas.openxmlformats.org/drawingml/2006/diagram">
+            <dgm:relIds xmlns:dgm="http://schemas.openxmlformats.org/drawingml/2006/diagram" xmlns:r="http://schemas.openxmlformats.org/officeDocument/2006/relationships" r:dm="rId2" r:lo="rId3" r:qs="rId4" r:cs="rId5"/>
+          </a:graphicData>
+        </a:graphic>
+      </p:graphicFrame>
+      <p:graphicFrame>
+        <p:nvGraphicFramePr>
+          <p:cNvPr id="5" name="Схема 4"/>
+          <p:cNvGraphicFramePr/>
+          <p:nvPr>
+            <p:extLst>
+              <p:ext uri="{D42A27DB-BD31-4B8C-83A1-F6EECF244321}">
+                <p14:modId xmlns:p14="http://schemas.microsoft.com/office/powerpoint/2010/main" val="123814266"/>
+              </p:ext>
+            </p:extLst>
+          </p:nvPr>
+        </p:nvGraphicFramePr>
+        <p:xfrm>
+          <a:off x="1600200" y="3429000"/>
+          <a:ext cx="6096000" cy="2184400"/>
+        </p:xfrm>
+        <a:graphic>
+          <a:graphicData uri="http://schemas.openxmlformats.org/drawingml/2006/diagram">
+            <dgm:relIds xmlns:dgm="http://schemas.openxmlformats.org/drawingml/2006/diagram" xmlns:r="http://schemas.openxmlformats.org/officeDocument/2006/relationships" r:dm="rId7" r:lo="rId8" r:qs="rId9" r:cs="rId10"/>
+          </a:graphicData>
+        </a:graphic>
+      </p:graphicFrame>
+    </p:spTree>
+    <p:extLst>
+      <p:ext uri="{BB962C8B-B14F-4D97-AF65-F5344CB8AC3E}">
+        <p14:creationId xmlns:p14="http://schemas.microsoft.com/office/powerpoint/2010/main" val="656042318"/>
       </p:ext>
     </p:extLst>
   </p:cSld>
